--- a/KANs_presentation.pptx
+++ b/KANs_presentation.pptx
@@ -5,17 +5,35 @@
     <p:sldMasterId id="2147483941" r:id="rId1"/>
   </p:sldMasterIdLst>
   <p:notesMasterIdLst>
-    <p:notesMasterId r:id="rId4"/>
+    <p:notesMasterId r:id="rId22"/>
   </p:notesMasterIdLst>
   <p:handoutMasterIdLst>
-    <p:handoutMasterId r:id="rId5"/>
+    <p:handoutMasterId r:id="rId23"/>
   </p:handoutMasterIdLst>
   <p:sldIdLst>
     <p:sldId id="472" r:id="rId2"/>
-    <p:sldId id="491" r:id="rId3"/>
+    <p:sldId id="492" r:id="rId3"/>
+    <p:sldId id="509" r:id="rId4"/>
+    <p:sldId id="510" r:id="rId5"/>
+    <p:sldId id="494" r:id="rId6"/>
+    <p:sldId id="511" r:id="rId7"/>
+    <p:sldId id="512" r:id="rId8"/>
+    <p:sldId id="513" r:id="rId9"/>
+    <p:sldId id="514" r:id="rId10"/>
+    <p:sldId id="515" r:id="rId11"/>
+    <p:sldId id="518" r:id="rId12"/>
+    <p:sldId id="516" r:id="rId13"/>
+    <p:sldId id="517" r:id="rId14"/>
+    <p:sldId id="519" r:id="rId15"/>
+    <p:sldId id="526" r:id="rId16"/>
+    <p:sldId id="520" r:id="rId17"/>
+    <p:sldId id="522" r:id="rId18"/>
+    <p:sldId id="523" r:id="rId19"/>
+    <p:sldId id="524" r:id="rId20"/>
+    <p:sldId id="525" r:id="rId21"/>
   </p:sldIdLst>
   <p:sldSz cx="9906000" cy="6858000" type="A4"/>
-  <p:notesSz cx="6797675" cy="9928225"/>
+  <p:notesSz cx="7315200" cy="9601200"/>
   <p:defaultTextStyle>
     <a:defPPr>
       <a:defRPr lang="en-US"/>
@@ -158,12 +176,12 @@
     </p:ext>
     <p:ext uri="{2D200454-40CA-4A62-9FC3-DE9A4176ACB9}">
       <p15:notesGuideLst xmlns:p15="http://schemas.microsoft.com/office/powerpoint/2012/main">
-        <p15:guide id="1" orient="horz" pos="3127" userDrawn="1">
+        <p15:guide id="1" orient="horz" pos="3024" userDrawn="1">
           <p15:clr>
             <a:srgbClr val="A4A3A4"/>
           </p15:clr>
         </p15:guide>
-        <p15:guide id="2" pos="2141" userDrawn="1">
+        <p15:guide id="2" pos="2304" userDrawn="1">
           <p15:clr>
             <a:srgbClr val="A4A3A4"/>
           </p15:clr>
@@ -211,8 +229,8 @@
         </p:nvSpPr>
         <p:spPr bwMode="auto">
           <a:xfrm>
-            <a:off x="0" y="9850"/>
-            <a:ext cx="2945955" cy="466206"/>
+            <a:off x="1" y="9525"/>
+            <a:ext cx="3170238" cy="450850"/>
           </a:xfrm>
           <a:prstGeom prst="rect">
             <a:avLst/>
@@ -257,8 +275,8 @@
         </p:nvSpPr>
         <p:spPr bwMode="auto">
           <a:xfrm>
-            <a:off x="3851722" y="9850"/>
-            <a:ext cx="2945954" cy="466206"/>
+            <a:off x="4144964" y="9525"/>
+            <a:ext cx="3170237" cy="450850"/>
           </a:xfrm>
           <a:prstGeom prst="rect">
             <a:avLst/>
@@ -303,8 +321,8 @@
         </p:nvSpPr>
         <p:spPr bwMode="auto">
           <a:xfrm>
-            <a:off x="0" y="9452169"/>
-            <a:ext cx="2945955" cy="466206"/>
+            <a:off x="1" y="9140825"/>
+            <a:ext cx="3170238" cy="450850"/>
           </a:xfrm>
           <a:prstGeom prst="rect">
             <a:avLst/>
@@ -349,8 +367,8 @@
         </p:nvSpPr>
         <p:spPr bwMode="auto">
           <a:xfrm>
-            <a:off x="3851722" y="9452169"/>
-            <a:ext cx="2945954" cy="466206"/>
+            <a:off x="4144964" y="9140825"/>
+            <a:ext cx="3170237" cy="450850"/>
           </a:xfrm>
           <a:prstGeom prst="rect">
             <a:avLst/>
@@ -400,8 +418,8 @@
         </p:nvSpPr>
         <p:spPr bwMode="auto">
           <a:xfrm>
-            <a:off x="2995492" y="9460378"/>
-            <a:ext cx="805218" cy="273342"/>
+            <a:off x="3267824" y="9148764"/>
+            <a:ext cx="777967" cy="273342"/>
           </a:xfrm>
           <a:prstGeom prst="rect">
             <a:avLst/>
@@ -611,8 +629,8 @@
         </p:nvSpPr>
         <p:spPr bwMode="auto">
           <a:xfrm>
-            <a:off x="0" y="9850"/>
-            <a:ext cx="2945955" cy="466206"/>
+            <a:off x="1" y="9525"/>
+            <a:ext cx="3170238" cy="450850"/>
           </a:xfrm>
           <a:prstGeom prst="rect">
             <a:avLst/>
@@ -657,8 +675,8 @@
         </p:nvSpPr>
         <p:spPr bwMode="auto">
           <a:xfrm>
-            <a:off x="3851722" y="9850"/>
-            <a:ext cx="2945954" cy="466206"/>
+            <a:off x="4144964" y="9525"/>
+            <a:ext cx="3170237" cy="450850"/>
           </a:xfrm>
           <a:prstGeom prst="rect">
             <a:avLst/>
@@ -703,8 +721,8 @@
         </p:nvSpPr>
         <p:spPr bwMode="auto">
           <a:xfrm>
-            <a:off x="0" y="9452169"/>
-            <a:ext cx="2945955" cy="466206"/>
+            <a:off x="1" y="9140825"/>
+            <a:ext cx="3170238" cy="450850"/>
           </a:xfrm>
           <a:prstGeom prst="rect">
             <a:avLst/>
@@ -749,8 +767,8 @@
         </p:nvSpPr>
         <p:spPr bwMode="auto">
           <a:xfrm>
-            <a:off x="3851722" y="9452169"/>
-            <a:ext cx="2945954" cy="466206"/>
+            <a:off x="4144964" y="9140825"/>
+            <a:ext cx="3170237" cy="450850"/>
           </a:xfrm>
           <a:prstGeom prst="rect">
             <a:avLst/>
@@ -800,8 +818,8 @@
         </p:nvSpPr>
         <p:spPr bwMode="auto">
           <a:xfrm>
-            <a:off x="2945954" y="9434113"/>
-            <a:ext cx="796603" cy="453391"/>
+            <a:off x="3170238" y="9123364"/>
+            <a:ext cx="857250" cy="273342"/>
           </a:xfrm>
           <a:prstGeom prst="rect">
             <a:avLst/>
@@ -975,8 +993,8 @@
         </p:nvSpPr>
         <p:spPr bwMode="auto">
           <a:xfrm>
-            <a:off x="893763" y="871538"/>
-            <a:ext cx="5010150" cy="3468687"/>
+            <a:off x="1235075" y="842963"/>
+            <a:ext cx="4845050" cy="3354387"/>
           </a:xfrm>
           <a:prstGeom prst="rect">
             <a:avLst/>
@@ -1013,8 +1031,8 @@
         </p:nvSpPr>
         <p:spPr bwMode="auto">
           <a:xfrm>
-            <a:off x="905767" y="4716236"/>
-            <a:ext cx="4986142" cy="4181082"/>
+            <a:off x="974726" y="4560888"/>
+            <a:ext cx="5365750" cy="4043362"/>
           </a:xfrm>
           <a:prstGeom prst="rect">
             <a:avLst/>
@@ -7470,6 +7488,2995 @@
 </p:sld>
 </file>
 
+<file path=ppt/slides/slide10.xml><?xml version="1.0" encoding="utf-8"?>
+<p:sld xmlns:a="http://schemas.openxmlformats.org/drawingml/2006/main" xmlns:r="http://schemas.openxmlformats.org/officeDocument/2006/relationships" xmlns:p="http://schemas.openxmlformats.org/presentationml/2006/main">
+  <p:cSld>
+    <p:spTree>
+      <p:nvGrpSpPr>
+        <p:cNvPr id="1" name="">
+          <a:extLst>
+            <a:ext uri="{FF2B5EF4-FFF2-40B4-BE49-F238E27FC236}">
+              <a16:creationId xmlns:a16="http://schemas.microsoft.com/office/drawing/2014/main" id="{3C364358-1D9D-441C-0E80-8794C406A626}"/>
+            </a:ext>
+          </a:extLst>
+        </p:cNvPr>
+        <p:cNvGrpSpPr/>
+        <p:nvPr/>
+      </p:nvGrpSpPr>
+      <p:grpSpPr>
+        <a:xfrm>
+          <a:off x="0" y="0"/>
+          <a:ext cx="0" cy="0"/>
+          <a:chOff x="0" y="0"/>
+          <a:chExt cx="0" cy="0"/>
+        </a:xfrm>
+      </p:grpSpPr>
+      <p:sp>
+        <p:nvSpPr>
+          <p:cNvPr id="2" name="Title 1">
+            <a:extLst>
+              <a:ext uri="{FF2B5EF4-FFF2-40B4-BE49-F238E27FC236}">
+                <a16:creationId xmlns:a16="http://schemas.microsoft.com/office/drawing/2014/main" id="{A17C7349-7CCB-79CB-D22F-0C6B290E82BD}"/>
+              </a:ext>
+            </a:extLst>
+          </p:cNvPr>
+          <p:cNvSpPr>
+            <a:spLocks noGrp="1"/>
+          </p:cNvSpPr>
+          <p:nvPr>
+            <p:ph type="title"/>
+          </p:nvPr>
+        </p:nvSpPr>
+        <p:spPr/>
+        <p:txBody>
+          <a:bodyPr/>
+          <a:lstStyle/>
+          <a:p>
+            <a:r>
+              <a:rPr lang="en-US" sz="2400" dirty="0"/>
+              <a:t>Hyperparameters</a:t>
+            </a:r>
+            <a:endParaRPr sz="2400" dirty="0"/>
+          </a:p>
+        </p:txBody>
+      </p:sp>
+      <p:sp>
+        <p:nvSpPr>
+          <p:cNvPr id="3" name="Content Placeholder 2" descr="phi&#10;">
+            <a:extLst>
+              <a:ext uri="{FF2B5EF4-FFF2-40B4-BE49-F238E27FC236}">
+                <a16:creationId xmlns:a16="http://schemas.microsoft.com/office/drawing/2014/main" id="{C00B947F-59DE-AC78-6B63-2562E384A042}"/>
+              </a:ext>
+            </a:extLst>
+          </p:cNvPr>
+          <p:cNvSpPr>
+            <a:spLocks noGrp="1"/>
+          </p:cNvSpPr>
+          <p:nvPr>
+            <p:ph idx="1"/>
+          </p:nvPr>
+        </p:nvSpPr>
+        <p:spPr>
+          <a:xfrm>
+            <a:off x="685800" y="1524000"/>
+            <a:ext cx="8667750" cy="4876800"/>
+          </a:xfrm>
+        </p:spPr>
+        <p:txBody>
+          <a:bodyPr/>
+          <a:lstStyle/>
+          <a:p>
+            <a:pPr marL="0" indent="0">
+              <a:buNone/>
+            </a:pPr>
+            <a:r>
+              <a:rPr lang="en-US" sz="1800" dirty="0"/>
+              <a:t>The hyperparameters of a Kolmogorov-Arnold Network (KAN) are as follows:</a:t>
+            </a:r>
+          </a:p>
+          <a:p>
+            <a:r>
+              <a:rPr lang="en-US" sz="1800" dirty="0"/>
+              <a:t>L: the depth of the KAN</a:t>
+            </a:r>
+          </a:p>
+          <a:p>
+            <a:r>
+              <a:rPr lang="en-US" sz="1800" dirty="0"/>
+              <a:t>N ∈ {n₀, ..., nₗ}: the width of each layer</a:t>
+            </a:r>
+          </a:p>
+          <a:p>
+            <a:r>
+              <a:rPr lang="en-US" sz="1800" dirty="0"/>
+              <a:t>k: the number of B-splines used in the linear combination of each spline. </a:t>
+            </a:r>
+          </a:p>
+          <a:p>
+            <a:r>
+              <a:rPr lang="en-US" sz="1800" dirty="0"/>
+              <a:t>G: the number of control points for each B-spline</a:t>
+            </a:r>
+          </a:p>
+          <a:p>
+            <a:pPr marL="0" indent="0">
+              <a:buNone/>
+            </a:pPr>
+            <a:r>
+              <a:rPr lang="en-US" sz="1800" dirty="0"/>
+              <a:t>Given these hyperparameters L, N, G, and k, and considering N as the largest 𝑛∈𝑁 the total number of parameters in a KAN can be expressed as </a:t>
+            </a:r>
+          </a:p>
+          <a:p>
+            <a:pPr marL="0" indent="0">
+              <a:buNone/>
+            </a:pPr>
+            <a:endParaRPr lang="en-US" sz="1800" dirty="0"/>
+          </a:p>
+          <a:p>
+            <a:pPr marL="0" indent="0">
+              <a:buNone/>
+            </a:pPr>
+            <a:endParaRPr lang="en-US" sz="1800" dirty="0"/>
+          </a:p>
+          <a:p>
+            <a:pPr marL="0" indent="0">
+              <a:buNone/>
+            </a:pPr>
+            <a:r>
+              <a:rPr lang="en-US" sz="1800" dirty="0"/>
+              <a:t>In contrast, a multi-layer perceptron (MLP) with hyperparameters L, N requires only </a:t>
+            </a:r>
+          </a:p>
+          <a:p>
+            <a:pPr marL="0" indent="0">
+              <a:buNone/>
+            </a:pPr>
+            <a:endParaRPr lang="en-US" sz="1800" dirty="0"/>
+          </a:p>
+          <a:p>
+            <a:pPr marL="0" indent="0">
+              <a:buNone/>
+            </a:pPr>
+            <a:endParaRPr lang="en-US" sz="1800" dirty="0"/>
+          </a:p>
+          <a:p>
+            <a:pPr marL="0" indent="0">
+              <a:buNone/>
+            </a:pPr>
+            <a:r>
+              <a:rPr lang="en-US" sz="1800" dirty="0"/>
+              <a:t>However, KANs typically require much smaller values of N compared to MLPs</a:t>
+            </a:r>
+            <a:endParaRPr sz="1800" dirty="0"/>
+          </a:p>
+        </p:txBody>
+      </p:sp>
+      <p:pic>
+        <p:nvPicPr>
+          <p:cNvPr id="6" name="Picture 5">
+            <a:extLst>
+              <a:ext uri="{FF2B5EF4-FFF2-40B4-BE49-F238E27FC236}">
+                <a16:creationId xmlns:a16="http://schemas.microsoft.com/office/drawing/2014/main" id="{21D804B8-156B-F048-0971-181AF6492F04}"/>
+              </a:ext>
+            </a:extLst>
+          </p:cNvPr>
+          <p:cNvPicPr>
+            <a:picLocks noChangeAspect="1"/>
+          </p:cNvPicPr>
+          <p:nvPr/>
+        </p:nvPicPr>
+        <p:blipFill>
+          <a:blip r:embed="rId2"/>
+          <a:stretch>
+            <a:fillRect/>
+          </a:stretch>
+        </p:blipFill>
+        <p:spPr>
+          <a:xfrm>
+            <a:off x="3009900" y="3931920"/>
+            <a:ext cx="3886200" cy="381575"/>
+          </a:xfrm>
+          <a:prstGeom prst="rect">
+            <a:avLst/>
+          </a:prstGeom>
+        </p:spPr>
+      </p:pic>
+      <p:pic>
+        <p:nvPicPr>
+          <p:cNvPr id="8" name="Picture 7">
+            <a:extLst>
+              <a:ext uri="{FF2B5EF4-FFF2-40B4-BE49-F238E27FC236}">
+                <a16:creationId xmlns:a16="http://schemas.microsoft.com/office/drawing/2014/main" id="{17AAA238-B4EF-9AE7-8A59-1C52990764F3}"/>
+              </a:ext>
+            </a:extLst>
+          </p:cNvPr>
+          <p:cNvPicPr>
+            <a:picLocks noChangeAspect="1"/>
+          </p:cNvPicPr>
+          <p:nvPr/>
+        </p:nvPicPr>
+        <p:blipFill>
+          <a:blip r:embed="rId3"/>
+          <a:stretch>
+            <a:fillRect/>
+          </a:stretch>
+        </p:blipFill>
+        <p:spPr>
+          <a:xfrm>
+            <a:off x="4357657" y="5138860"/>
+            <a:ext cx="1190685" cy="390280"/>
+          </a:xfrm>
+          <a:prstGeom prst="rect">
+            <a:avLst/>
+          </a:prstGeom>
+        </p:spPr>
+      </p:pic>
+    </p:spTree>
+    <p:extLst>
+      <p:ext uri="{BB962C8B-B14F-4D97-AF65-F5344CB8AC3E}">
+        <p14:creationId xmlns:p14="http://schemas.microsoft.com/office/powerpoint/2010/main" val="2404506978"/>
+      </p:ext>
+    </p:extLst>
+  </p:cSld>
+  <p:clrMapOvr>
+    <a:masterClrMapping/>
+  </p:clrMapOvr>
+</p:sld>
+</file>
+
+<file path=ppt/slides/slide11.xml><?xml version="1.0" encoding="utf-8"?>
+<p:sld xmlns:a="http://schemas.openxmlformats.org/drawingml/2006/main" xmlns:r="http://schemas.openxmlformats.org/officeDocument/2006/relationships" xmlns:p="http://schemas.openxmlformats.org/presentationml/2006/main">
+  <p:cSld>
+    <p:spTree>
+      <p:nvGrpSpPr>
+        <p:cNvPr id="1" name="">
+          <a:extLst>
+            <a:ext uri="{FF2B5EF4-FFF2-40B4-BE49-F238E27FC236}">
+              <a16:creationId xmlns:a16="http://schemas.microsoft.com/office/drawing/2014/main" id="{3C8E812C-280D-C3C0-EBF3-07F0128C2C2D}"/>
+            </a:ext>
+          </a:extLst>
+        </p:cNvPr>
+        <p:cNvGrpSpPr/>
+        <p:nvPr/>
+      </p:nvGrpSpPr>
+      <p:grpSpPr>
+        <a:xfrm>
+          <a:off x="0" y="0"/>
+          <a:ext cx="0" cy="0"/>
+          <a:chOff x="0" y="0"/>
+          <a:chExt cx="0" cy="0"/>
+        </a:xfrm>
+      </p:grpSpPr>
+      <p:sp>
+        <p:nvSpPr>
+          <p:cNvPr id="2" name="Title 1">
+            <a:extLst>
+              <a:ext uri="{FF2B5EF4-FFF2-40B4-BE49-F238E27FC236}">
+                <a16:creationId xmlns:a16="http://schemas.microsoft.com/office/drawing/2014/main" id="{9C07AE4E-D34B-AD2E-043D-0FE5BD00BFF8}"/>
+              </a:ext>
+            </a:extLst>
+          </p:cNvPr>
+          <p:cNvSpPr>
+            <a:spLocks noGrp="1"/>
+          </p:cNvSpPr>
+          <p:nvPr>
+            <p:ph type="title"/>
+          </p:nvPr>
+        </p:nvSpPr>
+        <p:spPr/>
+        <p:txBody>
+          <a:bodyPr/>
+          <a:lstStyle/>
+          <a:p>
+            <a:r>
+              <a:rPr lang="en-US" sz="2400" dirty="0" err="1"/>
+              <a:t>Inizialization</a:t>
+            </a:r>
+            <a:r>
+              <a:rPr lang="en-US" sz="2400" dirty="0"/>
+              <a:t> and Training</a:t>
+            </a:r>
+            <a:endParaRPr sz="2400" dirty="0"/>
+          </a:p>
+        </p:txBody>
+      </p:sp>
+      <p:sp>
+        <p:nvSpPr>
+          <p:cNvPr id="3" name="Content Placeholder 2" descr="phi&#10;">
+            <a:extLst>
+              <a:ext uri="{FF2B5EF4-FFF2-40B4-BE49-F238E27FC236}">
+                <a16:creationId xmlns:a16="http://schemas.microsoft.com/office/drawing/2014/main" id="{F47D6902-687E-5915-6B66-8CD84E47EDE5}"/>
+              </a:ext>
+            </a:extLst>
+          </p:cNvPr>
+          <p:cNvSpPr>
+            <a:spLocks noGrp="1"/>
+          </p:cNvSpPr>
+          <p:nvPr>
+            <p:ph idx="1"/>
+          </p:nvPr>
+        </p:nvSpPr>
+        <p:spPr>
+          <a:xfrm>
+            <a:off x="685800" y="1975080"/>
+            <a:ext cx="8667750" cy="4876800"/>
+          </a:xfrm>
+        </p:spPr>
+        <p:txBody>
+          <a:bodyPr/>
+          <a:lstStyle/>
+          <a:p>
+            <a:pPr marL="0" indent="0">
+              <a:buNone/>
+            </a:pPr>
+            <a:r>
+              <a:rPr lang="en-US" sz="1800" dirty="0"/>
+              <a:t>KANs can be initialized and trained just like any other neural network. </a:t>
+            </a:r>
+          </a:p>
+          <a:p>
+            <a:pPr marL="0" indent="0">
+              <a:buNone/>
+            </a:pPr>
+            <a:r>
+              <a:rPr lang="en-US" sz="1800" dirty="0"/>
+              <a:t>Specifically for Training:</a:t>
+            </a:r>
+          </a:p>
+          <a:p>
+            <a:r>
+              <a:rPr lang="en-US" sz="1800" dirty="0"/>
+              <a:t>Forward propagation: Compute</a:t>
+            </a:r>
+          </a:p>
+          <a:p>
+            <a:endParaRPr lang="en-US" sz="1800" dirty="0"/>
+          </a:p>
+          <a:p>
+            <a:endParaRPr lang="en-US" sz="1800" dirty="0"/>
+          </a:p>
+          <a:p>
+            <a:r>
+              <a:rPr lang="en-US" sz="1800" dirty="0"/>
+              <a:t>Backward propagation: Compute the loss using LSM or cross-entropy, and then adjust the weights and splines using optimization methods such as Gradient Descent (GD), Stochastic Gradient Descent (SGD), Newton's Method (NM),            BFGS, or others.</a:t>
+            </a:r>
+            <a:endParaRPr sz="1800" dirty="0"/>
+          </a:p>
+        </p:txBody>
+      </p:sp>
+      <p:pic>
+        <p:nvPicPr>
+          <p:cNvPr id="4" name="Picture 3">
+            <a:extLst>
+              <a:ext uri="{FF2B5EF4-FFF2-40B4-BE49-F238E27FC236}">
+                <a16:creationId xmlns:a16="http://schemas.microsoft.com/office/drawing/2014/main" id="{0CCE5ED6-AFAC-AC44-31FE-E1E5E2D363AF}"/>
+              </a:ext>
+            </a:extLst>
+          </p:cNvPr>
+          <p:cNvPicPr>
+            <a:picLocks noChangeAspect="1"/>
+          </p:cNvPicPr>
+          <p:nvPr/>
+        </p:nvPicPr>
+        <p:blipFill>
+          <a:blip r:embed="rId2"/>
+          <a:stretch>
+            <a:fillRect/>
+          </a:stretch>
+        </p:blipFill>
+        <p:spPr>
+          <a:xfrm>
+            <a:off x="2590800" y="3124200"/>
+            <a:ext cx="4495800" cy="429470"/>
+          </a:xfrm>
+          <a:prstGeom prst="rect">
+            <a:avLst/>
+          </a:prstGeom>
+        </p:spPr>
+      </p:pic>
+    </p:spTree>
+    <p:extLst>
+      <p:ext uri="{BB962C8B-B14F-4D97-AF65-F5344CB8AC3E}">
+        <p14:creationId xmlns:p14="http://schemas.microsoft.com/office/powerpoint/2010/main" val="2424778505"/>
+      </p:ext>
+    </p:extLst>
+  </p:cSld>
+  <p:clrMapOvr>
+    <a:masterClrMapping/>
+  </p:clrMapOvr>
+</p:sld>
+</file>
+
+<file path=ppt/slides/slide12.xml><?xml version="1.0" encoding="utf-8"?>
+<p:sld xmlns:a="http://schemas.openxmlformats.org/drawingml/2006/main" xmlns:r="http://schemas.openxmlformats.org/officeDocument/2006/relationships" xmlns:p="http://schemas.openxmlformats.org/presentationml/2006/main">
+  <p:cSld>
+    <p:spTree>
+      <p:nvGrpSpPr>
+        <p:cNvPr id="1" name="">
+          <a:extLst>
+            <a:ext uri="{FF2B5EF4-FFF2-40B4-BE49-F238E27FC236}">
+              <a16:creationId xmlns:a16="http://schemas.microsoft.com/office/drawing/2014/main" id="{0AFD4807-4743-07C1-84E0-0FF03EE099F9}"/>
+            </a:ext>
+          </a:extLst>
+        </p:cNvPr>
+        <p:cNvGrpSpPr/>
+        <p:nvPr/>
+      </p:nvGrpSpPr>
+      <p:grpSpPr>
+        <a:xfrm>
+          <a:off x="0" y="0"/>
+          <a:ext cx="0" cy="0"/>
+          <a:chOff x="0" y="0"/>
+          <a:chExt cx="0" cy="0"/>
+        </a:xfrm>
+      </p:grpSpPr>
+      <p:sp>
+        <p:nvSpPr>
+          <p:cNvPr id="2" name="Title 1">
+            <a:extLst>
+              <a:ext uri="{FF2B5EF4-FFF2-40B4-BE49-F238E27FC236}">
+                <a16:creationId xmlns:a16="http://schemas.microsoft.com/office/drawing/2014/main" id="{3E387E9F-DD66-2C0B-774E-D225ACF05BA1}"/>
+              </a:ext>
+            </a:extLst>
+          </p:cNvPr>
+          <p:cNvSpPr>
+            <a:spLocks noGrp="1"/>
+          </p:cNvSpPr>
+          <p:nvPr>
+            <p:ph type="title"/>
+          </p:nvPr>
+        </p:nvSpPr>
+        <p:spPr/>
+        <p:txBody>
+          <a:bodyPr/>
+          <a:lstStyle/>
+          <a:p>
+            <a:r>
+              <a:rPr lang="en-US" sz="2400" dirty="0"/>
+              <a:t>Accuracy</a:t>
+            </a:r>
+            <a:endParaRPr sz="2400" dirty="0"/>
+          </a:p>
+        </p:txBody>
+      </p:sp>
+      <p:sp>
+        <p:nvSpPr>
+          <p:cNvPr id="3" name="Content Placeholder 2" descr="phi&#10;">
+            <a:extLst>
+              <a:ext uri="{FF2B5EF4-FFF2-40B4-BE49-F238E27FC236}">
+                <a16:creationId xmlns:a16="http://schemas.microsoft.com/office/drawing/2014/main" id="{2CF54296-DB9F-E503-C291-D28D26758C8F}"/>
+              </a:ext>
+            </a:extLst>
+          </p:cNvPr>
+          <p:cNvSpPr>
+            <a:spLocks noGrp="1"/>
+          </p:cNvSpPr>
+          <p:nvPr>
+            <p:ph idx="1"/>
+          </p:nvPr>
+        </p:nvSpPr>
+        <p:spPr>
+          <a:xfrm>
+            <a:off x="640461" y="1752600"/>
+            <a:ext cx="8667750" cy="1028700"/>
+          </a:xfrm>
+        </p:spPr>
+        <p:txBody>
+          <a:bodyPr/>
+          <a:lstStyle/>
+          <a:p>
+            <a:pPr marL="0" indent="0">
+              <a:buNone/>
+            </a:pPr>
+            <a:r>
+              <a:rPr lang="en-US" sz="1800" dirty="0"/>
+              <a:t>KANs consistently outperform MLPs, achieving significantly lower test loss across a range of parameters, and at much lower network depth (number of layers).</a:t>
+            </a:r>
+          </a:p>
+          <a:p>
+            <a:pPr marL="0" indent="0">
+              <a:buNone/>
+            </a:pPr>
+            <a:r>
+              <a:rPr lang="en-US" sz="1800" dirty="0"/>
+              <a:t>The performance of MLPs almost stagnates as the number of parameters increases.</a:t>
+            </a:r>
+          </a:p>
+        </p:txBody>
+      </p:sp>
+      <p:pic>
+        <p:nvPicPr>
+          <p:cNvPr id="5" name="Picture 4">
+            <a:extLst>
+              <a:ext uri="{FF2B5EF4-FFF2-40B4-BE49-F238E27FC236}">
+                <a16:creationId xmlns:a16="http://schemas.microsoft.com/office/drawing/2014/main" id="{2052F375-980D-4219-2BAD-BA80164FC1A3}"/>
+              </a:ext>
+            </a:extLst>
+          </p:cNvPr>
+          <p:cNvPicPr>
+            <a:picLocks noChangeAspect="1"/>
+          </p:cNvPicPr>
+          <p:nvPr/>
+        </p:nvPicPr>
+        <p:blipFill>
+          <a:blip r:embed="rId2"/>
+          <a:stretch>
+            <a:fillRect/>
+          </a:stretch>
+        </p:blipFill>
+        <p:spPr>
+          <a:xfrm>
+            <a:off x="342900" y="3124200"/>
+            <a:ext cx="9220200" cy="2103764"/>
+          </a:xfrm>
+          <a:prstGeom prst="rect">
+            <a:avLst/>
+          </a:prstGeom>
+        </p:spPr>
+      </p:pic>
+    </p:spTree>
+    <p:extLst>
+      <p:ext uri="{BB962C8B-B14F-4D97-AF65-F5344CB8AC3E}">
+        <p14:creationId xmlns:p14="http://schemas.microsoft.com/office/powerpoint/2010/main" val="254476563"/>
+      </p:ext>
+    </p:extLst>
+  </p:cSld>
+  <p:clrMapOvr>
+    <a:masterClrMapping/>
+  </p:clrMapOvr>
+</p:sld>
+</file>
+
+<file path=ppt/slides/slide13.xml><?xml version="1.0" encoding="utf-8"?>
+<p:sld xmlns:a="http://schemas.openxmlformats.org/drawingml/2006/main" xmlns:r="http://schemas.openxmlformats.org/officeDocument/2006/relationships" xmlns:p="http://schemas.openxmlformats.org/presentationml/2006/main">
+  <p:cSld>
+    <p:spTree>
+      <p:nvGrpSpPr>
+        <p:cNvPr id="1" name="">
+          <a:extLst>
+            <a:ext uri="{FF2B5EF4-FFF2-40B4-BE49-F238E27FC236}">
+              <a16:creationId xmlns:a16="http://schemas.microsoft.com/office/drawing/2014/main" id="{F06B7CAE-D4DF-871B-9170-83A86B029E72}"/>
+            </a:ext>
+          </a:extLst>
+        </p:cNvPr>
+        <p:cNvGrpSpPr/>
+        <p:nvPr/>
+      </p:nvGrpSpPr>
+      <p:grpSpPr>
+        <a:xfrm>
+          <a:off x="0" y="0"/>
+          <a:ext cx="0" cy="0"/>
+          <a:chOff x="0" y="0"/>
+          <a:chExt cx="0" cy="0"/>
+        </a:xfrm>
+      </p:grpSpPr>
+      <p:sp>
+        <p:nvSpPr>
+          <p:cNvPr id="2" name="Title 1">
+            <a:extLst>
+              <a:ext uri="{FF2B5EF4-FFF2-40B4-BE49-F238E27FC236}">
+                <a16:creationId xmlns:a16="http://schemas.microsoft.com/office/drawing/2014/main" id="{447CF861-054A-03F4-DDEB-85B711BF4F8C}"/>
+              </a:ext>
+            </a:extLst>
+          </p:cNvPr>
+          <p:cNvSpPr>
+            <a:spLocks noGrp="1"/>
+          </p:cNvSpPr>
+          <p:nvPr>
+            <p:ph type="title"/>
+          </p:nvPr>
+        </p:nvSpPr>
+        <p:spPr/>
+        <p:txBody>
+          <a:bodyPr/>
+          <a:lstStyle/>
+          <a:p>
+            <a:r>
+              <a:rPr lang="en-US" sz="2400" dirty="0"/>
+              <a:t>Drawbacks</a:t>
+            </a:r>
+            <a:endParaRPr sz="2400" dirty="0"/>
+          </a:p>
+        </p:txBody>
+      </p:sp>
+      <p:sp>
+        <p:nvSpPr>
+          <p:cNvPr id="3" name="Content Placeholder 2" descr="phi&#10;">
+            <a:extLst>
+              <a:ext uri="{FF2B5EF4-FFF2-40B4-BE49-F238E27FC236}">
+                <a16:creationId xmlns:a16="http://schemas.microsoft.com/office/drawing/2014/main" id="{141EB122-48B8-8903-17D0-1A3449233BA1}"/>
+              </a:ext>
+            </a:extLst>
+          </p:cNvPr>
+          <p:cNvSpPr>
+            <a:spLocks noGrp="1"/>
+          </p:cNvSpPr>
+          <p:nvPr>
+            <p:ph idx="1"/>
+          </p:nvPr>
+        </p:nvSpPr>
+        <p:spPr>
+          <a:xfrm>
+            <a:off x="622173" y="1447800"/>
+            <a:ext cx="8667750" cy="1600200"/>
+          </a:xfrm>
+        </p:spPr>
+        <p:txBody>
+          <a:bodyPr/>
+          <a:lstStyle/>
+          <a:p>
+            <a:pPr marL="0" indent="0">
+              <a:buNone/>
+            </a:pPr>
+            <a:r>
+              <a:rPr lang="en-US" sz="1800" dirty="0"/>
+              <a:t>Currently, the biggest bottleneck of KANs lies in their slow training. </a:t>
+            </a:r>
+          </a:p>
+          <a:p>
+            <a:pPr marL="0" indent="0">
+              <a:buNone/>
+            </a:pPr>
+            <a:r>
+              <a:rPr lang="en-US" sz="1800" dirty="0"/>
+              <a:t>KANs are typically 10 times slower than MLPs, given the same number of parameters (though KANs require fewer parameters than MLPs to accomplish the same task). </a:t>
+            </a:r>
+          </a:p>
+          <a:p>
+            <a:pPr marL="0" indent="0">
+              <a:buNone/>
+            </a:pPr>
+            <a:r>
+              <a:rPr lang="en-US" sz="1800" dirty="0"/>
+              <a:t>This is primarily caused by the complex reshaping of spline(x), particularly on B-spline control points.</a:t>
+            </a:r>
+          </a:p>
+          <a:p>
+            <a:pPr marL="0" indent="0">
+              <a:buNone/>
+            </a:pPr>
+            <a:endParaRPr lang="en-US" sz="1800" dirty="0"/>
+          </a:p>
+          <a:p>
+            <a:pPr marL="0" indent="0">
+              <a:buNone/>
+            </a:pPr>
+            <a:endParaRPr lang="en-US" sz="1800" dirty="0"/>
+          </a:p>
+          <a:p>
+            <a:pPr marL="0" indent="0">
+              <a:buNone/>
+            </a:pPr>
+            <a:r>
+              <a:rPr lang="en-US" sz="1800" dirty="0"/>
+              <a:t>When should </a:t>
+            </a:r>
+          </a:p>
+          <a:p>
+            <a:pPr marL="0" indent="0">
+              <a:buNone/>
+            </a:pPr>
+            <a:r>
+              <a:rPr lang="en-US" sz="1800" dirty="0"/>
+              <a:t>we use KANs?</a:t>
+            </a:r>
+          </a:p>
+        </p:txBody>
+      </p:sp>
+      <p:pic>
+        <p:nvPicPr>
+          <p:cNvPr id="6" name="Picture 5">
+            <a:extLst>
+              <a:ext uri="{FF2B5EF4-FFF2-40B4-BE49-F238E27FC236}">
+                <a16:creationId xmlns:a16="http://schemas.microsoft.com/office/drawing/2014/main" id="{FB515664-D924-7D25-2BFA-0DD124DBF55C}"/>
+              </a:ext>
+            </a:extLst>
+          </p:cNvPr>
+          <p:cNvPicPr>
+            <a:picLocks noChangeAspect="1"/>
+          </p:cNvPicPr>
+          <p:nvPr/>
+        </p:nvPicPr>
+        <p:blipFill>
+          <a:blip r:embed="rId2"/>
+          <a:stretch>
+            <a:fillRect/>
+          </a:stretch>
+        </p:blipFill>
+        <p:spPr>
+          <a:xfrm>
+            <a:off x="2877312" y="3060192"/>
+            <a:ext cx="6391275" cy="2671562"/>
+          </a:xfrm>
+          <a:prstGeom prst="rect">
+            <a:avLst/>
+          </a:prstGeom>
+        </p:spPr>
+      </p:pic>
+    </p:spTree>
+    <p:extLst>
+      <p:ext uri="{BB962C8B-B14F-4D97-AF65-F5344CB8AC3E}">
+        <p14:creationId xmlns:p14="http://schemas.microsoft.com/office/powerpoint/2010/main" val="2081926858"/>
+      </p:ext>
+    </p:extLst>
+  </p:cSld>
+  <p:clrMapOvr>
+    <a:masterClrMapping/>
+  </p:clrMapOvr>
+</p:sld>
+</file>
+
+<file path=ppt/slides/slide14.xml><?xml version="1.0" encoding="utf-8"?>
+<p:sld xmlns:a="http://schemas.openxmlformats.org/drawingml/2006/main" xmlns:r="http://schemas.openxmlformats.org/officeDocument/2006/relationships" xmlns:p="http://schemas.openxmlformats.org/presentationml/2006/main">
+  <p:cSld>
+    <p:spTree>
+      <p:nvGrpSpPr>
+        <p:cNvPr id="1" name="">
+          <a:extLst>
+            <a:ext uri="{FF2B5EF4-FFF2-40B4-BE49-F238E27FC236}">
+              <a16:creationId xmlns:a16="http://schemas.microsoft.com/office/drawing/2014/main" id="{913C63AB-8BB7-2E67-21C2-FAC1FBE709B3}"/>
+            </a:ext>
+          </a:extLst>
+        </p:cNvPr>
+        <p:cNvGrpSpPr/>
+        <p:nvPr/>
+      </p:nvGrpSpPr>
+      <p:grpSpPr>
+        <a:xfrm>
+          <a:off x="0" y="0"/>
+          <a:ext cx="0" cy="0"/>
+          <a:chOff x="0" y="0"/>
+          <a:chExt cx="0" cy="0"/>
+        </a:xfrm>
+      </p:grpSpPr>
+      <p:sp>
+        <p:nvSpPr>
+          <p:cNvPr id="2" name="Title 1">
+            <a:extLst>
+              <a:ext uri="{FF2B5EF4-FFF2-40B4-BE49-F238E27FC236}">
+                <a16:creationId xmlns:a16="http://schemas.microsoft.com/office/drawing/2014/main" id="{AAC90AC3-27D7-FF49-4D54-FFEA3B5A177B}"/>
+              </a:ext>
+            </a:extLst>
+          </p:cNvPr>
+          <p:cNvSpPr>
+            <a:spLocks noGrp="1"/>
+          </p:cNvSpPr>
+          <p:nvPr>
+            <p:ph type="title"/>
+          </p:nvPr>
+        </p:nvSpPr>
+        <p:spPr/>
+        <p:txBody>
+          <a:bodyPr/>
+          <a:lstStyle/>
+          <a:p>
+            <a:r>
+              <a:rPr lang="en-US" sz="2400" dirty="0"/>
+              <a:t>Advanced: </a:t>
+            </a:r>
+            <a:r>
+              <a:rPr lang="en-US" sz="2400" dirty="0" err="1"/>
+              <a:t>Sparsification</a:t>
+            </a:r>
+            <a:r>
+              <a:rPr lang="en-US" sz="2400" dirty="0"/>
+              <a:t> (1)</a:t>
+            </a:r>
+            <a:endParaRPr sz="2400" dirty="0"/>
+          </a:p>
+        </p:txBody>
+      </p:sp>
+      <p:sp>
+        <p:nvSpPr>
+          <p:cNvPr id="3" name="Content Placeholder 2" descr="phi&#10;">
+            <a:extLst>
+              <a:ext uri="{FF2B5EF4-FFF2-40B4-BE49-F238E27FC236}">
+                <a16:creationId xmlns:a16="http://schemas.microsoft.com/office/drawing/2014/main" id="{1CFB542A-3433-1F3C-E513-CBAEC40961D4}"/>
+              </a:ext>
+            </a:extLst>
+          </p:cNvPr>
+          <p:cNvSpPr>
+            <a:spLocks noGrp="1"/>
+          </p:cNvSpPr>
+          <p:nvPr>
+            <p:ph idx="1"/>
+          </p:nvPr>
+        </p:nvSpPr>
+        <p:spPr>
+          <a:xfrm>
+            <a:off x="622173" y="1447800"/>
+            <a:ext cx="8667750" cy="1028700"/>
+          </a:xfrm>
+        </p:spPr>
+        <p:txBody>
+          <a:bodyPr/>
+          <a:lstStyle/>
+          <a:p>
+            <a:pPr marL="0" indent="0">
+              <a:buNone/>
+            </a:pPr>
+            <a:r>
+              <a:rPr lang="en-US" sz="1800" dirty="0"/>
+              <a:t>For MLPs, L1 regularization of linear weights is used to promote sparsity, thereby improving predictions. KANs can adopt this high-level concept by modifying it to achieve the same result.</a:t>
+            </a:r>
+          </a:p>
+        </p:txBody>
+      </p:sp>
+      <p:sp>
+        <p:nvSpPr>
+          <p:cNvPr id="9" name="Content Placeholder 2" descr="phi&#10;">
+            <a:extLst>
+              <a:ext uri="{FF2B5EF4-FFF2-40B4-BE49-F238E27FC236}">
+                <a16:creationId xmlns:a16="http://schemas.microsoft.com/office/drawing/2014/main" id="{9BDE5856-FF57-A30E-091D-71378E17B494}"/>
+              </a:ext>
+            </a:extLst>
+          </p:cNvPr>
+          <p:cNvSpPr txBox="1">
+            <a:spLocks/>
+          </p:cNvSpPr>
+          <p:nvPr/>
+        </p:nvSpPr>
+        <p:spPr bwMode="auto">
+          <a:xfrm>
+            <a:off x="616077" y="2449800"/>
+            <a:ext cx="8667750" cy="1028700"/>
+          </a:xfrm>
+          <a:prstGeom prst="rect">
+            <a:avLst/>
+          </a:prstGeom>
+          <a:noFill/>
+          <a:ln>
+            <a:noFill/>
+          </a:ln>
+          <a:extLst>
+            <a:ext uri="{909E8E84-426E-40DD-AFC4-6F175D3DCCD1}">
+              <a14:hiddenFill xmlns:a14="http://schemas.microsoft.com/office/drawing/2010/main">
+                <a:solidFill>
+                  <a:srgbClr val="FFFFFF"/>
+                </a:solidFill>
+              </a14:hiddenFill>
+            </a:ext>
+            <a:ext uri="{91240B29-F687-4F45-9708-019B960494DF}">
+              <a14:hiddenLine xmlns:a14="http://schemas.microsoft.com/office/drawing/2010/main" w="9525">
+                <a:solidFill>
+                  <a:srgbClr val="000000"/>
+                </a:solidFill>
+                <a:miter lim="800000"/>
+                <a:headEnd/>
+                <a:tailEnd/>
+              </a14:hiddenLine>
+            </a:ext>
+          </a:extLst>
+        </p:spPr>
+        <p:txBody>
+          <a:bodyPr vert="horz" wrap="square" lIns="0" tIns="0" rIns="0" bIns="0" numCol="1" anchor="t" anchorCtr="0" compatLnSpc="1">
+            <a:prstTxWarp prst="textNoShape">
+              <a:avLst/>
+            </a:prstTxWarp>
+          </a:bodyPr>
+          <a:lstStyle>
+            <a:lvl1pPr marL="342900" indent="-342900" algn="l" defTabSz="741363" rtl="0" eaLnBrk="0" fontAlgn="base" hangingPunct="0">
+              <a:lnSpc>
+                <a:spcPct val="100000"/>
+              </a:lnSpc>
+              <a:spcBef>
+                <a:spcPts val="600"/>
+              </a:spcBef>
+              <a:spcAft>
+                <a:spcPct val="0"/>
+              </a:spcAft>
+              <a:buFont typeface="Arial" panose="020B0604020202020204" pitchFamily="34" charset="0"/>
+              <a:buChar char="•"/>
+              <a:defRPr sz="2400" kern="1200">
+                <a:solidFill>
+                  <a:srgbClr val="5A667F"/>
+                </a:solidFill>
+                <a:latin typeface="Lato" panose="020F0502020204030203" pitchFamily="34" charset="77"/>
+                <a:ea typeface="+mn-ea"/>
+                <a:cs typeface="Arial" panose="020B0604020202020204" pitchFamily="34" charset="0"/>
+              </a:defRPr>
+            </a:lvl1pPr>
+            <a:lvl2pPr marL="719138" indent="-363538" algn="l" defTabSz="741363" rtl="0" eaLnBrk="0" fontAlgn="base" hangingPunct="0">
+              <a:lnSpc>
+                <a:spcPct val="100000"/>
+              </a:lnSpc>
+              <a:spcBef>
+                <a:spcPts val="600"/>
+              </a:spcBef>
+              <a:spcAft>
+                <a:spcPct val="0"/>
+              </a:spcAft>
+              <a:buFont typeface="Arial" panose="020B0604020202020204" pitchFamily="34" charset="0"/>
+              <a:buChar char="•"/>
+              <a:defRPr sz="2000" kern="1200">
+                <a:solidFill>
+                  <a:srgbClr val="5A667F"/>
+                </a:solidFill>
+                <a:latin typeface="Lato" panose="020F0502020204030203" pitchFamily="34" charset="77"/>
+                <a:ea typeface="+mn-ea"/>
+                <a:cs typeface="Arial" panose="020B0604020202020204" pitchFamily="34" charset="0"/>
+              </a:defRPr>
+            </a:lvl2pPr>
+            <a:lvl3pPr marL="896938" indent="-177800" algn="l" defTabSz="741363" rtl="0" eaLnBrk="0" fontAlgn="base" hangingPunct="0">
+              <a:lnSpc>
+                <a:spcPct val="100000"/>
+              </a:lnSpc>
+              <a:spcBef>
+                <a:spcPts val="600"/>
+              </a:spcBef>
+              <a:spcAft>
+                <a:spcPct val="0"/>
+              </a:spcAft>
+              <a:buFont typeface="Arial" panose="020B0604020202020204" pitchFamily="34" charset="0"/>
+              <a:buChar char="•"/>
+              <a:defRPr sz="1600" kern="1200">
+                <a:solidFill>
+                  <a:srgbClr val="5A667F"/>
+                </a:solidFill>
+                <a:latin typeface="Lato" panose="020F0502020204030203" pitchFamily="34" charset="77"/>
+                <a:ea typeface="+mn-ea"/>
+                <a:cs typeface="Arial" panose="020B0604020202020204" pitchFamily="34" charset="0"/>
+              </a:defRPr>
+            </a:lvl3pPr>
+            <a:lvl4pPr marL="1074738" indent="-177800" algn="l" defTabSz="741363" rtl="0" eaLnBrk="0" fontAlgn="base" hangingPunct="0">
+              <a:lnSpc>
+                <a:spcPct val="100000"/>
+              </a:lnSpc>
+              <a:spcBef>
+                <a:spcPts val="600"/>
+              </a:spcBef>
+              <a:spcAft>
+                <a:spcPct val="0"/>
+              </a:spcAft>
+              <a:buFont typeface="Arial" panose="020B0604020202020204" pitchFamily="34" charset="0"/>
+              <a:buChar char="•"/>
+              <a:defRPr sz="1400" kern="1200">
+                <a:solidFill>
+                  <a:srgbClr val="5A667F"/>
+                </a:solidFill>
+                <a:latin typeface="Lato" panose="020F0502020204030203" pitchFamily="34" charset="77"/>
+                <a:ea typeface="+mn-ea"/>
+                <a:cs typeface="Arial" panose="020B0604020202020204" pitchFamily="34" charset="0"/>
+              </a:defRPr>
+            </a:lvl4pPr>
+            <a:lvl5pPr marL="1252538" indent="-177800" algn="l" defTabSz="741363" rtl="0" eaLnBrk="0" fontAlgn="base" hangingPunct="0">
+              <a:lnSpc>
+                <a:spcPct val="100000"/>
+              </a:lnSpc>
+              <a:spcBef>
+                <a:spcPts val="600"/>
+              </a:spcBef>
+              <a:spcAft>
+                <a:spcPct val="0"/>
+              </a:spcAft>
+              <a:buFont typeface="Arial" panose="020B0604020202020204" pitchFamily="34" charset="0"/>
+              <a:buChar char="•"/>
+              <a:tabLst/>
+              <a:defRPr sz="1200" kern="1200">
+                <a:solidFill>
+                  <a:srgbClr val="5A667F"/>
+                </a:solidFill>
+                <a:latin typeface="Lato" panose="020F0502020204030203" pitchFamily="34" charset="77"/>
+                <a:ea typeface="+mn-ea"/>
+                <a:cs typeface="Arial" panose="020B0604020202020204" pitchFamily="34" charset="0"/>
+              </a:defRPr>
+            </a:lvl5pPr>
+            <a:lvl6pPr marL="2042929" indent="-185721" algn="l" defTabSz="742883" rtl="0" eaLnBrk="1" latinLnBrk="0" hangingPunct="1">
+              <a:lnSpc>
+                <a:spcPct val="90000"/>
+              </a:lnSpc>
+              <a:spcBef>
+                <a:spcPts val="405"/>
+              </a:spcBef>
+              <a:buFont typeface="Arial" panose="020B0604020202020204" pitchFamily="34" charset="0"/>
+              <a:buChar char="•"/>
+              <a:defRPr sz="1463" kern="1200">
+                <a:solidFill>
+                  <a:schemeClr val="tx1"/>
+                </a:solidFill>
+                <a:latin typeface="+mn-lt"/>
+                <a:ea typeface="+mn-ea"/>
+                <a:cs typeface="+mn-cs"/>
+              </a:defRPr>
+            </a:lvl6pPr>
+            <a:lvl7pPr marL="2414371" indent="-185721" algn="l" defTabSz="742883" rtl="0" eaLnBrk="1" latinLnBrk="0" hangingPunct="1">
+              <a:lnSpc>
+                <a:spcPct val="90000"/>
+              </a:lnSpc>
+              <a:spcBef>
+                <a:spcPts val="405"/>
+              </a:spcBef>
+              <a:buFont typeface="Arial" panose="020B0604020202020204" pitchFamily="34" charset="0"/>
+              <a:buChar char="•"/>
+              <a:defRPr sz="1463" kern="1200">
+                <a:solidFill>
+                  <a:schemeClr val="tx1"/>
+                </a:solidFill>
+                <a:latin typeface="+mn-lt"/>
+                <a:ea typeface="+mn-ea"/>
+                <a:cs typeface="+mn-cs"/>
+              </a:defRPr>
+            </a:lvl7pPr>
+            <a:lvl8pPr marL="2785812" indent="-185721" algn="l" defTabSz="742883" rtl="0" eaLnBrk="1" latinLnBrk="0" hangingPunct="1">
+              <a:lnSpc>
+                <a:spcPct val="90000"/>
+              </a:lnSpc>
+              <a:spcBef>
+                <a:spcPts val="405"/>
+              </a:spcBef>
+              <a:buFont typeface="Arial" panose="020B0604020202020204" pitchFamily="34" charset="0"/>
+              <a:buChar char="•"/>
+              <a:defRPr sz="1463" kern="1200">
+                <a:solidFill>
+                  <a:schemeClr val="tx1"/>
+                </a:solidFill>
+                <a:latin typeface="+mn-lt"/>
+                <a:ea typeface="+mn-ea"/>
+                <a:cs typeface="+mn-cs"/>
+              </a:defRPr>
+            </a:lvl8pPr>
+            <a:lvl9pPr marL="3157253" indent="-185721" algn="l" defTabSz="742883" rtl="0" eaLnBrk="1" latinLnBrk="0" hangingPunct="1">
+              <a:lnSpc>
+                <a:spcPct val="90000"/>
+              </a:lnSpc>
+              <a:spcBef>
+                <a:spcPts val="405"/>
+              </a:spcBef>
+              <a:buFont typeface="Arial" panose="020B0604020202020204" pitchFamily="34" charset="0"/>
+              <a:buChar char="•"/>
+              <a:defRPr sz="1463" kern="1200">
+                <a:solidFill>
+                  <a:schemeClr val="tx1"/>
+                </a:solidFill>
+                <a:latin typeface="+mn-lt"/>
+                <a:ea typeface="+mn-ea"/>
+                <a:cs typeface="+mn-cs"/>
+              </a:defRPr>
+            </a:lvl9pPr>
+          </a:lstStyle>
+          <a:p>
+            <a:pPr marL="0" indent="0">
+              <a:buNone/>
+            </a:pPr>
+            <a:r>
+              <a:rPr lang="en-US" sz="1800" b="0" dirty="0"/>
+              <a:t>The L1 norm of an activation function ϕ as its average magnitude over its Np inputs:</a:t>
+            </a:r>
+          </a:p>
+        </p:txBody>
+      </p:sp>
+      <p:pic>
+        <p:nvPicPr>
+          <p:cNvPr id="11" name="Picture 10">
+            <a:extLst>
+              <a:ext uri="{FF2B5EF4-FFF2-40B4-BE49-F238E27FC236}">
+                <a16:creationId xmlns:a16="http://schemas.microsoft.com/office/drawing/2014/main" id="{BB42468A-B2A6-3A90-41C1-5C12973BABAF}"/>
+              </a:ext>
+            </a:extLst>
+          </p:cNvPr>
+          <p:cNvPicPr>
+            <a:picLocks noChangeAspect="1"/>
+          </p:cNvPicPr>
+          <p:nvPr/>
+        </p:nvPicPr>
+        <p:blipFill>
+          <a:blip r:embed="rId2"/>
+          <a:stretch>
+            <a:fillRect/>
+          </a:stretch>
+        </p:blipFill>
+        <p:spPr>
+          <a:xfrm>
+            <a:off x="3610159" y="2895596"/>
+            <a:ext cx="2391109" cy="981212"/>
+          </a:xfrm>
+          <a:prstGeom prst="rect">
+            <a:avLst/>
+          </a:prstGeom>
+        </p:spPr>
+      </p:pic>
+      <p:pic>
+        <p:nvPicPr>
+          <p:cNvPr id="13" name="Picture 12">
+            <a:extLst>
+              <a:ext uri="{FF2B5EF4-FFF2-40B4-BE49-F238E27FC236}">
+                <a16:creationId xmlns:a16="http://schemas.microsoft.com/office/drawing/2014/main" id="{D9F95F33-18A9-AB5C-645C-812644D41829}"/>
+              </a:ext>
+            </a:extLst>
+          </p:cNvPr>
+          <p:cNvPicPr>
+            <a:picLocks noChangeAspect="1"/>
+          </p:cNvPicPr>
+          <p:nvPr/>
+        </p:nvPicPr>
+        <p:blipFill>
+          <a:blip r:embed="rId3"/>
+          <a:stretch>
+            <a:fillRect/>
+          </a:stretch>
+        </p:blipFill>
+        <p:spPr>
+          <a:xfrm>
+            <a:off x="3610159" y="4579304"/>
+            <a:ext cx="2353003" cy="933580"/>
+          </a:xfrm>
+          <a:prstGeom prst="rect">
+            <a:avLst/>
+          </a:prstGeom>
+        </p:spPr>
+      </p:pic>
+      <p:sp>
+        <p:nvSpPr>
+          <p:cNvPr id="14" name="Content Placeholder 2" descr="phi&#10;">
+            <a:extLst>
+              <a:ext uri="{FF2B5EF4-FFF2-40B4-BE49-F238E27FC236}">
+                <a16:creationId xmlns:a16="http://schemas.microsoft.com/office/drawing/2014/main" id="{7DAFC50C-9AE2-C9BA-488F-0BA4C7D047D7}"/>
+              </a:ext>
+            </a:extLst>
+          </p:cNvPr>
+          <p:cNvSpPr txBox="1">
+            <a:spLocks/>
+          </p:cNvSpPr>
+          <p:nvPr/>
+        </p:nvSpPr>
+        <p:spPr bwMode="auto">
+          <a:xfrm>
+            <a:off x="616077" y="4086290"/>
+            <a:ext cx="8667750" cy="1028700"/>
+          </a:xfrm>
+          <a:prstGeom prst="rect">
+            <a:avLst/>
+          </a:prstGeom>
+          <a:noFill/>
+          <a:ln>
+            <a:noFill/>
+          </a:ln>
+          <a:extLst>
+            <a:ext uri="{909E8E84-426E-40DD-AFC4-6F175D3DCCD1}">
+              <a14:hiddenFill xmlns:a14="http://schemas.microsoft.com/office/drawing/2010/main">
+                <a:solidFill>
+                  <a:srgbClr val="FFFFFF"/>
+                </a:solidFill>
+              </a14:hiddenFill>
+            </a:ext>
+            <a:ext uri="{91240B29-F687-4F45-9708-019B960494DF}">
+              <a14:hiddenLine xmlns:a14="http://schemas.microsoft.com/office/drawing/2010/main" w="9525">
+                <a:solidFill>
+                  <a:srgbClr val="000000"/>
+                </a:solidFill>
+                <a:miter lim="800000"/>
+                <a:headEnd/>
+                <a:tailEnd/>
+              </a14:hiddenLine>
+            </a:ext>
+          </a:extLst>
+        </p:spPr>
+        <p:txBody>
+          <a:bodyPr vert="horz" wrap="square" lIns="0" tIns="0" rIns="0" bIns="0" numCol="1" anchor="t" anchorCtr="0" compatLnSpc="1">
+            <a:prstTxWarp prst="textNoShape">
+              <a:avLst/>
+            </a:prstTxWarp>
+          </a:bodyPr>
+          <a:lstStyle>
+            <a:lvl1pPr marL="342900" indent="-342900" algn="l" defTabSz="741363" rtl="0" eaLnBrk="0" fontAlgn="base" hangingPunct="0">
+              <a:lnSpc>
+                <a:spcPct val="100000"/>
+              </a:lnSpc>
+              <a:spcBef>
+                <a:spcPts val="600"/>
+              </a:spcBef>
+              <a:spcAft>
+                <a:spcPct val="0"/>
+              </a:spcAft>
+              <a:buFont typeface="Arial" panose="020B0604020202020204" pitchFamily="34" charset="0"/>
+              <a:buChar char="•"/>
+              <a:defRPr sz="2400" kern="1200">
+                <a:solidFill>
+                  <a:srgbClr val="5A667F"/>
+                </a:solidFill>
+                <a:latin typeface="Lato" panose="020F0502020204030203" pitchFamily="34" charset="77"/>
+                <a:ea typeface="+mn-ea"/>
+                <a:cs typeface="Arial" panose="020B0604020202020204" pitchFamily="34" charset="0"/>
+              </a:defRPr>
+            </a:lvl1pPr>
+            <a:lvl2pPr marL="719138" indent="-363538" algn="l" defTabSz="741363" rtl="0" eaLnBrk="0" fontAlgn="base" hangingPunct="0">
+              <a:lnSpc>
+                <a:spcPct val="100000"/>
+              </a:lnSpc>
+              <a:spcBef>
+                <a:spcPts val="600"/>
+              </a:spcBef>
+              <a:spcAft>
+                <a:spcPct val="0"/>
+              </a:spcAft>
+              <a:buFont typeface="Arial" panose="020B0604020202020204" pitchFamily="34" charset="0"/>
+              <a:buChar char="•"/>
+              <a:defRPr sz="2000" kern="1200">
+                <a:solidFill>
+                  <a:srgbClr val="5A667F"/>
+                </a:solidFill>
+                <a:latin typeface="Lato" panose="020F0502020204030203" pitchFamily="34" charset="77"/>
+                <a:ea typeface="+mn-ea"/>
+                <a:cs typeface="Arial" panose="020B0604020202020204" pitchFamily="34" charset="0"/>
+              </a:defRPr>
+            </a:lvl2pPr>
+            <a:lvl3pPr marL="896938" indent="-177800" algn="l" defTabSz="741363" rtl="0" eaLnBrk="0" fontAlgn="base" hangingPunct="0">
+              <a:lnSpc>
+                <a:spcPct val="100000"/>
+              </a:lnSpc>
+              <a:spcBef>
+                <a:spcPts val="600"/>
+              </a:spcBef>
+              <a:spcAft>
+                <a:spcPct val="0"/>
+              </a:spcAft>
+              <a:buFont typeface="Arial" panose="020B0604020202020204" pitchFamily="34" charset="0"/>
+              <a:buChar char="•"/>
+              <a:defRPr sz="1600" kern="1200">
+                <a:solidFill>
+                  <a:srgbClr val="5A667F"/>
+                </a:solidFill>
+                <a:latin typeface="Lato" panose="020F0502020204030203" pitchFamily="34" charset="77"/>
+                <a:ea typeface="+mn-ea"/>
+                <a:cs typeface="Arial" panose="020B0604020202020204" pitchFamily="34" charset="0"/>
+              </a:defRPr>
+            </a:lvl3pPr>
+            <a:lvl4pPr marL="1074738" indent="-177800" algn="l" defTabSz="741363" rtl="0" eaLnBrk="0" fontAlgn="base" hangingPunct="0">
+              <a:lnSpc>
+                <a:spcPct val="100000"/>
+              </a:lnSpc>
+              <a:spcBef>
+                <a:spcPts val="600"/>
+              </a:spcBef>
+              <a:spcAft>
+                <a:spcPct val="0"/>
+              </a:spcAft>
+              <a:buFont typeface="Arial" panose="020B0604020202020204" pitchFamily="34" charset="0"/>
+              <a:buChar char="•"/>
+              <a:defRPr sz="1400" kern="1200">
+                <a:solidFill>
+                  <a:srgbClr val="5A667F"/>
+                </a:solidFill>
+                <a:latin typeface="Lato" panose="020F0502020204030203" pitchFamily="34" charset="77"/>
+                <a:ea typeface="+mn-ea"/>
+                <a:cs typeface="Arial" panose="020B0604020202020204" pitchFamily="34" charset="0"/>
+              </a:defRPr>
+            </a:lvl4pPr>
+            <a:lvl5pPr marL="1252538" indent="-177800" algn="l" defTabSz="741363" rtl="0" eaLnBrk="0" fontAlgn="base" hangingPunct="0">
+              <a:lnSpc>
+                <a:spcPct val="100000"/>
+              </a:lnSpc>
+              <a:spcBef>
+                <a:spcPts val="600"/>
+              </a:spcBef>
+              <a:spcAft>
+                <a:spcPct val="0"/>
+              </a:spcAft>
+              <a:buFont typeface="Arial" panose="020B0604020202020204" pitchFamily="34" charset="0"/>
+              <a:buChar char="•"/>
+              <a:tabLst/>
+              <a:defRPr sz="1200" kern="1200">
+                <a:solidFill>
+                  <a:srgbClr val="5A667F"/>
+                </a:solidFill>
+                <a:latin typeface="Lato" panose="020F0502020204030203" pitchFamily="34" charset="77"/>
+                <a:ea typeface="+mn-ea"/>
+                <a:cs typeface="Arial" panose="020B0604020202020204" pitchFamily="34" charset="0"/>
+              </a:defRPr>
+            </a:lvl5pPr>
+            <a:lvl6pPr marL="2042929" indent="-185721" algn="l" defTabSz="742883" rtl="0" eaLnBrk="1" latinLnBrk="0" hangingPunct="1">
+              <a:lnSpc>
+                <a:spcPct val="90000"/>
+              </a:lnSpc>
+              <a:spcBef>
+                <a:spcPts val="405"/>
+              </a:spcBef>
+              <a:buFont typeface="Arial" panose="020B0604020202020204" pitchFamily="34" charset="0"/>
+              <a:buChar char="•"/>
+              <a:defRPr sz="1463" kern="1200">
+                <a:solidFill>
+                  <a:schemeClr val="tx1"/>
+                </a:solidFill>
+                <a:latin typeface="+mn-lt"/>
+                <a:ea typeface="+mn-ea"/>
+                <a:cs typeface="+mn-cs"/>
+              </a:defRPr>
+            </a:lvl6pPr>
+            <a:lvl7pPr marL="2414371" indent="-185721" algn="l" defTabSz="742883" rtl="0" eaLnBrk="1" latinLnBrk="0" hangingPunct="1">
+              <a:lnSpc>
+                <a:spcPct val="90000"/>
+              </a:lnSpc>
+              <a:spcBef>
+                <a:spcPts val="405"/>
+              </a:spcBef>
+              <a:buFont typeface="Arial" panose="020B0604020202020204" pitchFamily="34" charset="0"/>
+              <a:buChar char="•"/>
+              <a:defRPr sz="1463" kern="1200">
+                <a:solidFill>
+                  <a:schemeClr val="tx1"/>
+                </a:solidFill>
+                <a:latin typeface="+mn-lt"/>
+                <a:ea typeface="+mn-ea"/>
+                <a:cs typeface="+mn-cs"/>
+              </a:defRPr>
+            </a:lvl7pPr>
+            <a:lvl8pPr marL="2785812" indent="-185721" algn="l" defTabSz="742883" rtl="0" eaLnBrk="1" latinLnBrk="0" hangingPunct="1">
+              <a:lnSpc>
+                <a:spcPct val="90000"/>
+              </a:lnSpc>
+              <a:spcBef>
+                <a:spcPts val="405"/>
+              </a:spcBef>
+              <a:buFont typeface="Arial" panose="020B0604020202020204" pitchFamily="34" charset="0"/>
+              <a:buChar char="•"/>
+              <a:defRPr sz="1463" kern="1200">
+                <a:solidFill>
+                  <a:schemeClr val="tx1"/>
+                </a:solidFill>
+                <a:latin typeface="+mn-lt"/>
+                <a:ea typeface="+mn-ea"/>
+                <a:cs typeface="+mn-cs"/>
+              </a:defRPr>
+            </a:lvl8pPr>
+            <a:lvl9pPr marL="3157253" indent="-185721" algn="l" defTabSz="742883" rtl="0" eaLnBrk="1" latinLnBrk="0" hangingPunct="1">
+              <a:lnSpc>
+                <a:spcPct val="90000"/>
+              </a:lnSpc>
+              <a:spcBef>
+                <a:spcPts val="405"/>
+              </a:spcBef>
+              <a:buFont typeface="Arial" panose="020B0604020202020204" pitchFamily="34" charset="0"/>
+              <a:buChar char="•"/>
+              <a:defRPr sz="1463" kern="1200">
+                <a:solidFill>
+                  <a:schemeClr val="tx1"/>
+                </a:solidFill>
+                <a:latin typeface="+mn-lt"/>
+                <a:ea typeface="+mn-ea"/>
+                <a:cs typeface="+mn-cs"/>
+              </a:defRPr>
+            </a:lvl9pPr>
+          </a:lstStyle>
+          <a:p>
+            <a:pPr marL="0" indent="0">
+              <a:buNone/>
+            </a:pPr>
+            <a:r>
+              <a:rPr lang="en-US" sz="1800" b="0" dirty="0"/>
+              <a:t>The L1 norm of a layer is the sum of all the activation functions norm :</a:t>
+            </a:r>
+          </a:p>
+        </p:txBody>
+      </p:sp>
+    </p:spTree>
+    <p:extLst>
+      <p:ext uri="{BB962C8B-B14F-4D97-AF65-F5344CB8AC3E}">
+        <p14:creationId xmlns:p14="http://schemas.microsoft.com/office/powerpoint/2010/main" val="1631125681"/>
+      </p:ext>
+    </p:extLst>
+  </p:cSld>
+  <p:clrMapOvr>
+    <a:masterClrMapping/>
+  </p:clrMapOvr>
+</p:sld>
+</file>
+
+<file path=ppt/slides/slide15.xml><?xml version="1.0" encoding="utf-8"?>
+<p:sld xmlns:a="http://schemas.openxmlformats.org/drawingml/2006/main" xmlns:r="http://schemas.openxmlformats.org/officeDocument/2006/relationships" xmlns:p="http://schemas.openxmlformats.org/presentationml/2006/main">
+  <p:cSld>
+    <p:spTree>
+      <p:nvGrpSpPr>
+        <p:cNvPr id="1" name="">
+          <a:extLst>
+            <a:ext uri="{FF2B5EF4-FFF2-40B4-BE49-F238E27FC236}">
+              <a16:creationId xmlns:a16="http://schemas.microsoft.com/office/drawing/2014/main" id="{351B67D2-B793-8717-77C1-4079676E4961}"/>
+            </a:ext>
+          </a:extLst>
+        </p:cNvPr>
+        <p:cNvGrpSpPr/>
+        <p:nvPr/>
+      </p:nvGrpSpPr>
+      <p:grpSpPr>
+        <a:xfrm>
+          <a:off x="0" y="0"/>
+          <a:ext cx="0" cy="0"/>
+          <a:chOff x="0" y="0"/>
+          <a:chExt cx="0" cy="0"/>
+        </a:xfrm>
+      </p:grpSpPr>
+      <p:sp>
+        <p:nvSpPr>
+          <p:cNvPr id="2" name="Title 1">
+            <a:extLst>
+              <a:ext uri="{FF2B5EF4-FFF2-40B4-BE49-F238E27FC236}">
+                <a16:creationId xmlns:a16="http://schemas.microsoft.com/office/drawing/2014/main" id="{5E5411D5-0340-8F6D-F2D9-DEEF49E9BFAC}"/>
+              </a:ext>
+            </a:extLst>
+          </p:cNvPr>
+          <p:cNvSpPr>
+            <a:spLocks noGrp="1"/>
+          </p:cNvSpPr>
+          <p:nvPr>
+            <p:ph type="title"/>
+          </p:nvPr>
+        </p:nvSpPr>
+        <p:spPr/>
+        <p:txBody>
+          <a:bodyPr/>
+          <a:lstStyle/>
+          <a:p>
+            <a:r>
+              <a:rPr lang="en-US" sz="2400" dirty="0"/>
+              <a:t>Advanced: </a:t>
+            </a:r>
+            <a:r>
+              <a:rPr lang="en-US" sz="2400" dirty="0" err="1"/>
+              <a:t>Sparsification</a:t>
+            </a:r>
+            <a:r>
+              <a:rPr lang="en-US" sz="2400" dirty="0"/>
+              <a:t> (2)</a:t>
+            </a:r>
+            <a:endParaRPr sz="2400" dirty="0"/>
+          </a:p>
+        </p:txBody>
+      </p:sp>
+      <p:pic>
+        <p:nvPicPr>
+          <p:cNvPr id="5" name="Picture 4">
+            <a:extLst>
+              <a:ext uri="{FF2B5EF4-FFF2-40B4-BE49-F238E27FC236}">
+                <a16:creationId xmlns:a16="http://schemas.microsoft.com/office/drawing/2014/main" id="{07F3E83C-F079-C56E-20C3-91CDBEE79838}"/>
+              </a:ext>
+            </a:extLst>
+          </p:cNvPr>
+          <p:cNvPicPr>
+            <a:picLocks noChangeAspect="1"/>
+          </p:cNvPicPr>
+          <p:nvPr/>
+        </p:nvPicPr>
+        <p:blipFill>
+          <a:blip r:embed="rId2"/>
+          <a:stretch>
+            <a:fillRect/>
+          </a:stretch>
+        </p:blipFill>
+        <p:spPr>
+          <a:xfrm>
+            <a:off x="2238294" y="4376835"/>
+            <a:ext cx="5039428" cy="838317"/>
+          </a:xfrm>
+          <a:prstGeom prst="rect">
+            <a:avLst/>
+          </a:prstGeom>
+        </p:spPr>
+      </p:pic>
+      <p:pic>
+        <p:nvPicPr>
+          <p:cNvPr id="8" name="Picture 7">
+            <a:extLst>
+              <a:ext uri="{FF2B5EF4-FFF2-40B4-BE49-F238E27FC236}">
+                <a16:creationId xmlns:a16="http://schemas.microsoft.com/office/drawing/2014/main" id="{D7D4DCDC-8A79-6A54-3B8D-F35B94A5E057}"/>
+              </a:ext>
+            </a:extLst>
+          </p:cNvPr>
+          <p:cNvPicPr>
+            <a:picLocks noChangeAspect="1"/>
+          </p:cNvPicPr>
+          <p:nvPr/>
+        </p:nvPicPr>
+        <p:blipFill>
+          <a:blip r:embed="rId3"/>
+          <a:stretch>
+            <a:fillRect/>
+          </a:stretch>
+        </p:blipFill>
+        <p:spPr>
+          <a:xfrm>
+            <a:off x="2819400" y="2809150"/>
+            <a:ext cx="3877216" cy="790685"/>
+          </a:xfrm>
+          <a:prstGeom prst="rect">
+            <a:avLst/>
+          </a:prstGeom>
+        </p:spPr>
+      </p:pic>
+      <p:sp>
+        <p:nvSpPr>
+          <p:cNvPr id="9" name="Content Placeholder 2" descr="phi&#10;">
+            <a:extLst>
+              <a:ext uri="{FF2B5EF4-FFF2-40B4-BE49-F238E27FC236}">
+                <a16:creationId xmlns:a16="http://schemas.microsoft.com/office/drawing/2014/main" id="{8A2183F9-243B-C447-6D52-04233634B162}"/>
+              </a:ext>
+            </a:extLst>
+          </p:cNvPr>
+          <p:cNvSpPr txBox="1">
+            <a:spLocks/>
+          </p:cNvSpPr>
+          <p:nvPr/>
+        </p:nvSpPr>
+        <p:spPr bwMode="auto">
+          <a:xfrm>
+            <a:off x="762000" y="1642848"/>
+            <a:ext cx="8667750" cy="1028700"/>
+          </a:xfrm>
+          <a:prstGeom prst="rect">
+            <a:avLst/>
+          </a:prstGeom>
+          <a:noFill/>
+          <a:ln>
+            <a:noFill/>
+          </a:ln>
+          <a:extLst>
+            <a:ext uri="{909E8E84-426E-40DD-AFC4-6F175D3DCCD1}">
+              <a14:hiddenFill xmlns:a14="http://schemas.microsoft.com/office/drawing/2010/main">
+                <a:solidFill>
+                  <a:srgbClr val="FFFFFF"/>
+                </a:solidFill>
+              </a14:hiddenFill>
+            </a:ext>
+            <a:ext uri="{91240B29-F687-4F45-9708-019B960494DF}">
+              <a14:hiddenLine xmlns:a14="http://schemas.microsoft.com/office/drawing/2010/main" w="9525">
+                <a:solidFill>
+                  <a:srgbClr val="000000"/>
+                </a:solidFill>
+                <a:miter lim="800000"/>
+                <a:headEnd/>
+                <a:tailEnd/>
+              </a14:hiddenLine>
+            </a:ext>
+          </a:extLst>
+        </p:spPr>
+        <p:txBody>
+          <a:bodyPr vert="horz" wrap="square" lIns="0" tIns="0" rIns="0" bIns="0" numCol="1" anchor="t" anchorCtr="0" compatLnSpc="1">
+            <a:prstTxWarp prst="textNoShape">
+              <a:avLst/>
+            </a:prstTxWarp>
+          </a:bodyPr>
+          <a:lstStyle>
+            <a:lvl1pPr marL="342900" indent="-342900" algn="l" defTabSz="741363" rtl="0" eaLnBrk="0" fontAlgn="base" hangingPunct="0">
+              <a:lnSpc>
+                <a:spcPct val="100000"/>
+              </a:lnSpc>
+              <a:spcBef>
+                <a:spcPts val="600"/>
+              </a:spcBef>
+              <a:spcAft>
+                <a:spcPct val="0"/>
+              </a:spcAft>
+              <a:buFont typeface="Arial" panose="020B0604020202020204" pitchFamily="34" charset="0"/>
+              <a:buChar char="•"/>
+              <a:defRPr sz="2400" kern="1200">
+                <a:solidFill>
+                  <a:srgbClr val="5A667F"/>
+                </a:solidFill>
+                <a:latin typeface="Lato" panose="020F0502020204030203" pitchFamily="34" charset="77"/>
+                <a:ea typeface="+mn-ea"/>
+                <a:cs typeface="Arial" panose="020B0604020202020204" pitchFamily="34" charset="0"/>
+              </a:defRPr>
+            </a:lvl1pPr>
+            <a:lvl2pPr marL="719138" indent="-363538" algn="l" defTabSz="741363" rtl="0" eaLnBrk="0" fontAlgn="base" hangingPunct="0">
+              <a:lnSpc>
+                <a:spcPct val="100000"/>
+              </a:lnSpc>
+              <a:spcBef>
+                <a:spcPts val="600"/>
+              </a:spcBef>
+              <a:spcAft>
+                <a:spcPct val="0"/>
+              </a:spcAft>
+              <a:buFont typeface="Arial" panose="020B0604020202020204" pitchFamily="34" charset="0"/>
+              <a:buChar char="•"/>
+              <a:defRPr sz="2000" kern="1200">
+                <a:solidFill>
+                  <a:srgbClr val="5A667F"/>
+                </a:solidFill>
+                <a:latin typeface="Lato" panose="020F0502020204030203" pitchFamily="34" charset="77"/>
+                <a:ea typeface="+mn-ea"/>
+                <a:cs typeface="Arial" panose="020B0604020202020204" pitchFamily="34" charset="0"/>
+              </a:defRPr>
+            </a:lvl2pPr>
+            <a:lvl3pPr marL="896938" indent="-177800" algn="l" defTabSz="741363" rtl="0" eaLnBrk="0" fontAlgn="base" hangingPunct="0">
+              <a:lnSpc>
+                <a:spcPct val="100000"/>
+              </a:lnSpc>
+              <a:spcBef>
+                <a:spcPts val="600"/>
+              </a:spcBef>
+              <a:spcAft>
+                <a:spcPct val="0"/>
+              </a:spcAft>
+              <a:buFont typeface="Arial" panose="020B0604020202020204" pitchFamily="34" charset="0"/>
+              <a:buChar char="•"/>
+              <a:defRPr sz="1600" kern="1200">
+                <a:solidFill>
+                  <a:srgbClr val="5A667F"/>
+                </a:solidFill>
+                <a:latin typeface="Lato" panose="020F0502020204030203" pitchFamily="34" charset="77"/>
+                <a:ea typeface="+mn-ea"/>
+                <a:cs typeface="Arial" panose="020B0604020202020204" pitchFamily="34" charset="0"/>
+              </a:defRPr>
+            </a:lvl3pPr>
+            <a:lvl4pPr marL="1074738" indent="-177800" algn="l" defTabSz="741363" rtl="0" eaLnBrk="0" fontAlgn="base" hangingPunct="0">
+              <a:lnSpc>
+                <a:spcPct val="100000"/>
+              </a:lnSpc>
+              <a:spcBef>
+                <a:spcPts val="600"/>
+              </a:spcBef>
+              <a:spcAft>
+                <a:spcPct val="0"/>
+              </a:spcAft>
+              <a:buFont typeface="Arial" panose="020B0604020202020204" pitchFamily="34" charset="0"/>
+              <a:buChar char="•"/>
+              <a:defRPr sz="1400" kern="1200">
+                <a:solidFill>
+                  <a:srgbClr val="5A667F"/>
+                </a:solidFill>
+                <a:latin typeface="Lato" panose="020F0502020204030203" pitchFamily="34" charset="77"/>
+                <a:ea typeface="+mn-ea"/>
+                <a:cs typeface="Arial" panose="020B0604020202020204" pitchFamily="34" charset="0"/>
+              </a:defRPr>
+            </a:lvl4pPr>
+            <a:lvl5pPr marL="1252538" indent="-177800" algn="l" defTabSz="741363" rtl="0" eaLnBrk="0" fontAlgn="base" hangingPunct="0">
+              <a:lnSpc>
+                <a:spcPct val="100000"/>
+              </a:lnSpc>
+              <a:spcBef>
+                <a:spcPts val="600"/>
+              </a:spcBef>
+              <a:spcAft>
+                <a:spcPct val="0"/>
+              </a:spcAft>
+              <a:buFont typeface="Arial" panose="020B0604020202020204" pitchFamily="34" charset="0"/>
+              <a:buChar char="•"/>
+              <a:tabLst/>
+              <a:defRPr sz="1200" kern="1200">
+                <a:solidFill>
+                  <a:srgbClr val="5A667F"/>
+                </a:solidFill>
+                <a:latin typeface="Lato" panose="020F0502020204030203" pitchFamily="34" charset="77"/>
+                <a:ea typeface="+mn-ea"/>
+                <a:cs typeface="Arial" panose="020B0604020202020204" pitchFamily="34" charset="0"/>
+              </a:defRPr>
+            </a:lvl5pPr>
+            <a:lvl6pPr marL="2042929" indent="-185721" algn="l" defTabSz="742883" rtl="0" eaLnBrk="1" latinLnBrk="0" hangingPunct="1">
+              <a:lnSpc>
+                <a:spcPct val="90000"/>
+              </a:lnSpc>
+              <a:spcBef>
+                <a:spcPts val="405"/>
+              </a:spcBef>
+              <a:buFont typeface="Arial" panose="020B0604020202020204" pitchFamily="34" charset="0"/>
+              <a:buChar char="•"/>
+              <a:defRPr sz="1463" kern="1200">
+                <a:solidFill>
+                  <a:schemeClr val="tx1"/>
+                </a:solidFill>
+                <a:latin typeface="+mn-lt"/>
+                <a:ea typeface="+mn-ea"/>
+                <a:cs typeface="+mn-cs"/>
+              </a:defRPr>
+            </a:lvl6pPr>
+            <a:lvl7pPr marL="2414371" indent="-185721" algn="l" defTabSz="742883" rtl="0" eaLnBrk="1" latinLnBrk="0" hangingPunct="1">
+              <a:lnSpc>
+                <a:spcPct val="90000"/>
+              </a:lnSpc>
+              <a:spcBef>
+                <a:spcPts val="405"/>
+              </a:spcBef>
+              <a:buFont typeface="Arial" panose="020B0604020202020204" pitchFamily="34" charset="0"/>
+              <a:buChar char="•"/>
+              <a:defRPr sz="1463" kern="1200">
+                <a:solidFill>
+                  <a:schemeClr val="tx1"/>
+                </a:solidFill>
+                <a:latin typeface="+mn-lt"/>
+                <a:ea typeface="+mn-ea"/>
+                <a:cs typeface="+mn-cs"/>
+              </a:defRPr>
+            </a:lvl7pPr>
+            <a:lvl8pPr marL="2785812" indent="-185721" algn="l" defTabSz="742883" rtl="0" eaLnBrk="1" latinLnBrk="0" hangingPunct="1">
+              <a:lnSpc>
+                <a:spcPct val="90000"/>
+              </a:lnSpc>
+              <a:spcBef>
+                <a:spcPts val="405"/>
+              </a:spcBef>
+              <a:buFont typeface="Arial" panose="020B0604020202020204" pitchFamily="34" charset="0"/>
+              <a:buChar char="•"/>
+              <a:defRPr sz="1463" kern="1200">
+                <a:solidFill>
+                  <a:schemeClr val="tx1"/>
+                </a:solidFill>
+                <a:latin typeface="+mn-lt"/>
+                <a:ea typeface="+mn-ea"/>
+                <a:cs typeface="+mn-cs"/>
+              </a:defRPr>
+            </a:lvl8pPr>
+            <a:lvl9pPr marL="3157253" indent="-185721" algn="l" defTabSz="742883" rtl="0" eaLnBrk="1" latinLnBrk="0" hangingPunct="1">
+              <a:lnSpc>
+                <a:spcPct val="90000"/>
+              </a:lnSpc>
+              <a:spcBef>
+                <a:spcPts val="405"/>
+              </a:spcBef>
+              <a:buFont typeface="Arial" panose="020B0604020202020204" pitchFamily="34" charset="0"/>
+              <a:buChar char="•"/>
+              <a:defRPr sz="1463" kern="1200">
+                <a:solidFill>
+                  <a:schemeClr val="tx1"/>
+                </a:solidFill>
+                <a:latin typeface="+mn-lt"/>
+                <a:ea typeface="+mn-ea"/>
+                <a:cs typeface="+mn-cs"/>
+              </a:defRPr>
+            </a:lvl9pPr>
+          </a:lstStyle>
+          <a:p>
+            <a:pPr marL="0" indent="0">
+              <a:buNone/>
+            </a:pPr>
+            <a:r>
+              <a:rPr lang="en-US" sz="1800" b="0" dirty="0"/>
+              <a:t>Experimentally, we find that L1 regularization alone is </a:t>
+            </a:r>
+            <a:r>
+              <a:rPr lang="en-US" sz="1800" b="0" dirty="0" err="1"/>
+              <a:t>insufficien</a:t>
+            </a:r>
+            <a:r>
+              <a:rPr lang="en-US" sz="1800" b="0" dirty="0"/>
+              <a:t> for </a:t>
+            </a:r>
+            <a:r>
+              <a:rPr lang="en-US" sz="1800" b="0" dirty="0" err="1"/>
+              <a:t>sparsification</a:t>
+            </a:r>
+            <a:r>
+              <a:rPr lang="en-US" sz="1800" b="0" dirty="0"/>
+              <a:t>.</a:t>
+            </a:r>
+          </a:p>
+          <a:p>
+            <a:pPr marL="0" indent="0">
+              <a:buNone/>
+            </a:pPr>
+            <a:r>
+              <a:rPr lang="en-US" sz="1800" b="0" dirty="0"/>
+              <a:t>Instead, additional entropy regularization encourages the model to use activation functions with lower complexity and fewer degrees of freedom</a:t>
+            </a:r>
+          </a:p>
+        </p:txBody>
+      </p:sp>
+      <p:sp>
+        <p:nvSpPr>
+          <p:cNvPr id="14" name="Content Placeholder 2" descr="phi&#10;">
+            <a:extLst>
+              <a:ext uri="{FF2B5EF4-FFF2-40B4-BE49-F238E27FC236}">
+                <a16:creationId xmlns:a16="http://schemas.microsoft.com/office/drawing/2014/main" id="{58F3A33B-CD50-B058-179F-AC2F1D9541D9}"/>
+              </a:ext>
+            </a:extLst>
+          </p:cNvPr>
+          <p:cNvSpPr txBox="1">
+            <a:spLocks/>
+          </p:cNvSpPr>
+          <p:nvPr/>
+        </p:nvSpPr>
+        <p:spPr bwMode="auto">
+          <a:xfrm>
+            <a:off x="762000" y="3962400"/>
+            <a:ext cx="8667750" cy="457200"/>
+          </a:xfrm>
+          <a:prstGeom prst="rect">
+            <a:avLst/>
+          </a:prstGeom>
+          <a:noFill/>
+          <a:ln>
+            <a:noFill/>
+          </a:ln>
+          <a:extLst>
+            <a:ext uri="{909E8E84-426E-40DD-AFC4-6F175D3DCCD1}">
+              <a14:hiddenFill xmlns:a14="http://schemas.microsoft.com/office/drawing/2010/main">
+                <a:solidFill>
+                  <a:srgbClr val="FFFFFF"/>
+                </a:solidFill>
+              </a14:hiddenFill>
+            </a:ext>
+            <a:ext uri="{91240B29-F687-4F45-9708-019B960494DF}">
+              <a14:hiddenLine xmlns:a14="http://schemas.microsoft.com/office/drawing/2010/main" w="9525">
+                <a:solidFill>
+                  <a:srgbClr val="000000"/>
+                </a:solidFill>
+                <a:miter lim="800000"/>
+                <a:headEnd/>
+                <a:tailEnd/>
+              </a14:hiddenLine>
+            </a:ext>
+          </a:extLst>
+        </p:spPr>
+        <p:txBody>
+          <a:bodyPr vert="horz" wrap="square" lIns="0" tIns="0" rIns="0" bIns="0" numCol="1" anchor="t" anchorCtr="0" compatLnSpc="1">
+            <a:prstTxWarp prst="textNoShape">
+              <a:avLst/>
+            </a:prstTxWarp>
+          </a:bodyPr>
+          <a:lstStyle>
+            <a:lvl1pPr marL="342900" indent="-342900" algn="l" defTabSz="741363" rtl="0" eaLnBrk="0" fontAlgn="base" hangingPunct="0">
+              <a:lnSpc>
+                <a:spcPct val="100000"/>
+              </a:lnSpc>
+              <a:spcBef>
+                <a:spcPts val="600"/>
+              </a:spcBef>
+              <a:spcAft>
+                <a:spcPct val="0"/>
+              </a:spcAft>
+              <a:buFont typeface="Arial" panose="020B0604020202020204" pitchFamily="34" charset="0"/>
+              <a:buChar char="•"/>
+              <a:defRPr sz="2400" kern="1200">
+                <a:solidFill>
+                  <a:srgbClr val="5A667F"/>
+                </a:solidFill>
+                <a:latin typeface="Lato" panose="020F0502020204030203" pitchFamily="34" charset="77"/>
+                <a:ea typeface="+mn-ea"/>
+                <a:cs typeface="Arial" panose="020B0604020202020204" pitchFamily="34" charset="0"/>
+              </a:defRPr>
+            </a:lvl1pPr>
+            <a:lvl2pPr marL="719138" indent="-363538" algn="l" defTabSz="741363" rtl="0" eaLnBrk="0" fontAlgn="base" hangingPunct="0">
+              <a:lnSpc>
+                <a:spcPct val="100000"/>
+              </a:lnSpc>
+              <a:spcBef>
+                <a:spcPts val="600"/>
+              </a:spcBef>
+              <a:spcAft>
+                <a:spcPct val="0"/>
+              </a:spcAft>
+              <a:buFont typeface="Arial" panose="020B0604020202020204" pitchFamily="34" charset="0"/>
+              <a:buChar char="•"/>
+              <a:defRPr sz="2000" kern="1200">
+                <a:solidFill>
+                  <a:srgbClr val="5A667F"/>
+                </a:solidFill>
+                <a:latin typeface="Lato" panose="020F0502020204030203" pitchFamily="34" charset="77"/>
+                <a:ea typeface="+mn-ea"/>
+                <a:cs typeface="Arial" panose="020B0604020202020204" pitchFamily="34" charset="0"/>
+              </a:defRPr>
+            </a:lvl2pPr>
+            <a:lvl3pPr marL="896938" indent="-177800" algn="l" defTabSz="741363" rtl="0" eaLnBrk="0" fontAlgn="base" hangingPunct="0">
+              <a:lnSpc>
+                <a:spcPct val="100000"/>
+              </a:lnSpc>
+              <a:spcBef>
+                <a:spcPts val="600"/>
+              </a:spcBef>
+              <a:spcAft>
+                <a:spcPct val="0"/>
+              </a:spcAft>
+              <a:buFont typeface="Arial" panose="020B0604020202020204" pitchFamily="34" charset="0"/>
+              <a:buChar char="•"/>
+              <a:defRPr sz="1600" kern="1200">
+                <a:solidFill>
+                  <a:srgbClr val="5A667F"/>
+                </a:solidFill>
+                <a:latin typeface="Lato" panose="020F0502020204030203" pitchFamily="34" charset="77"/>
+                <a:ea typeface="+mn-ea"/>
+                <a:cs typeface="Arial" panose="020B0604020202020204" pitchFamily="34" charset="0"/>
+              </a:defRPr>
+            </a:lvl3pPr>
+            <a:lvl4pPr marL="1074738" indent="-177800" algn="l" defTabSz="741363" rtl="0" eaLnBrk="0" fontAlgn="base" hangingPunct="0">
+              <a:lnSpc>
+                <a:spcPct val="100000"/>
+              </a:lnSpc>
+              <a:spcBef>
+                <a:spcPts val="600"/>
+              </a:spcBef>
+              <a:spcAft>
+                <a:spcPct val="0"/>
+              </a:spcAft>
+              <a:buFont typeface="Arial" panose="020B0604020202020204" pitchFamily="34" charset="0"/>
+              <a:buChar char="•"/>
+              <a:defRPr sz="1400" kern="1200">
+                <a:solidFill>
+                  <a:srgbClr val="5A667F"/>
+                </a:solidFill>
+                <a:latin typeface="Lato" panose="020F0502020204030203" pitchFamily="34" charset="77"/>
+                <a:ea typeface="+mn-ea"/>
+                <a:cs typeface="Arial" panose="020B0604020202020204" pitchFamily="34" charset="0"/>
+              </a:defRPr>
+            </a:lvl4pPr>
+            <a:lvl5pPr marL="1252538" indent="-177800" algn="l" defTabSz="741363" rtl="0" eaLnBrk="0" fontAlgn="base" hangingPunct="0">
+              <a:lnSpc>
+                <a:spcPct val="100000"/>
+              </a:lnSpc>
+              <a:spcBef>
+                <a:spcPts val="600"/>
+              </a:spcBef>
+              <a:spcAft>
+                <a:spcPct val="0"/>
+              </a:spcAft>
+              <a:buFont typeface="Arial" panose="020B0604020202020204" pitchFamily="34" charset="0"/>
+              <a:buChar char="•"/>
+              <a:tabLst/>
+              <a:defRPr sz="1200" kern="1200">
+                <a:solidFill>
+                  <a:srgbClr val="5A667F"/>
+                </a:solidFill>
+                <a:latin typeface="Lato" panose="020F0502020204030203" pitchFamily="34" charset="77"/>
+                <a:ea typeface="+mn-ea"/>
+                <a:cs typeface="Arial" panose="020B0604020202020204" pitchFamily="34" charset="0"/>
+              </a:defRPr>
+            </a:lvl5pPr>
+            <a:lvl6pPr marL="2042929" indent="-185721" algn="l" defTabSz="742883" rtl="0" eaLnBrk="1" latinLnBrk="0" hangingPunct="1">
+              <a:lnSpc>
+                <a:spcPct val="90000"/>
+              </a:lnSpc>
+              <a:spcBef>
+                <a:spcPts val="405"/>
+              </a:spcBef>
+              <a:buFont typeface="Arial" panose="020B0604020202020204" pitchFamily="34" charset="0"/>
+              <a:buChar char="•"/>
+              <a:defRPr sz="1463" kern="1200">
+                <a:solidFill>
+                  <a:schemeClr val="tx1"/>
+                </a:solidFill>
+                <a:latin typeface="+mn-lt"/>
+                <a:ea typeface="+mn-ea"/>
+                <a:cs typeface="+mn-cs"/>
+              </a:defRPr>
+            </a:lvl6pPr>
+            <a:lvl7pPr marL="2414371" indent="-185721" algn="l" defTabSz="742883" rtl="0" eaLnBrk="1" latinLnBrk="0" hangingPunct="1">
+              <a:lnSpc>
+                <a:spcPct val="90000"/>
+              </a:lnSpc>
+              <a:spcBef>
+                <a:spcPts val="405"/>
+              </a:spcBef>
+              <a:buFont typeface="Arial" panose="020B0604020202020204" pitchFamily="34" charset="0"/>
+              <a:buChar char="•"/>
+              <a:defRPr sz="1463" kern="1200">
+                <a:solidFill>
+                  <a:schemeClr val="tx1"/>
+                </a:solidFill>
+                <a:latin typeface="+mn-lt"/>
+                <a:ea typeface="+mn-ea"/>
+                <a:cs typeface="+mn-cs"/>
+              </a:defRPr>
+            </a:lvl7pPr>
+            <a:lvl8pPr marL="2785812" indent="-185721" algn="l" defTabSz="742883" rtl="0" eaLnBrk="1" latinLnBrk="0" hangingPunct="1">
+              <a:lnSpc>
+                <a:spcPct val="90000"/>
+              </a:lnSpc>
+              <a:spcBef>
+                <a:spcPts val="405"/>
+              </a:spcBef>
+              <a:buFont typeface="Arial" panose="020B0604020202020204" pitchFamily="34" charset="0"/>
+              <a:buChar char="•"/>
+              <a:defRPr sz="1463" kern="1200">
+                <a:solidFill>
+                  <a:schemeClr val="tx1"/>
+                </a:solidFill>
+                <a:latin typeface="+mn-lt"/>
+                <a:ea typeface="+mn-ea"/>
+                <a:cs typeface="+mn-cs"/>
+              </a:defRPr>
+            </a:lvl8pPr>
+            <a:lvl9pPr marL="3157253" indent="-185721" algn="l" defTabSz="742883" rtl="0" eaLnBrk="1" latinLnBrk="0" hangingPunct="1">
+              <a:lnSpc>
+                <a:spcPct val="90000"/>
+              </a:lnSpc>
+              <a:spcBef>
+                <a:spcPts val="405"/>
+              </a:spcBef>
+              <a:buFont typeface="Arial" panose="020B0604020202020204" pitchFamily="34" charset="0"/>
+              <a:buChar char="•"/>
+              <a:defRPr sz="1463" kern="1200">
+                <a:solidFill>
+                  <a:schemeClr val="tx1"/>
+                </a:solidFill>
+                <a:latin typeface="+mn-lt"/>
+                <a:ea typeface="+mn-ea"/>
+                <a:cs typeface="+mn-cs"/>
+              </a:defRPr>
+            </a:lvl9pPr>
+          </a:lstStyle>
+          <a:p>
+            <a:pPr marL="0" indent="0">
+              <a:buNone/>
+            </a:pPr>
+            <a:r>
+              <a:rPr lang="en-US" sz="1800" b="0" dirty="0"/>
+              <a:t>Then the final regularization will be:</a:t>
+            </a:r>
+          </a:p>
+        </p:txBody>
+      </p:sp>
+    </p:spTree>
+    <p:extLst>
+      <p:ext uri="{BB962C8B-B14F-4D97-AF65-F5344CB8AC3E}">
+        <p14:creationId xmlns:p14="http://schemas.microsoft.com/office/powerpoint/2010/main" val="2274629540"/>
+      </p:ext>
+    </p:extLst>
+  </p:cSld>
+  <p:clrMapOvr>
+    <a:masterClrMapping/>
+  </p:clrMapOvr>
+</p:sld>
+</file>
+
+<file path=ppt/slides/slide16.xml><?xml version="1.0" encoding="utf-8"?>
+<p:sld xmlns:a="http://schemas.openxmlformats.org/drawingml/2006/main" xmlns:r="http://schemas.openxmlformats.org/officeDocument/2006/relationships" xmlns:p="http://schemas.openxmlformats.org/presentationml/2006/main">
+  <p:cSld>
+    <p:spTree>
+      <p:nvGrpSpPr>
+        <p:cNvPr id="1" name="">
+          <a:extLst>
+            <a:ext uri="{FF2B5EF4-FFF2-40B4-BE49-F238E27FC236}">
+              <a16:creationId xmlns:a16="http://schemas.microsoft.com/office/drawing/2014/main" id="{8B4D265A-5F63-2F6C-A57F-98F88D582A33}"/>
+            </a:ext>
+          </a:extLst>
+        </p:cNvPr>
+        <p:cNvGrpSpPr/>
+        <p:nvPr/>
+      </p:nvGrpSpPr>
+      <p:grpSpPr>
+        <a:xfrm>
+          <a:off x="0" y="0"/>
+          <a:ext cx="0" cy="0"/>
+          <a:chOff x="0" y="0"/>
+          <a:chExt cx="0" cy="0"/>
+        </a:xfrm>
+      </p:grpSpPr>
+      <p:sp>
+        <p:nvSpPr>
+          <p:cNvPr id="2" name="Title 1">
+            <a:extLst>
+              <a:ext uri="{FF2B5EF4-FFF2-40B4-BE49-F238E27FC236}">
+                <a16:creationId xmlns:a16="http://schemas.microsoft.com/office/drawing/2014/main" id="{F4DD73E5-B094-9627-4586-ED4763D7E7A7}"/>
+              </a:ext>
+            </a:extLst>
+          </p:cNvPr>
+          <p:cNvSpPr>
+            <a:spLocks noGrp="1"/>
+          </p:cNvSpPr>
+          <p:nvPr>
+            <p:ph type="title"/>
+          </p:nvPr>
+        </p:nvSpPr>
+        <p:spPr>
+          <a:xfrm>
+            <a:off x="619125" y="419100"/>
+            <a:ext cx="8667750" cy="1028700"/>
+          </a:xfrm>
+        </p:spPr>
+        <p:txBody>
+          <a:bodyPr/>
+          <a:lstStyle/>
+          <a:p>
+            <a:r>
+              <a:rPr lang="en-US" sz="2400" dirty="0"/>
+              <a:t>Advanced: Pruning and </a:t>
+            </a:r>
+            <a:r>
+              <a:rPr lang="en-US" sz="2400" dirty="0" err="1"/>
+              <a:t>Symbolification</a:t>
+            </a:r>
+            <a:endParaRPr sz="2400" dirty="0"/>
+          </a:p>
+        </p:txBody>
+      </p:sp>
+      <p:sp>
+        <p:nvSpPr>
+          <p:cNvPr id="3" name="Content Placeholder 2" descr="phi&#10;">
+            <a:extLst>
+              <a:ext uri="{FF2B5EF4-FFF2-40B4-BE49-F238E27FC236}">
+                <a16:creationId xmlns:a16="http://schemas.microsoft.com/office/drawing/2014/main" id="{07075380-9030-DE92-3F25-E961F73BC7B0}"/>
+              </a:ext>
+            </a:extLst>
+          </p:cNvPr>
+          <p:cNvSpPr>
+            <a:spLocks noGrp="1"/>
+          </p:cNvSpPr>
+          <p:nvPr>
+            <p:ph idx="1"/>
+          </p:nvPr>
+        </p:nvSpPr>
+        <p:spPr>
+          <a:xfrm>
+            <a:off x="619125" y="1181100"/>
+            <a:ext cx="8667750" cy="2514600"/>
+          </a:xfrm>
+        </p:spPr>
+        <p:txBody>
+          <a:bodyPr/>
+          <a:lstStyle/>
+          <a:p>
+            <a:pPr marL="0" indent="0">
+              <a:buNone/>
+            </a:pPr>
+            <a:r>
+              <a:rPr lang="en-US" sz="1800" dirty="0"/>
+              <a:t>PRUNING: We may also want to prune the network to a smaller subnetwork by eliminating all the non-essential nodes. In matrix form, these nodes will be represented as 0.</a:t>
+            </a:r>
+          </a:p>
+          <a:p>
+            <a:pPr marL="0" indent="0">
+              <a:buNone/>
+            </a:pPr>
+            <a:br>
+              <a:rPr lang="en-US" sz="1800" dirty="0"/>
+            </a:br>
+            <a:r>
+              <a:rPr lang="en-US" sz="1800" dirty="0"/>
+              <a:t>SYMBOLIFICATION: In some cases, after pruning, we suspect that some activation functions are very similar to symbolic functions then </a:t>
+            </a:r>
+            <a:r>
+              <a:rPr lang="en-US" sz="1800" dirty="0" err="1"/>
+              <a:t>symbolification</a:t>
+            </a:r>
+            <a:r>
+              <a:rPr lang="en-US" sz="1800" dirty="0"/>
+              <a:t> provides an interface to set the symbolic ϕ to their specified symbolic form</a:t>
+            </a:r>
+          </a:p>
+        </p:txBody>
+      </p:sp>
+      <p:pic>
+        <p:nvPicPr>
+          <p:cNvPr id="5" name="Picture 4">
+            <a:extLst>
+              <a:ext uri="{FF2B5EF4-FFF2-40B4-BE49-F238E27FC236}">
+                <a16:creationId xmlns:a16="http://schemas.microsoft.com/office/drawing/2014/main" id="{B2C96A1F-A2D9-8828-F265-7E02A3370EE9}"/>
+              </a:ext>
+            </a:extLst>
+          </p:cNvPr>
+          <p:cNvPicPr>
+            <a:picLocks noChangeAspect="1"/>
+          </p:cNvPicPr>
+          <p:nvPr/>
+        </p:nvPicPr>
+        <p:blipFill>
+          <a:blip r:embed="rId2"/>
+          <a:stretch>
+            <a:fillRect/>
+          </a:stretch>
+        </p:blipFill>
+        <p:spPr>
+          <a:xfrm>
+            <a:off x="2457450" y="3505200"/>
+            <a:ext cx="4991100" cy="2685052"/>
+          </a:xfrm>
+          <a:prstGeom prst="rect">
+            <a:avLst/>
+          </a:prstGeom>
+        </p:spPr>
+      </p:pic>
+    </p:spTree>
+    <p:extLst>
+      <p:ext uri="{BB962C8B-B14F-4D97-AF65-F5344CB8AC3E}">
+        <p14:creationId xmlns:p14="http://schemas.microsoft.com/office/powerpoint/2010/main" val="2547318028"/>
+      </p:ext>
+    </p:extLst>
+  </p:cSld>
+  <p:clrMapOvr>
+    <a:masterClrMapping/>
+  </p:clrMapOvr>
+</p:sld>
+</file>
+
+<file path=ppt/slides/slide17.xml><?xml version="1.0" encoding="utf-8"?>
+<p:sld xmlns:a="http://schemas.openxmlformats.org/drawingml/2006/main" xmlns:r="http://schemas.openxmlformats.org/officeDocument/2006/relationships" xmlns:p="http://schemas.openxmlformats.org/presentationml/2006/main">
+  <p:cSld>
+    <p:spTree>
+      <p:nvGrpSpPr>
+        <p:cNvPr id="1" name="">
+          <a:extLst>
+            <a:ext uri="{FF2B5EF4-FFF2-40B4-BE49-F238E27FC236}">
+              <a16:creationId xmlns:a16="http://schemas.microsoft.com/office/drawing/2014/main" id="{5EA4D638-51B1-AE6E-A6E4-D304CCC94984}"/>
+            </a:ext>
+          </a:extLst>
+        </p:cNvPr>
+        <p:cNvGrpSpPr/>
+        <p:nvPr/>
+      </p:nvGrpSpPr>
+      <p:grpSpPr>
+        <a:xfrm>
+          <a:off x="0" y="0"/>
+          <a:ext cx="0" cy="0"/>
+          <a:chOff x="0" y="0"/>
+          <a:chExt cx="0" cy="0"/>
+        </a:xfrm>
+      </p:grpSpPr>
+      <p:sp>
+        <p:nvSpPr>
+          <p:cNvPr id="2" name="Title 1">
+            <a:extLst>
+              <a:ext uri="{FF2B5EF4-FFF2-40B4-BE49-F238E27FC236}">
+                <a16:creationId xmlns:a16="http://schemas.microsoft.com/office/drawing/2014/main" id="{875E77B8-1E3C-E959-0079-4BD7ED70F802}"/>
+              </a:ext>
+            </a:extLst>
+          </p:cNvPr>
+          <p:cNvSpPr>
+            <a:spLocks noGrp="1"/>
+          </p:cNvSpPr>
+          <p:nvPr>
+            <p:ph type="title"/>
+          </p:nvPr>
+        </p:nvSpPr>
+        <p:spPr/>
+        <p:txBody>
+          <a:bodyPr/>
+          <a:lstStyle/>
+          <a:p>
+            <a:r>
+              <a:rPr lang="en-US" sz="2400" dirty="0"/>
+              <a:t>Interpretability</a:t>
+            </a:r>
+            <a:endParaRPr sz="2400" dirty="0"/>
+          </a:p>
+        </p:txBody>
+      </p:sp>
+      <p:sp>
+        <p:nvSpPr>
+          <p:cNvPr id="3" name="Content Placeholder 2" descr="phi&#10;">
+            <a:extLst>
+              <a:ext uri="{FF2B5EF4-FFF2-40B4-BE49-F238E27FC236}">
+                <a16:creationId xmlns:a16="http://schemas.microsoft.com/office/drawing/2014/main" id="{FDB07BD1-F3D8-11A1-8D71-F13DCDF241AF}"/>
+              </a:ext>
+            </a:extLst>
+          </p:cNvPr>
+          <p:cNvSpPr>
+            <a:spLocks noGrp="1"/>
+          </p:cNvSpPr>
+          <p:nvPr>
+            <p:ph idx="1"/>
+          </p:nvPr>
+        </p:nvSpPr>
+        <p:spPr>
+          <a:xfrm>
+            <a:off x="622173" y="1447800"/>
+            <a:ext cx="8667750" cy="1600200"/>
+          </a:xfrm>
+        </p:spPr>
+        <p:txBody>
+          <a:bodyPr/>
+          <a:lstStyle/>
+          <a:p>
+            <a:pPr marL="0" indent="0">
+              <a:buNone/>
+            </a:pPr>
+            <a:r>
+              <a:rPr lang="en-US" sz="1800" dirty="0"/>
+              <a:t>Kolmogorov-Arnold networks are interpretable since they learn univariate functions at all levels and it is relatively easy to determine the structure learned</a:t>
+            </a:r>
+          </a:p>
+        </p:txBody>
+      </p:sp>
+      <p:pic>
+        <p:nvPicPr>
+          <p:cNvPr id="5" name="Picture 4">
+            <a:extLst>
+              <a:ext uri="{FF2B5EF4-FFF2-40B4-BE49-F238E27FC236}">
+                <a16:creationId xmlns:a16="http://schemas.microsoft.com/office/drawing/2014/main" id="{336BDC41-0D30-9919-82DA-F350C482004F}"/>
+              </a:ext>
+            </a:extLst>
+          </p:cNvPr>
+          <p:cNvPicPr>
+            <a:picLocks noChangeAspect="1"/>
+          </p:cNvPicPr>
+          <p:nvPr/>
+        </p:nvPicPr>
+        <p:blipFill>
+          <a:blip r:embed="rId2"/>
+          <a:stretch>
+            <a:fillRect/>
+          </a:stretch>
+        </p:blipFill>
+        <p:spPr>
+          <a:xfrm>
+            <a:off x="2895600" y="2628276"/>
+            <a:ext cx="3810000" cy="2813746"/>
+          </a:xfrm>
+          <a:prstGeom prst="rect">
+            <a:avLst/>
+          </a:prstGeom>
+        </p:spPr>
+      </p:pic>
+      <p:pic>
+        <p:nvPicPr>
+          <p:cNvPr id="7" name="Picture 6">
+            <a:extLst>
+              <a:ext uri="{FF2B5EF4-FFF2-40B4-BE49-F238E27FC236}">
+                <a16:creationId xmlns:a16="http://schemas.microsoft.com/office/drawing/2014/main" id="{9EC08799-43B4-2206-1EE9-8A8B36A98D6C}"/>
+              </a:ext>
+            </a:extLst>
+          </p:cNvPr>
+          <p:cNvPicPr>
+            <a:picLocks noChangeAspect="1"/>
+          </p:cNvPicPr>
+          <p:nvPr/>
+        </p:nvPicPr>
+        <p:blipFill>
+          <a:blip r:embed="rId3"/>
+          <a:stretch>
+            <a:fillRect/>
+          </a:stretch>
+        </p:blipFill>
+        <p:spPr>
+          <a:xfrm>
+            <a:off x="2971800" y="2218644"/>
+            <a:ext cx="3419952" cy="409632"/>
+          </a:xfrm>
+          <a:prstGeom prst="rect">
+            <a:avLst/>
+          </a:prstGeom>
+        </p:spPr>
+      </p:pic>
+      <p:pic>
+        <p:nvPicPr>
+          <p:cNvPr id="9" name="Picture 8">
+            <a:extLst>
+              <a:ext uri="{FF2B5EF4-FFF2-40B4-BE49-F238E27FC236}">
+                <a16:creationId xmlns:a16="http://schemas.microsoft.com/office/drawing/2014/main" id="{3F4DC946-AAC0-5DF0-C312-E35D5A5632F4}"/>
+              </a:ext>
+            </a:extLst>
+          </p:cNvPr>
+          <p:cNvPicPr>
+            <a:picLocks noChangeAspect="1"/>
+          </p:cNvPicPr>
+          <p:nvPr/>
+        </p:nvPicPr>
+        <p:blipFill>
+          <a:blip r:embed="rId4"/>
+          <a:stretch>
+            <a:fillRect/>
+          </a:stretch>
+        </p:blipFill>
+        <p:spPr>
+          <a:xfrm>
+            <a:off x="1566624" y="5768065"/>
+            <a:ext cx="5562600" cy="453603"/>
+          </a:xfrm>
+          <a:prstGeom prst="rect">
+            <a:avLst/>
+          </a:prstGeom>
+        </p:spPr>
+      </p:pic>
+      <p:sp>
+        <p:nvSpPr>
+          <p:cNvPr id="10" name="Content Placeholder 2" descr="phi&#10;">
+            <a:extLst>
+              <a:ext uri="{FF2B5EF4-FFF2-40B4-BE49-F238E27FC236}">
+                <a16:creationId xmlns:a16="http://schemas.microsoft.com/office/drawing/2014/main" id="{7D93EB70-65CD-CC22-8CE3-E7D16B5C034A}"/>
+              </a:ext>
+            </a:extLst>
+          </p:cNvPr>
+          <p:cNvSpPr txBox="1">
+            <a:spLocks/>
+          </p:cNvSpPr>
+          <p:nvPr/>
+        </p:nvSpPr>
+        <p:spPr bwMode="auto">
+          <a:xfrm>
+            <a:off x="619125" y="5782056"/>
+            <a:ext cx="947499" cy="602256"/>
+          </a:xfrm>
+          <a:prstGeom prst="rect">
+            <a:avLst/>
+          </a:prstGeom>
+          <a:noFill/>
+          <a:ln>
+            <a:noFill/>
+          </a:ln>
+          <a:extLst>
+            <a:ext uri="{909E8E84-426E-40DD-AFC4-6F175D3DCCD1}">
+              <a14:hiddenFill xmlns:a14="http://schemas.microsoft.com/office/drawing/2010/main">
+                <a:solidFill>
+                  <a:srgbClr val="FFFFFF"/>
+                </a:solidFill>
+              </a14:hiddenFill>
+            </a:ext>
+            <a:ext uri="{91240B29-F687-4F45-9708-019B960494DF}">
+              <a14:hiddenLine xmlns:a14="http://schemas.microsoft.com/office/drawing/2010/main" w="9525">
+                <a:solidFill>
+                  <a:srgbClr val="000000"/>
+                </a:solidFill>
+                <a:miter lim="800000"/>
+                <a:headEnd/>
+                <a:tailEnd/>
+              </a14:hiddenLine>
+            </a:ext>
+          </a:extLst>
+        </p:spPr>
+        <p:txBody>
+          <a:bodyPr vert="horz" wrap="square" lIns="0" tIns="0" rIns="0" bIns="0" numCol="1" anchor="t" anchorCtr="0" compatLnSpc="1">
+            <a:prstTxWarp prst="textNoShape">
+              <a:avLst/>
+            </a:prstTxWarp>
+          </a:bodyPr>
+          <a:lstStyle>
+            <a:lvl1pPr marL="342900" indent="-342900" algn="l" defTabSz="741363" rtl="0" eaLnBrk="0" fontAlgn="base" hangingPunct="0">
+              <a:lnSpc>
+                <a:spcPct val="100000"/>
+              </a:lnSpc>
+              <a:spcBef>
+                <a:spcPts val="600"/>
+              </a:spcBef>
+              <a:spcAft>
+                <a:spcPct val="0"/>
+              </a:spcAft>
+              <a:buFont typeface="Arial" panose="020B0604020202020204" pitchFamily="34" charset="0"/>
+              <a:buChar char="•"/>
+              <a:defRPr sz="2400" kern="1200">
+                <a:solidFill>
+                  <a:srgbClr val="5A667F"/>
+                </a:solidFill>
+                <a:latin typeface="Lato" panose="020F0502020204030203" pitchFamily="34" charset="77"/>
+                <a:ea typeface="+mn-ea"/>
+                <a:cs typeface="Arial" panose="020B0604020202020204" pitchFamily="34" charset="0"/>
+              </a:defRPr>
+            </a:lvl1pPr>
+            <a:lvl2pPr marL="719138" indent="-363538" algn="l" defTabSz="741363" rtl="0" eaLnBrk="0" fontAlgn="base" hangingPunct="0">
+              <a:lnSpc>
+                <a:spcPct val="100000"/>
+              </a:lnSpc>
+              <a:spcBef>
+                <a:spcPts val="600"/>
+              </a:spcBef>
+              <a:spcAft>
+                <a:spcPct val="0"/>
+              </a:spcAft>
+              <a:buFont typeface="Arial" panose="020B0604020202020204" pitchFamily="34" charset="0"/>
+              <a:buChar char="•"/>
+              <a:defRPr sz="2000" kern="1200">
+                <a:solidFill>
+                  <a:srgbClr val="5A667F"/>
+                </a:solidFill>
+                <a:latin typeface="Lato" panose="020F0502020204030203" pitchFamily="34" charset="77"/>
+                <a:ea typeface="+mn-ea"/>
+                <a:cs typeface="Arial" panose="020B0604020202020204" pitchFamily="34" charset="0"/>
+              </a:defRPr>
+            </a:lvl2pPr>
+            <a:lvl3pPr marL="896938" indent="-177800" algn="l" defTabSz="741363" rtl="0" eaLnBrk="0" fontAlgn="base" hangingPunct="0">
+              <a:lnSpc>
+                <a:spcPct val="100000"/>
+              </a:lnSpc>
+              <a:spcBef>
+                <a:spcPts val="600"/>
+              </a:spcBef>
+              <a:spcAft>
+                <a:spcPct val="0"/>
+              </a:spcAft>
+              <a:buFont typeface="Arial" panose="020B0604020202020204" pitchFamily="34" charset="0"/>
+              <a:buChar char="•"/>
+              <a:defRPr sz="1600" kern="1200">
+                <a:solidFill>
+                  <a:srgbClr val="5A667F"/>
+                </a:solidFill>
+                <a:latin typeface="Lato" panose="020F0502020204030203" pitchFamily="34" charset="77"/>
+                <a:ea typeface="+mn-ea"/>
+                <a:cs typeface="Arial" panose="020B0604020202020204" pitchFamily="34" charset="0"/>
+              </a:defRPr>
+            </a:lvl3pPr>
+            <a:lvl4pPr marL="1074738" indent="-177800" algn="l" defTabSz="741363" rtl="0" eaLnBrk="0" fontAlgn="base" hangingPunct="0">
+              <a:lnSpc>
+                <a:spcPct val="100000"/>
+              </a:lnSpc>
+              <a:spcBef>
+                <a:spcPts val="600"/>
+              </a:spcBef>
+              <a:spcAft>
+                <a:spcPct val="0"/>
+              </a:spcAft>
+              <a:buFont typeface="Arial" panose="020B0604020202020204" pitchFamily="34" charset="0"/>
+              <a:buChar char="•"/>
+              <a:defRPr sz="1400" kern="1200">
+                <a:solidFill>
+                  <a:srgbClr val="5A667F"/>
+                </a:solidFill>
+                <a:latin typeface="Lato" panose="020F0502020204030203" pitchFamily="34" charset="77"/>
+                <a:ea typeface="+mn-ea"/>
+                <a:cs typeface="Arial" panose="020B0604020202020204" pitchFamily="34" charset="0"/>
+              </a:defRPr>
+            </a:lvl4pPr>
+            <a:lvl5pPr marL="1252538" indent="-177800" algn="l" defTabSz="741363" rtl="0" eaLnBrk="0" fontAlgn="base" hangingPunct="0">
+              <a:lnSpc>
+                <a:spcPct val="100000"/>
+              </a:lnSpc>
+              <a:spcBef>
+                <a:spcPts val="600"/>
+              </a:spcBef>
+              <a:spcAft>
+                <a:spcPct val="0"/>
+              </a:spcAft>
+              <a:buFont typeface="Arial" panose="020B0604020202020204" pitchFamily="34" charset="0"/>
+              <a:buChar char="•"/>
+              <a:tabLst/>
+              <a:defRPr sz="1200" kern="1200">
+                <a:solidFill>
+                  <a:srgbClr val="5A667F"/>
+                </a:solidFill>
+                <a:latin typeface="Lato" panose="020F0502020204030203" pitchFamily="34" charset="77"/>
+                <a:ea typeface="+mn-ea"/>
+                <a:cs typeface="Arial" panose="020B0604020202020204" pitchFamily="34" charset="0"/>
+              </a:defRPr>
+            </a:lvl5pPr>
+            <a:lvl6pPr marL="2042929" indent="-185721" algn="l" defTabSz="742883" rtl="0" eaLnBrk="1" latinLnBrk="0" hangingPunct="1">
+              <a:lnSpc>
+                <a:spcPct val="90000"/>
+              </a:lnSpc>
+              <a:spcBef>
+                <a:spcPts val="405"/>
+              </a:spcBef>
+              <a:buFont typeface="Arial" panose="020B0604020202020204" pitchFamily="34" charset="0"/>
+              <a:buChar char="•"/>
+              <a:defRPr sz="1463" kern="1200">
+                <a:solidFill>
+                  <a:schemeClr val="tx1"/>
+                </a:solidFill>
+                <a:latin typeface="+mn-lt"/>
+                <a:ea typeface="+mn-ea"/>
+                <a:cs typeface="+mn-cs"/>
+              </a:defRPr>
+            </a:lvl6pPr>
+            <a:lvl7pPr marL="2414371" indent="-185721" algn="l" defTabSz="742883" rtl="0" eaLnBrk="1" latinLnBrk="0" hangingPunct="1">
+              <a:lnSpc>
+                <a:spcPct val="90000"/>
+              </a:lnSpc>
+              <a:spcBef>
+                <a:spcPts val="405"/>
+              </a:spcBef>
+              <a:buFont typeface="Arial" panose="020B0604020202020204" pitchFamily="34" charset="0"/>
+              <a:buChar char="•"/>
+              <a:defRPr sz="1463" kern="1200">
+                <a:solidFill>
+                  <a:schemeClr val="tx1"/>
+                </a:solidFill>
+                <a:latin typeface="+mn-lt"/>
+                <a:ea typeface="+mn-ea"/>
+                <a:cs typeface="+mn-cs"/>
+              </a:defRPr>
+            </a:lvl7pPr>
+            <a:lvl8pPr marL="2785812" indent="-185721" algn="l" defTabSz="742883" rtl="0" eaLnBrk="1" latinLnBrk="0" hangingPunct="1">
+              <a:lnSpc>
+                <a:spcPct val="90000"/>
+              </a:lnSpc>
+              <a:spcBef>
+                <a:spcPts val="405"/>
+              </a:spcBef>
+              <a:buFont typeface="Arial" panose="020B0604020202020204" pitchFamily="34" charset="0"/>
+              <a:buChar char="•"/>
+              <a:defRPr sz="1463" kern="1200">
+                <a:solidFill>
+                  <a:schemeClr val="tx1"/>
+                </a:solidFill>
+                <a:latin typeface="+mn-lt"/>
+                <a:ea typeface="+mn-ea"/>
+                <a:cs typeface="+mn-cs"/>
+              </a:defRPr>
+            </a:lvl8pPr>
+            <a:lvl9pPr marL="3157253" indent="-185721" algn="l" defTabSz="742883" rtl="0" eaLnBrk="1" latinLnBrk="0" hangingPunct="1">
+              <a:lnSpc>
+                <a:spcPct val="90000"/>
+              </a:lnSpc>
+              <a:spcBef>
+                <a:spcPts val="405"/>
+              </a:spcBef>
+              <a:buFont typeface="Arial" panose="020B0604020202020204" pitchFamily="34" charset="0"/>
+              <a:buChar char="•"/>
+              <a:defRPr sz="1463" kern="1200">
+                <a:solidFill>
+                  <a:schemeClr val="tx1"/>
+                </a:solidFill>
+                <a:latin typeface="+mn-lt"/>
+                <a:ea typeface="+mn-ea"/>
+                <a:cs typeface="+mn-cs"/>
+              </a:defRPr>
+            </a:lvl9pPr>
+          </a:lstStyle>
+          <a:p>
+            <a:pPr marL="0" indent="0">
+              <a:buFont typeface="Arial" panose="020B0604020202020204" pitchFamily="34" charset="0"/>
+              <a:buNone/>
+            </a:pPr>
+            <a:r>
+              <a:rPr lang="en-US" sz="1800" b="0" dirty="0"/>
+              <a:t>Proof:</a:t>
+            </a:r>
+          </a:p>
+        </p:txBody>
+      </p:sp>
+    </p:spTree>
+    <p:extLst>
+      <p:ext uri="{BB962C8B-B14F-4D97-AF65-F5344CB8AC3E}">
+        <p14:creationId xmlns:p14="http://schemas.microsoft.com/office/powerpoint/2010/main" val="1395090728"/>
+      </p:ext>
+    </p:extLst>
+  </p:cSld>
+  <p:clrMapOvr>
+    <a:masterClrMapping/>
+  </p:clrMapOvr>
+</p:sld>
+</file>
+
+<file path=ppt/slides/slide18.xml><?xml version="1.0" encoding="utf-8"?>
+<p:sld xmlns:a="http://schemas.openxmlformats.org/drawingml/2006/main" xmlns:r="http://schemas.openxmlformats.org/officeDocument/2006/relationships" xmlns:p="http://schemas.openxmlformats.org/presentationml/2006/main">
+  <p:cSld>
+    <p:spTree>
+      <p:nvGrpSpPr>
+        <p:cNvPr id="1" name="">
+          <a:extLst>
+            <a:ext uri="{FF2B5EF4-FFF2-40B4-BE49-F238E27FC236}">
+              <a16:creationId xmlns:a16="http://schemas.microsoft.com/office/drawing/2014/main" id="{DA9441B2-A173-6807-6663-E2D97ABB5E29}"/>
+            </a:ext>
+          </a:extLst>
+        </p:cNvPr>
+        <p:cNvGrpSpPr/>
+        <p:nvPr/>
+      </p:nvGrpSpPr>
+      <p:grpSpPr>
+        <a:xfrm>
+          <a:off x="0" y="0"/>
+          <a:ext cx="0" cy="0"/>
+          <a:chOff x="0" y="0"/>
+          <a:chExt cx="0" cy="0"/>
+        </a:xfrm>
+      </p:grpSpPr>
+      <p:sp>
+        <p:nvSpPr>
+          <p:cNvPr id="2" name="Title 1">
+            <a:extLst>
+              <a:ext uri="{FF2B5EF4-FFF2-40B4-BE49-F238E27FC236}">
+                <a16:creationId xmlns:a16="http://schemas.microsoft.com/office/drawing/2014/main" id="{9E10443B-398E-4059-D1E4-0F358528DF02}"/>
+              </a:ext>
+            </a:extLst>
+          </p:cNvPr>
+          <p:cNvSpPr>
+            <a:spLocks noGrp="1"/>
+          </p:cNvSpPr>
+          <p:nvPr>
+            <p:ph type="title"/>
+          </p:nvPr>
+        </p:nvSpPr>
+        <p:spPr/>
+        <p:txBody>
+          <a:bodyPr/>
+          <a:lstStyle/>
+          <a:p>
+            <a:r>
+              <a:rPr lang="en-US" sz="2400" dirty="0"/>
+              <a:t>Code: Symbolic Regression</a:t>
+            </a:r>
+            <a:endParaRPr sz="2400" dirty="0"/>
+          </a:p>
+        </p:txBody>
+      </p:sp>
+      <p:sp>
+        <p:nvSpPr>
+          <p:cNvPr id="3" name="Content Placeholder 2" descr="phi&#10;">
+            <a:extLst>
+              <a:ext uri="{FF2B5EF4-FFF2-40B4-BE49-F238E27FC236}">
+                <a16:creationId xmlns:a16="http://schemas.microsoft.com/office/drawing/2014/main" id="{5F4EBD7D-0CC3-B858-E1F3-A11163312FDB}"/>
+              </a:ext>
+            </a:extLst>
+          </p:cNvPr>
+          <p:cNvSpPr>
+            <a:spLocks noGrp="1"/>
+          </p:cNvSpPr>
+          <p:nvPr>
+            <p:ph idx="1"/>
+          </p:nvPr>
+        </p:nvSpPr>
+        <p:spPr>
+          <a:xfrm>
+            <a:off x="619125" y="1639800"/>
+            <a:ext cx="8667750" cy="1600200"/>
+          </a:xfrm>
+        </p:spPr>
+        <p:txBody>
+          <a:bodyPr/>
+          <a:lstStyle/>
+          <a:p>
+            <a:pPr marL="0" indent="0">
+              <a:buNone/>
+            </a:pPr>
+            <a:r>
+              <a:rPr lang="en-US" sz="1800" dirty="0"/>
+              <a:t>The regression task involves training a Kolmogorov Arnold Network (KAN) to learn a non-linear function using symbolic regression enhancing interpretability.</a:t>
+            </a:r>
+          </a:p>
+          <a:p>
+            <a:pPr marL="0" indent="0">
+              <a:buNone/>
+            </a:pPr>
+            <a:endParaRPr lang="en-US" sz="1800" dirty="0"/>
+          </a:p>
+          <a:p>
+            <a:pPr marL="0" indent="0">
+              <a:buNone/>
+            </a:pPr>
+            <a:r>
+              <a:rPr lang="en-US" sz="1800" dirty="0"/>
+              <a:t>Accuracy:</a:t>
+            </a:r>
+          </a:p>
+          <a:p>
+            <a:pPr marL="0" indent="0">
+              <a:buNone/>
+            </a:pPr>
+            <a:r>
+              <a:rPr lang="en-US" sz="1800" dirty="0"/>
+              <a:t> • Training Accuracy: 1</a:t>
+            </a:r>
+          </a:p>
+          <a:p>
+            <a:pPr marL="0" indent="0">
+              <a:buNone/>
+            </a:pPr>
+            <a:r>
+              <a:rPr lang="en-US" sz="1800" dirty="0"/>
+              <a:t> • Test Accuracy: 1</a:t>
+            </a:r>
+          </a:p>
+          <a:p>
+            <a:pPr marL="0" indent="0">
+              <a:buNone/>
+            </a:pPr>
+            <a:endParaRPr lang="en-US" sz="1800" dirty="0"/>
+          </a:p>
+        </p:txBody>
+      </p:sp>
+      <p:pic>
+        <p:nvPicPr>
+          <p:cNvPr id="5" name="Picture 4">
+            <a:extLst>
+              <a:ext uri="{FF2B5EF4-FFF2-40B4-BE49-F238E27FC236}">
+                <a16:creationId xmlns:a16="http://schemas.microsoft.com/office/drawing/2014/main" id="{355E1CC8-F487-850E-9E38-C827E560A445}"/>
+              </a:ext>
+            </a:extLst>
+          </p:cNvPr>
+          <p:cNvPicPr>
+            <a:picLocks noChangeAspect="1"/>
+          </p:cNvPicPr>
+          <p:nvPr/>
+        </p:nvPicPr>
+        <p:blipFill>
+          <a:blip r:embed="rId2"/>
+          <a:stretch>
+            <a:fillRect/>
+          </a:stretch>
+        </p:blipFill>
+        <p:spPr>
+          <a:xfrm>
+            <a:off x="5410198" y="3429000"/>
+            <a:ext cx="2258957" cy="2391187"/>
+          </a:xfrm>
+          <a:prstGeom prst="rect">
+            <a:avLst/>
+          </a:prstGeom>
+        </p:spPr>
+      </p:pic>
+      <p:pic>
+        <p:nvPicPr>
+          <p:cNvPr id="7" name="Picture 6">
+            <a:extLst>
+              <a:ext uri="{FF2B5EF4-FFF2-40B4-BE49-F238E27FC236}">
+                <a16:creationId xmlns:a16="http://schemas.microsoft.com/office/drawing/2014/main" id="{24E6F343-983A-8A54-C518-7B0BF83CC88C}"/>
+              </a:ext>
+            </a:extLst>
+          </p:cNvPr>
+          <p:cNvPicPr>
+            <a:picLocks noChangeAspect="1"/>
+          </p:cNvPicPr>
+          <p:nvPr/>
+        </p:nvPicPr>
+        <p:blipFill>
+          <a:blip r:embed="rId3"/>
+          <a:stretch>
+            <a:fillRect/>
+          </a:stretch>
+        </p:blipFill>
+        <p:spPr>
+          <a:xfrm>
+            <a:off x="5220281" y="2824131"/>
+            <a:ext cx="2638793" cy="447737"/>
+          </a:xfrm>
+          <a:prstGeom prst="rect">
+            <a:avLst/>
+          </a:prstGeom>
+        </p:spPr>
+      </p:pic>
+    </p:spTree>
+    <p:extLst>
+      <p:ext uri="{BB962C8B-B14F-4D97-AF65-F5344CB8AC3E}">
+        <p14:creationId xmlns:p14="http://schemas.microsoft.com/office/powerpoint/2010/main" val="3760028840"/>
+      </p:ext>
+    </p:extLst>
+  </p:cSld>
+  <p:clrMapOvr>
+    <a:masterClrMapping/>
+  </p:clrMapOvr>
+</p:sld>
+</file>
+
+<file path=ppt/slides/slide19.xml><?xml version="1.0" encoding="utf-8"?>
+<p:sld xmlns:a="http://schemas.openxmlformats.org/drawingml/2006/main" xmlns:r="http://schemas.openxmlformats.org/officeDocument/2006/relationships" xmlns:p="http://schemas.openxmlformats.org/presentationml/2006/main">
+  <p:cSld>
+    <p:spTree>
+      <p:nvGrpSpPr>
+        <p:cNvPr id="1" name="">
+          <a:extLst>
+            <a:ext uri="{FF2B5EF4-FFF2-40B4-BE49-F238E27FC236}">
+              <a16:creationId xmlns:a16="http://schemas.microsoft.com/office/drawing/2014/main" id="{406FFC3E-6B39-0E75-9339-22CF82DF4DD3}"/>
+            </a:ext>
+          </a:extLst>
+        </p:cNvPr>
+        <p:cNvGrpSpPr/>
+        <p:nvPr/>
+      </p:nvGrpSpPr>
+      <p:grpSpPr>
+        <a:xfrm>
+          <a:off x="0" y="0"/>
+          <a:ext cx="0" cy="0"/>
+          <a:chOff x="0" y="0"/>
+          <a:chExt cx="0" cy="0"/>
+        </a:xfrm>
+      </p:grpSpPr>
+      <p:sp>
+        <p:nvSpPr>
+          <p:cNvPr id="2" name="Title 1">
+            <a:extLst>
+              <a:ext uri="{FF2B5EF4-FFF2-40B4-BE49-F238E27FC236}">
+                <a16:creationId xmlns:a16="http://schemas.microsoft.com/office/drawing/2014/main" id="{D7B4D21D-E55C-0E9E-EAE0-782416F944EB}"/>
+              </a:ext>
+            </a:extLst>
+          </p:cNvPr>
+          <p:cNvSpPr>
+            <a:spLocks noGrp="1"/>
+          </p:cNvSpPr>
+          <p:nvPr>
+            <p:ph type="title"/>
+          </p:nvPr>
+        </p:nvSpPr>
+        <p:spPr/>
+        <p:txBody>
+          <a:bodyPr/>
+          <a:lstStyle/>
+          <a:p>
+            <a:r>
+              <a:rPr lang="en-US" sz="2400" dirty="0"/>
+              <a:t>Cancer </a:t>
+            </a:r>
+            <a:r>
+              <a:rPr lang="en-US" sz="2400" dirty="0" err="1"/>
+              <a:t>Analisys</a:t>
+            </a:r>
+            <a:endParaRPr sz="2400" dirty="0"/>
+          </a:p>
+        </p:txBody>
+      </p:sp>
+      <p:sp>
+        <p:nvSpPr>
+          <p:cNvPr id="3" name="Content Placeholder 2" descr="phi&#10;">
+            <a:extLst>
+              <a:ext uri="{FF2B5EF4-FFF2-40B4-BE49-F238E27FC236}">
+                <a16:creationId xmlns:a16="http://schemas.microsoft.com/office/drawing/2014/main" id="{A97414AE-05D9-935B-ECFD-BA64D2A88DD3}"/>
+              </a:ext>
+            </a:extLst>
+          </p:cNvPr>
+          <p:cNvSpPr>
+            <a:spLocks noGrp="1"/>
+          </p:cNvSpPr>
+          <p:nvPr>
+            <p:ph idx="1"/>
+          </p:nvPr>
+        </p:nvSpPr>
+        <p:spPr>
+          <a:xfrm>
+            <a:off x="622173" y="1447800"/>
+            <a:ext cx="8667750" cy="1600200"/>
+          </a:xfrm>
+        </p:spPr>
+        <p:txBody>
+          <a:bodyPr/>
+          <a:lstStyle/>
+          <a:p>
+            <a:pPr marL="0" indent="0">
+              <a:buNone/>
+            </a:pPr>
+            <a:r>
+              <a:rPr lang="en-US" sz="1800" dirty="0"/>
+              <a:t>The cancer analysis task involves training a Kolmogorov Arnold Networks (KAN) to predict cancer outcomes based on clinical and pathological data from the Wisconsin Breast Cancer Dataset from </a:t>
+            </a:r>
+            <a:r>
+              <a:rPr lang="en-US" sz="1800" dirty="0" err="1"/>
+              <a:t>sklearn</a:t>
+            </a:r>
+            <a:r>
+              <a:rPr lang="en-US" sz="1800" dirty="0"/>
+              <a:t>.</a:t>
+            </a:r>
+          </a:p>
+          <a:p>
+            <a:pPr marL="0" indent="0">
+              <a:buNone/>
+            </a:pPr>
+            <a:endParaRPr lang="en-US" sz="1800" dirty="0"/>
+          </a:p>
+          <a:p>
+            <a:pPr marL="0" indent="0">
+              <a:buNone/>
+            </a:pPr>
+            <a:r>
+              <a:rPr lang="en-US" sz="1800" dirty="0"/>
+              <a:t>Accuracy:</a:t>
+            </a:r>
+          </a:p>
+          <a:p>
+            <a:pPr marL="0" indent="0">
+              <a:buNone/>
+            </a:pPr>
+            <a:r>
+              <a:rPr lang="en-US" sz="1800" dirty="0"/>
+              <a:t> • Training Accuracy: 0.978</a:t>
+            </a:r>
+          </a:p>
+          <a:p>
+            <a:pPr marL="0" indent="0">
+              <a:buNone/>
+            </a:pPr>
+            <a:r>
+              <a:rPr lang="en-US" sz="1800" dirty="0"/>
+              <a:t> • Test Accuracy: 0.974</a:t>
+            </a:r>
+          </a:p>
+        </p:txBody>
+      </p:sp>
+      <p:pic>
+        <p:nvPicPr>
+          <p:cNvPr id="5" name="Picture 4">
+            <a:extLst>
+              <a:ext uri="{FF2B5EF4-FFF2-40B4-BE49-F238E27FC236}">
+                <a16:creationId xmlns:a16="http://schemas.microsoft.com/office/drawing/2014/main" id="{58B26872-8E5E-7837-DB03-F91C0638DCA1}"/>
+              </a:ext>
+            </a:extLst>
+          </p:cNvPr>
+          <p:cNvPicPr>
+            <a:picLocks noChangeAspect="1"/>
+          </p:cNvPicPr>
+          <p:nvPr/>
+        </p:nvPicPr>
+        <p:blipFill>
+          <a:blip r:embed="rId2"/>
+          <a:stretch>
+            <a:fillRect/>
+          </a:stretch>
+        </p:blipFill>
+        <p:spPr>
+          <a:xfrm>
+            <a:off x="3971544" y="2667000"/>
+            <a:ext cx="5321427" cy="3208701"/>
+          </a:xfrm>
+          <a:prstGeom prst="rect">
+            <a:avLst/>
+          </a:prstGeom>
+        </p:spPr>
+      </p:pic>
+    </p:spTree>
+    <p:extLst>
+      <p:ext uri="{BB962C8B-B14F-4D97-AF65-F5344CB8AC3E}">
+        <p14:creationId xmlns:p14="http://schemas.microsoft.com/office/powerpoint/2010/main" val="2861719900"/>
+      </p:ext>
+    </p:extLst>
+  </p:cSld>
+  <p:clrMapOvr>
+    <a:masterClrMapping/>
+  </p:clrMapOvr>
+</p:sld>
+</file>
+
 <file path=ppt/slides/slide2.xml><?xml version="1.0" encoding="utf-8"?>
 <p:sld xmlns:a="http://schemas.openxmlformats.org/drawingml/2006/main" xmlns:r="http://schemas.openxmlformats.org/officeDocument/2006/relationships" xmlns:p="http://schemas.openxmlformats.org/presentationml/2006/main">
   <p:cSld>
@@ -7489,10 +10496,2297 @@
       </p:grpSpPr>
       <p:sp>
         <p:nvSpPr>
+          <p:cNvPr id="2" name="Title 1"/>
+          <p:cNvSpPr>
+            <a:spLocks noGrp="1"/>
+          </p:cNvSpPr>
+          <p:nvPr>
+            <p:ph type="title"/>
+          </p:nvPr>
+        </p:nvSpPr>
+        <p:spPr>
+          <a:xfrm>
+            <a:off x="619124" y="304800"/>
+            <a:ext cx="8667750" cy="1028700"/>
+          </a:xfrm>
+        </p:spPr>
+        <p:txBody>
+          <a:bodyPr/>
+          <a:lstStyle/>
+          <a:p>
+            <a:r>
+              <a:rPr sz="2400" dirty="0"/>
+              <a:t>Introduction to Kolmogorov-Arnold</a:t>
+            </a:r>
+            <a:br>
+              <a:rPr lang="en-US" sz="2400" dirty="0"/>
+            </a:br>
+            <a:r>
+              <a:rPr sz="2400" dirty="0"/>
+              <a:t> Networks (KANs)</a:t>
+            </a:r>
+          </a:p>
+        </p:txBody>
+      </p:sp>
+      <p:sp>
+        <p:nvSpPr>
+          <p:cNvPr id="3" name="Content Placeholder 2"/>
+          <p:cNvSpPr>
+            <a:spLocks noGrp="1"/>
+          </p:cNvSpPr>
+          <p:nvPr>
+            <p:ph idx="1"/>
+          </p:nvPr>
+        </p:nvSpPr>
+        <p:spPr>
+          <a:xfrm>
+            <a:off x="619123" y="1541526"/>
+            <a:ext cx="8667751" cy="1866900"/>
+          </a:xfrm>
+        </p:spPr>
+        <p:txBody>
+          <a:bodyPr/>
+          <a:lstStyle/>
+          <a:p>
+            <a:r>
+              <a:rPr lang="en-US" sz="1800" dirty="0"/>
+              <a:t>KANs are inspired by the Kolmogorov-Arnold theorem.  </a:t>
+            </a:r>
+          </a:p>
+          <a:p>
+            <a:r>
+              <a:rPr lang="en-US" sz="1800" dirty="0"/>
+              <a:t>They provide a valid alternative to Multi-Layer </a:t>
+            </a:r>
+            <a:r>
+              <a:rPr lang="en-US" sz="1800" dirty="0" err="1"/>
+              <a:t>Perceptrons</a:t>
+            </a:r>
+            <a:r>
+              <a:rPr lang="en-US" sz="1800" dirty="0"/>
+              <a:t> (MLPs).  </a:t>
+            </a:r>
+          </a:p>
+          <a:p>
+            <a:r>
+              <a:rPr lang="en-US" sz="1800" dirty="0"/>
+              <a:t>Their key innovation lies in using learnable spline-based activation functions</a:t>
+            </a:r>
+          </a:p>
+          <a:p>
+            <a:r>
+              <a:rPr lang="en-US" sz="1800" dirty="0"/>
+              <a:t>Advantages: enhanced accuracy, improved interpretability, and greater scalability.  </a:t>
+            </a:r>
+          </a:p>
+        </p:txBody>
+      </p:sp>
+      <p:pic>
+        <p:nvPicPr>
+          <p:cNvPr id="9" name="Picture 8" descr="A diagram of a complex structure">
+            <a:extLst>
+              <a:ext uri="{FF2B5EF4-FFF2-40B4-BE49-F238E27FC236}">
+                <a16:creationId xmlns:a16="http://schemas.microsoft.com/office/drawing/2014/main" id="{34E9B477-4E7F-66FC-6B42-C0EC8C8126BE}"/>
+              </a:ext>
+            </a:extLst>
+          </p:cNvPr>
+          <p:cNvPicPr>
+            <a:picLocks noChangeAspect="1"/>
+          </p:cNvPicPr>
+          <p:nvPr/>
+        </p:nvPicPr>
+        <p:blipFill>
+          <a:blip r:embed="rId2"/>
+          <a:stretch>
+            <a:fillRect/>
+          </a:stretch>
+        </p:blipFill>
+        <p:spPr>
+          <a:xfrm>
+            <a:off x="2362200" y="3124200"/>
+            <a:ext cx="5054708" cy="3039223"/>
+          </a:xfrm>
+          <a:prstGeom prst="rect">
+            <a:avLst/>
+          </a:prstGeom>
+        </p:spPr>
+      </p:pic>
+    </p:spTree>
+  </p:cSld>
+  <p:clrMapOvr>
+    <a:masterClrMapping/>
+  </p:clrMapOvr>
+</p:sld>
+</file>
+
+<file path=ppt/slides/slide20.xml><?xml version="1.0" encoding="utf-8"?>
+<p:sld xmlns:a="http://schemas.openxmlformats.org/drawingml/2006/main" xmlns:r="http://schemas.openxmlformats.org/officeDocument/2006/relationships" xmlns:p="http://schemas.openxmlformats.org/presentationml/2006/main">
+  <p:cSld>
+    <p:spTree>
+      <p:nvGrpSpPr>
+        <p:cNvPr id="1" name="">
+          <a:extLst>
+            <a:ext uri="{FF2B5EF4-FFF2-40B4-BE49-F238E27FC236}">
+              <a16:creationId xmlns:a16="http://schemas.microsoft.com/office/drawing/2014/main" id="{1BB13C7C-5FB5-5057-2390-A27F23765F68}"/>
+            </a:ext>
+          </a:extLst>
+        </p:cNvPr>
+        <p:cNvGrpSpPr/>
+        <p:nvPr/>
+      </p:nvGrpSpPr>
+      <p:grpSpPr>
+        <a:xfrm>
+          <a:off x="0" y="0"/>
+          <a:ext cx="0" cy="0"/>
+          <a:chOff x="0" y="0"/>
+          <a:chExt cx="0" cy="0"/>
+        </a:xfrm>
+      </p:grpSpPr>
+      <p:sp>
+        <p:nvSpPr>
           <p:cNvPr id="2" name="Title 1">
             <a:extLst>
               <a:ext uri="{FF2B5EF4-FFF2-40B4-BE49-F238E27FC236}">
-                <a16:creationId xmlns:a16="http://schemas.microsoft.com/office/drawing/2014/main" id="{0AEC7FAD-2F9A-08CA-FD28-9E3E71947970}"/>
+                <a16:creationId xmlns:a16="http://schemas.microsoft.com/office/drawing/2014/main" id="{416B256B-2254-BCA1-1C0C-C24C85BEA7A7}"/>
+              </a:ext>
+            </a:extLst>
+          </p:cNvPr>
+          <p:cNvSpPr>
+            <a:spLocks noGrp="1"/>
+          </p:cNvSpPr>
+          <p:nvPr>
+            <p:ph type="title"/>
+          </p:nvPr>
+        </p:nvSpPr>
+        <p:spPr>
+          <a:xfrm>
+            <a:off x="619125" y="457200"/>
+            <a:ext cx="8667750" cy="1028700"/>
+          </a:xfrm>
+        </p:spPr>
+        <p:txBody>
+          <a:bodyPr/>
+          <a:lstStyle/>
+          <a:p>
+            <a:r>
+              <a:rPr lang="en-US" sz="2400" dirty="0"/>
+              <a:t>Conclusions</a:t>
+            </a:r>
+            <a:endParaRPr sz="2400" dirty="0"/>
+          </a:p>
+        </p:txBody>
+      </p:sp>
+      <p:sp>
+        <p:nvSpPr>
+          <p:cNvPr id="3" name="Content Placeholder 2" descr="phi&#10;">
+            <a:extLst>
+              <a:ext uri="{FF2B5EF4-FFF2-40B4-BE49-F238E27FC236}">
+                <a16:creationId xmlns:a16="http://schemas.microsoft.com/office/drawing/2014/main" id="{B7527D7E-EAC9-87B0-1AD8-1F71DFBBB567}"/>
+              </a:ext>
+            </a:extLst>
+          </p:cNvPr>
+          <p:cNvSpPr>
+            <a:spLocks noGrp="1"/>
+          </p:cNvSpPr>
+          <p:nvPr>
+            <p:ph idx="1"/>
+          </p:nvPr>
+        </p:nvSpPr>
+        <p:spPr>
+          <a:xfrm>
+            <a:off x="619125" y="1219200"/>
+            <a:ext cx="8667750" cy="5105400"/>
+          </a:xfrm>
+        </p:spPr>
+        <p:txBody>
+          <a:bodyPr/>
+          <a:lstStyle/>
+          <a:p>
+            <a:pPr marL="0" indent="0">
+              <a:buNone/>
+            </a:pPr>
+            <a:r>
+              <a:rPr lang="en-US" sz="1800" dirty="0"/>
+              <a:t>KANs are not merely an alternative to MLPs but represent a paradigm shift toward more expressive, transparent, and efficient neural network architectures.</a:t>
+            </a:r>
+          </a:p>
+          <a:p>
+            <a:pPr marL="0" indent="0">
+              <a:buNone/>
+            </a:pPr>
+            <a:endParaRPr lang="en-US" sz="1800" dirty="0"/>
+          </a:p>
+          <a:p>
+            <a:pPr marL="0" indent="0">
+              <a:buNone/>
+            </a:pPr>
+            <a:r>
+              <a:rPr lang="en-US" sz="1800" dirty="0"/>
+              <a:t>KANs in Practice:</a:t>
+            </a:r>
+          </a:p>
+          <a:p>
+            <a:r>
+              <a:rPr lang="en-US" sz="1800" dirty="0"/>
+              <a:t>Outperform MLPs: Achieving lower test loss with reduced depth and complexity.</a:t>
+            </a:r>
+          </a:p>
+          <a:p>
+            <a:r>
+              <a:rPr lang="en-US" sz="1800" dirty="0"/>
+              <a:t>Application: Superiority in non-linear regression, function approximation tasks, …</a:t>
+            </a:r>
+          </a:p>
+          <a:p>
+            <a:pPr marL="0" indent="0">
+              <a:buNone/>
+            </a:pPr>
+            <a:endParaRPr lang="en-US" sz="1800" dirty="0"/>
+          </a:p>
+          <a:p>
+            <a:pPr marL="0" indent="0">
+              <a:buNone/>
+            </a:pPr>
+            <a:r>
+              <a:rPr lang="en-US" sz="1800" dirty="0"/>
+              <a:t>Challenges with KANs:</a:t>
+            </a:r>
+          </a:p>
+          <a:p>
+            <a:r>
+              <a:rPr lang="en-US" sz="1800" dirty="0"/>
+              <a:t>Computational Overhead: Spline activation functions slow down the process.</a:t>
+            </a:r>
+          </a:p>
+          <a:p>
+            <a:r>
+              <a:rPr lang="en-US" sz="1800" dirty="0"/>
+              <a:t>Optimization: Lack of optimization strategies for spline-based architectures.</a:t>
+            </a:r>
+          </a:p>
+          <a:p>
+            <a:pPr marL="0" indent="0">
+              <a:buNone/>
+            </a:pPr>
+            <a:endParaRPr lang="en-US" sz="1800" dirty="0"/>
+          </a:p>
+          <a:p>
+            <a:pPr marL="0" indent="0">
+              <a:buNone/>
+            </a:pPr>
+            <a:r>
+              <a:rPr lang="en-US" sz="1800" dirty="0"/>
+              <a:t>Future of KANs:</a:t>
+            </a:r>
+          </a:p>
+          <a:p>
+            <a:r>
+              <a:rPr lang="en-US" sz="1800" dirty="0"/>
+              <a:t>Improvement: Accelerated training methods and efficient spline representations.</a:t>
+            </a:r>
+          </a:p>
+          <a:p>
+            <a:r>
+              <a:rPr lang="en-US" sz="1800" dirty="0"/>
+              <a:t>Broader Adoption: Scalable regularization techniques for various tasks.</a:t>
+            </a:r>
+          </a:p>
+        </p:txBody>
+      </p:sp>
+    </p:spTree>
+    <p:extLst>
+      <p:ext uri="{BB962C8B-B14F-4D97-AF65-F5344CB8AC3E}">
+        <p14:creationId xmlns:p14="http://schemas.microsoft.com/office/powerpoint/2010/main" val="1892958027"/>
+      </p:ext>
+    </p:extLst>
+  </p:cSld>
+  <p:clrMapOvr>
+    <a:masterClrMapping/>
+  </p:clrMapOvr>
+</p:sld>
+</file>
+
+<file path=ppt/slides/slide3.xml><?xml version="1.0" encoding="utf-8"?>
+<p:sld xmlns:a="http://schemas.openxmlformats.org/drawingml/2006/main" xmlns:r="http://schemas.openxmlformats.org/officeDocument/2006/relationships" xmlns:p="http://schemas.openxmlformats.org/presentationml/2006/main">
+  <p:cSld>
+    <p:spTree>
+      <p:nvGrpSpPr>
+        <p:cNvPr id="1" name="">
+          <a:extLst>
+            <a:ext uri="{FF2B5EF4-FFF2-40B4-BE49-F238E27FC236}">
+              <a16:creationId xmlns:a16="http://schemas.microsoft.com/office/drawing/2014/main" id="{BEEDA1AA-F4AB-36A6-AA87-34CD013E2512}"/>
+            </a:ext>
+          </a:extLst>
+        </p:cNvPr>
+        <p:cNvGrpSpPr/>
+        <p:nvPr/>
+      </p:nvGrpSpPr>
+      <p:grpSpPr>
+        <a:xfrm>
+          <a:off x="0" y="0"/>
+          <a:ext cx="0" cy="0"/>
+          <a:chOff x="0" y="0"/>
+          <a:chExt cx="0" cy="0"/>
+        </a:xfrm>
+      </p:grpSpPr>
+      <p:sp>
+        <p:nvSpPr>
+          <p:cNvPr id="2" name="Title 1">
+            <a:extLst>
+              <a:ext uri="{FF2B5EF4-FFF2-40B4-BE49-F238E27FC236}">
+                <a16:creationId xmlns:a16="http://schemas.microsoft.com/office/drawing/2014/main" id="{7113D738-41D9-13A6-8411-F3B7362675B8}"/>
+              </a:ext>
+            </a:extLst>
+          </p:cNvPr>
+          <p:cNvSpPr>
+            <a:spLocks noGrp="1"/>
+          </p:cNvSpPr>
+          <p:nvPr>
+            <p:ph type="title"/>
+          </p:nvPr>
+        </p:nvSpPr>
+        <p:spPr>
+          <a:xfrm>
+            <a:off x="619124" y="304800"/>
+            <a:ext cx="8667750" cy="1028700"/>
+          </a:xfrm>
+        </p:spPr>
+        <p:txBody>
+          <a:bodyPr/>
+          <a:lstStyle/>
+          <a:p>
+            <a:r>
+              <a:rPr lang="en-US" sz="2400" dirty="0"/>
+              <a:t>Kolmogorov-Arnold Theorem</a:t>
+            </a:r>
+            <a:endParaRPr sz="2400" dirty="0"/>
+          </a:p>
+        </p:txBody>
+      </p:sp>
+      <p:sp>
+        <p:nvSpPr>
+          <p:cNvPr id="3" name="Content Placeholder 2">
+            <a:extLst>
+              <a:ext uri="{FF2B5EF4-FFF2-40B4-BE49-F238E27FC236}">
+                <a16:creationId xmlns:a16="http://schemas.microsoft.com/office/drawing/2014/main" id="{02DD65D6-0995-67A4-9D4E-6DD02C00A657}"/>
+              </a:ext>
+            </a:extLst>
+          </p:cNvPr>
+          <p:cNvSpPr>
+            <a:spLocks noGrp="1"/>
+          </p:cNvSpPr>
+          <p:nvPr>
+            <p:ph idx="1"/>
+          </p:nvPr>
+        </p:nvSpPr>
+        <p:spPr>
+          <a:xfrm>
+            <a:off x="619124" y="4645153"/>
+            <a:ext cx="8764334" cy="3048000"/>
+          </a:xfrm>
+        </p:spPr>
+        <p:txBody>
+          <a:bodyPr/>
+          <a:lstStyle/>
+          <a:p>
+            <a:r>
+              <a:rPr lang="en-US" sz="1800" dirty="0"/>
+              <a:t>The advantage: Only a polynomial number of 1D functions must be learned.  </a:t>
+            </a:r>
+          </a:p>
+          <a:p>
+            <a:r>
+              <a:rPr lang="en-US" sz="1800" dirty="0"/>
+              <a:t>The disadvantage: These 1D functions can be non-smooth or fractal and challenging to learn directly, spline functions can approximate them effectively, achieving the desired accuracy. </a:t>
+            </a:r>
+          </a:p>
+        </p:txBody>
+      </p:sp>
+      <p:sp>
+        <p:nvSpPr>
+          <p:cNvPr id="8" name="Content Placeholder 2">
+            <a:extLst>
+              <a:ext uri="{FF2B5EF4-FFF2-40B4-BE49-F238E27FC236}">
+                <a16:creationId xmlns:a16="http://schemas.microsoft.com/office/drawing/2014/main" id="{68C183E3-63F0-5728-4D85-E280C60AAD15}"/>
+              </a:ext>
+            </a:extLst>
+          </p:cNvPr>
+          <p:cNvSpPr txBox="1">
+            <a:spLocks/>
+          </p:cNvSpPr>
+          <p:nvPr/>
+        </p:nvSpPr>
+        <p:spPr bwMode="auto">
+          <a:xfrm>
+            <a:off x="619124" y="1447800"/>
+            <a:ext cx="8982076" cy="762000"/>
+          </a:xfrm>
+          <a:prstGeom prst="rect">
+            <a:avLst/>
+          </a:prstGeom>
+          <a:noFill/>
+          <a:ln>
+            <a:noFill/>
+          </a:ln>
+          <a:extLst>
+            <a:ext uri="{909E8E84-426E-40DD-AFC4-6F175D3DCCD1}">
+              <a14:hiddenFill xmlns:a14="http://schemas.microsoft.com/office/drawing/2010/main">
+                <a:solidFill>
+                  <a:srgbClr val="FFFFFF"/>
+                </a:solidFill>
+              </a14:hiddenFill>
+            </a:ext>
+            <a:ext uri="{91240B29-F687-4F45-9708-019B960494DF}">
+              <a14:hiddenLine xmlns:a14="http://schemas.microsoft.com/office/drawing/2010/main" w="9525">
+                <a:solidFill>
+                  <a:srgbClr val="000000"/>
+                </a:solidFill>
+                <a:miter lim="800000"/>
+                <a:headEnd/>
+                <a:tailEnd/>
+              </a14:hiddenLine>
+            </a:ext>
+          </a:extLst>
+        </p:spPr>
+        <p:txBody>
+          <a:bodyPr vert="horz" wrap="square" lIns="0" tIns="0" rIns="0" bIns="0" numCol="1" anchor="t" anchorCtr="0" compatLnSpc="1">
+            <a:prstTxWarp prst="textNoShape">
+              <a:avLst/>
+            </a:prstTxWarp>
+          </a:bodyPr>
+          <a:lstStyle>
+            <a:lvl1pPr marL="342900" indent="-342900" algn="l" defTabSz="741363" rtl="0" eaLnBrk="0" fontAlgn="base" hangingPunct="0">
+              <a:lnSpc>
+                <a:spcPct val="100000"/>
+              </a:lnSpc>
+              <a:spcBef>
+                <a:spcPts val="600"/>
+              </a:spcBef>
+              <a:spcAft>
+                <a:spcPct val="0"/>
+              </a:spcAft>
+              <a:buFont typeface="Arial" panose="020B0604020202020204" pitchFamily="34" charset="0"/>
+              <a:buChar char="•"/>
+              <a:defRPr sz="2400" kern="1200">
+                <a:solidFill>
+                  <a:srgbClr val="5A667F"/>
+                </a:solidFill>
+                <a:latin typeface="Lato" panose="020F0502020204030203" pitchFamily="34" charset="77"/>
+                <a:ea typeface="+mn-ea"/>
+                <a:cs typeface="Arial" panose="020B0604020202020204" pitchFamily="34" charset="0"/>
+              </a:defRPr>
+            </a:lvl1pPr>
+            <a:lvl2pPr marL="719138" indent="-363538" algn="l" defTabSz="741363" rtl="0" eaLnBrk="0" fontAlgn="base" hangingPunct="0">
+              <a:lnSpc>
+                <a:spcPct val="100000"/>
+              </a:lnSpc>
+              <a:spcBef>
+                <a:spcPts val="600"/>
+              </a:spcBef>
+              <a:spcAft>
+                <a:spcPct val="0"/>
+              </a:spcAft>
+              <a:buFont typeface="Arial" panose="020B0604020202020204" pitchFamily="34" charset="0"/>
+              <a:buChar char="•"/>
+              <a:defRPr sz="2000" kern="1200">
+                <a:solidFill>
+                  <a:srgbClr val="5A667F"/>
+                </a:solidFill>
+                <a:latin typeface="Lato" panose="020F0502020204030203" pitchFamily="34" charset="77"/>
+                <a:ea typeface="+mn-ea"/>
+                <a:cs typeface="Arial" panose="020B0604020202020204" pitchFamily="34" charset="0"/>
+              </a:defRPr>
+            </a:lvl2pPr>
+            <a:lvl3pPr marL="896938" indent="-177800" algn="l" defTabSz="741363" rtl="0" eaLnBrk="0" fontAlgn="base" hangingPunct="0">
+              <a:lnSpc>
+                <a:spcPct val="100000"/>
+              </a:lnSpc>
+              <a:spcBef>
+                <a:spcPts val="600"/>
+              </a:spcBef>
+              <a:spcAft>
+                <a:spcPct val="0"/>
+              </a:spcAft>
+              <a:buFont typeface="Arial" panose="020B0604020202020204" pitchFamily="34" charset="0"/>
+              <a:buChar char="•"/>
+              <a:defRPr sz="1600" kern="1200">
+                <a:solidFill>
+                  <a:srgbClr val="5A667F"/>
+                </a:solidFill>
+                <a:latin typeface="Lato" panose="020F0502020204030203" pitchFamily="34" charset="77"/>
+                <a:ea typeface="+mn-ea"/>
+                <a:cs typeface="Arial" panose="020B0604020202020204" pitchFamily="34" charset="0"/>
+              </a:defRPr>
+            </a:lvl3pPr>
+            <a:lvl4pPr marL="1074738" indent="-177800" algn="l" defTabSz="741363" rtl="0" eaLnBrk="0" fontAlgn="base" hangingPunct="0">
+              <a:lnSpc>
+                <a:spcPct val="100000"/>
+              </a:lnSpc>
+              <a:spcBef>
+                <a:spcPts val="600"/>
+              </a:spcBef>
+              <a:spcAft>
+                <a:spcPct val="0"/>
+              </a:spcAft>
+              <a:buFont typeface="Arial" panose="020B0604020202020204" pitchFamily="34" charset="0"/>
+              <a:buChar char="•"/>
+              <a:defRPr sz="1400" kern="1200">
+                <a:solidFill>
+                  <a:srgbClr val="5A667F"/>
+                </a:solidFill>
+                <a:latin typeface="Lato" panose="020F0502020204030203" pitchFamily="34" charset="77"/>
+                <a:ea typeface="+mn-ea"/>
+                <a:cs typeface="Arial" panose="020B0604020202020204" pitchFamily="34" charset="0"/>
+              </a:defRPr>
+            </a:lvl4pPr>
+            <a:lvl5pPr marL="1252538" indent="-177800" algn="l" defTabSz="741363" rtl="0" eaLnBrk="0" fontAlgn="base" hangingPunct="0">
+              <a:lnSpc>
+                <a:spcPct val="100000"/>
+              </a:lnSpc>
+              <a:spcBef>
+                <a:spcPts val="600"/>
+              </a:spcBef>
+              <a:spcAft>
+                <a:spcPct val="0"/>
+              </a:spcAft>
+              <a:buFont typeface="Arial" panose="020B0604020202020204" pitchFamily="34" charset="0"/>
+              <a:buChar char="•"/>
+              <a:tabLst/>
+              <a:defRPr sz="1200" kern="1200">
+                <a:solidFill>
+                  <a:srgbClr val="5A667F"/>
+                </a:solidFill>
+                <a:latin typeface="Lato" panose="020F0502020204030203" pitchFamily="34" charset="77"/>
+                <a:ea typeface="+mn-ea"/>
+                <a:cs typeface="Arial" panose="020B0604020202020204" pitchFamily="34" charset="0"/>
+              </a:defRPr>
+            </a:lvl5pPr>
+            <a:lvl6pPr marL="2042929" indent="-185721" algn="l" defTabSz="742883" rtl="0" eaLnBrk="1" latinLnBrk="0" hangingPunct="1">
+              <a:lnSpc>
+                <a:spcPct val="90000"/>
+              </a:lnSpc>
+              <a:spcBef>
+                <a:spcPts val="405"/>
+              </a:spcBef>
+              <a:buFont typeface="Arial" panose="020B0604020202020204" pitchFamily="34" charset="0"/>
+              <a:buChar char="•"/>
+              <a:defRPr sz="1463" kern="1200">
+                <a:solidFill>
+                  <a:schemeClr val="tx1"/>
+                </a:solidFill>
+                <a:latin typeface="+mn-lt"/>
+                <a:ea typeface="+mn-ea"/>
+                <a:cs typeface="+mn-cs"/>
+              </a:defRPr>
+            </a:lvl6pPr>
+            <a:lvl7pPr marL="2414371" indent="-185721" algn="l" defTabSz="742883" rtl="0" eaLnBrk="1" latinLnBrk="0" hangingPunct="1">
+              <a:lnSpc>
+                <a:spcPct val="90000"/>
+              </a:lnSpc>
+              <a:spcBef>
+                <a:spcPts val="405"/>
+              </a:spcBef>
+              <a:buFont typeface="Arial" panose="020B0604020202020204" pitchFamily="34" charset="0"/>
+              <a:buChar char="•"/>
+              <a:defRPr sz="1463" kern="1200">
+                <a:solidFill>
+                  <a:schemeClr val="tx1"/>
+                </a:solidFill>
+                <a:latin typeface="+mn-lt"/>
+                <a:ea typeface="+mn-ea"/>
+                <a:cs typeface="+mn-cs"/>
+              </a:defRPr>
+            </a:lvl7pPr>
+            <a:lvl8pPr marL="2785812" indent="-185721" algn="l" defTabSz="742883" rtl="0" eaLnBrk="1" latinLnBrk="0" hangingPunct="1">
+              <a:lnSpc>
+                <a:spcPct val="90000"/>
+              </a:lnSpc>
+              <a:spcBef>
+                <a:spcPts val="405"/>
+              </a:spcBef>
+              <a:buFont typeface="Arial" panose="020B0604020202020204" pitchFamily="34" charset="0"/>
+              <a:buChar char="•"/>
+              <a:defRPr sz="1463" kern="1200">
+                <a:solidFill>
+                  <a:schemeClr val="tx1"/>
+                </a:solidFill>
+                <a:latin typeface="+mn-lt"/>
+                <a:ea typeface="+mn-ea"/>
+                <a:cs typeface="+mn-cs"/>
+              </a:defRPr>
+            </a:lvl8pPr>
+            <a:lvl9pPr marL="3157253" indent="-185721" algn="l" defTabSz="742883" rtl="0" eaLnBrk="1" latinLnBrk="0" hangingPunct="1">
+              <a:lnSpc>
+                <a:spcPct val="90000"/>
+              </a:lnSpc>
+              <a:spcBef>
+                <a:spcPts val="405"/>
+              </a:spcBef>
+              <a:buFont typeface="Arial" panose="020B0604020202020204" pitchFamily="34" charset="0"/>
+              <a:buChar char="•"/>
+              <a:defRPr sz="1463" kern="1200">
+                <a:solidFill>
+                  <a:schemeClr val="tx1"/>
+                </a:solidFill>
+                <a:latin typeface="+mn-lt"/>
+                <a:ea typeface="+mn-ea"/>
+                <a:cs typeface="+mn-cs"/>
+              </a:defRPr>
+            </a:lvl9pPr>
+          </a:lstStyle>
+          <a:p>
+            <a:pPr marL="0" indent="0">
+              <a:buFont typeface="Arial" panose="020B0604020202020204" pitchFamily="34" charset="0"/>
+              <a:buNone/>
+            </a:pPr>
+            <a:r>
+              <a:rPr lang="en-US" sz="1800" b="0" dirty="0"/>
+              <a:t>The theorem states that any multivariate continuous function on a bounded domain can be expressed as a finite composition of univariate continuous functions and additions.   </a:t>
+            </a:r>
+          </a:p>
+        </p:txBody>
+      </p:sp>
+      <p:pic>
+        <p:nvPicPr>
+          <p:cNvPr id="11" name="Picture 10">
+            <a:extLst>
+              <a:ext uri="{FF2B5EF4-FFF2-40B4-BE49-F238E27FC236}">
+                <a16:creationId xmlns:a16="http://schemas.microsoft.com/office/drawing/2014/main" id="{87CCCF55-9883-A927-7F8C-93762012374E}"/>
+              </a:ext>
+            </a:extLst>
+          </p:cNvPr>
+          <p:cNvPicPr>
+            <a:picLocks noChangeAspect="1"/>
+          </p:cNvPicPr>
+          <p:nvPr/>
+        </p:nvPicPr>
+        <p:blipFill>
+          <a:blip r:embed="rId2"/>
+          <a:stretch>
+            <a:fillRect/>
+          </a:stretch>
+        </p:blipFill>
+        <p:spPr>
+          <a:xfrm>
+            <a:off x="1066800" y="2578291"/>
+            <a:ext cx="7642433" cy="1701418"/>
+          </a:xfrm>
+          <a:prstGeom prst="rect">
+            <a:avLst/>
+          </a:prstGeom>
+        </p:spPr>
+      </p:pic>
+    </p:spTree>
+    <p:extLst>
+      <p:ext uri="{BB962C8B-B14F-4D97-AF65-F5344CB8AC3E}">
+        <p14:creationId xmlns:p14="http://schemas.microsoft.com/office/powerpoint/2010/main" val="2962885058"/>
+      </p:ext>
+    </p:extLst>
+  </p:cSld>
+  <p:clrMapOvr>
+    <a:masterClrMapping/>
+  </p:clrMapOvr>
+</p:sld>
+</file>
+
+<file path=ppt/slides/slide4.xml><?xml version="1.0" encoding="utf-8"?>
+<p:sld xmlns:a="http://schemas.openxmlformats.org/drawingml/2006/main" xmlns:r="http://schemas.openxmlformats.org/officeDocument/2006/relationships" xmlns:p="http://schemas.openxmlformats.org/presentationml/2006/main">
+  <p:cSld>
+    <p:spTree>
+      <p:nvGrpSpPr>
+        <p:cNvPr id="1" name="">
+          <a:extLst>
+            <a:ext uri="{FF2B5EF4-FFF2-40B4-BE49-F238E27FC236}">
+              <a16:creationId xmlns:a16="http://schemas.microsoft.com/office/drawing/2014/main" id="{1C9C2852-29CA-35D8-6973-E1D2D8106494}"/>
+            </a:ext>
+          </a:extLst>
+        </p:cNvPr>
+        <p:cNvGrpSpPr/>
+        <p:nvPr/>
+      </p:nvGrpSpPr>
+      <p:grpSpPr>
+        <a:xfrm>
+          <a:off x="0" y="0"/>
+          <a:ext cx="0" cy="0"/>
+          <a:chOff x="0" y="0"/>
+          <a:chExt cx="0" cy="0"/>
+        </a:xfrm>
+      </p:grpSpPr>
+      <p:sp>
+        <p:nvSpPr>
+          <p:cNvPr id="2" name="Title 1">
+            <a:extLst>
+              <a:ext uri="{FF2B5EF4-FFF2-40B4-BE49-F238E27FC236}">
+                <a16:creationId xmlns:a16="http://schemas.microsoft.com/office/drawing/2014/main" id="{187D7A54-55B5-6660-4CA9-210B86F8B190}"/>
+              </a:ext>
+            </a:extLst>
+          </p:cNvPr>
+          <p:cNvSpPr>
+            <a:spLocks noGrp="1"/>
+          </p:cNvSpPr>
+          <p:nvPr>
+            <p:ph type="title"/>
+          </p:nvPr>
+        </p:nvSpPr>
+        <p:spPr>
+          <a:xfrm>
+            <a:off x="619124" y="304800"/>
+            <a:ext cx="8667750" cy="1028700"/>
+          </a:xfrm>
+        </p:spPr>
+        <p:txBody>
+          <a:bodyPr/>
+          <a:lstStyle/>
+          <a:p>
+            <a:r>
+              <a:rPr lang="en-US" sz="2400" dirty="0"/>
+              <a:t>From Theorem to 2-Layers KAN</a:t>
+            </a:r>
+            <a:endParaRPr sz="2400" dirty="0"/>
+          </a:p>
+        </p:txBody>
+      </p:sp>
+      <p:sp>
+        <p:nvSpPr>
+          <p:cNvPr id="8" name="Content Placeholder 2">
+            <a:extLst>
+              <a:ext uri="{FF2B5EF4-FFF2-40B4-BE49-F238E27FC236}">
+                <a16:creationId xmlns:a16="http://schemas.microsoft.com/office/drawing/2014/main" id="{F855650E-F5C9-9C51-2E8E-80A4ADE1E26D}"/>
+              </a:ext>
+            </a:extLst>
+          </p:cNvPr>
+          <p:cNvSpPr txBox="1">
+            <a:spLocks/>
+          </p:cNvSpPr>
+          <p:nvPr/>
+        </p:nvSpPr>
+        <p:spPr bwMode="auto">
+          <a:xfrm>
+            <a:off x="655700" y="1509556"/>
+            <a:ext cx="8982076" cy="762000"/>
+          </a:xfrm>
+          <a:prstGeom prst="rect">
+            <a:avLst/>
+          </a:prstGeom>
+          <a:noFill/>
+          <a:ln>
+            <a:noFill/>
+          </a:ln>
+          <a:extLst>
+            <a:ext uri="{909E8E84-426E-40DD-AFC4-6F175D3DCCD1}">
+              <a14:hiddenFill xmlns:a14="http://schemas.microsoft.com/office/drawing/2010/main">
+                <a:solidFill>
+                  <a:srgbClr val="FFFFFF"/>
+                </a:solidFill>
+              </a14:hiddenFill>
+            </a:ext>
+            <a:ext uri="{91240B29-F687-4F45-9708-019B960494DF}">
+              <a14:hiddenLine xmlns:a14="http://schemas.microsoft.com/office/drawing/2010/main" w="9525">
+                <a:solidFill>
+                  <a:srgbClr val="000000"/>
+                </a:solidFill>
+                <a:miter lim="800000"/>
+                <a:headEnd/>
+                <a:tailEnd/>
+              </a14:hiddenLine>
+            </a:ext>
+          </a:extLst>
+        </p:spPr>
+        <p:txBody>
+          <a:bodyPr vert="horz" wrap="square" lIns="0" tIns="0" rIns="0" bIns="0" numCol="1" anchor="t" anchorCtr="0" compatLnSpc="1">
+            <a:prstTxWarp prst="textNoShape">
+              <a:avLst/>
+            </a:prstTxWarp>
+          </a:bodyPr>
+          <a:lstStyle>
+            <a:lvl1pPr marL="342900" indent="-342900" algn="l" defTabSz="741363" rtl="0" eaLnBrk="0" fontAlgn="base" hangingPunct="0">
+              <a:lnSpc>
+                <a:spcPct val="100000"/>
+              </a:lnSpc>
+              <a:spcBef>
+                <a:spcPts val="600"/>
+              </a:spcBef>
+              <a:spcAft>
+                <a:spcPct val="0"/>
+              </a:spcAft>
+              <a:buFont typeface="Arial" panose="020B0604020202020204" pitchFamily="34" charset="0"/>
+              <a:buChar char="•"/>
+              <a:defRPr sz="2400" kern="1200">
+                <a:solidFill>
+                  <a:srgbClr val="5A667F"/>
+                </a:solidFill>
+                <a:latin typeface="Lato" panose="020F0502020204030203" pitchFamily="34" charset="77"/>
+                <a:ea typeface="+mn-ea"/>
+                <a:cs typeface="Arial" panose="020B0604020202020204" pitchFamily="34" charset="0"/>
+              </a:defRPr>
+            </a:lvl1pPr>
+            <a:lvl2pPr marL="719138" indent="-363538" algn="l" defTabSz="741363" rtl="0" eaLnBrk="0" fontAlgn="base" hangingPunct="0">
+              <a:lnSpc>
+                <a:spcPct val="100000"/>
+              </a:lnSpc>
+              <a:spcBef>
+                <a:spcPts val="600"/>
+              </a:spcBef>
+              <a:spcAft>
+                <a:spcPct val="0"/>
+              </a:spcAft>
+              <a:buFont typeface="Arial" panose="020B0604020202020204" pitchFamily="34" charset="0"/>
+              <a:buChar char="•"/>
+              <a:defRPr sz="2000" kern="1200">
+                <a:solidFill>
+                  <a:srgbClr val="5A667F"/>
+                </a:solidFill>
+                <a:latin typeface="Lato" panose="020F0502020204030203" pitchFamily="34" charset="77"/>
+                <a:ea typeface="+mn-ea"/>
+                <a:cs typeface="Arial" panose="020B0604020202020204" pitchFamily="34" charset="0"/>
+              </a:defRPr>
+            </a:lvl2pPr>
+            <a:lvl3pPr marL="896938" indent="-177800" algn="l" defTabSz="741363" rtl="0" eaLnBrk="0" fontAlgn="base" hangingPunct="0">
+              <a:lnSpc>
+                <a:spcPct val="100000"/>
+              </a:lnSpc>
+              <a:spcBef>
+                <a:spcPts val="600"/>
+              </a:spcBef>
+              <a:spcAft>
+                <a:spcPct val="0"/>
+              </a:spcAft>
+              <a:buFont typeface="Arial" panose="020B0604020202020204" pitchFamily="34" charset="0"/>
+              <a:buChar char="•"/>
+              <a:defRPr sz="1600" kern="1200">
+                <a:solidFill>
+                  <a:srgbClr val="5A667F"/>
+                </a:solidFill>
+                <a:latin typeface="Lato" panose="020F0502020204030203" pitchFamily="34" charset="77"/>
+                <a:ea typeface="+mn-ea"/>
+                <a:cs typeface="Arial" panose="020B0604020202020204" pitchFamily="34" charset="0"/>
+              </a:defRPr>
+            </a:lvl3pPr>
+            <a:lvl4pPr marL="1074738" indent="-177800" algn="l" defTabSz="741363" rtl="0" eaLnBrk="0" fontAlgn="base" hangingPunct="0">
+              <a:lnSpc>
+                <a:spcPct val="100000"/>
+              </a:lnSpc>
+              <a:spcBef>
+                <a:spcPts val="600"/>
+              </a:spcBef>
+              <a:spcAft>
+                <a:spcPct val="0"/>
+              </a:spcAft>
+              <a:buFont typeface="Arial" panose="020B0604020202020204" pitchFamily="34" charset="0"/>
+              <a:buChar char="•"/>
+              <a:defRPr sz="1400" kern="1200">
+                <a:solidFill>
+                  <a:srgbClr val="5A667F"/>
+                </a:solidFill>
+                <a:latin typeface="Lato" panose="020F0502020204030203" pitchFamily="34" charset="77"/>
+                <a:ea typeface="+mn-ea"/>
+                <a:cs typeface="Arial" panose="020B0604020202020204" pitchFamily="34" charset="0"/>
+              </a:defRPr>
+            </a:lvl4pPr>
+            <a:lvl5pPr marL="1252538" indent="-177800" algn="l" defTabSz="741363" rtl="0" eaLnBrk="0" fontAlgn="base" hangingPunct="0">
+              <a:lnSpc>
+                <a:spcPct val="100000"/>
+              </a:lnSpc>
+              <a:spcBef>
+                <a:spcPts val="600"/>
+              </a:spcBef>
+              <a:spcAft>
+                <a:spcPct val="0"/>
+              </a:spcAft>
+              <a:buFont typeface="Arial" panose="020B0604020202020204" pitchFamily="34" charset="0"/>
+              <a:buChar char="•"/>
+              <a:tabLst/>
+              <a:defRPr sz="1200" kern="1200">
+                <a:solidFill>
+                  <a:srgbClr val="5A667F"/>
+                </a:solidFill>
+                <a:latin typeface="Lato" panose="020F0502020204030203" pitchFamily="34" charset="77"/>
+                <a:ea typeface="+mn-ea"/>
+                <a:cs typeface="Arial" panose="020B0604020202020204" pitchFamily="34" charset="0"/>
+              </a:defRPr>
+            </a:lvl5pPr>
+            <a:lvl6pPr marL="2042929" indent="-185721" algn="l" defTabSz="742883" rtl="0" eaLnBrk="1" latinLnBrk="0" hangingPunct="1">
+              <a:lnSpc>
+                <a:spcPct val="90000"/>
+              </a:lnSpc>
+              <a:spcBef>
+                <a:spcPts val="405"/>
+              </a:spcBef>
+              <a:buFont typeface="Arial" panose="020B0604020202020204" pitchFamily="34" charset="0"/>
+              <a:buChar char="•"/>
+              <a:defRPr sz="1463" kern="1200">
+                <a:solidFill>
+                  <a:schemeClr val="tx1"/>
+                </a:solidFill>
+                <a:latin typeface="+mn-lt"/>
+                <a:ea typeface="+mn-ea"/>
+                <a:cs typeface="+mn-cs"/>
+              </a:defRPr>
+            </a:lvl6pPr>
+            <a:lvl7pPr marL="2414371" indent="-185721" algn="l" defTabSz="742883" rtl="0" eaLnBrk="1" latinLnBrk="0" hangingPunct="1">
+              <a:lnSpc>
+                <a:spcPct val="90000"/>
+              </a:lnSpc>
+              <a:spcBef>
+                <a:spcPts val="405"/>
+              </a:spcBef>
+              <a:buFont typeface="Arial" panose="020B0604020202020204" pitchFamily="34" charset="0"/>
+              <a:buChar char="•"/>
+              <a:defRPr sz="1463" kern="1200">
+                <a:solidFill>
+                  <a:schemeClr val="tx1"/>
+                </a:solidFill>
+                <a:latin typeface="+mn-lt"/>
+                <a:ea typeface="+mn-ea"/>
+                <a:cs typeface="+mn-cs"/>
+              </a:defRPr>
+            </a:lvl7pPr>
+            <a:lvl8pPr marL="2785812" indent="-185721" algn="l" defTabSz="742883" rtl="0" eaLnBrk="1" latinLnBrk="0" hangingPunct="1">
+              <a:lnSpc>
+                <a:spcPct val="90000"/>
+              </a:lnSpc>
+              <a:spcBef>
+                <a:spcPts val="405"/>
+              </a:spcBef>
+              <a:buFont typeface="Arial" panose="020B0604020202020204" pitchFamily="34" charset="0"/>
+              <a:buChar char="•"/>
+              <a:defRPr sz="1463" kern="1200">
+                <a:solidFill>
+                  <a:schemeClr val="tx1"/>
+                </a:solidFill>
+                <a:latin typeface="+mn-lt"/>
+                <a:ea typeface="+mn-ea"/>
+                <a:cs typeface="+mn-cs"/>
+              </a:defRPr>
+            </a:lvl8pPr>
+            <a:lvl9pPr marL="3157253" indent="-185721" algn="l" defTabSz="742883" rtl="0" eaLnBrk="1" latinLnBrk="0" hangingPunct="1">
+              <a:lnSpc>
+                <a:spcPct val="90000"/>
+              </a:lnSpc>
+              <a:spcBef>
+                <a:spcPts val="405"/>
+              </a:spcBef>
+              <a:buFont typeface="Arial" panose="020B0604020202020204" pitchFamily="34" charset="0"/>
+              <a:buChar char="•"/>
+              <a:defRPr sz="1463" kern="1200">
+                <a:solidFill>
+                  <a:schemeClr val="tx1"/>
+                </a:solidFill>
+                <a:latin typeface="+mn-lt"/>
+                <a:ea typeface="+mn-ea"/>
+                <a:cs typeface="+mn-cs"/>
+              </a:defRPr>
+            </a:lvl9pPr>
+          </a:lstStyle>
+          <a:p>
+            <a:pPr marL="0" indent="0">
+              <a:buNone/>
+            </a:pPr>
+            <a:r>
+              <a:rPr lang="en-US" sz="1800" b="0" dirty="0"/>
+              <a:t>Starting from the theorem, we define the matrix representation that replaces the summation with two matrices</a:t>
+            </a:r>
+          </a:p>
+        </p:txBody>
+      </p:sp>
+      <p:pic>
+        <p:nvPicPr>
+          <p:cNvPr id="6" name="Picture 5">
+            <a:extLst>
+              <a:ext uri="{FF2B5EF4-FFF2-40B4-BE49-F238E27FC236}">
+                <a16:creationId xmlns:a16="http://schemas.microsoft.com/office/drawing/2014/main" id="{203FBBE3-45EC-8353-716C-D532DA55BBB3}"/>
+              </a:ext>
+            </a:extLst>
+          </p:cNvPr>
+          <p:cNvPicPr>
+            <a:picLocks noChangeAspect="1"/>
+          </p:cNvPicPr>
+          <p:nvPr/>
+        </p:nvPicPr>
+        <p:blipFill>
+          <a:blip r:embed="rId2"/>
+          <a:stretch>
+            <a:fillRect/>
+          </a:stretch>
+        </p:blipFill>
+        <p:spPr>
+          <a:xfrm>
+            <a:off x="1981199" y="2860458"/>
+            <a:ext cx="5943600" cy="1040130"/>
+          </a:xfrm>
+          <a:prstGeom prst="rect">
+            <a:avLst/>
+          </a:prstGeom>
+        </p:spPr>
+      </p:pic>
+      <p:pic>
+        <p:nvPicPr>
+          <p:cNvPr id="9" name="Picture 8">
+            <a:extLst>
+              <a:ext uri="{FF2B5EF4-FFF2-40B4-BE49-F238E27FC236}">
+                <a16:creationId xmlns:a16="http://schemas.microsoft.com/office/drawing/2014/main" id="{F2ADED09-B49B-CEF3-4C48-B3626FB4238E}"/>
+              </a:ext>
+            </a:extLst>
+          </p:cNvPr>
+          <p:cNvPicPr>
+            <a:picLocks noChangeAspect="1"/>
+          </p:cNvPicPr>
+          <p:nvPr/>
+        </p:nvPicPr>
+        <p:blipFill>
+          <a:blip r:embed="rId3"/>
+          <a:stretch>
+            <a:fillRect/>
+          </a:stretch>
+        </p:blipFill>
+        <p:spPr>
+          <a:xfrm>
+            <a:off x="3628839" y="2152398"/>
+            <a:ext cx="2648320" cy="333422"/>
+          </a:xfrm>
+          <a:prstGeom prst="rect">
+            <a:avLst/>
+          </a:prstGeom>
+        </p:spPr>
+      </p:pic>
+      <p:sp>
+        <p:nvSpPr>
+          <p:cNvPr id="12" name="Content Placeholder 2">
+            <a:extLst>
+              <a:ext uri="{FF2B5EF4-FFF2-40B4-BE49-F238E27FC236}">
+                <a16:creationId xmlns:a16="http://schemas.microsoft.com/office/drawing/2014/main" id="{DA29E096-4716-8CC6-5158-40442078006E}"/>
+              </a:ext>
+            </a:extLst>
+          </p:cNvPr>
+          <p:cNvSpPr txBox="1">
+            <a:spLocks/>
+          </p:cNvSpPr>
+          <p:nvPr/>
+        </p:nvSpPr>
+        <p:spPr bwMode="auto">
+          <a:xfrm>
+            <a:off x="655700" y="3088159"/>
+            <a:ext cx="789052" cy="762000"/>
+          </a:xfrm>
+          <a:prstGeom prst="rect">
+            <a:avLst/>
+          </a:prstGeom>
+          <a:noFill/>
+          <a:ln>
+            <a:noFill/>
+          </a:ln>
+          <a:extLst>
+            <a:ext uri="{909E8E84-426E-40DD-AFC4-6F175D3DCCD1}">
+              <a14:hiddenFill xmlns:a14="http://schemas.microsoft.com/office/drawing/2010/main">
+                <a:solidFill>
+                  <a:srgbClr val="FFFFFF"/>
+                </a:solidFill>
+              </a14:hiddenFill>
+            </a:ext>
+            <a:ext uri="{91240B29-F687-4F45-9708-019B960494DF}">
+              <a14:hiddenLine xmlns:a14="http://schemas.microsoft.com/office/drawing/2010/main" w="9525">
+                <a:solidFill>
+                  <a:srgbClr val="000000"/>
+                </a:solidFill>
+                <a:miter lim="800000"/>
+                <a:headEnd/>
+                <a:tailEnd/>
+              </a14:hiddenLine>
+            </a:ext>
+          </a:extLst>
+        </p:spPr>
+        <p:txBody>
+          <a:bodyPr vert="horz" wrap="square" lIns="0" tIns="0" rIns="0" bIns="0" numCol="1" anchor="t" anchorCtr="0" compatLnSpc="1">
+            <a:prstTxWarp prst="textNoShape">
+              <a:avLst/>
+            </a:prstTxWarp>
+          </a:bodyPr>
+          <a:lstStyle>
+            <a:lvl1pPr marL="342900" indent="-342900" algn="l" defTabSz="741363" rtl="0" eaLnBrk="0" fontAlgn="base" hangingPunct="0">
+              <a:lnSpc>
+                <a:spcPct val="100000"/>
+              </a:lnSpc>
+              <a:spcBef>
+                <a:spcPts val="600"/>
+              </a:spcBef>
+              <a:spcAft>
+                <a:spcPct val="0"/>
+              </a:spcAft>
+              <a:buFont typeface="Arial" panose="020B0604020202020204" pitchFamily="34" charset="0"/>
+              <a:buChar char="•"/>
+              <a:defRPr sz="2400" kern="1200">
+                <a:solidFill>
+                  <a:srgbClr val="5A667F"/>
+                </a:solidFill>
+                <a:latin typeface="Lato" panose="020F0502020204030203" pitchFamily="34" charset="77"/>
+                <a:ea typeface="+mn-ea"/>
+                <a:cs typeface="Arial" panose="020B0604020202020204" pitchFamily="34" charset="0"/>
+              </a:defRPr>
+            </a:lvl1pPr>
+            <a:lvl2pPr marL="719138" indent="-363538" algn="l" defTabSz="741363" rtl="0" eaLnBrk="0" fontAlgn="base" hangingPunct="0">
+              <a:lnSpc>
+                <a:spcPct val="100000"/>
+              </a:lnSpc>
+              <a:spcBef>
+                <a:spcPts val="600"/>
+              </a:spcBef>
+              <a:spcAft>
+                <a:spcPct val="0"/>
+              </a:spcAft>
+              <a:buFont typeface="Arial" panose="020B0604020202020204" pitchFamily="34" charset="0"/>
+              <a:buChar char="•"/>
+              <a:defRPr sz="2000" kern="1200">
+                <a:solidFill>
+                  <a:srgbClr val="5A667F"/>
+                </a:solidFill>
+                <a:latin typeface="Lato" panose="020F0502020204030203" pitchFamily="34" charset="77"/>
+                <a:ea typeface="+mn-ea"/>
+                <a:cs typeface="Arial" panose="020B0604020202020204" pitchFamily="34" charset="0"/>
+              </a:defRPr>
+            </a:lvl2pPr>
+            <a:lvl3pPr marL="896938" indent="-177800" algn="l" defTabSz="741363" rtl="0" eaLnBrk="0" fontAlgn="base" hangingPunct="0">
+              <a:lnSpc>
+                <a:spcPct val="100000"/>
+              </a:lnSpc>
+              <a:spcBef>
+                <a:spcPts val="600"/>
+              </a:spcBef>
+              <a:spcAft>
+                <a:spcPct val="0"/>
+              </a:spcAft>
+              <a:buFont typeface="Arial" panose="020B0604020202020204" pitchFamily="34" charset="0"/>
+              <a:buChar char="•"/>
+              <a:defRPr sz="1600" kern="1200">
+                <a:solidFill>
+                  <a:srgbClr val="5A667F"/>
+                </a:solidFill>
+                <a:latin typeface="Lato" panose="020F0502020204030203" pitchFamily="34" charset="77"/>
+                <a:ea typeface="+mn-ea"/>
+                <a:cs typeface="Arial" panose="020B0604020202020204" pitchFamily="34" charset="0"/>
+              </a:defRPr>
+            </a:lvl3pPr>
+            <a:lvl4pPr marL="1074738" indent="-177800" algn="l" defTabSz="741363" rtl="0" eaLnBrk="0" fontAlgn="base" hangingPunct="0">
+              <a:lnSpc>
+                <a:spcPct val="100000"/>
+              </a:lnSpc>
+              <a:spcBef>
+                <a:spcPts val="600"/>
+              </a:spcBef>
+              <a:spcAft>
+                <a:spcPct val="0"/>
+              </a:spcAft>
+              <a:buFont typeface="Arial" panose="020B0604020202020204" pitchFamily="34" charset="0"/>
+              <a:buChar char="•"/>
+              <a:defRPr sz="1400" kern="1200">
+                <a:solidFill>
+                  <a:srgbClr val="5A667F"/>
+                </a:solidFill>
+                <a:latin typeface="Lato" panose="020F0502020204030203" pitchFamily="34" charset="77"/>
+                <a:ea typeface="+mn-ea"/>
+                <a:cs typeface="Arial" panose="020B0604020202020204" pitchFamily="34" charset="0"/>
+              </a:defRPr>
+            </a:lvl4pPr>
+            <a:lvl5pPr marL="1252538" indent="-177800" algn="l" defTabSz="741363" rtl="0" eaLnBrk="0" fontAlgn="base" hangingPunct="0">
+              <a:lnSpc>
+                <a:spcPct val="100000"/>
+              </a:lnSpc>
+              <a:spcBef>
+                <a:spcPts val="600"/>
+              </a:spcBef>
+              <a:spcAft>
+                <a:spcPct val="0"/>
+              </a:spcAft>
+              <a:buFont typeface="Arial" panose="020B0604020202020204" pitchFamily="34" charset="0"/>
+              <a:buChar char="•"/>
+              <a:tabLst/>
+              <a:defRPr sz="1200" kern="1200">
+                <a:solidFill>
+                  <a:srgbClr val="5A667F"/>
+                </a:solidFill>
+                <a:latin typeface="Lato" panose="020F0502020204030203" pitchFamily="34" charset="77"/>
+                <a:ea typeface="+mn-ea"/>
+                <a:cs typeface="Arial" panose="020B0604020202020204" pitchFamily="34" charset="0"/>
+              </a:defRPr>
+            </a:lvl5pPr>
+            <a:lvl6pPr marL="2042929" indent="-185721" algn="l" defTabSz="742883" rtl="0" eaLnBrk="1" latinLnBrk="0" hangingPunct="1">
+              <a:lnSpc>
+                <a:spcPct val="90000"/>
+              </a:lnSpc>
+              <a:spcBef>
+                <a:spcPts val="405"/>
+              </a:spcBef>
+              <a:buFont typeface="Arial" panose="020B0604020202020204" pitchFamily="34" charset="0"/>
+              <a:buChar char="•"/>
+              <a:defRPr sz="1463" kern="1200">
+                <a:solidFill>
+                  <a:schemeClr val="tx1"/>
+                </a:solidFill>
+                <a:latin typeface="+mn-lt"/>
+                <a:ea typeface="+mn-ea"/>
+                <a:cs typeface="+mn-cs"/>
+              </a:defRPr>
+            </a:lvl6pPr>
+            <a:lvl7pPr marL="2414371" indent="-185721" algn="l" defTabSz="742883" rtl="0" eaLnBrk="1" latinLnBrk="0" hangingPunct="1">
+              <a:lnSpc>
+                <a:spcPct val="90000"/>
+              </a:lnSpc>
+              <a:spcBef>
+                <a:spcPts val="405"/>
+              </a:spcBef>
+              <a:buFont typeface="Arial" panose="020B0604020202020204" pitchFamily="34" charset="0"/>
+              <a:buChar char="•"/>
+              <a:defRPr sz="1463" kern="1200">
+                <a:solidFill>
+                  <a:schemeClr val="tx1"/>
+                </a:solidFill>
+                <a:latin typeface="+mn-lt"/>
+                <a:ea typeface="+mn-ea"/>
+                <a:cs typeface="+mn-cs"/>
+              </a:defRPr>
+            </a:lvl7pPr>
+            <a:lvl8pPr marL="2785812" indent="-185721" algn="l" defTabSz="742883" rtl="0" eaLnBrk="1" latinLnBrk="0" hangingPunct="1">
+              <a:lnSpc>
+                <a:spcPct val="90000"/>
+              </a:lnSpc>
+              <a:spcBef>
+                <a:spcPts val="405"/>
+              </a:spcBef>
+              <a:buFont typeface="Arial" panose="020B0604020202020204" pitchFamily="34" charset="0"/>
+              <a:buChar char="•"/>
+              <a:defRPr sz="1463" kern="1200">
+                <a:solidFill>
+                  <a:schemeClr val="tx1"/>
+                </a:solidFill>
+                <a:latin typeface="+mn-lt"/>
+                <a:ea typeface="+mn-ea"/>
+                <a:cs typeface="+mn-cs"/>
+              </a:defRPr>
+            </a:lvl8pPr>
+            <a:lvl9pPr marL="3157253" indent="-185721" algn="l" defTabSz="742883" rtl="0" eaLnBrk="1" latinLnBrk="0" hangingPunct="1">
+              <a:lnSpc>
+                <a:spcPct val="90000"/>
+              </a:lnSpc>
+              <a:spcBef>
+                <a:spcPts val="405"/>
+              </a:spcBef>
+              <a:buFont typeface="Arial" panose="020B0604020202020204" pitchFamily="34" charset="0"/>
+              <a:buChar char="•"/>
+              <a:defRPr sz="1463" kern="1200">
+                <a:solidFill>
+                  <a:schemeClr val="tx1"/>
+                </a:solidFill>
+                <a:latin typeface="+mn-lt"/>
+                <a:ea typeface="+mn-ea"/>
+                <a:cs typeface="+mn-cs"/>
+              </a:defRPr>
+            </a:lvl9pPr>
+          </a:lstStyle>
+          <a:p>
+            <a:pPr marL="0" indent="0">
+              <a:buNone/>
+            </a:pPr>
+            <a:r>
+              <a:rPr lang="en-US" sz="1800" b="0" dirty="0"/>
+              <a:t>where:</a:t>
+            </a:r>
+          </a:p>
+        </p:txBody>
+      </p:sp>
+      <p:sp>
+        <p:nvSpPr>
+          <p:cNvPr id="16" name="Content Placeholder 2">
+            <a:extLst>
+              <a:ext uri="{FF2B5EF4-FFF2-40B4-BE49-F238E27FC236}">
+                <a16:creationId xmlns:a16="http://schemas.microsoft.com/office/drawing/2014/main" id="{B99A0C5F-5F8F-5A09-0B7B-2F42BF7295AA}"/>
+              </a:ext>
+            </a:extLst>
+          </p:cNvPr>
+          <p:cNvSpPr txBox="1">
+            <a:spLocks/>
+          </p:cNvSpPr>
+          <p:nvPr/>
+        </p:nvSpPr>
+        <p:spPr bwMode="auto">
+          <a:xfrm>
+            <a:off x="5175123" y="4419701"/>
+            <a:ext cx="4197478" cy="1295400"/>
+          </a:xfrm>
+          <a:prstGeom prst="rect">
+            <a:avLst/>
+          </a:prstGeom>
+          <a:noFill/>
+          <a:ln>
+            <a:noFill/>
+          </a:ln>
+          <a:extLst>
+            <a:ext uri="{909E8E84-426E-40DD-AFC4-6F175D3DCCD1}">
+              <a14:hiddenFill xmlns:a14="http://schemas.microsoft.com/office/drawing/2010/main">
+                <a:solidFill>
+                  <a:srgbClr val="FFFFFF"/>
+                </a:solidFill>
+              </a14:hiddenFill>
+            </a:ext>
+            <a:ext uri="{91240B29-F687-4F45-9708-019B960494DF}">
+              <a14:hiddenLine xmlns:a14="http://schemas.microsoft.com/office/drawing/2010/main" w="9525">
+                <a:solidFill>
+                  <a:srgbClr val="000000"/>
+                </a:solidFill>
+                <a:miter lim="800000"/>
+                <a:headEnd/>
+                <a:tailEnd/>
+              </a14:hiddenLine>
+            </a:ext>
+          </a:extLst>
+        </p:spPr>
+        <p:txBody>
+          <a:bodyPr vert="horz" wrap="square" lIns="0" tIns="0" rIns="0" bIns="0" numCol="1" anchor="t" anchorCtr="0" compatLnSpc="1">
+            <a:prstTxWarp prst="textNoShape">
+              <a:avLst/>
+            </a:prstTxWarp>
+          </a:bodyPr>
+          <a:lstStyle>
+            <a:lvl1pPr marL="342900" indent="-342900" algn="l" defTabSz="741363" rtl="0" eaLnBrk="0" fontAlgn="base" hangingPunct="0">
+              <a:lnSpc>
+                <a:spcPct val="100000"/>
+              </a:lnSpc>
+              <a:spcBef>
+                <a:spcPts val="600"/>
+              </a:spcBef>
+              <a:spcAft>
+                <a:spcPct val="0"/>
+              </a:spcAft>
+              <a:buFont typeface="Arial" panose="020B0604020202020204" pitchFamily="34" charset="0"/>
+              <a:buChar char="•"/>
+              <a:defRPr sz="2400" kern="1200">
+                <a:solidFill>
+                  <a:srgbClr val="5A667F"/>
+                </a:solidFill>
+                <a:latin typeface="Lato" panose="020F0502020204030203" pitchFamily="34" charset="77"/>
+                <a:ea typeface="+mn-ea"/>
+                <a:cs typeface="Arial" panose="020B0604020202020204" pitchFamily="34" charset="0"/>
+              </a:defRPr>
+            </a:lvl1pPr>
+            <a:lvl2pPr marL="719138" indent="-363538" algn="l" defTabSz="741363" rtl="0" eaLnBrk="0" fontAlgn="base" hangingPunct="0">
+              <a:lnSpc>
+                <a:spcPct val="100000"/>
+              </a:lnSpc>
+              <a:spcBef>
+                <a:spcPts val="600"/>
+              </a:spcBef>
+              <a:spcAft>
+                <a:spcPct val="0"/>
+              </a:spcAft>
+              <a:buFont typeface="Arial" panose="020B0604020202020204" pitchFamily="34" charset="0"/>
+              <a:buChar char="•"/>
+              <a:defRPr sz="2000" kern="1200">
+                <a:solidFill>
+                  <a:srgbClr val="5A667F"/>
+                </a:solidFill>
+                <a:latin typeface="Lato" panose="020F0502020204030203" pitchFamily="34" charset="77"/>
+                <a:ea typeface="+mn-ea"/>
+                <a:cs typeface="Arial" panose="020B0604020202020204" pitchFamily="34" charset="0"/>
+              </a:defRPr>
+            </a:lvl2pPr>
+            <a:lvl3pPr marL="896938" indent="-177800" algn="l" defTabSz="741363" rtl="0" eaLnBrk="0" fontAlgn="base" hangingPunct="0">
+              <a:lnSpc>
+                <a:spcPct val="100000"/>
+              </a:lnSpc>
+              <a:spcBef>
+                <a:spcPts val="600"/>
+              </a:spcBef>
+              <a:spcAft>
+                <a:spcPct val="0"/>
+              </a:spcAft>
+              <a:buFont typeface="Arial" panose="020B0604020202020204" pitchFamily="34" charset="0"/>
+              <a:buChar char="•"/>
+              <a:defRPr sz="1600" kern="1200">
+                <a:solidFill>
+                  <a:srgbClr val="5A667F"/>
+                </a:solidFill>
+                <a:latin typeface="Lato" panose="020F0502020204030203" pitchFamily="34" charset="77"/>
+                <a:ea typeface="+mn-ea"/>
+                <a:cs typeface="Arial" panose="020B0604020202020204" pitchFamily="34" charset="0"/>
+              </a:defRPr>
+            </a:lvl3pPr>
+            <a:lvl4pPr marL="1074738" indent="-177800" algn="l" defTabSz="741363" rtl="0" eaLnBrk="0" fontAlgn="base" hangingPunct="0">
+              <a:lnSpc>
+                <a:spcPct val="100000"/>
+              </a:lnSpc>
+              <a:spcBef>
+                <a:spcPts val="600"/>
+              </a:spcBef>
+              <a:spcAft>
+                <a:spcPct val="0"/>
+              </a:spcAft>
+              <a:buFont typeface="Arial" panose="020B0604020202020204" pitchFamily="34" charset="0"/>
+              <a:buChar char="•"/>
+              <a:defRPr sz="1400" kern="1200">
+                <a:solidFill>
+                  <a:srgbClr val="5A667F"/>
+                </a:solidFill>
+                <a:latin typeface="Lato" panose="020F0502020204030203" pitchFamily="34" charset="77"/>
+                <a:ea typeface="+mn-ea"/>
+                <a:cs typeface="Arial" panose="020B0604020202020204" pitchFamily="34" charset="0"/>
+              </a:defRPr>
+            </a:lvl4pPr>
+            <a:lvl5pPr marL="1252538" indent="-177800" algn="l" defTabSz="741363" rtl="0" eaLnBrk="0" fontAlgn="base" hangingPunct="0">
+              <a:lnSpc>
+                <a:spcPct val="100000"/>
+              </a:lnSpc>
+              <a:spcBef>
+                <a:spcPts val="600"/>
+              </a:spcBef>
+              <a:spcAft>
+                <a:spcPct val="0"/>
+              </a:spcAft>
+              <a:buFont typeface="Arial" panose="020B0604020202020204" pitchFamily="34" charset="0"/>
+              <a:buChar char="•"/>
+              <a:tabLst/>
+              <a:defRPr sz="1200" kern="1200">
+                <a:solidFill>
+                  <a:srgbClr val="5A667F"/>
+                </a:solidFill>
+                <a:latin typeface="Lato" panose="020F0502020204030203" pitchFamily="34" charset="77"/>
+                <a:ea typeface="+mn-ea"/>
+                <a:cs typeface="Arial" panose="020B0604020202020204" pitchFamily="34" charset="0"/>
+              </a:defRPr>
+            </a:lvl5pPr>
+            <a:lvl6pPr marL="2042929" indent="-185721" algn="l" defTabSz="742883" rtl="0" eaLnBrk="1" latinLnBrk="0" hangingPunct="1">
+              <a:lnSpc>
+                <a:spcPct val="90000"/>
+              </a:lnSpc>
+              <a:spcBef>
+                <a:spcPts val="405"/>
+              </a:spcBef>
+              <a:buFont typeface="Arial" panose="020B0604020202020204" pitchFamily="34" charset="0"/>
+              <a:buChar char="•"/>
+              <a:defRPr sz="1463" kern="1200">
+                <a:solidFill>
+                  <a:schemeClr val="tx1"/>
+                </a:solidFill>
+                <a:latin typeface="+mn-lt"/>
+                <a:ea typeface="+mn-ea"/>
+                <a:cs typeface="+mn-cs"/>
+              </a:defRPr>
+            </a:lvl6pPr>
+            <a:lvl7pPr marL="2414371" indent="-185721" algn="l" defTabSz="742883" rtl="0" eaLnBrk="1" latinLnBrk="0" hangingPunct="1">
+              <a:lnSpc>
+                <a:spcPct val="90000"/>
+              </a:lnSpc>
+              <a:spcBef>
+                <a:spcPts val="405"/>
+              </a:spcBef>
+              <a:buFont typeface="Arial" panose="020B0604020202020204" pitchFamily="34" charset="0"/>
+              <a:buChar char="•"/>
+              <a:defRPr sz="1463" kern="1200">
+                <a:solidFill>
+                  <a:schemeClr val="tx1"/>
+                </a:solidFill>
+                <a:latin typeface="+mn-lt"/>
+                <a:ea typeface="+mn-ea"/>
+                <a:cs typeface="+mn-cs"/>
+              </a:defRPr>
+            </a:lvl7pPr>
+            <a:lvl8pPr marL="2785812" indent="-185721" algn="l" defTabSz="742883" rtl="0" eaLnBrk="1" latinLnBrk="0" hangingPunct="1">
+              <a:lnSpc>
+                <a:spcPct val="90000"/>
+              </a:lnSpc>
+              <a:spcBef>
+                <a:spcPts val="405"/>
+              </a:spcBef>
+              <a:buFont typeface="Arial" panose="020B0604020202020204" pitchFamily="34" charset="0"/>
+              <a:buChar char="•"/>
+              <a:defRPr sz="1463" kern="1200">
+                <a:solidFill>
+                  <a:schemeClr val="tx1"/>
+                </a:solidFill>
+                <a:latin typeface="+mn-lt"/>
+                <a:ea typeface="+mn-ea"/>
+                <a:cs typeface="+mn-cs"/>
+              </a:defRPr>
+            </a:lvl8pPr>
+            <a:lvl9pPr marL="3157253" indent="-185721" algn="l" defTabSz="742883" rtl="0" eaLnBrk="1" latinLnBrk="0" hangingPunct="1">
+              <a:lnSpc>
+                <a:spcPct val="90000"/>
+              </a:lnSpc>
+              <a:spcBef>
+                <a:spcPts val="405"/>
+              </a:spcBef>
+              <a:buFont typeface="Arial" panose="020B0604020202020204" pitchFamily="34" charset="0"/>
+              <a:buChar char="•"/>
+              <a:defRPr sz="1463" kern="1200">
+                <a:solidFill>
+                  <a:schemeClr val="tx1"/>
+                </a:solidFill>
+                <a:latin typeface="+mn-lt"/>
+                <a:ea typeface="+mn-ea"/>
+                <a:cs typeface="+mn-cs"/>
+              </a:defRPr>
+            </a:lvl9pPr>
+          </a:lstStyle>
+          <a:p>
+            <a:pPr marL="0" indent="0">
+              <a:buNone/>
+            </a:pPr>
+            <a:r>
+              <a:rPr lang="en-US" sz="1800" b="0" dirty="0"/>
+              <a:t>BUT Kolmogorov-Arnold networks are more expressive than their basic formulation from the Kolmogorov-Arnold representation theorem …</a:t>
+            </a:r>
+          </a:p>
+          <a:p>
+            <a:pPr marL="0" indent="0">
+              <a:buNone/>
+            </a:pPr>
+            <a:endParaRPr lang="en-US" sz="1800" b="0" dirty="0"/>
+          </a:p>
+        </p:txBody>
+      </p:sp>
+      <p:pic>
+        <p:nvPicPr>
+          <p:cNvPr id="19" name="Picture 18">
+            <a:extLst>
+              <a:ext uri="{FF2B5EF4-FFF2-40B4-BE49-F238E27FC236}">
+                <a16:creationId xmlns:a16="http://schemas.microsoft.com/office/drawing/2014/main" id="{3EC3D9F7-3A74-1703-BFD2-1DDC5B976A20}"/>
+              </a:ext>
+            </a:extLst>
+          </p:cNvPr>
+          <p:cNvPicPr>
+            <a:picLocks noChangeAspect="1"/>
+          </p:cNvPicPr>
+          <p:nvPr/>
+        </p:nvPicPr>
+        <p:blipFill>
+          <a:blip r:embed="rId4"/>
+          <a:stretch>
+            <a:fillRect/>
+          </a:stretch>
+        </p:blipFill>
+        <p:spPr>
+          <a:xfrm>
+            <a:off x="449924" y="4321353"/>
+            <a:ext cx="4280955" cy="1387652"/>
+          </a:xfrm>
+          <a:prstGeom prst="rect">
+            <a:avLst/>
+          </a:prstGeom>
+        </p:spPr>
+      </p:pic>
+    </p:spTree>
+    <p:extLst>
+      <p:ext uri="{BB962C8B-B14F-4D97-AF65-F5344CB8AC3E}">
+        <p14:creationId xmlns:p14="http://schemas.microsoft.com/office/powerpoint/2010/main" val="4197971279"/>
+      </p:ext>
+    </p:extLst>
+  </p:cSld>
+  <p:clrMapOvr>
+    <a:masterClrMapping/>
+  </p:clrMapOvr>
+</p:sld>
+</file>
+
+<file path=ppt/slides/slide5.xml><?xml version="1.0" encoding="utf-8"?>
+<p:sld xmlns:a="http://schemas.openxmlformats.org/drawingml/2006/main" xmlns:r="http://schemas.openxmlformats.org/officeDocument/2006/relationships" xmlns:p="http://schemas.openxmlformats.org/presentationml/2006/main">
+  <p:cSld>
+    <p:spTree>
+      <p:nvGrpSpPr>
+        <p:cNvPr id="1" name=""/>
+        <p:cNvGrpSpPr/>
+        <p:nvPr/>
+      </p:nvGrpSpPr>
+      <p:grpSpPr>
+        <a:xfrm>
+          <a:off x="0" y="0"/>
+          <a:ext cx="0" cy="0"/>
+          <a:chOff x="0" y="0"/>
+          <a:chExt cx="0" cy="0"/>
+        </a:xfrm>
+      </p:grpSpPr>
+      <p:sp>
+        <p:nvSpPr>
+          <p:cNvPr id="2" name="Title 1"/>
+          <p:cNvSpPr>
+            <a:spLocks noGrp="1"/>
+          </p:cNvSpPr>
+          <p:nvPr>
+            <p:ph type="title"/>
+          </p:nvPr>
+        </p:nvSpPr>
+        <p:spPr/>
+        <p:txBody>
+          <a:bodyPr/>
+          <a:lstStyle/>
+          <a:p>
+            <a:r>
+              <a:rPr sz="2400" dirty="0"/>
+              <a:t>KANs </a:t>
+            </a:r>
+            <a:r>
+              <a:rPr lang="en-US" sz="2400" dirty="0"/>
+              <a:t>Layer </a:t>
+            </a:r>
+            <a:r>
+              <a:rPr sz="2400" dirty="0"/>
+              <a:t>Structure</a:t>
+            </a:r>
+          </a:p>
+        </p:txBody>
+      </p:sp>
+      <p:sp>
+        <p:nvSpPr>
+          <p:cNvPr id="3" name="Content Placeholder 2" descr="phi&#10;"/>
+          <p:cNvSpPr>
+            <a:spLocks noGrp="1"/>
+          </p:cNvSpPr>
+          <p:nvPr>
+            <p:ph idx="1"/>
+          </p:nvPr>
+        </p:nvSpPr>
+        <p:spPr>
+          <a:xfrm>
+            <a:off x="637413" y="1565611"/>
+            <a:ext cx="4163187" cy="1095903"/>
+          </a:xfrm>
+        </p:spPr>
+        <p:txBody>
+          <a:bodyPr/>
+          <a:lstStyle/>
+          <a:p>
+            <a:pPr marL="0" indent="0">
+              <a:buNone/>
+            </a:pPr>
+            <a:r>
+              <a:rPr lang="en-US" sz="1800" dirty="0"/>
+              <a:t>… in practice, we can design networks with different topologies by stacking layers from the input to the output.</a:t>
+            </a:r>
+          </a:p>
+        </p:txBody>
+      </p:sp>
+      <p:pic>
+        <p:nvPicPr>
+          <p:cNvPr id="9" name="Picture 8">
+            <a:extLst>
+              <a:ext uri="{FF2B5EF4-FFF2-40B4-BE49-F238E27FC236}">
+                <a16:creationId xmlns:a16="http://schemas.microsoft.com/office/drawing/2014/main" id="{787E5564-7E89-A1DB-3FF5-C69C356CCF6E}"/>
+              </a:ext>
+            </a:extLst>
+          </p:cNvPr>
+          <p:cNvPicPr>
+            <a:picLocks noChangeAspect="1"/>
+          </p:cNvPicPr>
+          <p:nvPr/>
+        </p:nvPicPr>
+        <p:blipFill>
+          <a:blip r:embed="rId2"/>
+          <a:stretch>
+            <a:fillRect/>
+          </a:stretch>
+        </p:blipFill>
+        <p:spPr>
+          <a:xfrm>
+            <a:off x="2073211" y="3611499"/>
+            <a:ext cx="5686425" cy="1194059"/>
+          </a:xfrm>
+          <a:prstGeom prst="rect">
+            <a:avLst/>
+          </a:prstGeom>
+        </p:spPr>
+      </p:pic>
+      <p:sp>
+        <p:nvSpPr>
+          <p:cNvPr id="14" name="Content Placeholder 2" descr="phi&#10;">
+            <a:extLst>
+              <a:ext uri="{FF2B5EF4-FFF2-40B4-BE49-F238E27FC236}">
+                <a16:creationId xmlns:a16="http://schemas.microsoft.com/office/drawing/2014/main" id="{187F5E24-352E-A109-AF78-ED7A585B4CEA}"/>
+              </a:ext>
+            </a:extLst>
+          </p:cNvPr>
+          <p:cNvSpPr txBox="1">
+            <a:spLocks/>
+          </p:cNvSpPr>
+          <p:nvPr/>
+        </p:nvSpPr>
+        <p:spPr bwMode="auto">
+          <a:xfrm>
+            <a:off x="591693" y="5029200"/>
+            <a:ext cx="8667750" cy="762000"/>
+          </a:xfrm>
+          <a:prstGeom prst="rect">
+            <a:avLst/>
+          </a:prstGeom>
+          <a:noFill/>
+          <a:ln>
+            <a:noFill/>
+          </a:ln>
+          <a:extLst>
+            <a:ext uri="{909E8E84-426E-40DD-AFC4-6F175D3DCCD1}">
+              <a14:hiddenFill xmlns:a14="http://schemas.microsoft.com/office/drawing/2010/main">
+                <a:solidFill>
+                  <a:srgbClr val="FFFFFF"/>
+                </a:solidFill>
+              </a14:hiddenFill>
+            </a:ext>
+            <a:ext uri="{91240B29-F687-4F45-9708-019B960494DF}">
+              <a14:hiddenLine xmlns:a14="http://schemas.microsoft.com/office/drawing/2010/main" w="9525">
+                <a:solidFill>
+                  <a:srgbClr val="000000"/>
+                </a:solidFill>
+                <a:miter lim="800000"/>
+                <a:headEnd/>
+                <a:tailEnd/>
+              </a14:hiddenLine>
+            </a:ext>
+          </a:extLst>
+        </p:spPr>
+        <p:txBody>
+          <a:bodyPr vert="horz" wrap="square" lIns="0" tIns="0" rIns="0" bIns="0" numCol="1" anchor="t" anchorCtr="0" compatLnSpc="1">
+            <a:prstTxWarp prst="textNoShape">
+              <a:avLst/>
+            </a:prstTxWarp>
+          </a:bodyPr>
+          <a:lstStyle>
+            <a:lvl1pPr marL="342900" indent="-342900" algn="l" defTabSz="741363" rtl="0" eaLnBrk="0" fontAlgn="base" hangingPunct="0">
+              <a:lnSpc>
+                <a:spcPct val="100000"/>
+              </a:lnSpc>
+              <a:spcBef>
+                <a:spcPts val="600"/>
+              </a:spcBef>
+              <a:spcAft>
+                <a:spcPct val="0"/>
+              </a:spcAft>
+              <a:buFont typeface="Arial" panose="020B0604020202020204" pitchFamily="34" charset="0"/>
+              <a:buChar char="•"/>
+              <a:defRPr sz="2400" kern="1200">
+                <a:solidFill>
+                  <a:srgbClr val="5A667F"/>
+                </a:solidFill>
+                <a:latin typeface="Lato" panose="020F0502020204030203" pitchFamily="34" charset="77"/>
+                <a:ea typeface="+mn-ea"/>
+                <a:cs typeface="Arial" panose="020B0604020202020204" pitchFamily="34" charset="0"/>
+              </a:defRPr>
+            </a:lvl1pPr>
+            <a:lvl2pPr marL="719138" indent="-363538" algn="l" defTabSz="741363" rtl="0" eaLnBrk="0" fontAlgn="base" hangingPunct="0">
+              <a:lnSpc>
+                <a:spcPct val="100000"/>
+              </a:lnSpc>
+              <a:spcBef>
+                <a:spcPts val="600"/>
+              </a:spcBef>
+              <a:spcAft>
+                <a:spcPct val="0"/>
+              </a:spcAft>
+              <a:buFont typeface="Arial" panose="020B0604020202020204" pitchFamily="34" charset="0"/>
+              <a:buChar char="•"/>
+              <a:defRPr sz="2000" kern="1200">
+                <a:solidFill>
+                  <a:srgbClr val="5A667F"/>
+                </a:solidFill>
+                <a:latin typeface="Lato" panose="020F0502020204030203" pitchFamily="34" charset="77"/>
+                <a:ea typeface="+mn-ea"/>
+                <a:cs typeface="Arial" panose="020B0604020202020204" pitchFamily="34" charset="0"/>
+              </a:defRPr>
+            </a:lvl2pPr>
+            <a:lvl3pPr marL="896938" indent="-177800" algn="l" defTabSz="741363" rtl="0" eaLnBrk="0" fontAlgn="base" hangingPunct="0">
+              <a:lnSpc>
+                <a:spcPct val="100000"/>
+              </a:lnSpc>
+              <a:spcBef>
+                <a:spcPts val="600"/>
+              </a:spcBef>
+              <a:spcAft>
+                <a:spcPct val="0"/>
+              </a:spcAft>
+              <a:buFont typeface="Arial" panose="020B0604020202020204" pitchFamily="34" charset="0"/>
+              <a:buChar char="•"/>
+              <a:defRPr sz="1600" kern="1200">
+                <a:solidFill>
+                  <a:srgbClr val="5A667F"/>
+                </a:solidFill>
+                <a:latin typeface="Lato" panose="020F0502020204030203" pitchFamily="34" charset="77"/>
+                <a:ea typeface="+mn-ea"/>
+                <a:cs typeface="Arial" panose="020B0604020202020204" pitchFamily="34" charset="0"/>
+              </a:defRPr>
+            </a:lvl3pPr>
+            <a:lvl4pPr marL="1074738" indent="-177800" algn="l" defTabSz="741363" rtl="0" eaLnBrk="0" fontAlgn="base" hangingPunct="0">
+              <a:lnSpc>
+                <a:spcPct val="100000"/>
+              </a:lnSpc>
+              <a:spcBef>
+                <a:spcPts val="600"/>
+              </a:spcBef>
+              <a:spcAft>
+                <a:spcPct val="0"/>
+              </a:spcAft>
+              <a:buFont typeface="Arial" panose="020B0604020202020204" pitchFamily="34" charset="0"/>
+              <a:buChar char="•"/>
+              <a:defRPr sz="1400" kern="1200">
+                <a:solidFill>
+                  <a:srgbClr val="5A667F"/>
+                </a:solidFill>
+                <a:latin typeface="Lato" panose="020F0502020204030203" pitchFamily="34" charset="77"/>
+                <a:ea typeface="+mn-ea"/>
+                <a:cs typeface="Arial" panose="020B0604020202020204" pitchFamily="34" charset="0"/>
+              </a:defRPr>
+            </a:lvl4pPr>
+            <a:lvl5pPr marL="1252538" indent="-177800" algn="l" defTabSz="741363" rtl="0" eaLnBrk="0" fontAlgn="base" hangingPunct="0">
+              <a:lnSpc>
+                <a:spcPct val="100000"/>
+              </a:lnSpc>
+              <a:spcBef>
+                <a:spcPts val="600"/>
+              </a:spcBef>
+              <a:spcAft>
+                <a:spcPct val="0"/>
+              </a:spcAft>
+              <a:buFont typeface="Arial" panose="020B0604020202020204" pitchFamily="34" charset="0"/>
+              <a:buChar char="•"/>
+              <a:tabLst/>
+              <a:defRPr sz="1200" kern="1200">
+                <a:solidFill>
+                  <a:srgbClr val="5A667F"/>
+                </a:solidFill>
+                <a:latin typeface="Lato" panose="020F0502020204030203" pitchFamily="34" charset="77"/>
+                <a:ea typeface="+mn-ea"/>
+                <a:cs typeface="Arial" panose="020B0604020202020204" pitchFamily="34" charset="0"/>
+              </a:defRPr>
+            </a:lvl5pPr>
+            <a:lvl6pPr marL="2042929" indent="-185721" algn="l" defTabSz="742883" rtl="0" eaLnBrk="1" latinLnBrk="0" hangingPunct="1">
+              <a:lnSpc>
+                <a:spcPct val="90000"/>
+              </a:lnSpc>
+              <a:spcBef>
+                <a:spcPts val="405"/>
+              </a:spcBef>
+              <a:buFont typeface="Arial" panose="020B0604020202020204" pitchFamily="34" charset="0"/>
+              <a:buChar char="•"/>
+              <a:defRPr sz="1463" kern="1200">
+                <a:solidFill>
+                  <a:schemeClr val="tx1"/>
+                </a:solidFill>
+                <a:latin typeface="+mn-lt"/>
+                <a:ea typeface="+mn-ea"/>
+                <a:cs typeface="+mn-cs"/>
+              </a:defRPr>
+            </a:lvl6pPr>
+            <a:lvl7pPr marL="2414371" indent="-185721" algn="l" defTabSz="742883" rtl="0" eaLnBrk="1" latinLnBrk="0" hangingPunct="1">
+              <a:lnSpc>
+                <a:spcPct val="90000"/>
+              </a:lnSpc>
+              <a:spcBef>
+                <a:spcPts val="405"/>
+              </a:spcBef>
+              <a:buFont typeface="Arial" panose="020B0604020202020204" pitchFamily="34" charset="0"/>
+              <a:buChar char="•"/>
+              <a:defRPr sz="1463" kern="1200">
+                <a:solidFill>
+                  <a:schemeClr val="tx1"/>
+                </a:solidFill>
+                <a:latin typeface="+mn-lt"/>
+                <a:ea typeface="+mn-ea"/>
+                <a:cs typeface="+mn-cs"/>
+              </a:defRPr>
+            </a:lvl7pPr>
+            <a:lvl8pPr marL="2785812" indent="-185721" algn="l" defTabSz="742883" rtl="0" eaLnBrk="1" latinLnBrk="0" hangingPunct="1">
+              <a:lnSpc>
+                <a:spcPct val="90000"/>
+              </a:lnSpc>
+              <a:spcBef>
+                <a:spcPts val="405"/>
+              </a:spcBef>
+              <a:buFont typeface="Arial" panose="020B0604020202020204" pitchFamily="34" charset="0"/>
+              <a:buChar char="•"/>
+              <a:defRPr sz="1463" kern="1200">
+                <a:solidFill>
+                  <a:schemeClr val="tx1"/>
+                </a:solidFill>
+                <a:latin typeface="+mn-lt"/>
+                <a:ea typeface="+mn-ea"/>
+                <a:cs typeface="+mn-cs"/>
+              </a:defRPr>
+            </a:lvl8pPr>
+            <a:lvl9pPr marL="3157253" indent="-185721" algn="l" defTabSz="742883" rtl="0" eaLnBrk="1" latinLnBrk="0" hangingPunct="1">
+              <a:lnSpc>
+                <a:spcPct val="90000"/>
+              </a:lnSpc>
+              <a:spcBef>
+                <a:spcPts val="405"/>
+              </a:spcBef>
+              <a:buFont typeface="Arial" panose="020B0604020202020204" pitchFamily="34" charset="0"/>
+              <a:buChar char="•"/>
+              <a:defRPr sz="1463" kern="1200">
+                <a:solidFill>
+                  <a:schemeClr val="tx1"/>
+                </a:solidFill>
+                <a:latin typeface="+mn-lt"/>
+                <a:ea typeface="+mn-ea"/>
+                <a:cs typeface="+mn-cs"/>
+              </a:defRPr>
+            </a:lvl9pPr>
+          </a:lstStyle>
+          <a:p>
+            <a:pPr marL="0" indent="0">
+              <a:buNone/>
+            </a:pPr>
+            <a:r>
+              <a:rPr lang="en-US" sz="1800" b="0" dirty="0"/>
+              <a:t>Then the whole network will be represented by:</a:t>
+            </a:r>
+          </a:p>
+        </p:txBody>
+      </p:sp>
+      <p:pic>
+        <p:nvPicPr>
+          <p:cNvPr id="16" name="Picture 15">
+            <a:extLst>
+              <a:ext uri="{FF2B5EF4-FFF2-40B4-BE49-F238E27FC236}">
+                <a16:creationId xmlns:a16="http://schemas.microsoft.com/office/drawing/2014/main" id="{1CE0EB6C-4903-77A5-6750-B91D32949E34}"/>
+              </a:ext>
+            </a:extLst>
+          </p:cNvPr>
+          <p:cNvPicPr>
+            <a:picLocks noChangeAspect="1"/>
+          </p:cNvPicPr>
+          <p:nvPr/>
+        </p:nvPicPr>
+        <p:blipFill>
+          <a:blip r:embed="rId3"/>
+          <a:stretch>
+            <a:fillRect/>
+          </a:stretch>
+        </p:blipFill>
+        <p:spPr>
+          <a:xfrm>
+            <a:off x="2324100" y="5410200"/>
+            <a:ext cx="4953000" cy="473145"/>
+          </a:xfrm>
+          <a:prstGeom prst="rect">
+            <a:avLst/>
+          </a:prstGeom>
+        </p:spPr>
+      </p:pic>
+      <p:pic>
+        <p:nvPicPr>
+          <p:cNvPr id="20" name="Picture 19">
+            <a:extLst>
+              <a:ext uri="{FF2B5EF4-FFF2-40B4-BE49-F238E27FC236}">
+                <a16:creationId xmlns:a16="http://schemas.microsoft.com/office/drawing/2014/main" id="{F40F1FC2-98E0-7F85-6958-202607FA8BB5}"/>
+              </a:ext>
+            </a:extLst>
+          </p:cNvPr>
+          <p:cNvPicPr>
+            <a:picLocks noChangeAspect="1"/>
+          </p:cNvPicPr>
+          <p:nvPr/>
+        </p:nvPicPr>
+        <p:blipFill>
+          <a:blip r:embed="rId4"/>
+          <a:stretch>
+            <a:fillRect/>
+          </a:stretch>
+        </p:blipFill>
+        <p:spPr>
+          <a:xfrm>
+            <a:off x="5135882" y="1354106"/>
+            <a:ext cx="3380804" cy="1518912"/>
+          </a:xfrm>
+          <a:prstGeom prst="rect">
+            <a:avLst/>
+          </a:prstGeom>
+        </p:spPr>
+      </p:pic>
+      <p:sp>
+        <p:nvSpPr>
+          <p:cNvPr id="21" name="Content Placeholder 2" descr="phi&#10;">
+            <a:extLst>
+              <a:ext uri="{FF2B5EF4-FFF2-40B4-BE49-F238E27FC236}">
+                <a16:creationId xmlns:a16="http://schemas.microsoft.com/office/drawing/2014/main" id="{51217854-274A-2609-0268-BB416CB101A4}"/>
+              </a:ext>
+            </a:extLst>
+          </p:cNvPr>
+          <p:cNvSpPr txBox="1">
+            <a:spLocks/>
+          </p:cNvSpPr>
+          <p:nvPr/>
+        </p:nvSpPr>
+        <p:spPr bwMode="auto">
+          <a:xfrm>
+            <a:off x="585597" y="3186815"/>
+            <a:ext cx="8667750" cy="552717"/>
+          </a:xfrm>
+          <a:prstGeom prst="rect">
+            <a:avLst/>
+          </a:prstGeom>
+          <a:noFill/>
+          <a:ln>
+            <a:noFill/>
+          </a:ln>
+          <a:extLst>
+            <a:ext uri="{909E8E84-426E-40DD-AFC4-6F175D3DCCD1}">
+              <a14:hiddenFill xmlns:a14="http://schemas.microsoft.com/office/drawing/2010/main">
+                <a:solidFill>
+                  <a:srgbClr val="FFFFFF"/>
+                </a:solidFill>
+              </a14:hiddenFill>
+            </a:ext>
+            <a:ext uri="{91240B29-F687-4F45-9708-019B960494DF}">
+              <a14:hiddenLine xmlns:a14="http://schemas.microsoft.com/office/drawing/2010/main" w="9525">
+                <a:solidFill>
+                  <a:srgbClr val="000000"/>
+                </a:solidFill>
+                <a:miter lim="800000"/>
+                <a:headEnd/>
+                <a:tailEnd/>
+              </a14:hiddenLine>
+            </a:ext>
+          </a:extLst>
+        </p:spPr>
+        <p:txBody>
+          <a:bodyPr vert="horz" wrap="square" lIns="0" tIns="0" rIns="0" bIns="0" numCol="1" anchor="t" anchorCtr="0" compatLnSpc="1">
+            <a:prstTxWarp prst="textNoShape">
+              <a:avLst/>
+            </a:prstTxWarp>
+          </a:bodyPr>
+          <a:lstStyle>
+            <a:lvl1pPr marL="342900" indent="-342900" algn="l" defTabSz="741363" rtl="0" eaLnBrk="0" fontAlgn="base" hangingPunct="0">
+              <a:lnSpc>
+                <a:spcPct val="100000"/>
+              </a:lnSpc>
+              <a:spcBef>
+                <a:spcPts val="600"/>
+              </a:spcBef>
+              <a:spcAft>
+                <a:spcPct val="0"/>
+              </a:spcAft>
+              <a:buFont typeface="Arial" panose="020B0604020202020204" pitchFamily="34" charset="0"/>
+              <a:buChar char="•"/>
+              <a:defRPr sz="2400" kern="1200">
+                <a:solidFill>
+                  <a:srgbClr val="5A667F"/>
+                </a:solidFill>
+                <a:latin typeface="Lato" panose="020F0502020204030203" pitchFamily="34" charset="77"/>
+                <a:ea typeface="+mn-ea"/>
+                <a:cs typeface="Arial" panose="020B0604020202020204" pitchFamily="34" charset="0"/>
+              </a:defRPr>
+            </a:lvl1pPr>
+            <a:lvl2pPr marL="719138" indent="-363538" algn="l" defTabSz="741363" rtl="0" eaLnBrk="0" fontAlgn="base" hangingPunct="0">
+              <a:lnSpc>
+                <a:spcPct val="100000"/>
+              </a:lnSpc>
+              <a:spcBef>
+                <a:spcPts val="600"/>
+              </a:spcBef>
+              <a:spcAft>
+                <a:spcPct val="0"/>
+              </a:spcAft>
+              <a:buFont typeface="Arial" panose="020B0604020202020204" pitchFamily="34" charset="0"/>
+              <a:buChar char="•"/>
+              <a:defRPr sz="2000" kern="1200">
+                <a:solidFill>
+                  <a:srgbClr val="5A667F"/>
+                </a:solidFill>
+                <a:latin typeface="Lato" panose="020F0502020204030203" pitchFamily="34" charset="77"/>
+                <a:ea typeface="+mn-ea"/>
+                <a:cs typeface="Arial" panose="020B0604020202020204" pitchFamily="34" charset="0"/>
+              </a:defRPr>
+            </a:lvl2pPr>
+            <a:lvl3pPr marL="896938" indent="-177800" algn="l" defTabSz="741363" rtl="0" eaLnBrk="0" fontAlgn="base" hangingPunct="0">
+              <a:lnSpc>
+                <a:spcPct val="100000"/>
+              </a:lnSpc>
+              <a:spcBef>
+                <a:spcPts val="600"/>
+              </a:spcBef>
+              <a:spcAft>
+                <a:spcPct val="0"/>
+              </a:spcAft>
+              <a:buFont typeface="Arial" panose="020B0604020202020204" pitchFamily="34" charset="0"/>
+              <a:buChar char="•"/>
+              <a:defRPr sz="1600" kern="1200">
+                <a:solidFill>
+                  <a:srgbClr val="5A667F"/>
+                </a:solidFill>
+                <a:latin typeface="Lato" panose="020F0502020204030203" pitchFamily="34" charset="77"/>
+                <a:ea typeface="+mn-ea"/>
+                <a:cs typeface="Arial" panose="020B0604020202020204" pitchFamily="34" charset="0"/>
+              </a:defRPr>
+            </a:lvl3pPr>
+            <a:lvl4pPr marL="1074738" indent="-177800" algn="l" defTabSz="741363" rtl="0" eaLnBrk="0" fontAlgn="base" hangingPunct="0">
+              <a:lnSpc>
+                <a:spcPct val="100000"/>
+              </a:lnSpc>
+              <a:spcBef>
+                <a:spcPts val="600"/>
+              </a:spcBef>
+              <a:spcAft>
+                <a:spcPct val="0"/>
+              </a:spcAft>
+              <a:buFont typeface="Arial" panose="020B0604020202020204" pitchFamily="34" charset="0"/>
+              <a:buChar char="•"/>
+              <a:defRPr sz="1400" kern="1200">
+                <a:solidFill>
+                  <a:srgbClr val="5A667F"/>
+                </a:solidFill>
+                <a:latin typeface="Lato" panose="020F0502020204030203" pitchFamily="34" charset="77"/>
+                <a:ea typeface="+mn-ea"/>
+                <a:cs typeface="Arial" panose="020B0604020202020204" pitchFamily="34" charset="0"/>
+              </a:defRPr>
+            </a:lvl4pPr>
+            <a:lvl5pPr marL="1252538" indent="-177800" algn="l" defTabSz="741363" rtl="0" eaLnBrk="0" fontAlgn="base" hangingPunct="0">
+              <a:lnSpc>
+                <a:spcPct val="100000"/>
+              </a:lnSpc>
+              <a:spcBef>
+                <a:spcPts val="600"/>
+              </a:spcBef>
+              <a:spcAft>
+                <a:spcPct val="0"/>
+              </a:spcAft>
+              <a:buFont typeface="Arial" panose="020B0604020202020204" pitchFamily="34" charset="0"/>
+              <a:buChar char="•"/>
+              <a:tabLst/>
+              <a:defRPr sz="1200" kern="1200">
+                <a:solidFill>
+                  <a:srgbClr val="5A667F"/>
+                </a:solidFill>
+                <a:latin typeface="Lato" panose="020F0502020204030203" pitchFamily="34" charset="77"/>
+                <a:ea typeface="+mn-ea"/>
+                <a:cs typeface="Arial" panose="020B0604020202020204" pitchFamily="34" charset="0"/>
+              </a:defRPr>
+            </a:lvl5pPr>
+            <a:lvl6pPr marL="2042929" indent="-185721" algn="l" defTabSz="742883" rtl="0" eaLnBrk="1" latinLnBrk="0" hangingPunct="1">
+              <a:lnSpc>
+                <a:spcPct val="90000"/>
+              </a:lnSpc>
+              <a:spcBef>
+                <a:spcPts val="405"/>
+              </a:spcBef>
+              <a:buFont typeface="Arial" panose="020B0604020202020204" pitchFamily="34" charset="0"/>
+              <a:buChar char="•"/>
+              <a:defRPr sz="1463" kern="1200">
+                <a:solidFill>
+                  <a:schemeClr val="tx1"/>
+                </a:solidFill>
+                <a:latin typeface="+mn-lt"/>
+                <a:ea typeface="+mn-ea"/>
+                <a:cs typeface="+mn-cs"/>
+              </a:defRPr>
+            </a:lvl6pPr>
+            <a:lvl7pPr marL="2414371" indent="-185721" algn="l" defTabSz="742883" rtl="0" eaLnBrk="1" latinLnBrk="0" hangingPunct="1">
+              <a:lnSpc>
+                <a:spcPct val="90000"/>
+              </a:lnSpc>
+              <a:spcBef>
+                <a:spcPts val="405"/>
+              </a:spcBef>
+              <a:buFont typeface="Arial" panose="020B0604020202020204" pitchFamily="34" charset="0"/>
+              <a:buChar char="•"/>
+              <a:defRPr sz="1463" kern="1200">
+                <a:solidFill>
+                  <a:schemeClr val="tx1"/>
+                </a:solidFill>
+                <a:latin typeface="+mn-lt"/>
+                <a:ea typeface="+mn-ea"/>
+                <a:cs typeface="+mn-cs"/>
+              </a:defRPr>
+            </a:lvl7pPr>
+            <a:lvl8pPr marL="2785812" indent="-185721" algn="l" defTabSz="742883" rtl="0" eaLnBrk="1" latinLnBrk="0" hangingPunct="1">
+              <a:lnSpc>
+                <a:spcPct val="90000"/>
+              </a:lnSpc>
+              <a:spcBef>
+                <a:spcPts val="405"/>
+              </a:spcBef>
+              <a:buFont typeface="Arial" panose="020B0604020202020204" pitchFamily="34" charset="0"/>
+              <a:buChar char="•"/>
+              <a:defRPr sz="1463" kern="1200">
+                <a:solidFill>
+                  <a:schemeClr val="tx1"/>
+                </a:solidFill>
+                <a:latin typeface="+mn-lt"/>
+                <a:ea typeface="+mn-ea"/>
+                <a:cs typeface="+mn-cs"/>
+              </a:defRPr>
+            </a:lvl8pPr>
+            <a:lvl9pPr marL="3157253" indent="-185721" algn="l" defTabSz="742883" rtl="0" eaLnBrk="1" latinLnBrk="0" hangingPunct="1">
+              <a:lnSpc>
+                <a:spcPct val="90000"/>
+              </a:lnSpc>
+              <a:spcBef>
+                <a:spcPts val="405"/>
+              </a:spcBef>
+              <a:buFont typeface="Arial" panose="020B0604020202020204" pitchFamily="34" charset="0"/>
+              <a:buChar char="•"/>
+              <a:defRPr sz="1463" kern="1200">
+                <a:solidFill>
+                  <a:schemeClr val="tx1"/>
+                </a:solidFill>
+                <a:latin typeface="+mn-lt"/>
+                <a:ea typeface="+mn-ea"/>
+                <a:cs typeface="+mn-cs"/>
+              </a:defRPr>
+            </a:lvl9pPr>
+          </a:lstStyle>
+          <a:p>
+            <a:pPr marL="0" indent="0">
+              <a:buFont typeface="Arial" panose="020B0604020202020204" pitchFamily="34" charset="0"/>
+              <a:buNone/>
+            </a:pPr>
+            <a:r>
+              <a:rPr lang="en-US" sz="1800" b="0" dirty="0"/>
+              <a:t>A general KAN layer maps its input to the output through the matrix </a:t>
+            </a:r>
+            <a:r>
+              <a:rPr lang="en-US" sz="1800" b="0" dirty="0">
+                <a:latin typeface="Lato" panose="020F0502020204030203" pitchFamily="34" charset="0"/>
+                <a:ea typeface="Lato" panose="020F0502020204030203" pitchFamily="34" charset="0"/>
+                <a:cs typeface="Lato" panose="020F0502020204030203" pitchFamily="34" charset="0"/>
+              </a:rPr>
+              <a:t>ϕ</a:t>
+            </a:r>
+            <a:r>
+              <a:rPr lang="en-US" sz="1800" b="0" dirty="0"/>
+              <a:t>  </a:t>
+            </a:r>
+          </a:p>
+        </p:txBody>
+      </p:sp>
+    </p:spTree>
+  </p:cSld>
+  <p:clrMapOvr>
+    <a:masterClrMapping/>
+  </p:clrMapOvr>
+</p:sld>
+</file>
+
+<file path=ppt/slides/slide6.xml><?xml version="1.0" encoding="utf-8"?>
+<p:sld xmlns:a="http://schemas.openxmlformats.org/drawingml/2006/main" xmlns:r="http://schemas.openxmlformats.org/officeDocument/2006/relationships" xmlns:p="http://schemas.openxmlformats.org/presentationml/2006/main">
+  <p:cSld>
+    <p:spTree>
+      <p:nvGrpSpPr>
+        <p:cNvPr id="1" name="">
+          <a:extLst>
+            <a:ext uri="{FF2B5EF4-FFF2-40B4-BE49-F238E27FC236}">
+              <a16:creationId xmlns:a16="http://schemas.microsoft.com/office/drawing/2014/main" id="{79D7AF52-86BD-11F6-31DF-F53DBC0458E7}"/>
+            </a:ext>
+          </a:extLst>
+        </p:cNvPr>
+        <p:cNvGrpSpPr/>
+        <p:nvPr/>
+      </p:nvGrpSpPr>
+      <p:grpSpPr>
+        <a:xfrm>
+          <a:off x="0" y="0"/>
+          <a:ext cx="0" cy="0"/>
+          <a:chOff x="0" y="0"/>
+          <a:chExt cx="0" cy="0"/>
+        </a:xfrm>
+      </p:grpSpPr>
+      <p:sp>
+        <p:nvSpPr>
+          <p:cNvPr id="2" name="Title 1">
+            <a:extLst>
+              <a:ext uri="{FF2B5EF4-FFF2-40B4-BE49-F238E27FC236}">
+                <a16:creationId xmlns:a16="http://schemas.microsoft.com/office/drawing/2014/main" id="{0A8B4350-CFA0-0398-AF77-4ECC44380DED}"/>
               </a:ext>
             </a:extLst>
           </p:cNvPr>
@@ -7508,16 +12802,20 @@
           <a:bodyPr/>
           <a:lstStyle/>
           <a:p>
-            <a:endParaRPr lang="en-US" dirty="0"/>
+            <a:r>
+              <a:rPr lang="en-US" sz="2400" dirty="0"/>
+              <a:t>KANs Activation Functions</a:t>
+            </a:r>
+            <a:endParaRPr sz="2400" dirty="0"/>
           </a:p>
         </p:txBody>
       </p:sp>
       <p:sp>
         <p:nvSpPr>
-          <p:cNvPr id="3" name="Content Placeholder 2">
+          <p:cNvPr id="3" name="Content Placeholder 2" descr="phi&#10;">
             <a:extLst>
               <a:ext uri="{FF2B5EF4-FFF2-40B4-BE49-F238E27FC236}">
-                <a16:creationId xmlns:a16="http://schemas.microsoft.com/office/drawing/2014/main" id="{922BC8C5-11BE-E524-1437-5CC18BDA105C}"/>
+                <a16:creationId xmlns:a16="http://schemas.microsoft.com/office/drawing/2014/main" id="{E5ACFB87-FDC7-C985-4D78-A51CABA7A6A4}"/>
               </a:ext>
             </a:extLst>
           </p:cNvPr>
@@ -7530,33 +12828,1358 @@
         </p:nvSpPr>
         <p:spPr>
           <a:xfrm>
-            <a:off x="619125" y="2438400"/>
-            <a:ext cx="8667750" cy="3733800"/>
+            <a:off x="685800" y="1600200"/>
+            <a:ext cx="8667750" cy="1676400"/>
           </a:xfrm>
         </p:spPr>
         <p:txBody>
           <a:bodyPr/>
           <a:lstStyle/>
           <a:p>
-            <a:pPr marL="0" indent="0" eaLnBrk="1" hangingPunct="1">
+            <a:pPr marL="0" indent="0">
               <a:buNone/>
-              <a:defRPr/>
             </a:pPr>
-            <a:endParaRPr lang="en-US" sz="2000" dirty="0">
-              <a:solidFill>
-                <a:schemeClr val="tx2">
-                  <a:lumMod val="90000"/>
-                  <a:lumOff val="10000"/>
-                </a:schemeClr>
-              </a:solidFill>
-            </a:endParaRPr>
+            <a:r>
+              <a:rPr lang="en-US" sz="1800" dirty="0"/>
+              <a:t>The most efficient technique involves leveraging spline functions. These functions are particularly effective for approximating the complexity and the non-linearities of the 1D functions associated with the KAN layers</a:t>
+            </a:r>
+          </a:p>
+          <a:p>
+            <a:pPr marL="0" indent="0">
+              <a:buNone/>
+            </a:pPr>
+            <a:r>
+              <a:rPr lang="en-US" sz="1800" dirty="0"/>
+              <a:t>Every activation function is defined as follows:</a:t>
+            </a:r>
+            <a:endParaRPr sz="1800" dirty="0"/>
+          </a:p>
+        </p:txBody>
+      </p:sp>
+      <p:pic>
+        <p:nvPicPr>
+          <p:cNvPr id="7" name="Picture 6">
+            <a:extLst>
+              <a:ext uri="{FF2B5EF4-FFF2-40B4-BE49-F238E27FC236}">
+                <a16:creationId xmlns:a16="http://schemas.microsoft.com/office/drawing/2014/main" id="{6976C67B-B666-DE1B-A81A-7D962F07C243}"/>
+              </a:ext>
+            </a:extLst>
+          </p:cNvPr>
+          <p:cNvPicPr>
+            <a:picLocks noChangeAspect="1"/>
+          </p:cNvPicPr>
+          <p:nvPr/>
+        </p:nvPicPr>
+        <p:blipFill>
+          <a:blip r:embed="rId2"/>
+          <a:stretch>
+            <a:fillRect/>
+          </a:stretch>
+        </p:blipFill>
+        <p:spPr>
+          <a:xfrm>
+            <a:off x="2286000" y="3050628"/>
+            <a:ext cx="4881914" cy="756743"/>
+          </a:xfrm>
+          <a:prstGeom prst="rect">
+            <a:avLst/>
+          </a:prstGeom>
+        </p:spPr>
+      </p:pic>
+      <p:sp>
+        <p:nvSpPr>
+          <p:cNvPr id="8" name="Content Placeholder 2" descr="phi&#10;">
+            <a:extLst>
+              <a:ext uri="{FF2B5EF4-FFF2-40B4-BE49-F238E27FC236}">
+                <a16:creationId xmlns:a16="http://schemas.microsoft.com/office/drawing/2014/main" id="{767D342B-C718-E6B5-C2F2-41F0379240C1}"/>
+              </a:ext>
+            </a:extLst>
+          </p:cNvPr>
+          <p:cNvSpPr txBox="1">
+            <a:spLocks/>
+          </p:cNvSpPr>
+          <p:nvPr/>
+        </p:nvSpPr>
+        <p:spPr bwMode="auto">
+          <a:xfrm>
+            <a:off x="652653" y="4075199"/>
+            <a:ext cx="8667750" cy="1676400"/>
+          </a:xfrm>
+          <a:prstGeom prst="rect">
+            <a:avLst/>
+          </a:prstGeom>
+          <a:noFill/>
+          <a:ln>
+            <a:noFill/>
+          </a:ln>
+          <a:extLst>
+            <a:ext uri="{909E8E84-426E-40DD-AFC4-6F175D3DCCD1}">
+              <a14:hiddenFill xmlns:a14="http://schemas.microsoft.com/office/drawing/2010/main">
+                <a:solidFill>
+                  <a:srgbClr val="FFFFFF"/>
+                </a:solidFill>
+              </a14:hiddenFill>
+            </a:ext>
+            <a:ext uri="{91240B29-F687-4F45-9708-019B960494DF}">
+              <a14:hiddenLine xmlns:a14="http://schemas.microsoft.com/office/drawing/2010/main" w="9525">
+                <a:solidFill>
+                  <a:srgbClr val="000000"/>
+                </a:solidFill>
+                <a:miter lim="800000"/>
+                <a:headEnd/>
+                <a:tailEnd/>
+              </a14:hiddenLine>
+            </a:ext>
+          </a:extLst>
+        </p:spPr>
+        <p:txBody>
+          <a:bodyPr vert="horz" wrap="square" lIns="0" tIns="0" rIns="0" bIns="0" numCol="1" anchor="t" anchorCtr="0" compatLnSpc="1">
+            <a:prstTxWarp prst="textNoShape">
+              <a:avLst/>
+            </a:prstTxWarp>
+          </a:bodyPr>
+          <a:lstStyle>
+            <a:lvl1pPr marL="342900" indent="-342900" algn="l" defTabSz="741363" rtl="0" eaLnBrk="0" fontAlgn="base" hangingPunct="0">
+              <a:lnSpc>
+                <a:spcPct val="100000"/>
+              </a:lnSpc>
+              <a:spcBef>
+                <a:spcPts val="600"/>
+              </a:spcBef>
+              <a:spcAft>
+                <a:spcPct val="0"/>
+              </a:spcAft>
+              <a:buFont typeface="Arial" panose="020B0604020202020204" pitchFamily="34" charset="0"/>
+              <a:buChar char="•"/>
+              <a:defRPr sz="2400" kern="1200">
+                <a:solidFill>
+                  <a:srgbClr val="5A667F"/>
+                </a:solidFill>
+                <a:latin typeface="Lato" panose="020F0502020204030203" pitchFamily="34" charset="77"/>
+                <a:ea typeface="+mn-ea"/>
+                <a:cs typeface="Arial" panose="020B0604020202020204" pitchFamily="34" charset="0"/>
+              </a:defRPr>
+            </a:lvl1pPr>
+            <a:lvl2pPr marL="719138" indent="-363538" algn="l" defTabSz="741363" rtl="0" eaLnBrk="0" fontAlgn="base" hangingPunct="0">
+              <a:lnSpc>
+                <a:spcPct val="100000"/>
+              </a:lnSpc>
+              <a:spcBef>
+                <a:spcPts val="600"/>
+              </a:spcBef>
+              <a:spcAft>
+                <a:spcPct val="0"/>
+              </a:spcAft>
+              <a:buFont typeface="Arial" panose="020B0604020202020204" pitchFamily="34" charset="0"/>
+              <a:buChar char="•"/>
+              <a:defRPr sz="2000" kern="1200">
+                <a:solidFill>
+                  <a:srgbClr val="5A667F"/>
+                </a:solidFill>
+                <a:latin typeface="Lato" panose="020F0502020204030203" pitchFamily="34" charset="77"/>
+                <a:ea typeface="+mn-ea"/>
+                <a:cs typeface="Arial" panose="020B0604020202020204" pitchFamily="34" charset="0"/>
+              </a:defRPr>
+            </a:lvl2pPr>
+            <a:lvl3pPr marL="896938" indent="-177800" algn="l" defTabSz="741363" rtl="0" eaLnBrk="0" fontAlgn="base" hangingPunct="0">
+              <a:lnSpc>
+                <a:spcPct val="100000"/>
+              </a:lnSpc>
+              <a:spcBef>
+                <a:spcPts val="600"/>
+              </a:spcBef>
+              <a:spcAft>
+                <a:spcPct val="0"/>
+              </a:spcAft>
+              <a:buFont typeface="Arial" panose="020B0604020202020204" pitchFamily="34" charset="0"/>
+              <a:buChar char="•"/>
+              <a:defRPr sz="1600" kern="1200">
+                <a:solidFill>
+                  <a:srgbClr val="5A667F"/>
+                </a:solidFill>
+                <a:latin typeface="Lato" panose="020F0502020204030203" pitchFamily="34" charset="77"/>
+                <a:ea typeface="+mn-ea"/>
+                <a:cs typeface="Arial" panose="020B0604020202020204" pitchFamily="34" charset="0"/>
+              </a:defRPr>
+            </a:lvl3pPr>
+            <a:lvl4pPr marL="1074738" indent="-177800" algn="l" defTabSz="741363" rtl="0" eaLnBrk="0" fontAlgn="base" hangingPunct="0">
+              <a:lnSpc>
+                <a:spcPct val="100000"/>
+              </a:lnSpc>
+              <a:spcBef>
+                <a:spcPts val="600"/>
+              </a:spcBef>
+              <a:spcAft>
+                <a:spcPct val="0"/>
+              </a:spcAft>
+              <a:buFont typeface="Arial" panose="020B0604020202020204" pitchFamily="34" charset="0"/>
+              <a:buChar char="•"/>
+              <a:defRPr sz="1400" kern="1200">
+                <a:solidFill>
+                  <a:srgbClr val="5A667F"/>
+                </a:solidFill>
+                <a:latin typeface="Lato" panose="020F0502020204030203" pitchFamily="34" charset="77"/>
+                <a:ea typeface="+mn-ea"/>
+                <a:cs typeface="Arial" panose="020B0604020202020204" pitchFamily="34" charset="0"/>
+              </a:defRPr>
+            </a:lvl4pPr>
+            <a:lvl5pPr marL="1252538" indent="-177800" algn="l" defTabSz="741363" rtl="0" eaLnBrk="0" fontAlgn="base" hangingPunct="0">
+              <a:lnSpc>
+                <a:spcPct val="100000"/>
+              </a:lnSpc>
+              <a:spcBef>
+                <a:spcPts val="600"/>
+              </a:spcBef>
+              <a:spcAft>
+                <a:spcPct val="0"/>
+              </a:spcAft>
+              <a:buFont typeface="Arial" panose="020B0604020202020204" pitchFamily="34" charset="0"/>
+              <a:buChar char="•"/>
+              <a:tabLst/>
+              <a:defRPr sz="1200" kern="1200">
+                <a:solidFill>
+                  <a:srgbClr val="5A667F"/>
+                </a:solidFill>
+                <a:latin typeface="Lato" panose="020F0502020204030203" pitchFamily="34" charset="77"/>
+                <a:ea typeface="+mn-ea"/>
+                <a:cs typeface="Arial" panose="020B0604020202020204" pitchFamily="34" charset="0"/>
+              </a:defRPr>
+            </a:lvl5pPr>
+            <a:lvl6pPr marL="2042929" indent="-185721" algn="l" defTabSz="742883" rtl="0" eaLnBrk="1" latinLnBrk="0" hangingPunct="1">
+              <a:lnSpc>
+                <a:spcPct val="90000"/>
+              </a:lnSpc>
+              <a:spcBef>
+                <a:spcPts val="405"/>
+              </a:spcBef>
+              <a:buFont typeface="Arial" panose="020B0604020202020204" pitchFamily="34" charset="0"/>
+              <a:buChar char="•"/>
+              <a:defRPr sz="1463" kern="1200">
+                <a:solidFill>
+                  <a:schemeClr val="tx1"/>
+                </a:solidFill>
+                <a:latin typeface="+mn-lt"/>
+                <a:ea typeface="+mn-ea"/>
+                <a:cs typeface="+mn-cs"/>
+              </a:defRPr>
+            </a:lvl6pPr>
+            <a:lvl7pPr marL="2414371" indent="-185721" algn="l" defTabSz="742883" rtl="0" eaLnBrk="1" latinLnBrk="0" hangingPunct="1">
+              <a:lnSpc>
+                <a:spcPct val="90000"/>
+              </a:lnSpc>
+              <a:spcBef>
+                <a:spcPts val="405"/>
+              </a:spcBef>
+              <a:buFont typeface="Arial" panose="020B0604020202020204" pitchFamily="34" charset="0"/>
+              <a:buChar char="•"/>
+              <a:defRPr sz="1463" kern="1200">
+                <a:solidFill>
+                  <a:schemeClr val="tx1"/>
+                </a:solidFill>
+                <a:latin typeface="+mn-lt"/>
+                <a:ea typeface="+mn-ea"/>
+                <a:cs typeface="+mn-cs"/>
+              </a:defRPr>
+            </a:lvl7pPr>
+            <a:lvl8pPr marL="2785812" indent="-185721" algn="l" defTabSz="742883" rtl="0" eaLnBrk="1" latinLnBrk="0" hangingPunct="1">
+              <a:lnSpc>
+                <a:spcPct val="90000"/>
+              </a:lnSpc>
+              <a:spcBef>
+                <a:spcPts val="405"/>
+              </a:spcBef>
+              <a:buFont typeface="Arial" panose="020B0604020202020204" pitchFamily="34" charset="0"/>
+              <a:buChar char="•"/>
+              <a:defRPr sz="1463" kern="1200">
+                <a:solidFill>
+                  <a:schemeClr val="tx1"/>
+                </a:solidFill>
+                <a:latin typeface="+mn-lt"/>
+                <a:ea typeface="+mn-ea"/>
+                <a:cs typeface="+mn-cs"/>
+              </a:defRPr>
+            </a:lvl8pPr>
+            <a:lvl9pPr marL="3157253" indent="-185721" algn="l" defTabSz="742883" rtl="0" eaLnBrk="1" latinLnBrk="0" hangingPunct="1">
+              <a:lnSpc>
+                <a:spcPct val="90000"/>
+              </a:lnSpc>
+              <a:spcBef>
+                <a:spcPts val="405"/>
+              </a:spcBef>
+              <a:buFont typeface="Arial" panose="020B0604020202020204" pitchFamily="34" charset="0"/>
+              <a:buChar char="•"/>
+              <a:defRPr sz="1463" kern="1200">
+                <a:solidFill>
+                  <a:schemeClr val="tx1"/>
+                </a:solidFill>
+                <a:latin typeface="+mn-lt"/>
+                <a:ea typeface="+mn-ea"/>
+                <a:cs typeface="+mn-cs"/>
+              </a:defRPr>
+            </a:lvl9pPr>
+          </a:lstStyle>
+          <a:p>
+            <a:r>
+              <a:rPr lang="en-US" sz="1800" b="0" dirty="0" err="1"/>
+              <a:t>wb</a:t>
+            </a:r>
+            <a:r>
+              <a:rPr lang="en-US" sz="1800" b="0" dirty="0"/>
+              <a:t> and </a:t>
+            </a:r>
+            <a:r>
+              <a:rPr lang="en-US" sz="1800" b="0" dirty="0" err="1"/>
+              <a:t>ws</a:t>
+            </a:r>
+            <a:r>
+              <a:rPr lang="en-US" sz="1800" b="0" dirty="0"/>
+              <a:t> are learnable weights </a:t>
+            </a:r>
+          </a:p>
+          <a:p>
+            <a:r>
+              <a:rPr lang="en-US" sz="1800" b="0" dirty="0"/>
+              <a:t>b(x) is the residual connection function defined by the </a:t>
+            </a:r>
+            <a:r>
+              <a:rPr lang="en-US" sz="1800" b="0" dirty="0" err="1"/>
+              <a:t>silu</a:t>
+            </a:r>
+            <a:r>
+              <a:rPr lang="en-US" sz="1800" b="0" dirty="0"/>
+              <a:t> function. It is the counterpart of the bias in MLPs </a:t>
+            </a:r>
+          </a:p>
+          <a:p>
+            <a:r>
+              <a:rPr lang="en-US" sz="1800" b="0" dirty="0"/>
+              <a:t>spline(x) is the learnable function where the real power of KANs came from. In most of the cases is parametrized as a linear combination of B-splines functions</a:t>
+            </a:r>
           </a:p>
         </p:txBody>
       </p:sp>
     </p:spTree>
     <p:extLst>
       <p:ext uri="{BB962C8B-B14F-4D97-AF65-F5344CB8AC3E}">
-        <p14:creationId xmlns:p14="http://schemas.microsoft.com/office/powerpoint/2010/main" val="1956282174"/>
+        <p14:creationId xmlns:p14="http://schemas.microsoft.com/office/powerpoint/2010/main" val="1904934275"/>
+      </p:ext>
+    </p:extLst>
+  </p:cSld>
+  <p:clrMapOvr>
+    <a:masterClrMapping/>
+  </p:clrMapOvr>
+</p:sld>
+</file>
+
+<file path=ppt/slides/slide7.xml><?xml version="1.0" encoding="utf-8"?>
+<p:sld xmlns:a="http://schemas.openxmlformats.org/drawingml/2006/main" xmlns:r="http://schemas.openxmlformats.org/officeDocument/2006/relationships" xmlns:p="http://schemas.openxmlformats.org/presentationml/2006/main">
+  <p:cSld>
+    <p:spTree>
+      <p:nvGrpSpPr>
+        <p:cNvPr id="1" name="">
+          <a:extLst>
+            <a:ext uri="{FF2B5EF4-FFF2-40B4-BE49-F238E27FC236}">
+              <a16:creationId xmlns:a16="http://schemas.microsoft.com/office/drawing/2014/main" id="{8ED5A73E-C7AE-8FC6-19CC-E433C34F654C}"/>
+            </a:ext>
+          </a:extLst>
+        </p:cNvPr>
+        <p:cNvGrpSpPr/>
+        <p:nvPr/>
+      </p:nvGrpSpPr>
+      <p:grpSpPr>
+        <a:xfrm>
+          <a:off x="0" y="0"/>
+          <a:ext cx="0" cy="0"/>
+          <a:chOff x="0" y="0"/>
+          <a:chExt cx="0" cy="0"/>
+        </a:xfrm>
+      </p:grpSpPr>
+      <p:sp>
+        <p:nvSpPr>
+          <p:cNvPr id="2" name="Title 1">
+            <a:extLst>
+              <a:ext uri="{FF2B5EF4-FFF2-40B4-BE49-F238E27FC236}">
+                <a16:creationId xmlns:a16="http://schemas.microsoft.com/office/drawing/2014/main" id="{40DCABF3-E68A-E9A3-6AEF-74E9A99564FC}"/>
+              </a:ext>
+            </a:extLst>
+          </p:cNvPr>
+          <p:cNvSpPr>
+            <a:spLocks noGrp="1"/>
+          </p:cNvSpPr>
+          <p:nvPr>
+            <p:ph type="title"/>
+          </p:nvPr>
+        </p:nvSpPr>
+        <p:spPr/>
+        <p:txBody>
+          <a:bodyPr/>
+          <a:lstStyle/>
+          <a:p>
+            <a:r>
+              <a:rPr lang="en-US" sz="2400" dirty="0"/>
+              <a:t>B-splines (1)</a:t>
+            </a:r>
+            <a:endParaRPr sz="2400" dirty="0"/>
+          </a:p>
+        </p:txBody>
+      </p:sp>
+      <p:sp>
+        <p:nvSpPr>
+          <p:cNvPr id="3" name="Content Placeholder 2" descr="phi&#10;">
+            <a:extLst>
+              <a:ext uri="{FF2B5EF4-FFF2-40B4-BE49-F238E27FC236}">
+                <a16:creationId xmlns:a16="http://schemas.microsoft.com/office/drawing/2014/main" id="{0072CA16-1D17-9580-36B5-0E3BD1F14B9F}"/>
+              </a:ext>
+            </a:extLst>
+          </p:cNvPr>
+          <p:cNvSpPr>
+            <a:spLocks noGrp="1"/>
+          </p:cNvSpPr>
+          <p:nvPr>
+            <p:ph idx="1"/>
+          </p:nvPr>
+        </p:nvSpPr>
+        <p:spPr>
+          <a:xfrm>
+            <a:off x="685800" y="1447800"/>
+            <a:ext cx="8667750" cy="1676400"/>
+          </a:xfrm>
+        </p:spPr>
+        <p:txBody>
+          <a:bodyPr/>
+          <a:lstStyle/>
+          <a:p>
+            <a:pPr marL="0" indent="0">
+              <a:buNone/>
+            </a:pPr>
+            <a:r>
+              <a:rPr lang="en-US" sz="1800" dirty="0"/>
+              <a:t>The problem we are going to solve is that the spline function should pass through some tag points that will be adjusted during the training phase.</a:t>
+            </a:r>
+            <a:endParaRPr sz="1800" dirty="0"/>
+          </a:p>
+        </p:txBody>
+      </p:sp>
+      <p:sp>
+        <p:nvSpPr>
+          <p:cNvPr id="8" name="Content Placeholder 2" descr="phi&#10;">
+            <a:extLst>
+              <a:ext uri="{FF2B5EF4-FFF2-40B4-BE49-F238E27FC236}">
+                <a16:creationId xmlns:a16="http://schemas.microsoft.com/office/drawing/2014/main" id="{3F793652-ED68-3F65-051C-D02F729EA43B}"/>
+              </a:ext>
+            </a:extLst>
+          </p:cNvPr>
+          <p:cNvSpPr txBox="1">
+            <a:spLocks/>
+          </p:cNvSpPr>
+          <p:nvPr/>
+        </p:nvSpPr>
+        <p:spPr bwMode="auto">
+          <a:xfrm>
+            <a:off x="685800" y="3941088"/>
+            <a:ext cx="8667750" cy="1676400"/>
+          </a:xfrm>
+          <a:prstGeom prst="rect">
+            <a:avLst/>
+          </a:prstGeom>
+          <a:noFill/>
+          <a:ln>
+            <a:noFill/>
+          </a:ln>
+          <a:extLst>
+            <a:ext uri="{909E8E84-426E-40DD-AFC4-6F175D3DCCD1}">
+              <a14:hiddenFill xmlns:a14="http://schemas.microsoft.com/office/drawing/2010/main">
+                <a:solidFill>
+                  <a:srgbClr val="FFFFFF"/>
+                </a:solidFill>
+              </a14:hiddenFill>
+            </a:ext>
+            <a:ext uri="{91240B29-F687-4F45-9708-019B960494DF}">
+              <a14:hiddenLine xmlns:a14="http://schemas.microsoft.com/office/drawing/2010/main" w="9525">
+                <a:solidFill>
+                  <a:srgbClr val="000000"/>
+                </a:solidFill>
+                <a:miter lim="800000"/>
+                <a:headEnd/>
+                <a:tailEnd/>
+              </a14:hiddenLine>
+            </a:ext>
+          </a:extLst>
+        </p:spPr>
+        <p:txBody>
+          <a:bodyPr vert="horz" wrap="square" lIns="0" tIns="0" rIns="0" bIns="0" numCol="1" anchor="t" anchorCtr="0" compatLnSpc="1">
+            <a:prstTxWarp prst="textNoShape">
+              <a:avLst/>
+            </a:prstTxWarp>
+          </a:bodyPr>
+          <a:lstStyle>
+            <a:lvl1pPr marL="342900" indent="-342900" algn="l" defTabSz="741363" rtl="0" eaLnBrk="0" fontAlgn="base" hangingPunct="0">
+              <a:lnSpc>
+                <a:spcPct val="100000"/>
+              </a:lnSpc>
+              <a:spcBef>
+                <a:spcPts val="600"/>
+              </a:spcBef>
+              <a:spcAft>
+                <a:spcPct val="0"/>
+              </a:spcAft>
+              <a:buFont typeface="Arial" panose="020B0604020202020204" pitchFamily="34" charset="0"/>
+              <a:buChar char="•"/>
+              <a:defRPr sz="2400" kern="1200">
+                <a:solidFill>
+                  <a:srgbClr val="5A667F"/>
+                </a:solidFill>
+                <a:latin typeface="Lato" panose="020F0502020204030203" pitchFamily="34" charset="77"/>
+                <a:ea typeface="+mn-ea"/>
+                <a:cs typeface="Arial" panose="020B0604020202020204" pitchFamily="34" charset="0"/>
+              </a:defRPr>
+            </a:lvl1pPr>
+            <a:lvl2pPr marL="719138" indent="-363538" algn="l" defTabSz="741363" rtl="0" eaLnBrk="0" fontAlgn="base" hangingPunct="0">
+              <a:lnSpc>
+                <a:spcPct val="100000"/>
+              </a:lnSpc>
+              <a:spcBef>
+                <a:spcPts val="600"/>
+              </a:spcBef>
+              <a:spcAft>
+                <a:spcPct val="0"/>
+              </a:spcAft>
+              <a:buFont typeface="Arial" panose="020B0604020202020204" pitchFamily="34" charset="0"/>
+              <a:buChar char="•"/>
+              <a:defRPr sz="2000" kern="1200">
+                <a:solidFill>
+                  <a:srgbClr val="5A667F"/>
+                </a:solidFill>
+                <a:latin typeface="Lato" panose="020F0502020204030203" pitchFamily="34" charset="77"/>
+                <a:ea typeface="+mn-ea"/>
+                <a:cs typeface="Arial" panose="020B0604020202020204" pitchFamily="34" charset="0"/>
+              </a:defRPr>
+            </a:lvl2pPr>
+            <a:lvl3pPr marL="896938" indent="-177800" algn="l" defTabSz="741363" rtl="0" eaLnBrk="0" fontAlgn="base" hangingPunct="0">
+              <a:lnSpc>
+                <a:spcPct val="100000"/>
+              </a:lnSpc>
+              <a:spcBef>
+                <a:spcPts val="600"/>
+              </a:spcBef>
+              <a:spcAft>
+                <a:spcPct val="0"/>
+              </a:spcAft>
+              <a:buFont typeface="Arial" panose="020B0604020202020204" pitchFamily="34" charset="0"/>
+              <a:buChar char="•"/>
+              <a:defRPr sz="1600" kern="1200">
+                <a:solidFill>
+                  <a:srgbClr val="5A667F"/>
+                </a:solidFill>
+                <a:latin typeface="Lato" panose="020F0502020204030203" pitchFamily="34" charset="77"/>
+                <a:ea typeface="+mn-ea"/>
+                <a:cs typeface="Arial" panose="020B0604020202020204" pitchFamily="34" charset="0"/>
+              </a:defRPr>
+            </a:lvl3pPr>
+            <a:lvl4pPr marL="1074738" indent="-177800" algn="l" defTabSz="741363" rtl="0" eaLnBrk="0" fontAlgn="base" hangingPunct="0">
+              <a:lnSpc>
+                <a:spcPct val="100000"/>
+              </a:lnSpc>
+              <a:spcBef>
+                <a:spcPts val="600"/>
+              </a:spcBef>
+              <a:spcAft>
+                <a:spcPct val="0"/>
+              </a:spcAft>
+              <a:buFont typeface="Arial" panose="020B0604020202020204" pitchFamily="34" charset="0"/>
+              <a:buChar char="•"/>
+              <a:defRPr sz="1400" kern="1200">
+                <a:solidFill>
+                  <a:srgbClr val="5A667F"/>
+                </a:solidFill>
+                <a:latin typeface="Lato" panose="020F0502020204030203" pitchFamily="34" charset="77"/>
+                <a:ea typeface="+mn-ea"/>
+                <a:cs typeface="Arial" panose="020B0604020202020204" pitchFamily="34" charset="0"/>
+              </a:defRPr>
+            </a:lvl4pPr>
+            <a:lvl5pPr marL="1252538" indent="-177800" algn="l" defTabSz="741363" rtl="0" eaLnBrk="0" fontAlgn="base" hangingPunct="0">
+              <a:lnSpc>
+                <a:spcPct val="100000"/>
+              </a:lnSpc>
+              <a:spcBef>
+                <a:spcPts val="600"/>
+              </a:spcBef>
+              <a:spcAft>
+                <a:spcPct val="0"/>
+              </a:spcAft>
+              <a:buFont typeface="Arial" panose="020B0604020202020204" pitchFamily="34" charset="0"/>
+              <a:buChar char="•"/>
+              <a:tabLst/>
+              <a:defRPr sz="1200" kern="1200">
+                <a:solidFill>
+                  <a:srgbClr val="5A667F"/>
+                </a:solidFill>
+                <a:latin typeface="Lato" panose="020F0502020204030203" pitchFamily="34" charset="77"/>
+                <a:ea typeface="+mn-ea"/>
+                <a:cs typeface="Arial" panose="020B0604020202020204" pitchFamily="34" charset="0"/>
+              </a:defRPr>
+            </a:lvl5pPr>
+            <a:lvl6pPr marL="2042929" indent="-185721" algn="l" defTabSz="742883" rtl="0" eaLnBrk="1" latinLnBrk="0" hangingPunct="1">
+              <a:lnSpc>
+                <a:spcPct val="90000"/>
+              </a:lnSpc>
+              <a:spcBef>
+                <a:spcPts val="405"/>
+              </a:spcBef>
+              <a:buFont typeface="Arial" panose="020B0604020202020204" pitchFamily="34" charset="0"/>
+              <a:buChar char="•"/>
+              <a:defRPr sz="1463" kern="1200">
+                <a:solidFill>
+                  <a:schemeClr val="tx1"/>
+                </a:solidFill>
+                <a:latin typeface="+mn-lt"/>
+                <a:ea typeface="+mn-ea"/>
+                <a:cs typeface="+mn-cs"/>
+              </a:defRPr>
+            </a:lvl6pPr>
+            <a:lvl7pPr marL="2414371" indent="-185721" algn="l" defTabSz="742883" rtl="0" eaLnBrk="1" latinLnBrk="0" hangingPunct="1">
+              <a:lnSpc>
+                <a:spcPct val="90000"/>
+              </a:lnSpc>
+              <a:spcBef>
+                <a:spcPts val="405"/>
+              </a:spcBef>
+              <a:buFont typeface="Arial" panose="020B0604020202020204" pitchFamily="34" charset="0"/>
+              <a:buChar char="•"/>
+              <a:defRPr sz="1463" kern="1200">
+                <a:solidFill>
+                  <a:schemeClr val="tx1"/>
+                </a:solidFill>
+                <a:latin typeface="+mn-lt"/>
+                <a:ea typeface="+mn-ea"/>
+                <a:cs typeface="+mn-cs"/>
+              </a:defRPr>
+            </a:lvl7pPr>
+            <a:lvl8pPr marL="2785812" indent="-185721" algn="l" defTabSz="742883" rtl="0" eaLnBrk="1" latinLnBrk="0" hangingPunct="1">
+              <a:lnSpc>
+                <a:spcPct val="90000"/>
+              </a:lnSpc>
+              <a:spcBef>
+                <a:spcPts val="405"/>
+              </a:spcBef>
+              <a:buFont typeface="Arial" panose="020B0604020202020204" pitchFamily="34" charset="0"/>
+              <a:buChar char="•"/>
+              <a:defRPr sz="1463" kern="1200">
+                <a:solidFill>
+                  <a:schemeClr val="tx1"/>
+                </a:solidFill>
+                <a:latin typeface="+mn-lt"/>
+                <a:ea typeface="+mn-ea"/>
+                <a:cs typeface="+mn-cs"/>
+              </a:defRPr>
+            </a:lvl8pPr>
+            <a:lvl9pPr marL="3157253" indent="-185721" algn="l" defTabSz="742883" rtl="0" eaLnBrk="1" latinLnBrk="0" hangingPunct="1">
+              <a:lnSpc>
+                <a:spcPct val="90000"/>
+              </a:lnSpc>
+              <a:spcBef>
+                <a:spcPts val="405"/>
+              </a:spcBef>
+              <a:buFont typeface="Arial" panose="020B0604020202020204" pitchFamily="34" charset="0"/>
+              <a:buChar char="•"/>
+              <a:defRPr sz="1463" kern="1200">
+                <a:solidFill>
+                  <a:schemeClr val="tx1"/>
+                </a:solidFill>
+                <a:latin typeface="+mn-lt"/>
+                <a:ea typeface="+mn-ea"/>
+                <a:cs typeface="+mn-cs"/>
+              </a:defRPr>
+            </a:lvl9pPr>
+          </a:lstStyle>
+          <a:p>
+            <a:pPr marL="0" indent="0">
+              <a:buNone/>
+            </a:pPr>
+            <a:r>
+              <a:rPr lang="en-US" sz="1800" b="0" dirty="0"/>
+              <a:t>The naive way to implement it is to solve a n-dim linear system. </a:t>
+            </a:r>
+          </a:p>
+          <a:p>
+            <a:pPr marL="0" indent="0">
+              <a:buNone/>
+            </a:pPr>
+            <a:endParaRPr lang="en-US" sz="1800" b="0" dirty="0"/>
+          </a:p>
+          <a:p>
+            <a:pPr marL="0" indent="0">
+              <a:buNone/>
+            </a:pPr>
+            <a:endParaRPr lang="en-US" sz="1800" b="0" dirty="0"/>
+          </a:p>
+          <a:p>
+            <a:pPr marL="0" indent="0">
+              <a:buNone/>
+            </a:pPr>
+            <a:r>
+              <a:rPr lang="en-US" sz="1800" b="0" dirty="0"/>
+              <a:t>Solving such a system of linear equations will be computationally expensive and almost infeasible for </a:t>
+            </a:r>
+            <a:r>
+              <a:rPr lang="en-US" sz="1800" b="0" dirty="0" err="1"/>
+              <a:t>KANs.</a:t>
+            </a:r>
+            <a:r>
+              <a:rPr lang="en-US" sz="1800" b="0" dirty="0"/>
+              <a:t>   </a:t>
+            </a:r>
+          </a:p>
+        </p:txBody>
+      </p:sp>
+      <p:pic>
+        <p:nvPicPr>
+          <p:cNvPr id="5" name="Picture 4">
+            <a:extLst>
+              <a:ext uri="{FF2B5EF4-FFF2-40B4-BE49-F238E27FC236}">
+                <a16:creationId xmlns:a16="http://schemas.microsoft.com/office/drawing/2014/main" id="{9B17F662-CAD3-D2B5-615D-79009529EFE5}"/>
+              </a:ext>
+            </a:extLst>
+          </p:cNvPr>
+          <p:cNvPicPr>
+            <a:picLocks noChangeAspect="1"/>
+          </p:cNvPicPr>
+          <p:nvPr/>
+        </p:nvPicPr>
+        <p:blipFill>
+          <a:blip r:embed="rId2"/>
+          <a:stretch>
+            <a:fillRect/>
+          </a:stretch>
+        </p:blipFill>
+        <p:spPr>
+          <a:xfrm>
+            <a:off x="3124200" y="2286000"/>
+            <a:ext cx="3419836" cy="1451222"/>
+          </a:xfrm>
+          <a:prstGeom prst="rect">
+            <a:avLst/>
+          </a:prstGeom>
+        </p:spPr>
+      </p:pic>
+      <p:pic>
+        <p:nvPicPr>
+          <p:cNvPr id="9" name="Picture 8">
+            <a:extLst>
+              <a:ext uri="{FF2B5EF4-FFF2-40B4-BE49-F238E27FC236}">
+                <a16:creationId xmlns:a16="http://schemas.microsoft.com/office/drawing/2014/main" id="{16170C70-1543-2DA3-A614-071E9869897F}"/>
+              </a:ext>
+            </a:extLst>
+          </p:cNvPr>
+          <p:cNvPicPr>
+            <a:picLocks noChangeAspect="1"/>
+          </p:cNvPicPr>
+          <p:nvPr/>
+        </p:nvPicPr>
+        <p:blipFill>
+          <a:blip r:embed="rId3"/>
+          <a:stretch>
+            <a:fillRect/>
+          </a:stretch>
+        </p:blipFill>
+        <p:spPr>
+          <a:xfrm>
+            <a:off x="2642865" y="4383422"/>
+            <a:ext cx="4620270" cy="504895"/>
+          </a:xfrm>
+          <a:prstGeom prst="rect">
+            <a:avLst/>
+          </a:prstGeom>
+        </p:spPr>
+      </p:pic>
+    </p:spTree>
+    <p:extLst>
+      <p:ext uri="{BB962C8B-B14F-4D97-AF65-F5344CB8AC3E}">
+        <p14:creationId xmlns:p14="http://schemas.microsoft.com/office/powerpoint/2010/main" val="343963426"/>
+      </p:ext>
+    </p:extLst>
+  </p:cSld>
+  <p:clrMapOvr>
+    <a:masterClrMapping/>
+  </p:clrMapOvr>
+</p:sld>
+</file>
+
+<file path=ppt/slides/slide8.xml><?xml version="1.0" encoding="utf-8"?>
+<p:sld xmlns:a="http://schemas.openxmlformats.org/drawingml/2006/main" xmlns:r="http://schemas.openxmlformats.org/officeDocument/2006/relationships" xmlns:p="http://schemas.openxmlformats.org/presentationml/2006/main">
+  <p:cSld>
+    <p:spTree>
+      <p:nvGrpSpPr>
+        <p:cNvPr id="1" name="">
+          <a:extLst>
+            <a:ext uri="{FF2B5EF4-FFF2-40B4-BE49-F238E27FC236}">
+              <a16:creationId xmlns:a16="http://schemas.microsoft.com/office/drawing/2014/main" id="{39D5F8DB-B9AE-0904-FCB5-8A6F0BE5AA58}"/>
+            </a:ext>
+          </a:extLst>
+        </p:cNvPr>
+        <p:cNvGrpSpPr/>
+        <p:nvPr/>
+      </p:nvGrpSpPr>
+      <p:grpSpPr>
+        <a:xfrm>
+          <a:off x="0" y="0"/>
+          <a:ext cx="0" cy="0"/>
+          <a:chOff x="0" y="0"/>
+          <a:chExt cx="0" cy="0"/>
+        </a:xfrm>
+      </p:grpSpPr>
+      <p:sp>
+        <p:nvSpPr>
+          <p:cNvPr id="2" name="Title 1">
+            <a:extLst>
+              <a:ext uri="{FF2B5EF4-FFF2-40B4-BE49-F238E27FC236}">
+                <a16:creationId xmlns:a16="http://schemas.microsoft.com/office/drawing/2014/main" id="{1010F23B-559B-933A-B1FF-E7C59C859E0A}"/>
+              </a:ext>
+            </a:extLst>
+          </p:cNvPr>
+          <p:cNvSpPr>
+            <a:spLocks noGrp="1"/>
+          </p:cNvSpPr>
+          <p:nvPr>
+            <p:ph type="title"/>
+          </p:nvPr>
+        </p:nvSpPr>
+        <p:spPr/>
+        <p:txBody>
+          <a:bodyPr/>
+          <a:lstStyle/>
+          <a:p>
+            <a:r>
+              <a:rPr lang="en-US" sz="2400" dirty="0"/>
+              <a:t>B-splines (2)</a:t>
+            </a:r>
+            <a:endParaRPr sz="2400" dirty="0"/>
+          </a:p>
+        </p:txBody>
+      </p:sp>
+      <p:sp>
+        <p:nvSpPr>
+          <p:cNvPr id="3" name="Content Placeholder 2" descr="phi&#10;">
+            <a:extLst>
+              <a:ext uri="{FF2B5EF4-FFF2-40B4-BE49-F238E27FC236}">
+                <a16:creationId xmlns:a16="http://schemas.microsoft.com/office/drawing/2014/main" id="{190706CB-1974-EFB7-A592-029A7BB6AB7B}"/>
+              </a:ext>
+            </a:extLst>
+          </p:cNvPr>
+          <p:cNvSpPr>
+            <a:spLocks noGrp="1"/>
+          </p:cNvSpPr>
+          <p:nvPr>
+            <p:ph idx="1"/>
+          </p:nvPr>
+        </p:nvSpPr>
+        <p:spPr>
+          <a:xfrm>
+            <a:off x="685800" y="1447800"/>
+            <a:ext cx="8667750" cy="1676400"/>
+          </a:xfrm>
+        </p:spPr>
+        <p:txBody>
+          <a:bodyPr/>
+          <a:lstStyle/>
+          <a:p>
+            <a:pPr marL="0" indent="0">
+              <a:buNone/>
+            </a:pPr>
+            <a:r>
+              <a:rPr lang="en-US" sz="1800" dirty="0" err="1"/>
+              <a:t>Bézier</a:t>
+            </a:r>
+            <a:r>
+              <a:rPr lang="en-US" sz="1800" dirty="0"/>
+              <a:t> curves solve the problem more smartly: the smooth curve passes near a set of control points without needing to solve a large system of equations </a:t>
+            </a:r>
+          </a:p>
+          <a:p>
+            <a:pPr marL="0" indent="0">
+              <a:buNone/>
+            </a:pPr>
+            <a:endParaRPr sz="1800" dirty="0"/>
+          </a:p>
+        </p:txBody>
+      </p:sp>
+      <p:sp>
+        <p:nvSpPr>
+          <p:cNvPr id="8" name="Content Placeholder 2" descr="phi&#10;">
+            <a:extLst>
+              <a:ext uri="{FF2B5EF4-FFF2-40B4-BE49-F238E27FC236}">
+                <a16:creationId xmlns:a16="http://schemas.microsoft.com/office/drawing/2014/main" id="{BE6F173F-A615-C68F-3A7D-C34FE52856B7}"/>
+              </a:ext>
+            </a:extLst>
+          </p:cNvPr>
+          <p:cNvSpPr txBox="1">
+            <a:spLocks/>
+          </p:cNvSpPr>
+          <p:nvPr/>
+        </p:nvSpPr>
+        <p:spPr bwMode="auto">
+          <a:xfrm>
+            <a:off x="619125" y="4343400"/>
+            <a:ext cx="8667750" cy="1676400"/>
+          </a:xfrm>
+          <a:prstGeom prst="rect">
+            <a:avLst/>
+          </a:prstGeom>
+          <a:noFill/>
+          <a:ln>
+            <a:noFill/>
+          </a:ln>
+          <a:extLst>
+            <a:ext uri="{909E8E84-426E-40DD-AFC4-6F175D3DCCD1}">
+              <a14:hiddenFill xmlns:a14="http://schemas.microsoft.com/office/drawing/2010/main">
+                <a:solidFill>
+                  <a:srgbClr val="FFFFFF"/>
+                </a:solidFill>
+              </a14:hiddenFill>
+            </a:ext>
+            <a:ext uri="{91240B29-F687-4F45-9708-019B960494DF}">
+              <a14:hiddenLine xmlns:a14="http://schemas.microsoft.com/office/drawing/2010/main" w="9525">
+                <a:solidFill>
+                  <a:srgbClr val="000000"/>
+                </a:solidFill>
+                <a:miter lim="800000"/>
+                <a:headEnd/>
+                <a:tailEnd/>
+              </a14:hiddenLine>
+            </a:ext>
+          </a:extLst>
+        </p:spPr>
+        <p:txBody>
+          <a:bodyPr vert="horz" wrap="square" lIns="0" tIns="0" rIns="0" bIns="0" numCol="1" anchor="t" anchorCtr="0" compatLnSpc="1">
+            <a:prstTxWarp prst="textNoShape">
+              <a:avLst/>
+            </a:prstTxWarp>
+          </a:bodyPr>
+          <a:lstStyle>
+            <a:lvl1pPr marL="342900" indent="-342900" algn="l" defTabSz="741363" rtl="0" eaLnBrk="0" fontAlgn="base" hangingPunct="0">
+              <a:lnSpc>
+                <a:spcPct val="100000"/>
+              </a:lnSpc>
+              <a:spcBef>
+                <a:spcPts val="600"/>
+              </a:spcBef>
+              <a:spcAft>
+                <a:spcPct val="0"/>
+              </a:spcAft>
+              <a:buFont typeface="Arial" panose="020B0604020202020204" pitchFamily="34" charset="0"/>
+              <a:buChar char="•"/>
+              <a:defRPr sz="2400" kern="1200">
+                <a:solidFill>
+                  <a:srgbClr val="5A667F"/>
+                </a:solidFill>
+                <a:latin typeface="Lato" panose="020F0502020204030203" pitchFamily="34" charset="77"/>
+                <a:ea typeface="+mn-ea"/>
+                <a:cs typeface="Arial" panose="020B0604020202020204" pitchFamily="34" charset="0"/>
+              </a:defRPr>
+            </a:lvl1pPr>
+            <a:lvl2pPr marL="719138" indent="-363538" algn="l" defTabSz="741363" rtl="0" eaLnBrk="0" fontAlgn="base" hangingPunct="0">
+              <a:lnSpc>
+                <a:spcPct val="100000"/>
+              </a:lnSpc>
+              <a:spcBef>
+                <a:spcPts val="600"/>
+              </a:spcBef>
+              <a:spcAft>
+                <a:spcPct val="0"/>
+              </a:spcAft>
+              <a:buFont typeface="Arial" panose="020B0604020202020204" pitchFamily="34" charset="0"/>
+              <a:buChar char="•"/>
+              <a:defRPr sz="2000" kern="1200">
+                <a:solidFill>
+                  <a:srgbClr val="5A667F"/>
+                </a:solidFill>
+                <a:latin typeface="Lato" panose="020F0502020204030203" pitchFamily="34" charset="77"/>
+                <a:ea typeface="+mn-ea"/>
+                <a:cs typeface="Arial" panose="020B0604020202020204" pitchFamily="34" charset="0"/>
+              </a:defRPr>
+            </a:lvl2pPr>
+            <a:lvl3pPr marL="896938" indent="-177800" algn="l" defTabSz="741363" rtl="0" eaLnBrk="0" fontAlgn="base" hangingPunct="0">
+              <a:lnSpc>
+                <a:spcPct val="100000"/>
+              </a:lnSpc>
+              <a:spcBef>
+                <a:spcPts val="600"/>
+              </a:spcBef>
+              <a:spcAft>
+                <a:spcPct val="0"/>
+              </a:spcAft>
+              <a:buFont typeface="Arial" panose="020B0604020202020204" pitchFamily="34" charset="0"/>
+              <a:buChar char="•"/>
+              <a:defRPr sz="1600" kern="1200">
+                <a:solidFill>
+                  <a:srgbClr val="5A667F"/>
+                </a:solidFill>
+                <a:latin typeface="Lato" panose="020F0502020204030203" pitchFamily="34" charset="77"/>
+                <a:ea typeface="+mn-ea"/>
+                <a:cs typeface="Arial" panose="020B0604020202020204" pitchFamily="34" charset="0"/>
+              </a:defRPr>
+            </a:lvl3pPr>
+            <a:lvl4pPr marL="1074738" indent="-177800" algn="l" defTabSz="741363" rtl="0" eaLnBrk="0" fontAlgn="base" hangingPunct="0">
+              <a:lnSpc>
+                <a:spcPct val="100000"/>
+              </a:lnSpc>
+              <a:spcBef>
+                <a:spcPts val="600"/>
+              </a:spcBef>
+              <a:spcAft>
+                <a:spcPct val="0"/>
+              </a:spcAft>
+              <a:buFont typeface="Arial" panose="020B0604020202020204" pitchFamily="34" charset="0"/>
+              <a:buChar char="•"/>
+              <a:defRPr sz="1400" kern="1200">
+                <a:solidFill>
+                  <a:srgbClr val="5A667F"/>
+                </a:solidFill>
+                <a:latin typeface="Lato" panose="020F0502020204030203" pitchFamily="34" charset="77"/>
+                <a:ea typeface="+mn-ea"/>
+                <a:cs typeface="Arial" panose="020B0604020202020204" pitchFamily="34" charset="0"/>
+              </a:defRPr>
+            </a:lvl4pPr>
+            <a:lvl5pPr marL="1252538" indent="-177800" algn="l" defTabSz="741363" rtl="0" eaLnBrk="0" fontAlgn="base" hangingPunct="0">
+              <a:lnSpc>
+                <a:spcPct val="100000"/>
+              </a:lnSpc>
+              <a:spcBef>
+                <a:spcPts val="600"/>
+              </a:spcBef>
+              <a:spcAft>
+                <a:spcPct val="0"/>
+              </a:spcAft>
+              <a:buFont typeface="Arial" panose="020B0604020202020204" pitchFamily="34" charset="0"/>
+              <a:buChar char="•"/>
+              <a:tabLst/>
+              <a:defRPr sz="1200" kern="1200">
+                <a:solidFill>
+                  <a:srgbClr val="5A667F"/>
+                </a:solidFill>
+                <a:latin typeface="Lato" panose="020F0502020204030203" pitchFamily="34" charset="77"/>
+                <a:ea typeface="+mn-ea"/>
+                <a:cs typeface="Arial" panose="020B0604020202020204" pitchFamily="34" charset="0"/>
+              </a:defRPr>
+            </a:lvl5pPr>
+            <a:lvl6pPr marL="2042929" indent="-185721" algn="l" defTabSz="742883" rtl="0" eaLnBrk="1" latinLnBrk="0" hangingPunct="1">
+              <a:lnSpc>
+                <a:spcPct val="90000"/>
+              </a:lnSpc>
+              <a:spcBef>
+                <a:spcPts val="405"/>
+              </a:spcBef>
+              <a:buFont typeface="Arial" panose="020B0604020202020204" pitchFamily="34" charset="0"/>
+              <a:buChar char="•"/>
+              <a:defRPr sz="1463" kern="1200">
+                <a:solidFill>
+                  <a:schemeClr val="tx1"/>
+                </a:solidFill>
+                <a:latin typeface="+mn-lt"/>
+                <a:ea typeface="+mn-ea"/>
+                <a:cs typeface="+mn-cs"/>
+              </a:defRPr>
+            </a:lvl6pPr>
+            <a:lvl7pPr marL="2414371" indent="-185721" algn="l" defTabSz="742883" rtl="0" eaLnBrk="1" latinLnBrk="0" hangingPunct="1">
+              <a:lnSpc>
+                <a:spcPct val="90000"/>
+              </a:lnSpc>
+              <a:spcBef>
+                <a:spcPts val="405"/>
+              </a:spcBef>
+              <a:buFont typeface="Arial" panose="020B0604020202020204" pitchFamily="34" charset="0"/>
+              <a:buChar char="•"/>
+              <a:defRPr sz="1463" kern="1200">
+                <a:solidFill>
+                  <a:schemeClr val="tx1"/>
+                </a:solidFill>
+                <a:latin typeface="+mn-lt"/>
+                <a:ea typeface="+mn-ea"/>
+                <a:cs typeface="+mn-cs"/>
+              </a:defRPr>
+            </a:lvl7pPr>
+            <a:lvl8pPr marL="2785812" indent="-185721" algn="l" defTabSz="742883" rtl="0" eaLnBrk="1" latinLnBrk="0" hangingPunct="1">
+              <a:lnSpc>
+                <a:spcPct val="90000"/>
+              </a:lnSpc>
+              <a:spcBef>
+                <a:spcPts val="405"/>
+              </a:spcBef>
+              <a:buFont typeface="Arial" panose="020B0604020202020204" pitchFamily="34" charset="0"/>
+              <a:buChar char="•"/>
+              <a:defRPr sz="1463" kern="1200">
+                <a:solidFill>
+                  <a:schemeClr val="tx1"/>
+                </a:solidFill>
+                <a:latin typeface="+mn-lt"/>
+                <a:ea typeface="+mn-ea"/>
+                <a:cs typeface="+mn-cs"/>
+              </a:defRPr>
+            </a:lvl8pPr>
+            <a:lvl9pPr marL="3157253" indent="-185721" algn="l" defTabSz="742883" rtl="0" eaLnBrk="1" latinLnBrk="0" hangingPunct="1">
+              <a:lnSpc>
+                <a:spcPct val="90000"/>
+              </a:lnSpc>
+              <a:spcBef>
+                <a:spcPts val="405"/>
+              </a:spcBef>
+              <a:buFont typeface="Arial" panose="020B0604020202020204" pitchFamily="34" charset="0"/>
+              <a:buChar char="•"/>
+              <a:defRPr sz="1463" kern="1200">
+                <a:solidFill>
+                  <a:schemeClr val="tx1"/>
+                </a:solidFill>
+                <a:latin typeface="+mn-lt"/>
+                <a:ea typeface="+mn-ea"/>
+                <a:cs typeface="+mn-cs"/>
+              </a:defRPr>
+            </a:lvl9pPr>
+          </a:lstStyle>
+          <a:p>
+            <a:pPr marL="0" indent="0">
+              <a:buNone/>
+            </a:pPr>
+            <a:r>
+              <a:rPr lang="en-US" sz="1800" b="0" dirty="0"/>
+              <a:t>However, the problem is still the same as before. Having N data points will result in a polynomial of degree N −1, which will be computationally expensive</a:t>
+            </a:r>
+          </a:p>
+        </p:txBody>
+      </p:sp>
+      <p:pic>
+        <p:nvPicPr>
+          <p:cNvPr id="6" name="Picture 5">
+            <a:extLst>
+              <a:ext uri="{FF2B5EF4-FFF2-40B4-BE49-F238E27FC236}">
+                <a16:creationId xmlns:a16="http://schemas.microsoft.com/office/drawing/2014/main" id="{0B9EB87B-E519-62E3-5D25-99BB46049EBE}"/>
+              </a:ext>
+            </a:extLst>
+          </p:cNvPr>
+          <p:cNvPicPr>
+            <a:picLocks noChangeAspect="1"/>
+          </p:cNvPicPr>
+          <p:nvPr/>
+        </p:nvPicPr>
+        <p:blipFill>
+          <a:blip r:embed="rId2"/>
+          <a:stretch>
+            <a:fillRect/>
+          </a:stretch>
+        </p:blipFill>
+        <p:spPr>
+          <a:xfrm>
+            <a:off x="1690235" y="2286000"/>
+            <a:ext cx="6525530" cy="1698001"/>
+          </a:xfrm>
+          <a:prstGeom prst="rect">
+            <a:avLst/>
+          </a:prstGeom>
+        </p:spPr>
+      </p:pic>
+      <p:pic>
+        <p:nvPicPr>
+          <p:cNvPr id="10" name="Picture 9">
+            <a:extLst>
+              <a:ext uri="{FF2B5EF4-FFF2-40B4-BE49-F238E27FC236}">
+                <a16:creationId xmlns:a16="http://schemas.microsoft.com/office/drawing/2014/main" id="{84C522EF-2137-60D2-412D-5E1CAFBE083E}"/>
+              </a:ext>
+            </a:extLst>
+          </p:cNvPr>
+          <p:cNvPicPr>
+            <a:picLocks noChangeAspect="1"/>
+          </p:cNvPicPr>
+          <p:nvPr/>
+        </p:nvPicPr>
+        <p:blipFill>
+          <a:blip r:embed="rId3"/>
+          <a:stretch>
+            <a:fillRect/>
+          </a:stretch>
+        </p:blipFill>
+        <p:spPr>
+          <a:xfrm>
+            <a:off x="2286000" y="5330658"/>
+            <a:ext cx="4915150" cy="823550"/>
+          </a:xfrm>
+          <a:prstGeom prst="rect">
+            <a:avLst/>
+          </a:prstGeom>
+        </p:spPr>
+      </p:pic>
+    </p:spTree>
+    <p:extLst>
+      <p:ext uri="{BB962C8B-B14F-4D97-AF65-F5344CB8AC3E}">
+        <p14:creationId xmlns:p14="http://schemas.microsoft.com/office/powerpoint/2010/main" val="1878387087"/>
+      </p:ext>
+    </p:extLst>
+  </p:cSld>
+  <p:clrMapOvr>
+    <a:masterClrMapping/>
+  </p:clrMapOvr>
+</p:sld>
+</file>
+
+<file path=ppt/slides/slide9.xml><?xml version="1.0" encoding="utf-8"?>
+<p:sld xmlns:a="http://schemas.openxmlformats.org/drawingml/2006/main" xmlns:r="http://schemas.openxmlformats.org/officeDocument/2006/relationships" xmlns:p="http://schemas.openxmlformats.org/presentationml/2006/main">
+  <p:cSld>
+    <p:spTree>
+      <p:nvGrpSpPr>
+        <p:cNvPr id="1" name="">
+          <a:extLst>
+            <a:ext uri="{FF2B5EF4-FFF2-40B4-BE49-F238E27FC236}">
+              <a16:creationId xmlns:a16="http://schemas.microsoft.com/office/drawing/2014/main" id="{7ADE02E5-E415-93E6-D4CF-278EA3E1FD64}"/>
+            </a:ext>
+          </a:extLst>
+        </p:cNvPr>
+        <p:cNvGrpSpPr/>
+        <p:nvPr/>
+      </p:nvGrpSpPr>
+      <p:grpSpPr>
+        <a:xfrm>
+          <a:off x="0" y="0"/>
+          <a:ext cx="0" cy="0"/>
+          <a:chOff x="0" y="0"/>
+          <a:chExt cx="0" cy="0"/>
+        </a:xfrm>
+      </p:grpSpPr>
+      <p:sp>
+        <p:nvSpPr>
+          <p:cNvPr id="2" name="Title 1">
+            <a:extLst>
+              <a:ext uri="{FF2B5EF4-FFF2-40B4-BE49-F238E27FC236}">
+                <a16:creationId xmlns:a16="http://schemas.microsoft.com/office/drawing/2014/main" id="{A3241A92-8457-247C-1AC0-DCF3EFE56DBE}"/>
+              </a:ext>
+            </a:extLst>
+          </p:cNvPr>
+          <p:cNvSpPr>
+            <a:spLocks noGrp="1"/>
+          </p:cNvSpPr>
+          <p:nvPr>
+            <p:ph type="title"/>
+          </p:nvPr>
+        </p:nvSpPr>
+        <p:spPr/>
+        <p:txBody>
+          <a:bodyPr/>
+          <a:lstStyle/>
+          <a:p>
+            <a:r>
+              <a:rPr lang="en-US" sz="2400" dirty="0"/>
+              <a:t>B-splines (3)</a:t>
+            </a:r>
+            <a:endParaRPr sz="2400" dirty="0"/>
+          </a:p>
+        </p:txBody>
+      </p:sp>
+      <p:sp>
+        <p:nvSpPr>
+          <p:cNvPr id="3" name="Content Placeholder 2" descr="phi&#10;">
+            <a:extLst>
+              <a:ext uri="{FF2B5EF4-FFF2-40B4-BE49-F238E27FC236}">
+                <a16:creationId xmlns:a16="http://schemas.microsoft.com/office/drawing/2014/main" id="{C365078B-99D8-6404-2A0E-9848BD781F53}"/>
+              </a:ext>
+            </a:extLst>
+          </p:cNvPr>
+          <p:cNvSpPr>
+            <a:spLocks noGrp="1"/>
+          </p:cNvSpPr>
+          <p:nvPr>
+            <p:ph idx="1"/>
+          </p:nvPr>
+        </p:nvSpPr>
+        <p:spPr>
+          <a:xfrm>
+            <a:off x="685800" y="1447800"/>
+            <a:ext cx="8667750" cy="1676400"/>
+          </a:xfrm>
+        </p:spPr>
+        <p:txBody>
+          <a:bodyPr/>
+          <a:lstStyle/>
+          <a:p>
+            <a:pPr marL="0" indent="0">
+              <a:buNone/>
+            </a:pPr>
+            <a:r>
+              <a:rPr lang="en-US" sz="1800" dirty="0"/>
+              <a:t>B-splines use a series of lower-degree polynomial segments, which are connected smoothly. In other words, instead of extending </a:t>
+            </a:r>
+            <a:r>
+              <a:rPr lang="en-US" sz="1800" dirty="0" err="1"/>
+              <a:t>Bézier</a:t>
+            </a:r>
+            <a:r>
+              <a:rPr lang="en-US" sz="1800" dirty="0"/>
+              <a:t> curves to tens of hundreds of data points, which leads to an equally high degree of the polynomial, we use multiple lower-degree polynomials and connect them to form a smooth curve</a:t>
+            </a:r>
+            <a:endParaRPr sz="1800" dirty="0"/>
+          </a:p>
+        </p:txBody>
+      </p:sp>
+      <p:pic>
+        <p:nvPicPr>
+          <p:cNvPr id="5" name="Picture 4">
+            <a:extLst>
+              <a:ext uri="{FF2B5EF4-FFF2-40B4-BE49-F238E27FC236}">
+                <a16:creationId xmlns:a16="http://schemas.microsoft.com/office/drawing/2014/main" id="{A2D3C6EC-93B7-4BA2-E946-FFC9B3AA5EB7}"/>
+              </a:ext>
+            </a:extLst>
+          </p:cNvPr>
+          <p:cNvPicPr>
+            <a:picLocks noChangeAspect="1"/>
+          </p:cNvPicPr>
+          <p:nvPr/>
+        </p:nvPicPr>
+        <p:blipFill>
+          <a:blip r:embed="rId2"/>
+          <a:stretch>
+            <a:fillRect/>
+          </a:stretch>
+        </p:blipFill>
+        <p:spPr>
+          <a:xfrm>
+            <a:off x="2667000" y="2755615"/>
+            <a:ext cx="4495800" cy="2161744"/>
+          </a:xfrm>
+          <a:prstGeom prst="rect">
+            <a:avLst/>
+          </a:prstGeom>
+        </p:spPr>
+      </p:pic>
+      <p:pic>
+        <p:nvPicPr>
+          <p:cNvPr id="9" name="Picture 8">
+            <a:extLst>
+              <a:ext uri="{FF2B5EF4-FFF2-40B4-BE49-F238E27FC236}">
+                <a16:creationId xmlns:a16="http://schemas.microsoft.com/office/drawing/2014/main" id="{4AEAE9D2-92F1-609F-613E-E0458C0D43D8}"/>
+              </a:ext>
+            </a:extLst>
+          </p:cNvPr>
+          <p:cNvPicPr>
+            <a:picLocks noChangeAspect="1"/>
+          </p:cNvPicPr>
+          <p:nvPr/>
+        </p:nvPicPr>
+        <p:blipFill>
+          <a:blip r:embed="rId3"/>
+          <a:stretch>
+            <a:fillRect/>
+          </a:stretch>
+        </p:blipFill>
+        <p:spPr>
+          <a:xfrm>
+            <a:off x="1600200" y="5376672"/>
+            <a:ext cx="6834684" cy="777708"/>
+          </a:xfrm>
+          <a:prstGeom prst="rect">
+            <a:avLst/>
+          </a:prstGeom>
+        </p:spPr>
+      </p:pic>
+    </p:spTree>
+    <p:extLst>
+      <p:ext uri="{BB962C8B-B14F-4D97-AF65-F5344CB8AC3E}">
+        <p14:creationId xmlns:p14="http://schemas.microsoft.com/office/powerpoint/2010/main" val="2231409447"/>
       </p:ext>
     </p:extLst>
   </p:cSld>

--- a/KANs_presentation.pptx
+++ b/KANs_presentation.pptx
@@ -5,10 +5,10 @@
     <p:sldMasterId id="2147483941" r:id="rId1"/>
   </p:sldMasterIdLst>
   <p:notesMasterIdLst>
-    <p:notesMasterId r:id="rId22"/>
+    <p:notesMasterId r:id="rId23"/>
   </p:notesMasterIdLst>
   <p:handoutMasterIdLst>
-    <p:handoutMasterId r:id="rId23"/>
+    <p:handoutMasterId r:id="rId24"/>
   </p:handoutMasterIdLst>
   <p:sldIdLst>
     <p:sldId id="472" r:id="rId2"/>
@@ -20,17 +20,18 @@
     <p:sldId id="512" r:id="rId8"/>
     <p:sldId id="513" r:id="rId9"/>
     <p:sldId id="514" r:id="rId10"/>
-    <p:sldId id="515" r:id="rId11"/>
-    <p:sldId id="518" r:id="rId12"/>
-    <p:sldId id="516" r:id="rId13"/>
-    <p:sldId id="517" r:id="rId14"/>
-    <p:sldId id="519" r:id="rId15"/>
-    <p:sldId id="526" r:id="rId16"/>
-    <p:sldId id="520" r:id="rId17"/>
-    <p:sldId id="522" r:id="rId18"/>
-    <p:sldId id="523" r:id="rId19"/>
-    <p:sldId id="524" r:id="rId20"/>
-    <p:sldId id="525" r:id="rId21"/>
+    <p:sldId id="518" r:id="rId11"/>
+    <p:sldId id="527" r:id="rId12"/>
+    <p:sldId id="515" r:id="rId13"/>
+    <p:sldId id="516" r:id="rId14"/>
+    <p:sldId id="517" r:id="rId15"/>
+    <p:sldId id="519" r:id="rId16"/>
+    <p:sldId id="526" r:id="rId17"/>
+    <p:sldId id="520" r:id="rId18"/>
+    <p:sldId id="522" r:id="rId19"/>
+    <p:sldId id="523" r:id="rId20"/>
+    <p:sldId id="524" r:id="rId21"/>
+    <p:sldId id="525" r:id="rId22"/>
   </p:sldIdLst>
   <p:sldSz cx="9906000" cy="6858000" type="A4"/>
   <p:notesSz cx="7315200" cy="9601200"/>
@@ -7496,243 +7497,6 @@
         <p:cNvPr id="1" name="">
           <a:extLst>
             <a:ext uri="{FF2B5EF4-FFF2-40B4-BE49-F238E27FC236}">
-              <a16:creationId xmlns:a16="http://schemas.microsoft.com/office/drawing/2014/main" id="{3C364358-1D9D-441C-0E80-8794C406A626}"/>
-            </a:ext>
-          </a:extLst>
-        </p:cNvPr>
-        <p:cNvGrpSpPr/>
-        <p:nvPr/>
-      </p:nvGrpSpPr>
-      <p:grpSpPr>
-        <a:xfrm>
-          <a:off x="0" y="0"/>
-          <a:ext cx="0" cy="0"/>
-          <a:chOff x="0" y="0"/>
-          <a:chExt cx="0" cy="0"/>
-        </a:xfrm>
-      </p:grpSpPr>
-      <p:sp>
-        <p:nvSpPr>
-          <p:cNvPr id="2" name="Title 1">
-            <a:extLst>
-              <a:ext uri="{FF2B5EF4-FFF2-40B4-BE49-F238E27FC236}">
-                <a16:creationId xmlns:a16="http://schemas.microsoft.com/office/drawing/2014/main" id="{A17C7349-7CCB-79CB-D22F-0C6B290E82BD}"/>
-              </a:ext>
-            </a:extLst>
-          </p:cNvPr>
-          <p:cNvSpPr>
-            <a:spLocks noGrp="1"/>
-          </p:cNvSpPr>
-          <p:nvPr>
-            <p:ph type="title"/>
-          </p:nvPr>
-        </p:nvSpPr>
-        <p:spPr/>
-        <p:txBody>
-          <a:bodyPr/>
-          <a:lstStyle/>
-          <a:p>
-            <a:r>
-              <a:rPr lang="en-US" sz="2400" dirty="0"/>
-              <a:t>Hyperparameters</a:t>
-            </a:r>
-            <a:endParaRPr sz="2400" dirty="0"/>
-          </a:p>
-        </p:txBody>
-      </p:sp>
-      <p:sp>
-        <p:nvSpPr>
-          <p:cNvPr id="3" name="Content Placeholder 2" descr="phi&#10;">
-            <a:extLst>
-              <a:ext uri="{FF2B5EF4-FFF2-40B4-BE49-F238E27FC236}">
-                <a16:creationId xmlns:a16="http://schemas.microsoft.com/office/drawing/2014/main" id="{C00B947F-59DE-AC78-6B63-2562E384A042}"/>
-              </a:ext>
-            </a:extLst>
-          </p:cNvPr>
-          <p:cNvSpPr>
-            <a:spLocks noGrp="1"/>
-          </p:cNvSpPr>
-          <p:nvPr>
-            <p:ph idx="1"/>
-          </p:nvPr>
-        </p:nvSpPr>
-        <p:spPr>
-          <a:xfrm>
-            <a:off x="685800" y="1524000"/>
-            <a:ext cx="8667750" cy="4876800"/>
-          </a:xfrm>
-        </p:spPr>
-        <p:txBody>
-          <a:bodyPr/>
-          <a:lstStyle/>
-          <a:p>
-            <a:pPr marL="0" indent="0">
-              <a:buNone/>
-            </a:pPr>
-            <a:r>
-              <a:rPr lang="en-US" sz="1800" dirty="0"/>
-              <a:t>The hyperparameters of a Kolmogorov-Arnold Network (KAN) are as follows:</a:t>
-            </a:r>
-          </a:p>
-          <a:p>
-            <a:r>
-              <a:rPr lang="en-US" sz="1800" dirty="0"/>
-              <a:t>L: the depth of the KAN</a:t>
-            </a:r>
-          </a:p>
-          <a:p>
-            <a:r>
-              <a:rPr lang="en-US" sz="1800" dirty="0"/>
-              <a:t>N ∈ {n₀, ..., nₗ}: the width of each layer</a:t>
-            </a:r>
-          </a:p>
-          <a:p>
-            <a:r>
-              <a:rPr lang="en-US" sz="1800" dirty="0"/>
-              <a:t>k: the number of B-splines used in the linear combination of each spline. </a:t>
-            </a:r>
-          </a:p>
-          <a:p>
-            <a:r>
-              <a:rPr lang="en-US" sz="1800" dirty="0"/>
-              <a:t>G: the number of control points for each B-spline</a:t>
-            </a:r>
-          </a:p>
-          <a:p>
-            <a:pPr marL="0" indent="0">
-              <a:buNone/>
-            </a:pPr>
-            <a:r>
-              <a:rPr lang="en-US" sz="1800" dirty="0"/>
-              <a:t>Given these hyperparameters L, N, G, and k, and considering N as the largest 𝑛∈𝑁 the total number of parameters in a KAN can be expressed as </a:t>
-            </a:r>
-          </a:p>
-          <a:p>
-            <a:pPr marL="0" indent="0">
-              <a:buNone/>
-            </a:pPr>
-            <a:endParaRPr lang="en-US" sz="1800" dirty="0"/>
-          </a:p>
-          <a:p>
-            <a:pPr marL="0" indent="0">
-              <a:buNone/>
-            </a:pPr>
-            <a:endParaRPr lang="en-US" sz="1800" dirty="0"/>
-          </a:p>
-          <a:p>
-            <a:pPr marL="0" indent="0">
-              <a:buNone/>
-            </a:pPr>
-            <a:r>
-              <a:rPr lang="en-US" sz="1800" dirty="0"/>
-              <a:t>In contrast, a multi-layer perceptron (MLP) with hyperparameters L, N requires only </a:t>
-            </a:r>
-          </a:p>
-          <a:p>
-            <a:pPr marL="0" indent="0">
-              <a:buNone/>
-            </a:pPr>
-            <a:endParaRPr lang="en-US" sz="1800" dirty="0"/>
-          </a:p>
-          <a:p>
-            <a:pPr marL="0" indent="0">
-              <a:buNone/>
-            </a:pPr>
-            <a:endParaRPr lang="en-US" sz="1800" dirty="0"/>
-          </a:p>
-          <a:p>
-            <a:pPr marL="0" indent="0">
-              <a:buNone/>
-            </a:pPr>
-            <a:r>
-              <a:rPr lang="en-US" sz="1800" dirty="0"/>
-              <a:t>However, KANs typically require much smaller values of N compared to MLPs</a:t>
-            </a:r>
-            <a:endParaRPr sz="1800" dirty="0"/>
-          </a:p>
-        </p:txBody>
-      </p:sp>
-      <p:pic>
-        <p:nvPicPr>
-          <p:cNvPr id="6" name="Picture 5">
-            <a:extLst>
-              <a:ext uri="{FF2B5EF4-FFF2-40B4-BE49-F238E27FC236}">
-                <a16:creationId xmlns:a16="http://schemas.microsoft.com/office/drawing/2014/main" id="{21D804B8-156B-F048-0971-181AF6492F04}"/>
-              </a:ext>
-            </a:extLst>
-          </p:cNvPr>
-          <p:cNvPicPr>
-            <a:picLocks noChangeAspect="1"/>
-          </p:cNvPicPr>
-          <p:nvPr/>
-        </p:nvPicPr>
-        <p:blipFill>
-          <a:blip r:embed="rId2"/>
-          <a:stretch>
-            <a:fillRect/>
-          </a:stretch>
-        </p:blipFill>
-        <p:spPr>
-          <a:xfrm>
-            <a:off x="3009900" y="3931920"/>
-            <a:ext cx="3886200" cy="381575"/>
-          </a:xfrm>
-          <a:prstGeom prst="rect">
-            <a:avLst/>
-          </a:prstGeom>
-        </p:spPr>
-      </p:pic>
-      <p:pic>
-        <p:nvPicPr>
-          <p:cNvPr id="8" name="Picture 7">
-            <a:extLst>
-              <a:ext uri="{FF2B5EF4-FFF2-40B4-BE49-F238E27FC236}">
-                <a16:creationId xmlns:a16="http://schemas.microsoft.com/office/drawing/2014/main" id="{17AAA238-B4EF-9AE7-8A59-1C52990764F3}"/>
-              </a:ext>
-            </a:extLst>
-          </p:cNvPr>
-          <p:cNvPicPr>
-            <a:picLocks noChangeAspect="1"/>
-          </p:cNvPicPr>
-          <p:nvPr/>
-        </p:nvPicPr>
-        <p:blipFill>
-          <a:blip r:embed="rId3"/>
-          <a:stretch>
-            <a:fillRect/>
-          </a:stretch>
-        </p:blipFill>
-        <p:spPr>
-          <a:xfrm>
-            <a:off x="4357657" y="5138860"/>
-            <a:ext cx="1190685" cy="390280"/>
-          </a:xfrm>
-          <a:prstGeom prst="rect">
-            <a:avLst/>
-          </a:prstGeom>
-        </p:spPr>
-      </p:pic>
-    </p:spTree>
-    <p:extLst>
-      <p:ext uri="{BB962C8B-B14F-4D97-AF65-F5344CB8AC3E}">
-        <p14:creationId xmlns:p14="http://schemas.microsoft.com/office/powerpoint/2010/main" val="2404506978"/>
-      </p:ext>
-    </p:extLst>
-  </p:cSld>
-  <p:clrMapOvr>
-    <a:masterClrMapping/>
-  </p:clrMapOvr>
-</p:sld>
-</file>
-
-<file path=ppt/slides/slide11.xml><?xml version="1.0" encoding="utf-8"?>
-<p:sld xmlns:a="http://schemas.openxmlformats.org/drawingml/2006/main" xmlns:r="http://schemas.openxmlformats.org/officeDocument/2006/relationships" xmlns:p="http://schemas.openxmlformats.org/presentationml/2006/main">
-  <p:cSld>
-    <p:spTree>
-      <p:nvGrpSpPr>
-        <p:cNvPr id="1" name="">
-          <a:extLst>
-            <a:ext uri="{FF2B5EF4-FFF2-40B4-BE49-F238E27FC236}">
               <a16:creationId xmlns:a16="http://schemas.microsoft.com/office/drawing/2014/main" id="{3C8E812C-280D-C3C0-EBF3-07F0128C2C2D}"/>
             </a:ext>
           </a:extLst>
@@ -7770,12 +7534,12 @@
           <a:lstStyle/>
           <a:p>
             <a:r>
+              <a:rPr lang="en-US" sz="2400" dirty="0"/>
+              <a:t>KANs </a:t>
+            </a:r>
+            <a:r>
               <a:rPr lang="en-US" sz="2400" dirty="0" err="1"/>
               <a:t>Inizialization</a:t>
-            </a:r>
-            <a:r>
-              <a:rPr lang="en-US" sz="2400" dirty="0"/>
-              <a:t> and Training</a:t>
             </a:r>
             <a:endParaRPr sz="2400" dirty="0"/>
           </a:p>
@@ -7799,7 +7563,7 @@
         </p:nvSpPr>
         <p:spPr>
           <a:xfrm>
-            <a:off x="685800" y="1975080"/>
+            <a:off x="619125" y="1503821"/>
             <a:ext cx="8667750" cy="4876800"/>
           </a:xfrm>
         </p:spPr>
@@ -7812,34 +7576,99 @@
             </a:pPr>
             <a:r>
               <a:rPr lang="en-US" sz="1800" dirty="0"/>
-              <a:t>KANs can be initialized and trained just like any other neural network. </a:t>
+              <a:t>KANs can be initialized and trained just like any other neural network in particular, for each activation function:</a:t>
             </a:r>
           </a:p>
           <a:p>
             <a:pPr marL="0" indent="0">
               <a:buNone/>
             </a:pPr>
+            <a:endParaRPr lang="en-US" sz="1800" dirty="0"/>
+          </a:p>
+          <a:p>
+            <a:pPr marL="0" indent="0">
+              <a:buNone/>
+            </a:pPr>
+            <a:endParaRPr lang="en-US" sz="1800" dirty="0"/>
+          </a:p>
+          <a:p>
+            <a:pPr marL="0" indent="0">
+              <a:buNone/>
+            </a:pPr>
             <a:r>
               <a:rPr lang="en-US" sz="1800" dirty="0"/>
-              <a:t>Specifically for Training:</a:t>
-            </a:r>
-          </a:p>
-          <a:p>
+              <a:t>• We initialize the scaling factor for the spline function at 1: </a:t>
+            </a:r>
+            <a:r>
+              <a:rPr lang="en-US" sz="1800" dirty="0" err="1"/>
+              <a:t>ws</a:t>
+            </a:r>
             <a:r>
               <a:rPr lang="en-US" sz="1800" dirty="0"/>
-              <a:t>Forward propagation: Compute</a:t>
-            </a:r>
-          </a:p>
-          <a:p>
+              <a:t> = 1.</a:t>
+            </a:r>
+          </a:p>
+          <a:p>
+            <a:pPr marL="0" indent="0">
+              <a:buNone/>
+            </a:pPr>
+            <a:r>
+              <a:rPr lang="en-US" sz="1800" dirty="0"/>
+              <a:t>• Each spline function is initialized with spline(x) ≈ 0. This is done by drawing B-spline coefficients </a:t>
+            </a:r>
+            <a:r>
+              <a:rPr lang="en-US" sz="1800" dirty="0" err="1"/>
+              <a:t>ci∼N</a:t>
+            </a:r>
+            <a:r>
+              <a:rPr lang="en-US" sz="1800" dirty="0"/>
+              <a:t>(0,σ) with a small σ around 0.1. It’s likely used to ensure symmetry and stability in early training stages.</a:t>
+            </a:r>
+          </a:p>
+          <a:p>
+            <a:pPr marL="0" indent="0">
+              <a:buNone/>
+            </a:pPr>
+            <a:r>
+              <a:rPr lang="en-US" sz="1800" dirty="0"/>
+              <a:t>• We initialize the scaling factor for the residual connection function with the Xavier initialization as in MLPs: </a:t>
+            </a:r>
+          </a:p>
+          <a:p>
+            <a:pPr marL="0" indent="0">
+              <a:buNone/>
+            </a:pPr>
             <a:endParaRPr lang="en-US" sz="1800" dirty="0"/>
           </a:p>
           <a:p>
+            <a:pPr marL="0" indent="0">
+              <a:buNone/>
+            </a:pPr>
             <a:endParaRPr lang="en-US" sz="1800" dirty="0"/>
           </a:p>
           <a:p>
+            <a:pPr marL="0" indent="0">
+              <a:buNone/>
+            </a:pPr>
             <a:r>
               <a:rPr lang="en-US" sz="1800" dirty="0"/>
-              <a:t>Backward propagation: Compute the loss using LSM or cross-entropy, and then adjust the weights and splines using optimization methods such as Gradient Descent (GD), Stochastic Gradient Descent (SGD), Newton's Method (NM),            BFGS, or others.</a:t>
+              <a:t>where </a:t>
+            </a:r>
+            <a:r>
+              <a:rPr lang="en-US" sz="1800" dirty="0" err="1"/>
+              <a:t>n_in</a:t>
+            </a:r>
+            <a:r>
+              <a:rPr lang="en-US" sz="1800" dirty="0"/>
+              <a:t> and </a:t>
+            </a:r>
+            <a:r>
+              <a:rPr lang="en-US" sz="1800" dirty="0" err="1"/>
+              <a:t>n_out</a:t>
+            </a:r>
+            <a:r>
+              <a:rPr lang="en-US" sz="1800" dirty="0"/>
+              <a:t> are specific for any layers</a:t>
             </a:r>
             <a:endParaRPr sz="1800" dirty="0"/>
           </a:p>
@@ -7847,10 +7676,10 @@
       </p:sp>
       <p:pic>
         <p:nvPicPr>
-          <p:cNvPr id="4" name="Picture 3">
+          <p:cNvPr id="5" name="Picture 4">
             <a:extLst>
               <a:ext uri="{FF2B5EF4-FFF2-40B4-BE49-F238E27FC236}">
-                <a16:creationId xmlns:a16="http://schemas.microsoft.com/office/drawing/2014/main" id="{0CCE5ED6-AFAC-AC44-31FE-E1E5E2D363AF}"/>
+                <a16:creationId xmlns:a16="http://schemas.microsoft.com/office/drawing/2014/main" id="{7652B840-8130-72F2-93D7-F16A6520E2C9}"/>
               </a:ext>
             </a:extLst>
           </p:cNvPr>
@@ -7867,8 +7696,37 @@
         </p:blipFill>
         <p:spPr>
           <a:xfrm>
-            <a:off x="2590800" y="3124200"/>
-            <a:ext cx="4495800" cy="429470"/>
+            <a:off x="3429000" y="1965558"/>
+            <a:ext cx="3657600" cy="566963"/>
+          </a:xfrm>
+          <a:prstGeom prst="rect">
+            <a:avLst/>
+          </a:prstGeom>
+        </p:spPr>
+      </p:pic>
+      <p:pic>
+        <p:nvPicPr>
+          <p:cNvPr id="9" name="Picture 8">
+            <a:extLst>
+              <a:ext uri="{FF2B5EF4-FFF2-40B4-BE49-F238E27FC236}">
+                <a16:creationId xmlns:a16="http://schemas.microsoft.com/office/drawing/2014/main" id="{91F25CF9-4184-209C-96F6-03F18038B3A7}"/>
+              </a:ext>
+            </a:extLst>
+          </p:cNvPr>
+          <p:cNvPicPr>
+            <a:picLocks noChangeAspect="1"/>
+          </p:cNvPicPr>
+          <p:nvPr/>
+        </p:nvPicPr>
+        <p:blipFill>
+          <a:blip r:embed="rId3"/>
+          <a:srcRect t="2160"/>
+          <a:stretch/>
+        </p:blipFill>
+        <p:spPr>
+          <a:xfrm>
+            <a:off x="3352801" y="4572001"/>
+            <a:ext cx="3962399" cy="570118"/>
           </a:xfrm>
           <a:prstGeom prst="rect">
             <a:avLst/>
@@ -7888,7 +7746,398 @@
 </p:sld>
 </file>
 
+<file path=ppt/slides/slide11.xml><?xml version="1.0" encoding="utf-8"?>
+<p:sld xmlns:a="http://schemas.openxmlformats.org/drawingml/2006/main" xmlns:r="http://schemas.openxmlformats.org/officeDocument/2006/relationships" xmlns:p="http://schemas.openxmlformats.org/presentationml/2006/main">
+  <p:cSld>
+    <p:spTree>
+      <p:nvGrpSpPr>
+        <p:cNvPr id="1" name="">
+          <a:extLst>
+            <a:ext uri="{FF2B5EF4-FFF2-40B4-BE49-F238E27FC236}">
+              <a16:creationId xmlns:a16="http://schemas.microsoft.com/office/drawing/2014/main" id="{F12F67E5-0060-E457-D749-DA87D3246FC2}"/>
+            </a:ext>
+          </a:extLst>
+        </p:cNvPr>
+        <p:cNvGrpSpPr/>
+        <p:nvPr/>
+      </p:nvGrpSpPr>
+      <p:grpSpPr>
+        <a:xfrm>
+          <a:off x="0" y="0"/>
+          <a:ext cx="0" cy="0"/>
+          <a:chOff x="0" y="0"/>
+          <a:chExt cx="0" cy="0"/>
+        </a:xfrm>
+      </p:grpSpPr>
+      <p:sp>
+        <p:nvSpPr>
+          <p:cNvPr id="2" name="Title 1">
+            <a:extLst>
+              <a:ext uri="{FF2B5EF4-FFF2-40B4-BE49-F238E27FC236}">
+                <a16:creationId xmlns:a16="http://schemas.microsoft.com/office/drawing/2014/main" id="{40B8422B-8D46-9722-B0A3-F8E8F6857DDE}"/>
+              </a:ext>
+            </a:extLst>
+          </p:cNvPr>
+          <p:cNvSpPr>
+            <a:spLocks noGrp="1"/>
+          </p:cNvSpPr>
+          <p:nvPr>
+            <p:ph type="title"/>
+          </p:nvPr>
+        </p:nvSpPr>
+        <p:spPr/>
+        <p:txBody>
+          <a:bodyPr/>
+          <a:lstStyle/>
+          <a:p>
+            <a:r>
+              <a:rPr lang="en-US" sz="2400" dirty="0"/>
+              <a:t>KANs Training</a:t>
+            </a:r>
+            <a:endParaRPr sz="2400" dirty="0"/>
+          </a:p>
+        </p:txBody>
+      </p:sp>
+      <p:sp>
+        <p:nvSpPr>
+          <p:cNvPr id="3" name="Content Placeholder 2" descr="phi&#10;">
+            <a:extLst>
+              <a:ext uri="{FF2B5EF4-FFF2-40B4-BE49-F238E27FC236}">
+                <a16:creationId xmlns:a16="http://schemas.microsoft.com/office/drawing/2014/main" id="{F3B827EE-86B5-6093-00E1-52AF16F175DE}"/>
+              </a:ext>
+            </a:extLst>
+          </p:cNvPr>
+          <p:cNvSpPr>
+            <a:spLocks noGrp="1"/>
+          </p:cNvSpPr>
+          <p:nvPr>
+            <p:ph idx="1"/>
+          </p:nvPr>
+        </p:nvSpPr>
+        <p:spPr>
+          <a:xfrm>
+            <a:off x="685800" y="1975080"/>
+            <a:ext cx="8667750" cy="4876800"/>
+          </a:xfrm>
+        </p:spPr>
+        <p:txBody>
+          <a:bodyPr/>
+          <a:lstStyle/>
+          <a:p>
+            <a:pPr marL="0" indent="0">
+              <a:buNone/>
+            </a:pPr>
+            <a:r>
+              <a:rPr lang="en-US" sz="1800" dirty="0"/>
+              <a:t>Specifically for Training:</a:t>
+            </a:r>
+          </a:p>
+          <a:p>
+            <a:r>
+              <a:rPr lang="en-US" sz="1800" dirty="0"/>
+              <a:t>Forward propagation: we compute the outcome from the input:</a:t>
+            </a:r>
+          </a:p>
+          <a:p>
+            <a:endParaRPr lang="en-US" sz="1800" dirty="0"/>
+          </a:p>
+          <a:p>
+            <a:endParaRPr lang="en-US" sz="1800" dirty="0"/>
+          </a:p>
+          <a:p>
+            <a:r>
+              <a:rPr lang="en-US" sz="1800" dirty="0"/>
+              <a:t>Backward propagation: We compute the loss using a standard loss function such as MSE, MAE, or cross-entropy, backpropagate the error, and then adjust the weights and spline tag points (all the parameters) using optimization methods such as Gradient Descent (GD), Stochastic Gradient Descent (SGD), Newton's Method (NM), BFGS, or others. The most common optimization method used is LBFGS</a:t>
+            </a:r>
+          </a:p>
+          <a:p>
+            <a:pPr marL="0" indent="0">
+              <a:buNone/>
+            </a:pPr>
+            <a:endParaRPr lang="en-US" sz="1800" dirty="0"/>
+          </a:p>
+        </p:txBody>
+      </p:sp>
+      <p:pic>
+        <p:nvPicPr>
+          <p:cNvPr id="4" name="Picture 3">
+            <a:extLst>
+              <a:ext uri="{FF2B5EF4-FFF2-40B4-BE49-F238E27FC236}">
+                <a16:creationId xmlns:a16="http://schemas.microsoft.com/office/drawing/2014/main" id="{D4E25A9D-911B-FE83-04C0-ED6E6303A80C}"/>
+              </a:ext>
+            </a:extLst>
+          </p:cNvPr>
+          <p:cNvPicPr>
+            <a:picLocks noChangeAspect="1"/>
+          </p:cNvPicPr>
+          <p:nvPr/>
+        </p:nvPicPr>
+        <p:blipFill>
+          <a:blip r:embed="rId2"/>
+          <a:stretch>
+            <a:fillRect/>
+          </a:stretch>
+        </p:blipFill>
+        <p:spPr>
+          <a:xfrm>
+            <a:off x="2590800" y="2743200"/>
+            <a:ext cx="4495800" cy="429470"/>
+          </a:xfrm>
+          <a:prstGeom prst="rect">
+            <a:avLst/>
+          </a:prstGeom>
+        </p:spPr>
+      </p:pic>
+    </p:spTree>
+    <p:extLst>
+      <p:ext uri="{BB962C8B-B14F-4D97-AF65-F5344CB8AC3E}">
+        <p14:creationId xmlns:p14="http://schemas.microsoft.com/office/powerpoint/2010/main" val="1712740542"/>
+      </p:ext>
+    </p:extLst>
+  </p:cSld>
+  <p:clrMapOvr>
+    <a:masterClrMapping/>
+  </p:clrMapOvr>
+</p:sld>
+</file>
+
 <file path=ppt/slides/slide12.xml><?xml version="1.0" encoding="utf-8"?>
+<p:sld xmlns:a="http://schemas.openxmlformats.org/drawingml/2006/main" xmlns:r="http://schemas.openxmlformats.org/officeDocument/2006/relationships" xmlns:p="http://schemas.openxmlformats.org/presentationml/2006/main">
+  <p:cSld>
+    <p:spTree>
+      <p:nvGrpSpPr>
+        <p:cNvPr id="1" name="">
+          <a:extLst>
+            <a:ext uri="{FF2B5EF4-FFF2-40B4-BE49-F238E27FC236}">
+              <a16:creationId xmlns:a16="http://schemas.microsoft.com/office/drawing/2014/main" id="{3C364358-1D9D-441C-0E80-8794C406A626}"/>
+            </a:ext>
+          </a:extLst>
+        </p:cNvPr>
+        <p:cNvGrpSpPr/>
+        <p:nvPr/>
+      </p:nvGrpSpPr>
+      <p:grpSpPr>
+        <a:xfrm>
+          <a:off x="0" y="0"/>
+          <a:ext cx="0" cy="0"/>
+          <a:chOff x="0" y="0"/>
+          <a:chExt cx="0" cy="0"/>
+        </a:xfrm>
+      </p:grpSpPr>
+      <p:sp>
+        <p:nvSpPr>
+          <p:cNvPr id="2" name="Title 1">
+            <a:extLst>
+              <a:ext uri="{FF2B5EF4-FFF2-40B4-BE49-F238E27FC236}">
+                <a16:creationId xmlns:a16="http://schemas.microsoft.com/office/drawing/2014/main" id="{A17C7349-7CCB-79CB-D22F-0C6B290E82BD}"/>
+              </a:ext>
+            </a:extLst>
+          </p:cNvPr>
+          <p:cNvSpPr>
+            <a:spLocks noGrp="1"/>
+          </p:cNvSpPr>
+          <p:nvPr>
+            <p:ph type="title"/>
+          </p:nvPr>
+        </p:nvSpPr>
+        <p:spPr>
+          <a:xfrm>
+            <a:off x="619125" y="266700"/>
+            <a:ext cx="8667750" cy="1028700"/>
+          </a:xfrm>
+        </p:spPr>
+        <p:txBody>
+          <a:bodyPr/>
+          <a:lstStyle/>
+          <a:p>
+            <a:r>
+              <a:rPr lang="en-US" sz="2400" dirty="0"/>
+              <a:t>KANs Hyperparameters</a:t>
+            </a:r>
+            <a:endParaRPr sz="2400" dirty="0"/>
+          </a:p>
+        </p:txBody>
+      </p:sp>
+      <p:sp>
+        <p:nvSpPr>
+          <p:cNvPr id="3" name="Content Placeholder 2" descr="phi&#10;">
+            <a:extLst>
+              <a:ext uri="{FF2B5EF4-FFF2-40B4-BE49-F238E27FC236}">
+                <a16:creationId xmlns:a16="http://schemas.microsoft.com/office/drawing/2014/main" id="{C00B947F-59DE-AC78-6B63-2562E384A042}"/>
+              </a:ext>
+            </a:extLst>
+          </p:cNvPr>
+          <p:cNvSpPr>
+            <a:spLocks noGrp="1"/>
+          </p:cNvSpPr>
+          <p:nvPr>
+            <p:ph idx="1"/>
+          </p:nvPr>
+        </p:nvSpPr>
+        <p:spPr>
+          <a:xfrm>
+            <a:off x="619125" y="1143000"/>
+            <a:ext cx="8667750" cy="4876800"/>
+          </a:xfrm>
+        </p:spPr>
+        <p:txBody>
+          <a:bodyPr/>
+          <a:lstStyle/>
+          <a:p>
+            <a:pPr marL="0" indent="0">
+              <a:buNone/>
+            </a:pPr>
+            <a:r>
+              <a:rPr lang="en-US" sz="1800" dirty="0"/>
+              <a:t>The hyperparameters of a Kolmogorov-Arnold Network (KAN) are as follows:</a:t>
+            </a:r>
+          </a:p>
+          <a:p>
+            <a:r>
+              <a:rPr lang="en-US" sz="1800" dirty="0"/>
+              <a:t>L: the depth of the KAN</a:t>
+            </a:r>
+          </a:p>
+          <a:p>
+            <a:r>
+              <a:rPr lang="en-US" sz="1800" dirty="0"/>
+              <a:t>N ∈ {n₀, ..., nₗ}: the width of each layer</a:t>
+            </a:r>
+          </a:p>
+          <a:p>
+            <a:r>
+              <a:rPr lang="en-US" sz="1800" dirty="0"/>
+              <a:t>k: the number of B-splines used in the linear combination of each spline. (very small number usually 3)</a:t>
+            </a:r>
+          </a:p>
+          <a:p>
+            <a:r>
+              <a:rPr lang="en-US" sz="1800" dirty="0"/>
+              <a:t>G: the number of control points for each B-spline</a:t>
+            </a:r>
+          </a:p>
+          <a:p>
+            <a:pPr marL="0" indent="0">
+              <a:buNone/>
+            </a:pPr>
+            <a:r>
+              <a:rPr lang="en-US" sz="1800" dirty="0"/>
+              <a:t>Given these hyperparameters L, N, G, and k, and considering N as the largest 𝑛∈𝑁 the total number of parameters in a KAN can be expressed as </a:t>
+            </a:r>
+          </a:p>
+          <a:p>
+            <a:pPr marL="0" indent="0">
+              <a:buNone/>
+            </a:pPr>
+            <a:endParaRPr lang="en-US" sz="1800" dirty="0"/>
+          </a:p>
+          <a:p>
+            <a:pPr marL="0" indent="0">
+              <a:buNone/>
+            </a:pPr>
+            <a:endParaRPr lang="en-US" sz="1800" dirty="0"/>
+          </a:p>
+          <a:p>
+            <a:pPr marL="0" indent="0">
+              <a:buNone/>
+            </a:pPr>
+            <a:r>
+              <a:rPr lang="en-US" sz="1800" dirty="0"/>
+              <a:t>In contrast, a multi-layer perceptron (MLP) with hyperparameters L, and N requires only </a:t>
+            </a:r>
+          </a:p>
+          <a:p>
+            <a:pPr marL="0" indent="0">
+              <a:buNone/>
+            </a:pPr>
+            <a:endParaRPr lang="en-US" sz="1800" dirty="0"/>
+          </a:p>
+          <a:p>
+            <a:pPr marL="0" indent="0">
+              <a:buNone/>
+            </a:pPr>
+            <a:r>
+              <a:rPr lang="en-US" sz="1800" dirty="0"/>
+              <a:t> Which appears to be more efficient than KAN. However, KANs typically require much smaller values of N compared to MLPs</a:t>
+            </a:r>
+            <a:endParaRPr sz="1800" dirty="0"/>
+          </a:p>
+        </p:txBody>
+      </p:sp>
+      <p:pic>
+        <p:nvPicPr>
+          <p:cNvPr id="6" name="Picture 5">
+            <a:extLst>
+              <a:ext uri="{FF2B5EF4-FFF2-40B4-BE49-F238E27FC236}">
+                <a16:creationId xmlns:a16="http://schemas.microsoft.com/office/drawing/2014/main" id="{21D804B8-156B-F048-0971-181AF6492F04}"/>
+              </a:ext>
+            </a:extLst>
+          </p:cNvPr>
+          <p:cNvPicPr>
+            <a:picLocks noChangeAspect="1"/>
+          </p:cNvPicPr>
+          <p:nvPr/>
+        </p:nvPicPr>
+        <p:blipFill>
+          <a:blip r:embed="rId2"/>
+          <a:stretch>
+            <a:fillRect/>
+          </a:stretch>
+        </p:blipFill>
+        <p:spPr>
+          <a:xfrm>
+            <a:off x="3009899" y="3918286"/>
+            <a:ext cx="3886200" cy="381575"/>
+          </a:xfrm>
+          <a:prstGeom prst="rect">
+            <a:avLst/>
+          </a:prstGeom>
+        </p:spPr>
+      </p:pic>
+      <p:pic>
+        <p:nvPicPr>
+          <p:cNvPr id="8" name="Picture 7">
+            <a:extLst>
+              <a:ext uri="{FF2B5EF4-FFF2-40B4-BE49-F238E27FC236}">
+                <a16:creationId xmlns:a16="http://schemas.microsoft.com/office/drawing/2014/main" id="{17AAA238-B4EF-9AE7-8A59-1C52990764F3}"/>
+              </a:ext>
+            </a:extLst>
+          </p:cNvPr>
+          <p:cNvPicPr>
+            <a:picLocks noChangeAspect="1"/>
+          </p:cNvPicPr>
+          <p:nvPr/>
+        </p:nvPicPr>
+        <p:blipFill>
+          <a:blip r:embed="rId3"/>
+          <a:stretch>
+            <a:fillRect/>
+          </a:stretch>
+        </p:blipFill>
+        <p:spPr>
+          <a:xfrm>
+            <a:off x="4357657" y="4869297"/>
+            <a:ext cx="1190685" cy="390280"/>
+          </a:xfrm>
+          <a:prstGeom prst="rect">
+            <a:avLst/>
+          </a:prstGeom>
+        </p:spPr>
+      </p:pic>
+    </p:spTree>
+    <p:extLst>
+      <p:ext uri="{BB962C8B-B14F-4D97-AF65-F5344CB8AC3E}">
+        <p14:creationId xmlns:p14="http://schemas.microsoft.com/office/powerpoint/2010/main" val="2404506978"/>
+      </p:ext>
+    </p:extLst>
+  </p:cSld>
+  <p:clrMapOvr>
+    <a:masterClrMapping/>
+  </p:clrMapOvr>
+</p:sld>
+</file>
+
+<file path=ppt/slides/slide13.xml><?xml version="1.0" encoding="utf-8"?>
 <p:sld xmlns:a="http://schemas.openxmlformats.org/drawingml/2006/main" xmlns:r="http://schemas.openxmlformats.org/officeDocument/2006/relationships" xmlns:p="http://schemas.openxmlformats.org/presentationml/2006/main">
   <p:cSld>
     <p:spTree>
@@ -7934,7 +8183,7 @@
           <a:p>
             <a:r>
               <a:rPr lang="en-US" sz="2400" dirty="0"/>
-              <a:t>Accuracy</a:t>
+              <a:t>KANs Accuracy</a:t>
             </a:r>
             <a:endParaRPr sz="2400" dirty="0"/>
           </a:p>
@@ -8028,7 +8277,7 @@
 </p:sld>
 </file>
 
-<file path=ppt/slides/slide13.xml><?xml version="1.0" encoding="utf-8"?>
+<file path=ppt/slides/slide14.xml><?xml version="1.0" encoding="utf-8"?>
 <p:sld xmlns:a="http://schemas.openxmlformats.org/drawingml/2006/main" xmlns:r="http://schemas.openxmlformats.org/officeDocument/2006/relationships" xmlns:p="http://schemas.openxmlformats.org/presentationml/2006/main">
   <p:cSld>
     <p:spTree>
@@ -8074,7 +8323,7 @@
           <a:p>
             <a:r>
               <a:rPr lang="en-US" sz="2400" dirty="0"/>
-              <a:t>Drawbacks</a:t>
+              <a:t>KANs Drawbacks</a:t>
             </a:r>
             <a:endParaRPr sz="2400" dirty="0"/>
           </a:p>
@@ -8207,7 +8456,7 @@
 </p:sld>
 </file>
 
-<file path=ppt/slides/slide14.xml><?xml version="1.0" encoding="utf-8"?>
+<file path=ppt/slides/slide15.xml><?xml version="1.0" encoding="utf-8"?>
 <p:sld xmlns:a="http://schemas.openxmlformats.org/drawingml/2006/main" xmlns:r="http://schemas.openxmlformats.org/officeDocument/2006/relationships" xmlns:p="http://schemas.openxmlformats.org/presentationml/2006/main">
   <p:cSld>
     <p:spTree>
@@ -8862,7 +9111,7 @@
 </p:sld>
 </file>
 
-<file path=ppt/slides/slide15.xml><?xml version="1.0" encoding="utf-8"?>
+<file path=ppt/slides/slide16.xml><?xml version="1.0" encoding="utf-8"?>
 <p:sld xmlns:a="http://schemas.openxmlformats.org/drawingml/2006/main" xmlns:r="http://schemas.openxmlformats.org/officeDocument/2006/relationships" xmlns:p="http://schemas.openxmlformats.org/presentationml/2006/main">
   <p:cSld>
     <p:spTree>
@@ -9506,7 +9755,7 @@
 </p:sld>
 </file>
 
-<file path=ppt/slides/slide16.xml><?xml version="1.0" encoding="utf-8"?>
+<file path=ppt/slides/slide17.xml><?xml version="1.0" encoding="utf-8"?>
 <p:sld xmlns:a="http://schemas.openxmlformats.org/drawingml/2006/main" xmlns:r="http://schemas.openxmlformats.org/officeDocument/2006/relationships" xmlns:p="http://schemas.openxmlformats.org/presentationml/2006/main">
   <p:cSld>
     <p:spTree>
@@ -9666,7 +9915,7 @@
 </p:sld>
 </file>
 
-<file path=ppt/slides/slide17.xml><?xml version="1.0" encoding="utf-8"?>
+<file path=ppt/slides/slide18.xml><?xml version="1.0" encoding="utf-8"?>
 <p:sld xmlns:a="http://schemas.openxmlformats.org/drawingml/2006/main" xmlns:r="http://schemas.openxmlformats.org/officeDocument/2006/relationships" xmlns:p="http://schemas.openxmlformats.org/presentationml/2006/main">
   <p:cSld>
     <p:spTree>
@@ -10101,7 +10350,7 @@
 </p:sld>
 </file>
 
-<file path=ppt/slides/slide18.xml><?xml version="1.0" encoding="utf-8"?>
+<file path=ppt/slides/slide19.xml><?xml version="1.0" encoding="utf-8"?>
 <p:sld xmlns:a="http://schemas.openxmlformats.org/drawingml/2006/main" xmlns:r="http://schemas.openxmlformats.org/officeDocument/2006/relationships" xmlns:p="http://schemas.openxmlformats.org/presentationml/2006/main">
   <p:cSld>
     <p:spTree>
@@ -10301,7 +10550,149 @@
 </p:sld>
 </file>
 
-<file path=ppt/slides/slide19.xml><?xml version="1.0" encoding="utf-8"?>
+<file path=ppt/slides/slide2.xml><?xml version="1.0" encoding="utf-8"?>
+<p:sld xmlns:a="http://schemas.openxmlformats.org/drawingml/2006/main" xmlns:r="http://schemas.openxmlformats.org/officeDocument/2006/relationships" xmlns:p="http://schemas.openxmlformats.org/presentationml/2006/main">
+  <p:cSld>
+    <p:spTree>
+      <p:nvGrpSpPr>
+        <p:cNvPr id="1" name=""/>
+        <p:cNvGrpSpPr/>
+        <p:nvPr/>
+      </p:nvGrpSpPr>
+      <p:grpSpPr>
+        <a:xfrm>
+          <a:off x="0" y="0"/>
+          <a:ext cx="0" cy="0"/>
+          <a:chOff x="0" y="0"/>
+          <a:chExt cx="0" cy="0"/>
+        </a:xfrm>
+      </p:grpSpPr>
+      <p:sp>
+        <p:nvSpPr>
+          <p:cNvPr id="2" name="Title 1"/>
+          <p:cNvSpPr>
+            <a:spLocks noGrp="1"/>
+          </p:cNvSpPr>
+          <p:nvPr>
+            <p:ph type="title"/>
+          </p:nvPr>
+        </p:nvSpPr>
+        <p:spPr>
+          <a:xfrm>
+            <a:off x="619124" y="304800"/>
+            <a:ext cx="8667750" cy="1028700"/>
+          </a:xfrm>
+        </p:spPr>
+        <p:txBody>
+          <a:bodyPr/>
+          <a:lstStyle/>
+          <a:p>
+            <a:r>
+              <a:rPr sz="2400" dirty="0"/>
+              <a:t>Introduction to Kolmogorov-Arnold</a:t>
+            </a:r>
+            <a:br>
+              <a:rPr lang="en-US" sz="2400" dirty="0"/>
+            </a:br>
+            <a:r>
+              <a:rPr sz="2400" dirty="0"/>
+              <a:t> Networks (KANs)</a:t>
+            </a:r>
+          </a:p>
+        </p:txBody>
+      </p:sp>
+      <p:sp>
+        <p:nvSpPr>
+          <p:cNvPr id="3" name="Content Placeholder 2"/>
+          <p:cNvSpPr>
+            <a:spLocks noGrp="1"/>
+          </p:cNvSpPr>
+          <p:nvPr>
+            <p:ph idx="1"/>
+          </p:nvPr>
+        </p:nvSpPr>
+        <p:spPr>
+          <a:xfrm>
+            <a:off x="619123" y="1541526"/>
+            <a:ext cx="8667751" cy="1866900"/>
+          </a:xfrm>
+        </p:spPr>
+        <p:txBody>
+          <a:bodyPr/>
+          <a:lstStyle/>
+          <a:p>
+            <a:r>
+              <a:rPr lang="en-US" sz="1800" dirty="0"/>
+              <a:t>KANs are inspired by the Kolmogorov-Arnold theorem.  </a:t>
+            </a:r>
+          </a:p>
+          <a:p>
+            <a:r>
+              <a:rPr lang="en-US" sz="1800" dirty="0"/>
+              <a:t>They provide a valid alternative to classical Multi-Layer </a:t>
+            </a:r>
+            <a:r>
+              <a:rPr lang="en-US" sz="1800" dirty="0" err="1"/>
+              <a:t>Perceptrons</a:t>
+            </a:r>
+            <a:r>
+              <a:rPr lang="en-US" sz="1800" dirty="0"/>
+              <a:t> (MLPs).  </a:t>
+            </a:r>
+          </a:p>
+          <a:p>
+            <a:r>
+              <a:rPr lang="en-US" sz="1800" dirty="0"/>
+              <a:t>Their key innovation lies in using learnable B-spline-based activation functions.</a:t>
+            </a:r>
+          </a:p>
+          <a:p>
+            <a:r>
+              <a:rPr lang="en-US" sz="1800" dirty="0"/>
+              <a:t>Advantages: enhanced accuracy, improved interpretability, and greater scalability.  </a:t>
+            </a:r>
+          </a:p>
+        </p:txBody>
+      </p:sp>
+      <p:pic>
+        <p:nvPicPr>
+          <p:cNvPr id="9" name="Picture 8" descr="A diagram of a complex structure">
+            <a:extLst>
+              <a:ext uri="{FF2B5EF4-FFF2-40B4-BE49-F238E27FC236}">
+                <a16:creationId xmlns:a16="http://schemas.microsoft.com/office/drawing/2014/main" id="{34E9B477-4E7F-66FC-6B42-C0EC8C8126BE}"/>
+              </a:ext>
+            </a:extLst>
+          </p:cNvPr>
+          <p:cNvPicPr>
+            <a:picLocks noChangeAspect="1"/>
+          </p:cNvPicPr>
+          <p:nvPr/>
+        </p:nvPicPr>
+        <p:blipFill>
+          <a:blip r:embed="rId2"/>
+          <a:stretch>
+            <a:fillRect/>
+          </a:stretch>
+        </p:blipFill>
+        <p:spPr>
+          <a:xfrm>
+            <a:off x="2362200" y="3124200"/>
+            <a:ext cx="5054708" cy="3039223"/>
+          </a:xfrm>
+          <a:prstGeom prst="rect">
+            <a:avLst/>
+          </a:prstGeom>
+        </p:spPr>
+      </p:pic>
+    </p:spTree>
+  </p:cSld>
+  <p:clrMapOvr>
+    <a:masterClrMapping/>
+  </p:clrMapOvr>
+</p:sld>
+</file>
+
+<file path=ppt/slides/slide20.xml><?xml version="1.0" encoding="utf-8"?>
 <p:sld xmlns:a="http://schemas.openxmlformats.org/drawingml/2006/main" xmlns:r="http://schemas.openxmlformats.org/officeDocument/2006/relationships" xmlns:p="http://schemas.openxmlformats.org/presentationml/2006/main">
   <p:cSld>
     <p:spTree>
@@ -10477,149 +10868,7 @@
 </p:sld>
 </file>
 
-<file path=ppt/slides/slide2.xml><?xml version="1.0" encoding="utf-8"?>
-<p:sld xmlns:a="http://schemas.openxmlformats.org/drawingml/2006/main" xmlns:r="http://schemas.openxmlformats.org/officeDocument/2006/relationships" xmlns:p="http://schemas.openxmlformats.org/presentationml/2006/main">
-  <p:cSld>
-    <p:spTree>
-      <p:nvGrpSpPr>
-        <p:cNvPr id="1" name=""/>
-        <p:cNvGrpSpPr/>
-        <p:nvPr/>
-      </p:nvGrpSpPr>
-      <p:grpSpPr>
-        <a:xfrm>
-          <a:off x="0" y="0"/>
-          <a:ext cx="0" cy="0"/>
-          <a:chOff x="0" y="0"/>
-          <a:chExt cx="0" cy="0"/>
-        </a:xfrm>
-      </p:grpSpPr>
-      <p:sp>
-        <p:nvSpPr>
-          <p:cNvPr id="2" name="Title 1"/>
-          <p:cNvSpPr>
-            <a:spLocks noGrp="1"/>
-          </p:cNvSpPr>
-          <p:nvPr>
-            <p:ph type="title"/>
-          </p:nvPr>
-        </p:nvSpPr>
-        <p:spPr>
-          <a:xfrm>
-            <a:off x="619124" y="304800"/>
-            <a:ext cx="8667750" cy="1028700"/>
-          </a:xfrm>
-        </p:spPr>
-        <p:txBody>
-          <a:bodyPr/>
-          <a:lstStyle/>
-          <a:p>
-            <a:r>
-              <a:rPr sz="2400" dirty="0"/>
-              <a:t>Introduction to Kolmogorov-Arnold</a:t>
-            </a:r>
-            <a:br>
-              <a:rPr lang="en-US" sz="2400" dirty="0"/>
-            </a:br>
-            <a:r>
-              <a:rPr sz="2400" dirty="0"/>
-              <a:t> Networks (KANs)</a:t>
-            </a:r>
-          </a:p>
-        </p:txBody>
-      </p:sp>
-      <p:sp>
-        <p:nvSpPr>
-          <p:cNvPr id="3" name="Content Placeholder 2"/>
-          <p:cNvSpPr>
-            <a:spLocks noGrp="1"/>
-          </p:cNvSpPr>
-          <p:nvPr>
-            <p:ph idx="1"/>
-          </p:nvPr>
-        </p:nvSpPr>
-        <p:spPr>
-          <a:xfrm>
-            <a:off x="619123" y="1541526"/>
-            <a:ext cx="8667751" cy="1866900"/>
-          </a:xfrm>
-        </p:spPr>
-        <p:txBody>
-          <a:bodyPr/>
-          <a:lstStyle/>
-          <a:p>
-            <a:r>
-              <a:rPr lang="en-US" sz="1800" dirty="0"/>
-              <a:t>KANs are inspired by the Kolmogorov-Arnold theorem.  </a:t>
-            </a:r>
-          </a:p>
-          <a:p>
-            <a:r>
-              <a:rPr lang="en-US" sz="1800" dirty="0"/>
-              <a:t>They provide a valid alternative to Multi-Layer </a:t>
-            </a:r>
-            <a:r>
-              <a:rPr lang="en-US" sz="1800" dirty="0" err="1"/>
-              <a:t>Perceptrons</a:t>
-            </a:r>
-            <a:r>
-              <a:rPr lang="en-US" sz="1800" dirty="0"/>
-              <a:t> (MLPs).  </a:t>
-            </a:r>
-          </a:p>
-          <a:p>
-            <a:r>
-              <a:rPr lang="en-US" sz="1800" dirty="0"/>
-              <a:t>Their key innovation lies in using learnable spline-based activation functions</a:t>
-            </a:r>
-          </a:p>
-          <a:p>
-            <a:r>
-              <a:rPr lang="en-US" sz="1800" dirty="0"/>
-              <a:t>Advantages: enhanced accuracy, improved interpretability, and greater scalability.  </a:t>
-            </a:r>
-          </a:p>
-        </p:txBody>
-      </p:sp>
-      <p:pic>
-        <p:nvPicPr>
-          <p:cNvPr id="9" name="Picture 8" descr="A diagram of a complex structure">
-            <a:extLst>
-              <a:ext uri="{FF2B5EF4-FFF2-40B4-BE49-F238E27FC236}">
-                <a16:creationId xmlns:a16="http://schemas.microsoft.com/office/drawing/2014/main" id="{34E9B477-4E7F-66FC-6B42-C0EC8C8126BE}"/>
-              </a:ext>
-            </a:extLst>
-          </p:cNvPr>
-          <p:cNvPicPr>
-            <a:picLocks noChangeAspect="1"/>
-          </p:cNvPicPr>
-          <p:nvPr/>
-        </p:nvPicPr>
-        <p:blipFill>
-          <a:blip r:embed="rId2"/>
-          <a:stretch>
-            <a:fillRect/>
-          </a:stretch>
-        </p:blipFill>
-        <p:spPr>
-          <a:xfrm>
-            <a:off x="2362200" y="3124200"/>
-            <a:ext cx="5054708" cy="3039223"/>
-          </a:xfrm>
-          <a:prstGeom prst="rect">
-            <a:avLst/>
-          </a:prstGeom>
-        </p:spPr>
-      </p:pic>
-    </p:spTree>
-  </p:cSld>
-  <p:clrMapOvr>
-    <a:masterClrMapping/>
-  </p:clrMapOvr>
-</p:sld>
-</file>
-
-<file path=ppt/slides/slide20.xml><?xml version="1.0" encoding="utf-8"?>
+<file path=ppt/slides/slide21.xml><?xml version="1.0" encoding="utf-8"?>
 <p:sld xmlns:a="http://schemas.openxmlformats.org/drawingml/2006/main" xmlns:r="http://schemas.openxmlformats.org/officeDocument/2006/relationships" xmlns:p="http://schemas.openxmlformats.org/presentationml/2006/main">
   <p:cSld>
     <p:spTree>
@@ -11484,41 +11733,11 @@
             </a:pPr>
             <a:r>
               <a:rPr lang="en-US" sz="1800" b="0" dirty="0"/>
-              <a:t>Starting from the theorem, we define the matrix representation that replaces the summation with two matrices</a:t>
+              <a:t>Starting from the theorem, we define the representation matrix that replaces the function’s summation with two matrices</a:t>
             </a:r>
           </a:p>
         </p:txBody>
       </p:sp>
-      <p:pic>
-        <p:nvPicPr>
-          <p:cNvPr id="6" name="Picture 5">
-            <a:extLst>
-              <a:ext uri="{FF2B5EF4-FFF2-40B4-BE49-F238E27FC236}">
-                <a16:creationId xmlns:a16="http://schemas.microsoft.com/office/drawing/2014/main" id="{203FBBE3-45EC-8353-716C-D532DA55BBB3}"/>
-              </a:ext>
-            </a:extLst>
-          </p:cNvPr>
-          <p:cNvPicPr>
-            <a:picLocks noChangeAspect="1"/>
-          </p:cNvPicPr>
-          <p:nvPr/>
-        </p:nvPicPr>
-        <p:blipFill>
-          <a:blip r:embed="rId2"/>
-          <a:stretch>
-            <a:fillRect/>
-          </a:stretch>
-        </p:blipFill>
-        <p:spPr>
-          <a:xfrm>
-            <a:off x="1981199" y="2860458"/>
-            <a:ext cx="5943600" cy="1040130"/>
-          </a:xfrm>
-          <a:prstGeom prst="rect">
-            <a:avLst/>
-          </a:prstGeom>
-        </p:spPr>
-      </p:pic>
       <p:pic>
         <p:nvPicPr>
           <p:cNvPr id="9" name="Picture 8">
@@ -11534,7 +11753,7 @@
           <p:nvPr/>
         </p:nvPicPr>
         <p:blipFill>
-          <a:blip r:embed="rId3"/>
+          <a:blip r:embed="rId2"/>
           <a:stretch>
             <a:fillRect/>
           </a:stretch>
@@ -12056,7 +12275,7 @@
           <p:nvPr/>
         </p:nvPicPr>
         <p:blipFill>
-          <a:blip r:embed="rId4"/>
+          <a:blip r:embed="rId3"/>
           <a:stretch>
             <a:fillRect/>
           </a:stretch>
@@ -12065,6 +12284,36 @@
           <a:xfrm>
             <a:off x="449924" y="4321353"/>
             <a:ext cx="4280955" cy="1387652"/>
+          </a:xfrm>
+          <a:prstGeom prst="rect">
+            <a:avLst/>
+          </a:prstGeom>
+        </p:spPr>
+      </p:pic>
+      <p:pic>
+        <p:nvPicPr>
+          <p:cNvPr id="4" name="Picture 3">
+            <a:extLst>
+              <a:ext uri="{FF2B5EF4-FFF2-40B4-BE49-F238E27FC236}">
+                <a16:creationId xmlns:a16="http://schemas.microsoft.com/office/drawing/2014/main" id="{A9EAD2B0-93AC-18B2-AB6E-D9490D211A5B}"/>
+              </a:ext>
+            </a:extLst>
+          </p:cNvPr>
+          <p:cNvPicPr>
+            <a:picLocks noChangeAspect="1"/>
+          </p:cNvPicPr>
+          <p:nvPr/>
+        </p:nvPicPr>
+        <p:blipFill>
+          <a:blip r:embed="rId4"/>
+          <a:stretch>
+            <a:fillRect/>
+          </a:stretch>
+        </p:blipFill>
+        <p:spPr>
+          <a:xfrm>
+            <a:off x="1631347" y="2757335"/>
+            <a:ext cx="7087552" cy="1181259"/>
           </a:xfrm>
           <a:prstGeom prst="rect">
             <a:avLst/>
@@ -13121,25 +13370,17 @@
           <a:p>
             <a:r>
               <a:rPr lang="en-US" sz="1800" b="0" dirty="0" err="1"/>
-              <a:t>wb</a:t>
+              <a:t>W_b</a:t>
             </a:r>
             <a:r>
               <a:rPr lang="en-US" sz="1800" b="0" dirty="0"/>
-              <a:t> and </a:t>
-            </a:r>
-            <a:r>
-              <a:rPr lang="en-US" sz="1800" b="0" dirty="0" err="1"/>
-              <a:t>ws</a:t>
-            </a:r>
+              <a:t> and W_s are learnable weights </a:t>
+            </a:r>
+          </a:p>
+          <a:p>
             <a:r>
               <a:rPr lang="en-US" sz="1800" b="0" dirty="0"/>
-              <a:t> are learnable weights </a:t>
-            </a:r>
-          </a:p>
-          <a:p>
-            <a:r>
-              <a:rPr lang="en-US" sz="1800" b="0" dirty="0"/>
-              <a:t>b(x) is the residual connection function defined by the </a:t>
+              <a:t>b(x) is the residual connection function (Bias function) defined by the </a:t>
             </a:r>
             <a:r>
               <a:rPr lang="en-US" sz="1800" b="0" dirty="0" err="1"/>
@@ -13147,13 +13388,256 @@
             </a:r>
             <a:r>
               <a:rPr lang="en-US" sz="1800" b="0" dirty="0"/>
-              <a:t> function. It is the counterpart of the bias in MLPs </a:t>
+              <a:t>(x) function. It is the counterpart of the bias in MLPs </a:t>
             </a:r>
           </a:p>
           <a:p>
             <a:r>
               <a:rPr lang="en-US" sz="1800" b="0" dirty="0"/>
-              <a:t>spline(x) is the learnable function where the real power of KANs came from. In most of the cases is parametrized as a linear combination of B-splines functions</a:t>
+              <a:t> Spline(x) is the learnable function where the real power of KANs came from. In most cases is parametrized as a linear combination of B-splines functions</a:t>
+            </a:r>
+          </a:p>
+        </p:txBody>
+      </p:sp>
+      <p:sp>
+        <p:nvSpPr>
+          <p:cNvPr id="4" name="Content Placeholder 2" descr="phi&#10;">
+            <a:extLst>
+              <a:ext uri="{FF2B5EF4-FFF2-40B4-BE49-F238E27FC236}">
+                <a16:creationId xmlns:a16="http://schemas.microsoft.com/office/drawing/2014/main" id="{EBF4A86F-F40D-78F3-7C28-54B1EA11B9E0}"/>
+              </a:ext>
+            </a:extLst>
+          </p:cNvPr>
+          <p:cNvSpPr txBox="1">
+            <a:spLocks/>
+          </p:cNvSpPr>
+          <p:nvPr/>
+        </p:nvSpPr>
+        <p:spPr bwMode="auto">
+          <a:xfrm>
+            <a:off x="6477000" y="5867400"/>
+            <a:ext cx="3581400" cy="1676400"/>
+          </a:xfrm>
+          <a:prstGeom prst="rect">
+            <a:avLst/>
+          </a:prstGeom>
+          <a:noFill/>
+          <a:ln>
+            <a:noFill/>
+          </a:ln>
+          <a:extLst>
+            <a:ext uri="{909E8E84-426E-40DD-AFC4-6F175D3DCCD1}">
+              <a14:hiddenFill xmlns:a14="http://schemas.microsoft.com/office/drawing/2010/main">
+                <a:solidFill>
+                  <a:srgbClr val="FFFFFF"/>
+                </a:solidFill>
+              </a14:hiddenFill>
+            </a:ext>
+            <a:ext uri="{91240B29-F687-4F45-9708-019B960494DF}">
+              <a14:hiddenLine xmlns:a14="http://schemas.microsoft.com/office/drawing/2010/main" w="9525">
+                <a:solidFill>
+                  <a:srgbClr val="000000"/>
+                </a:solidFill>
+                <a:miter lim="800000"/>
+                <a:headEnd/>
+                <a:tailEnd/>
+              </a14:hiddenLine>
+            </a:ext>
+          </a:extLst>
+        </p:spPr>
+        <p:txBody>
+          <a:bodyPr vert="horz" wrap="square" lIns="0" tIns="0" rIns="0" bIns="0" numCol="1" anchor="t" anchorCtr="0" compatLnSpc="1">
+            <a:prstTxWarp prst="textNoShape">
+              <a:avLst/>
+            </a:prstTxWarp>
+          </a:bodyPr>
+          <a:lstStyle>
+            <a:lvl1pPr marL="342900" indent="-342900" algn="l" defTabSz="741363" rtl="0" eaLnBrk="0" fontAlgn="base" hangingPunct="0">
+              <a:lnSpc>
+                <a:spcPct val="100000"/>
+              </a:lnSpc>
+              <a:spcBef>
+                <a:spcPts val="600"/>
+              </a:spcBef>
+              <a:spcAft>
+                <a:spcPct val="0"/>
+              </a:spcAft>
+              <a:buFont typeface="Arial" panose="020B0604020202020204" pitchFamily="34" charset="0"/>
+              <a:buChar char="•"/>
+              <a:defRPr sz="2400" kern="1200">
+                <a:solidFill>
+                  <a:srgbClr val="5A667F"/>
+                </a:solidFill>
+                <a:latin typeface="Lato" panose="020F0502020204030203" pitchFamily="34" charset="77"/>
+                <a:ea typeface="+mn-ea"/>
+                <a:cs typeface="Arial" panose="020B0604020202020204" pitchFamily="34" charset="0"/>
+              </a:defRPr>
+            </a:lvl1pPr>
+            <a:lvl2pPr marL="719138" indent="-363538" algn="l" defTabSz="741363" rtl="0" eaLnBrk="0" fontAlgn="base" hangingPunct="0">
+              <a:lnSpc>
+                <a:spcPct val="100000"/>
+              </a:lnSpc>
+              <a:spcBef>
+                <a:spcPts val="600"/>
+              </a:spcBef>
+              <a:spcAft>
+                <a:spcPct val="0"/>
+              </a:spcAft>
+              <a:buFont typeface="Arial" panose="020B0604020202020204" pitchFamily="34" charset="0"/>
+              <a:buChar char="•"/>
+              <a:defRPr sz="2000" kern="1200">
+                <a:solidFill>
+                  <a:srgbClr val="5A667F"/>
+                </a:solidFill>
+                <a:latin typeface="Lato" panose="020F0502020204030203" pitchFamily="34" charset="77"/>
+                <a:ea typeface="+mn-ea"/>
+                <a:cs typeface="Arial" panose="020B0604020202020204" pitchFamily="34" charset="0"/>
+              </a:defRPr>
+            </a:lvl2pPr>
+            <a:lvl3pPr marL="896938" indent="-177800" algn="l" defTabSz="741363" rtl="0" eaLnBrk="0" fontAlgn="base" hangingPunct="0">
+              <a:lnSpc>
+                <a:spcPct val="100000"/>
+              </a:lnSpc>
+              <a:spcBef>
+                <a:spcPts val="600"/>
+              </a:spcBef>
+              <a:spcAft>
+                <a:spcPct val="0"/>
+              </a:spcAft>
+              <a:buFont typeface="Arial" panose="020B0604020202020204" pitchFamily="34" charset="0"/>
+              <a:buChar char="•"/>
+              <a:defRPr sz="1600" kern="1200">
+                <a:solidFill>
+                  <a:srgbClr val="5A667F"/>
+                </a:solidFill>
+                <a:latin typeface="Lato" panose="020F0502020204030203" pitchFamily="34" charset="77"/>
+                <a:ea typeface="+mn-ea"/>
+                <a:cs typeface="Arial" panose="020B0604020202020204" pitchFamily="34" charset="0"/>
+              </a:defRPr>
+            </a:lvl3pPr>
+            <a:lvl4pPr marL="1074738" indent="-177800" algn="l" defTabSz="741363" rtl="0" eaLnBrk="0" fontAlgn="base" hangingPunct="0">
+              <a:lnSpc>
+                <a:spcPct val="100000"/>
+              </a:lnSpc>
+              <a:spcBef>
+                <a:spcPts val="600"/>
+              </a:spcBef>
+              <a:spcAft>
+                <a:spcPct val="0"/>
+              </a:spcAft>
+              <a:buFont typeface="Arial" panose="020B0604020202020204" pitchFamily="34" charset="0"/>
+              <a:buChar char="•"/>
+              <a:defRPr sz="1400" kern="1200">
+                <a:solidFill>
+                  <a:srgbClr val="5A667F"/>
+                </a:solidFill>
+                <a:latin typeface="Lato" panose="020F0502020204030203" pitchFamily="34" charset="77"/>
+                <a:ea typeface="+mn-ea"/>
+                <a:cs typeface="Arial" panose="020B0604020202020204" pitchFamily="34" charset="0"/>
+              </a:defRPr>
+            </a:lvl4pPr>
+            <a:lvl5pPr marL="1252538" indent="-177800" algn="l" defTabSz="741363" rtl="0" eaLnBrk="0" fontAlgn="base" hangingPunct="0">
+              <a:lnSpc>
+                <a:spcPct val="100000"/>
+              </a:lnSpc>
+              <a:spcBef>
+                <a:spcPts val="600"/>
+              </a:spcBef>
+              <a:spcAft>
+                <a:spcPct val="0"/>
+              </a:spcAft>
+              <a:buFont typeface="Arial" panose="020B0604020202020204" pitchFamily="34" charset="0"/>
+              <a:buChar char="•"/>
+              <a:tabLst/>
+              <a:defRPr sz="1200" kern="1200">
+                <a:solidFill>
+                  <a:srgbClr val="5A667F"/>
+                </a:solidFill>
+                <a:latin typeface="Lato" panose="020F0502020204030203" pitchFamily="34" charset="77"/>
+                <a:ea typeface="+mn-ea"/>
+                <a:cs typeface="Arial" panose="020B0604020202020204" pitchFamily="34" charset="0"/>
+              </a:defRPr>
+            </a:lvl5pPr>
+            <a:lvl6pPr marL="2042929" indent="-185721" algn="l" defTabSz="742883" rtl="0" eaLnBrk="1" latinLnBrk="0" hangingPunct="1">
+              <a:lnSpc>
+                <a:spcPct val="90000"/>
+              </a:lnSpc>
+              <a:spcBef>
+                <a:spcPts val="405"/>
+              </a:spcBef>
+              <a:buFont typeface="Arial" panose="020B0604020202020204" pitchFamily="34" charset="0"/>
+              <a:buChar char="•"/>
+              <a:defRPr sz="1463" kern="1200">
+                <a:solidFill>
+                  <a:schemeClr val="tx1"/>
+                </a:solidFill>
+                <a:latin typeface="+mn-lt"/>
+                <a:ea typeface="+mn-ea"/>
+                <a:cs typeface="+mn-cs"/>
+              </a:defRPr>
+            </a:lvl6pPr>
+            <a:lvl7pPr marL="2414371" indent="-185721" algn="l" defTabSz="742883" rtl="0" eaLnBrk="1" latinLnBrk="0" hangingPunct="1">
+              <a:lnSpc>
+                <a:spcPct val="90000"/>
+              </a:lnSpc>
+              <a:spcBef>
+                <a:spcPts val="405"/>
+              </a:spcBef>
+              <a:buFont typeface="Arial" panose="020B0604020202020204" pitchFamily="34" charset="0"/>
+              <a:buChar char="•"/>
+              <a:defRPr sz="1463" kern="1200">
+                <a:solidFill>
+                  <a:schemeClr val="tx1"/>
+                </a:solidFill>
+                <a:latin typeface="+mn-lt"/>
+                <a:ea typeface="+mn-ea"/>
+                <a:cs typeface="+mn-cs"/>
+              </a:defRPr>
+            </a:lvl7pPr>
+            <a:lvl8pPr marL="2785812" indent="-185721" algn="l" defTabSz="742883" rtl="0" eaLnBrk="1" latinLnBrk="0" hangingPunct="1">
+              <a:lnSpc>
+                <a:spcPct val="90000"/>
+              </a:lnSpc>
+              <a:spcBef>
+                <a:spcPts val="405"/>
+              </a:spcBef>
+              <a:buFont typeface="Arial" panose="020B0604020202020204" pitchFamily="34" charset="0"/>
+              <a:buChar char="•"/>
+              <a:defRPr sz="1463" kern="1200">
+                <a:solidFill>
+                  <a:schemeClr val="tx1"/>
+                </a:solidFill>
+                <a:latin typeface="+mn-lt"/>
+                <a:ea typeface="+mn-ea"/>
+                <a:cs typeface="+mn-cs"/>
+              </a:defRPr>
+            </a:lvl8pPr>
+            <a:lvl9pPr marL="3157253" indent="-185721" algn="l" defTabSz="742883" rtl="0" eaLnBrk="1" latinLnBrk="0" hangingPunct="1">
+              <a:lnSpc>
+                <a:spcPct val="90000"/>
+              </a:lnSpc>
+              <a:spcBef>
+                <a:spcPts val="405"/>
+              </a:spcBef>
+              <a:buFont typeface="Arial" panose="020B0604020202020204" pitchFamily="34" charset="0"/>
+              <a:buChar char="•"/>
+              <a:defRPr sz="1463" kern="1200">
+                <a:solidFill>
+                  <a:schemeClr val="tx1"/>
+                </a:solidFill>
+                <a:latin typeface="+mn-lt"/>
+                <a:ea typeface="+mn-ea"/>
+                <a:cs typeface="+mn-cs"/>
+              </a:defRPr>
+            </a:lvl9pPr>
+          </a:lstStyle>
+          <a:p>
+            <a:pPr marL="0" indent="0">
+              <a:buNone/>
+            </a:pPr>
+            <a:r>
+              <a:rPr lang="en-US" sz="1800" b="0" dirty="0"/>
+              <a:t>But what are B-splines … </a:t>
             </a:r>
           </a:p>
         </p:txBody>
@@ -13217,7 +13701,7 @@
           <a:p>
             <a:r>
               <a:rPr lang="en-US" sz="2400" dirty="0"/>
-              <a:t>B-splines (1)</a:t>
+              <a:t>B-splines (1): Naïve implementation</a:t>
             </a:r>
             <a:endParaRPr sz="2400" dirty="0"/>
           </a:p>
@@ -13276,7 +13760,7 @@
         </p:nvSpPr>
         <p:spPr bwMode="auto">
           <a:xfrm>
-            <a:off x="685800" y="3941088"/>
+            <a:off x="685800" y="3797669"/>
             <a:ext cx="8667750" cy="1676400"/>
           </a:xfrm>
           <a:prstGeom prst="rect">
@@ -13498,7 +13982,16 @@
             </a:pPr>
             <a:r>
               <a:rPr lang="en-US" sz="1800" b="0" dirty="0"/>
-              <a:t>The naive way to implement it is to solve a n-dim linear system. </a:t>
+              <a:t>The naive way to implement it is to solve an n-dim linear system where we impose that the function passes through n points.</a:t>
+            </a:r>
+          </a:p>
+          <a:p>
+            <a:pPr marL="0" indent="0">
+              <a:buNone/>
+            </a:pPr>
+            <a:r>
+              <a:rPr lang="en-US" sz="1800" b="0" dirty="0"/>
+              <a:t> </a:t>
             </a:r>
           </a:p>
           <a:p>
@@ -13519,7 +14012,7 @@
             </a:pPr>
             <a:r>
               <a:rPr lang="en-US" sz="1800" b="0" dirty="0"/>
-              <a:t>Solving such a system of linear equations will be computationally expensive and almost infeasible for </a:t>
+              <a:t>Solving such a system of linear equations will be computationally expensive and almost infeasible for large n such as in </a:t>
             </a:r>
             <a:r>
               <a:rPr lang="en-US" sz="1800" b="0" dirty="0" err="1"/>
@@ -13554,7 +14047,7 @@
         </p:blipFill>
         <p:spPr>
           <a:xfrm>
-            <a:off x="3124200" y="2286000"/>
+            <a:off x="3124200" y="2203029"/>
             <a:ext cx="3419836" cy="1451222"/>
           </a:xfrm>
           <a:prstGeom prst="rect">
@@ -13584,8 +14077,8 @@
         </p:blipFill>
         <p:spPr>
           <a:xfrm>
-            <a:off x="2642865" y="4383422"/>
-            <a:ext cx="4620270" cy="504895"/>
+            <a:off x="2057400" y="4495800"/>
+            <a:ext cx="5533215" cy="604660"/>
           </a:xfrm>
           <a:prstGeom prst="rect">
             <a:avLst/>
@@ -13651,7 +14144,7 @@
           <a:p>
             <a:r>
               <a:rPr lang="en-US" sz="2400" dirty="0"/>
-              <a:t>B-splines (2)</a:t>
+              <a:t>B-splines (2): Bezier curves</a:t>
             </a:r>
             <a:endParaRPr sz="2400" dirty="0"/>
           </a:p>
@@ -13687,12 +14180,16 @@
               <a:buNone/>
             </a:pPr>
             <a:r>
+              <a:rPr lang="en-US" sz="1800" dirty="0"/>
+              <a:t>The first idea is to use </a:t>
+            </a:r>
+            <a:r>
               <a:rPr lang="en-US" sz="1800" dirty="0" err="1"/>
               <a:t>Bézier</a:t>
             </a:r>
             <a:r>
               <a:rPr lang="en-US" sz="1800" dirty="0"/>
-              <a:t> curves solve the problem more smartly: the smooth curve passes near a set of control points without needing to solve a large system of equations </a:t>
+              <a:t> curves to solve the problem more smartly: the smooth curve passes near a set of control points without needing to solve a large system of equations </a:t>
             </a:r>
           </a:p>
           <a:p>
@@ -13719,7 +14216,7 @@
         </p:nvSpPr>
         <p:spPr bwMode="auto">
           <a:xfrm>
-            <a:off x="619125" y="4343400"/>
+            <a:off x="619125" y="5264868"/>
             <a:ext cx="8667750" cy="1676400"/>
           </a:xfrm>
           <a:prstGeom prst="rect">
@@ -13998,7 +14495,7 @@
         </p:blipFill>
         <p:spPr>
           <a:xfrm>
-            <a:off x="2286000" y="5330658"/>
+            <a:off x="2495425" y="4027133"/>
             <a:ext cx="4915150" cy="823550"/>
           </a:xfrm>
           <a:prstGeom prst="rect">
@@ -14065,7 +14562,7 @@
           <a:p>
             <a:r>
               <a:rPr lang="en-US" sz="2400" dirty="0"/>
-              <a:t>B-splines (3)</a:t>
+              <a:t>B-splines (3): Real implementation</a:t>
             </a:r>
             <a:endParaRPr sz="2400" dirty="0"/>
           </a:p>
@@ -14089,7 +14586,7 @@
         </p:nvSpPr>
         <p:spPr>
           <a:xfrm>
-            <a:off x="685800" y="1447800"/>
+            <a:off x="683667" y="1211153"/>
             <a:ext cx="8667750" cy="1676400"/>
           </a:xfrm>
         </p:spPr>
@@ -14102,7 +14599,16 @@
             </a:pPr>
             <a:r>
               <a:rPr lang="en-US" sz="1800" dirty="0"/>
-              <a:t>B-splines use a series of lower-degree polynomial segments, which are connected smoothly. In other words, instead of extending </a:t>
+              <a:t>Finally, the intuition in B-splines is to use a series of lower-degree polynomial segments, which are connected smoothly. </a:t>
+            </a:r>
+          </a:p>
+          <a:p>
+            <a:pPr marL="0" indent="0">
+              <a:buNone/>
+            </a:pPr>
+            <a:r>
+              <a:rPr lang="en-US" sz="1800" dirty="0"/>
+              <a:t>In other words, instead of extending </a:t>
             </a:r>
             <a:r>
               <a:rPr lang="en-US" sz="1800" dirty="0" err="1"/>
@@ -14138,7 +14644,7 @@
         </p:blipFill>
         <p:spPr>
           <a:xfrm>
-            <a:off x="2667000" y="2755615"/>
+            <a:off x="2590800" y="2804056"/>
             <a:ext cx="4495800" cy="2161744"/>
           </a:xfrm>
           <a:prstGeom prst="rect">
@@ -14168,7 +14674,7 @@
         </p:blipFill>
         <p:spPr>
           <a:xfrm>
-            <a:off x="1600200" y="5376672"/>
+            <a:off x="1535658" y="5105400"/>
             <a:ext cx="6834684" cy="777708"/>
           </a:xfrm>
           <a:prstGeom prst="rect">

--- a/KANs_presentation.pptx
+++ b/KANs_presentation.pptx
@@ -5,10 +5,10 @@
     <p:sldMasterId id="2147483941" r:id="rId1"/>
   </p:sldMasterIdLst>
   <p:notesMasterIdLst>
-    <p:notesMasterId r:id="rId23"/>
+    <p:notesMasterId r:id="rId25"/>
   </p:notesMasterIdLst>
   <p:handoutMasterIdLst>
-    <p:handoutMasterId r:id="rId24"/>
+    <p:handoutMasterId r:id="rId26"/>
   </p:handoutMasterIdLst>
   <p:sldIdLst>
     <p:sldId id="472" r:id="rId2"/>
@@ -24,14 +24,16 @@
     <p:sldId id="527" r:id="rId12"/>
     <p:sldId id="515" r:id="rId13"/>
     <p:sldId id="516" r:id="rId14"/>
-    <p:sldId id="517" r:id="rId15"/>
-    <p:sldId id="519" r:id="rId16"/>
-    <p:sldId id="526" r:id="rId17"/>
-    <p:sldId id="520" r:id="rId18"/>
-    <p:sldId id="522" r:id="rId19"/>
-    <p:sldId id="523" r:id="rId20"/>
-    <p:sldId id="524" r:id="rId21"/>
-    <p:sldId id="525" r:id="rId22"/>
+    <p:sldId id="522" r:id="rId15"/>
+    <p:sldId id="517" r:id="rId16"/>
+    <p:sldId id="519" r:id="rId17"/>
+    <p:sldId id="528" r:id="rId18"/>
+    <p:sldId id="526" r:id="rId19"/>
+    <p:sldId id="520" r:id="rId20"/>
+    <p:sldId id="529" r:id="rId21"/>
+    <p:sldId id="523" r:id="rId22"/>
+    <p:sldId id="524" r:id="rId23"/>
+    <p:sldId id="525" r:id="rId24"/>
   </p:sldIdLst>
   <p:sldSz cx="9906000" cy="6858000" type="A4"/>
   <p:notesSz cx="7315200" cy="9601200"/>
@@ -8285,1644 +8287,6 @@
         <p:cNvPr id="1" name="">
           <a:extLst>
             <a:ext uri="{FF2B5EF4-FFF2-40B4-BE49-F238E27FC236}">
-              <a16:creationId xmlns:a16="http://schemas.microsoft.com/office/drawing/2014/main" id="{F06B7CAE-D4DF-871B-9170-83A86B029E72}"/>
-            </a:ext>
-          </a:extLst>
-        </p:cNvPr>
-        <p:cNvGrpSpPr/>
-        <p:nvPr/>
-      </p:nvGrpSpPr>
-      <p:grpSpPr>
-        <a:xfrm>
-          <a:off x="0" y="0"/>
-          <a:ext cx="0" cy="0"/>
-          <a:chOff x="0" y="0"/>
-          <a:chExt cx="0" cy="0"/>
-        </a:xfrm>
-      </p:grpSpPr>
-      <p:sp>
-        <p:nvSpPr>
-          <p:cNvPr id="2" name="Title 1">
-            <a:extLst>
-              <a:ext uri="{FF2B5EF4-FFF2-40B4-BE49-F238E27FC236}">
-                <a16:creationId xmlns:a16="http://schemas.microsoft.com/office/drawing/2014/main" id="{447CF861-054A-03F4-DDEB-85B711BF4F8C}"/>
-              </a:ext>
-            </a:extLst>
-          </p:cNvPr>
-          <p:cNvSpPr>
-            <a:spLocks noGrp="1"/>
-          </p:cNvSpPr>
-          <p:nvPr>
-            <p:ph type="title"/>
-          </p:nvPr>
-        </p:nvSpPr>
-        <p:spPr/>
-        <p:txBody>
-          <a:bodyPr/>
-          <a:lstStyle/>
-          <a:p>
-            <a:r>
-              <a:rPr lang="en-US" sz="2400" dirty="0"/>
-              <a:t>KANs Drawbacks</a:t>
-            </a:r>
-            <a:endParaRPr sz="2400" dirty="0"/>
-          </a:p>
-        </p:txBody>
-      </p:sp>
-      <p:sp>
-        <p:nvSpPr>
-          <p:cNvPr id="3" name="Content Placeholder 2" descr="phi&#10;">
-            <a:extLst>
-              <a:ext uri="{FF2B5EF4-FFF2-40B4-BE49-F238E27FC236}">
-                <a16:creationId xmlns:a16="http://schemas.microsoft.com/office/drawing/2014/main" id="{141EB122-48B8-8903-17D0-1A3449233BA1}"/>
-              </a:ext>
-            </a:extLst>
-          </p:cNvPr>
-          <p:cNvSpPr>
-            <a:spLocks noGrp="1"/>
-          </p:cNvSpPr>
-          <p:nvPr>
-            <p:ph idx="1"/>
-          </p:nvPr>
-        </p:nvSpPr>
-        <p:spPr>
-          <a:xfrm>
-            <a:off x="622173" y="1447800"/>
-            <a:ext cx="8667750" cy="1600200"/>
-          </a:xfrm>
-        </p:spPr>
-        <p:txBody>
-          <a:bodyPr/>
-          <a:lstStyle/>
-          <a:p>
-            <a:pPr marL="0" indent="0">
-              <a:buNone/>
-            </a:pPr>
-            <a:r>
-              <a:rPr lang="en-US" sz="1800" dirty="0"/>
-              <a:t>Currently, the biggest bottleneck of KANs lies in their slow training. </a:t>
-            </a:r>
-          </a:p>
-          <a:p>
-            <a:pPr marL="0" indent="0">
-              <a:buNone/>
-            </a:pPr>
-            <a:r>
-              <a:rPr lang="en-US" sz="1800" dirty="0"/>
-              <a:t>KANs are typically 10 times slower than MLPs, given the same number of parameters (though KANs require fewer parameters than MLPs to accomplish the same task). </a:t>
-            </a:r>
-          </a:p>
-          <a:p>
-            <a:pPr marL="0" indent="0">
-              <a:buNone/>
-            </a:pPr>
-            <a:r>
-              <a:rPr lang="en-US" sz="1800" dirty="0"/>
-              <a:t>This is primarily caused by the complex reshaping of spline(x), particularly on B-spline control points.</a:t>
-            </a:r>
-          </a:p>
-          <a:p>
-            <a:pPr marL="0" indent="0">
-              <a:buNone/>
-            </a:pPr>
-            <a:endParaRPr lang="en-US" sz="1800" dirty="0"/>
-          </a:p>
-          <a:p>
-            <a:pPr marL="0" indent="0">
-              <a:buNone/>
-            </a:pPr>
-            <a:endParaRPr lang="en-US" sz="1800" dirty="0"/>
-          </a:p>
-          <a:p>
-            <a:pPr marL="0" indent="0">
-              <a:buNone/>
-            </a:pPr>
-            <a:r>
-              <a:rPr lang="en-US" sz="1800" dirty="0"/>
-              <a:t>When should </a:t>
-            </a:r>
-          </a:p>
-          <a:p>
-            <a:pPr marL="0" indent="0">
-              <a:buNone/>
-            </a:pPr>
-            <a:r>
-              <a:rPr lang="en-US" sz="1800" dirty="0"/>
-              <a:t>we use KANs?</a:t>
-            </a:r>
-          </a:p>
-        </p:txBody>
-      </p:sp>
-      <p:pic>
-        <p:nvPicPr>
-          <p:cNvPr id="6" name="Picture 5">
-            <a:extLst>
-              <a:ext uri="{FF2B5EF4-FFF2-40B4-BE49-F238E27FC236}">
-                <a16:creationId xmlns:a16="http://schemas.microsoft.com/office/drawing/2014/main" id="{FB515664-D924-7D25-2BFA-0DD124DBF55C}"/>
-              </a:ext>
-            </a:extLst>
-          </p:cNvPr>
-          <p:cNvPicPr>
-            <a:picLocks noChangeAspect="1"/>
-          </p:cNvPicPr>
-          <p:nvPr/>
-        </p:nvPicPr>
-        <p:blipFill>
-          <a:blip r:embed="rId2"/>
-          <a:stretch>
-            <a:fillRect/>
-          </a:stretch>
-        </p:blipFill>
-        <p:spPr>
-          <a:xfrm>
-            <a:off x="2877312" y="3060192"/>
-            <a:ext cx="6391275" cy="2671562"/>
-          </a:xfrm>
-          <a:prstGeom prst="rect">
-            <a:avLst/>
-          </a:prstGeom>
-        </p:spPr>
-      </p:pic>
-    </p:spTree>
-    <p:extLst>
-      <p:ext uri="{BB962C8B-B14F-4D97-AF65-F5344CB8AC3E}">
-        <p14:creationId xmlns:p14="http://schemas.microsoft.com/office/powerpoint/2010/main" val="2081926858"/>
-      </p:ext>
-    </p:extLst>
-  </p:cSld>
-  <p:clrMapOvr>
-    <a:masterClrMapping/>
-  </p:clrMapOvr>
-</p:sld>
-</file>
-
-<file path=ppt/slides/slide15.xml><?xml version="1.0" encoding="utf-8"?>
-<p:sld xmlns:a="http://schemas.openxmlformats.org/drawingml/2006/main" xmlns:r="http://schemas.openxmlformats.org/officeDocument/2006/relationships" xmlns:p="http://schemas.openxmlformats.org/presentationml/2006/main">
-  <p:cSld>
-    <p:spTree>
-      <p:nvGrpSpPr>
-        <p:cNvPr id="1" name="">
-          <a:extLst>
-            <a:ext uri="{FF2B5EF4-FFF2-40B4-BE49-F238E27FC236}">
-              <a16:creationId xmlns:a16="http://schemas.microsoft.com/office/drawing/2014/main" id="{913C63AB-8BB7-2E67-21C2-FAC1FBE709B3}"/>
-            </a:ext>
-          </a:extLst>
-        </p:cNvPr>
-        <p:cNvGrpSpPr/>
-        <p:nvPr/>
-      </p:nvGrpSpPr>
-      <p:grpSpPr>
-        <a:xfrm>
-          <a:off x="0" y="0"/>
-          <a:ext cx="0" cy="0"/>
-          <a:chOff x="0" y="0"/>
-          <a:chExt cx="0" cy="0"/>
-        </a:xfrm>
-      </p:grpSpPr>
-      <p:sp>
-        <p:nvSpPr>
-          <p:cNvPr id="2" name="Title 1">
-            <a:extLst>
-              <a:ext uri="{FF2B5EF4-FFF2-40B4-BE49-F238E27FC236}">
-                <a16:creationId xmlns:a16="http://schemas.microsoft.com/office/drawing/2014/main" id="{AAC90AC3-27D7-FF49-4D54-FFEA3B5A177B}"/>
-              </a:ext>
-            </a:extLst>
-          </p:cNvPr>
-          <p:cNvSpPr>
-            <a:spLocks noGrp="1"/>
-          </p:cNvSpPr>
-          <p:nvPr>
-            <p:ph type="title"/>
-          </p:nvPr>
-        </p:nvSpPr>
-        <p:spPr/>
-        <p:txBody>
-          <a:bodyPr/>
-          <a:lstStyle/>
-          <a:p>
-            <a:r>
-              <a:rPr lang="en-US" sz="2400" dirty="0"/>
-              <a:t>Advanced: </a:t>
-            </a:r>
-            <a:r>
-              <a:rPr lang="en-US" sz="2400" dirty="0" err="1"/>
-              <a:t>Sparsification</a:t>
-            </a:r>
-            <a:r>
-              <a:rPr lang="en-US" sz="2400" dirty="0"/>
-              <a:t> (1)</a:t>
-            </a:r>
-            <a:endParaRPr sz="2400" dirty="0"/>
-          </a:p>
-        </p:txBody>
-      </p:sp>
-      <p:sp>
-        <p:nvSpPr>
-          <p:cNvPr id="3" name="Content Placeholder 2" descr="phi&#10;">
-            <a:extLst>
-              <a:ext uri="{FF2B5EF4-FFF2-40B4-BE49-F238E27FC236}">
-                <a16:creationId xmlns:a16="http://schemas.microsoft.com/office/drawing/2014/main" id="{1CFB542A-3433-1F3C-E513-CBAEC40961D4}"/>
-              </a:ext>
-            </a:extLst>
-          </p:cNvPr>
-          <p:cNvSpPr>
-            <a:spLocks noGrp="1"/>
-          </p:cNvSpPr>
-          <p:nvPr>
-            <p:ph idx="1"/>
-          </p:nvPr>
-        </p:nvSpPr>
-        <p:spPr>
-          <a:xfrm>
-            <a:off x="622173" y="1447800"/>
-            <a:ext cx="8667750" cy="1028700"/>
-          </a:xfrm>
-        </p:spPr>
-        <p:txBody>
-          <a:bodyPr/>
-          <a:lstStyle/>
-          <a:p>
-            <a:pPr marL="0" indent="0">
-              <a:buNone/>
-            </a:pPr>
-            <a:r>
-              <a:rPr lang="en-US" sz="1800" dirty="0"/>
-              <a:t>For MLPs, L1 regularization of linear weights is used to promote sparsity, thereby improving predictions. KANs can adopt this high-level concept by modifying it to achieve the same result.</a:t>
-            </a:r>
-          </a:p>
-        </p:txBody>
-      </p:sp>
-      <p:sp>
-        <p:nvSpPr>
-          <p:cNvPr id="9" name="Content Placeholder 2" descr="phi&#10;">
-            <a:extLst>
-              <a:ext uri="{FF2B5EF4-FFF2-40B4-BE49-F238E27FC236}">
-                <a16:creationId xmlns:a16="http://schemas.microsoft.com/office/drawing/2014/main" id="{9BDE5856-FF57-A30E-091D-71378E17B494}"/>
-              </a:ext>
-            </a:extLst>
-          </p:cNvPr>
-          <p:cNvSpPr txBox="1">
-            <a:spLocks/>
-          </p:cNvSpPr>
-          <p:nvPr/>
-        </p:nvSpPr>
-        <p:spPr bwMode="auto">
-          <a:xfrm>
-            <a:off x="616077" y="2449800"/>
-            <a:ext cx="8667750" cy="1028700"/>
-          </a:xfrm>
-          <a:prstGeom prst="rect">
-            <a:avLst/>
-          </a:prstGeom>
-          <a:noFill/>
-          <a:ln>
-            <a:noFill/>
-          </a:ln>
-          <a:extLst>
-            <a:ext uri="{909E8E84-426E-40DD-AFC4-6F175D3DCCD1}">
-              <a14:hiddenFill xmlns:a14="http://schemas.microsoft.com/office/drawing/2010/main">
-                <a:solidFill>
-                  <a:srgbClr val="FFFFFF"/>
-                </a:solidFill>
-              </a14:hiddenFill>
-            </a:ext>
-            <a:ext uri="{91240B29-F687-4F45-9708-019B960494DF}">
-              <a14:hiddenLine xmlns:a14="http://schemas.microsoft.com/office/drawing/2010/main" w="9525">
-                <a:solidFill>
-                  <a:srgbClr val="000000"/>
-                </a:solidFill>
-                <a:miter lim="800000"/>
-                <a:headEnd/>
-                <a:tailEnd/>
-              </a14:hiddenLine>
-            </a:ext>
-          </a:extLst>
-        </p:spPr>
-        <p:txBody>
-          <a:bodyPr vert="horz" wrap="square" lIns="0" tIns="0" rIns="0" bIns="0" numCol="1" anchor="t" anchorCtr="0" compatLnSpc="1">
-            <a:prstTxWarp prst="textNoShape">
-              <a:avLst/>
-            </a:prstTxWarp>
-          </a:bodyPr>
-          <a:lstStyle>
-            <a:lvl1pPr marL="342900" indent="-342900" algn="l" defTabSz="741363" rtl="0" eaLnBrk="0" fontAlgn="base" hangingPunct="0">
-              <a:lnSpc>
-                <a:spcPct val="100000"/>
-              </a:lnSpc>
-              <a:spcBef>
-                <a:spcPts val="600"/>
-              </a:spcBef>
-              <a:spcAft>
-                <a:spcPct val="0"/>
-              </a:spcAft>
-              <a:buFont typeface="Arial" panose="020B0604020202020204" pitchFamily="34" charset="0"/>
-              <a:buChar char="•"/>
-              <a:defRPr sz="2400" kern="1200">
-                <a:solidFill>
-                  <a:srgbClr val="5A667F"/>
-                </a:solidFill>
-                <a:latin typeface="Lato" panose="020F0502020204030203" pitchFamily="34" charset="77"/>
-                <a:ea typeface="+mn-ea"/>
-                <a:cs typeface="Arial" panose="020B0604020202020204" pitchFamily="34" charset="0"/>
-              </a:defRPr>
-            </a:lvl1pPr>
-            <a:lvl2pPr marL="719138" indent="-363538" algn="l" defTabSz="741363" rtl="0" eaLnBrk="0" fontAlgn="base" hangingPunct="0">
-              <a:lnSpc>
-                <a:spcPct val="100000"/>
-              </a:lnSpc>
-              <a:spcBef>
-                <a:spcPts val="600"/>
-              </a:spcBef>
-              <a:spcAft>
-                <a:spcPct val="0"/>
-              </a:spcAft>
-              <a:buFont typeface="Arial" panose="020B0604020202020204" pitchFamily="34" charset="0"/>
-              <a:buChar char="•"/>
-              <a:defRPr sz="2000" kern="1200">
-                <a:solidFill>
-                  <a:srgbClr val="5A667F"/>
-                </a:solidFill>
-                <a:latin typeface="Lato" panose="020F0502020204030203" pitchFamily="34" charset="77"/>
-                <a:ea typeface="+mn-ea"/>
-                <a:cs typeface="Arial" panose="020B0604020202020204" pitchFamily="34" charset="0"/>
-              </a:defRPr>
-            </a:lvl2pPr>
-            <a:lvl3pPr marL="896938" indent="-177800" algn="l" defTabSz="741363" rtl="0" eaLnBrk="0" fontAlgn="base" hangingPunct="0">
-              <a:lnSpc>
-                <a:spcPct val="100000"/>
-              </a:lnSpc>
-              <a:spcBef>
-                <a:spcPts val="600"/>
-              </a:spcBef>
-              <a:spcAft>
-                <a:spcPct val="0"/>
-              </a:spcAft>
-              <a:buFont typeface="Arial" panose="020B0604020202020204" pitchFamily="34" charset="0"/>
-              <a:buChar char="•"/>
-              <a:defRPr sz="1600" kern="1200">
-                <a:solidFill>
-                  <a:srgbClr val="5A667F"/>
-                </a:solidFill>
-                <a:latin typeface="Lato" panose="020F0502020204030203" pitchFamily="34" charset="77"/>
-                <a:ea typeface="+mn-ea"/>
-                <a:cs typeface="Arial" panose="020B0604020202020204" pitchFamily="34" charset="0"/>
-              </a:defRPr>
-            </a:lvl3pPr>
-            <a:lvl4pPr marL="1074738" indent="-177800" algn="l" defTabSz="741363" rtl="0" eaLnBrk="0" fontAlgn="base" hangingPunct="0">
-              <a:lnSpc>
-                <a:spcPct val="100000"/>
-              </a:lnSpc>
-              <a:spcBef>
-                <a:spcPts val="600"/>
-              </a:spcBef>
-              <a:spcAft>
-                <a:spcPct val="0"/>
-              </a:spcAft>
-              <a:buFont typeface="Arial" panose="020B0604020202020204" pitchFamily="34" charset="0"/>
-              <a:buChar char="•"/>
-              <a:defRPr sz="1400" kern="1200">
-                <a:solidFill>
-                  <a:srgbClr val="5A667F"/>
-                </a:solidFill>
-                <a:latin typeface="Lato" panose="020F0502020204030203" pitchFamily="34" charset="77"/>
-                <a:ea typeface="+mn-ea"/>
-                <a:cs typeface="Arial" panose="020B0604020202020204" pitchFamily="34" charset="0"/>
-              </a:defRPr>
-            </a:lvl4pPr>
-            <a:lvl5pPr marL="1252538" indent="-177800" algn="l" defTabSz="741363" rtl="0" eaLnBrk="0" fontAlgn="base" hangingPunct="0">
-              <a:lnSpc>
-                <a:spcPct val="100000"/>
-              </a:lnSpc>
-              <a:spcBef>
-                <a:spcPts val="600"/>
-              </a:spcBef>
-              <a:spcAft>
-                <a:spcPct val="0"/>
-              </a:spcAft>
-              <a:buFont typeface="Arial" panose="020B0604020202020204" pitchFamily="34" charset="0"/>
-              <a:buChar char="•"/>
-              <a:tabLst/>
-              <a:defRPr sz="1200" kern="1200">
-                <a:solidFill>
-                  <a:srgbClr val="5A667F"/>
-                </a:solidFill>
-                <a:latin typeface="Lato" panose="020F0502020204030203" pitchFamily="34" charset="77"/>
-                <a:ea typeface="+mn-ea"/>
-                <a:cs typeface="Arial" panose="020B0604020202020204" pitchFamily="34" charset="0"/>
-              </a:defRPr>
-            </a:lvl5pPr>
-            <a:lvl6pPr marL="2042929" indent="-185721" algn="l" defTabSz="742883" rtl="0" eaLnBrk="1" latinLnBrk="0" hangingPunct="1">
-              <a:lnSpc>
-                <a:spcPct val="90000"/>
-              </a:lnSpc>
-              <a:spcBef>
-                <a:spcPts val="405"/>
-              </a:spcBef>
-              <a:buFont typeface="Arial" panose="020B0604020202020204" pitchFamily="34" charset="0"/>
-              <a:buChar char="•"/>
-              <a:defRPr sz="1463" kern="1200">
-                <a:solidFill>
-                  <a:schemeClr val="tx1"/>
-                </a:solidFill>
-                <a:latin typeface="+mn-lt"/>
-                <a:ea typeface="+mn-ea"/>
-                <a:cs typeface="+mn-cs"/>
-              </a:defRPr>
-            </a:lvl6pPr>
-            <a:lvl7pPr marL="2414371" indent="-185721" algn="l" defTabSz="742883" rtl="0" eaLnBrk="1" latinLnBrk="0" hangingPunct="1">
-              <a:lnSpc>
-                <a:spcPct val="90000"/>
-              </a:lnSpc>
-              <a:spcBef>
-                <a:spcPts val="405"/>
-              </a:spcBef>
-              <a:buFont typeface="Arial" panose="020B0604020202020204" pitchFamily="34" charset="0"/>
-              <a:buChar char="•"/>
-              <a:defRPr sz="1463" kern="1200">
-                <a:solidFill>
-                  <a:schemeClr val="tx1"/>
-                </a:solidFill>
-                <a:latin typeface="+mn-lt"/>
-                <a:ea typeface="+mn-ea"/>
-                <a:cs typeface="+mn-cs"/>
-              </a:defRPr>
-            </a:lvl7pPr>
-            <a:lvl8pPr marL="2785812" indent="-185721" algn="l" defTabSz="742883" rtl="0" eaLnBrk="1" latinLnBrk="0" hangingPunct="1">
-              <a:lnSpc>
-                <a:spcPct val="90000"/>
-              </a:lnSpc>
-              <a:spcBef>
-                <a:spcPts val="405"/>
-              </a:spcBef>
-              <a:buFont typeface="Arial" panose="020B0604020202020204" pitchFamily="34" charset="0"/>
-              <a:buChar char="•"/>
-              <a:defRPr sz="1463" kern="1200">
-                <a:solidFill>
-                  <a:schemeClr val="tx1"/>
-                </a:solidFill>
-                <a:latin typeface="+mn-lt"/>
-                <a:ea typeface="+mn-ea"/>
-                <a:cs typeface="+mn-cs"/>
-              </a:defRPr>
-            </a:lvl8pPr>
-            <a:lvl9pPr marL="3157253" indent="-185721" algn="l" defTabSz="742883" rtl="0" eaLnBrk="1" latinLnBrk="0" hangingPunct="1">
-              <a:lnSpc>
-                <a:spcPct val="90000"/>
-              </a:lnSpc>
-              <a:spcBef>
-                <a:spcPts val="405"/>
-              </a:spcBef>
-              <a:buFont typeface="Arial" panose="020B0604020202020204" pitchFamily="34" charset="0"/>
-              <a:buChar char="•"/>
-              <a:defRPr sz="1463" kern="1200">
-                <a:solidFill>
-                  <a:schemeClr val="tx1"/>
-                </a:solidFill>
-                <a:latin typeface="+mn-lt"/>
-                <a:ea typeface="+mn-ea"/>
-                <a:cs typeface="+mn-cs"/>
-              </a:defRPr>
-            </a:lvl9pPr>
-          </a:lstStyle>
-          <a:p>
-            <a:pPr marL="0" indent="0">
-              <a:buNone/>
-            </a:pPr>
-            <a:r>
-              <a:rPr lang="en-US" sz="1800" b="0" dirty="0"/>
-              <a:t>The L1 norm of an activation function ϕ as its average magnitude over its Np inputs:</a:t>
-            </a:r>
-          </a:p>
-        </p:txBody>
-      </p:sp>
-      <p:pic>
-        <p:nvPicPr>
-          <p:cNvPr id="11" name="Picture 10">
-            <a:extLst>
-              <a:ext uri="{FF2B5EF4-FFF2-40B4-BE49-F238E27FC236}">
-                <a16:creationId xmlns:a16="http://schemas.microsoft.com/office/drawing/2014/main" id="{BB42468A-B2A6-3A90-41C1-5C12973BABAF}"/>
-              </a:ext>
-            </a:extLst>
-          </p:cNvPr>
-          <p:cNvPicPr>
-            <a:picLocks noChangeAspect="1"/>
-          </p:cNvPicPr>
-          <p:nvPr/>
-        </p:nvPicPr>
-        <p:blipFill>
-          <a:blip r:embed="rId2"/>
-          <a:stretch>
-            <a:fillRect/>
-          </a:stretch>
-        </p:blipFill>
-        <p:spPr>
-          <a:xfrm>
-            <a:off x="3610159" y="2895596"/>
-            <a:ext cx="2391109" cy="981212"/>
-          </a:xfrm>
-          <a:prstGeom prst="rect">
-            <a:avLst/>
-          </a:prstGeom>
-        </p:spPr>
-      </p:pic>
-      <p:pic>
-        <p:nvPicPr>
-          <p:cNvPr id="13" name="Picture 12">
-            <a:extLst>
-              <a:ext uri="{FF2B5EF4-FFF2-40B4-BE49-F238E27FC236}">
-                <a16:creationId xmlns:a16="http://schemas.microsoft.com/office/drawing/2014/main" id="{D9F95F33-18A9-AB5C-645C-812644D41829}"/>
-              </a:ext>
-            </a:extLst>
-          </p:cNvPr>
-          <p:cNvPicPr>
-            <a:picLocks noChangeAspect="1"/>
-          </p:cNvPicPr>
-          <p:nvPr/>
-        </p:nvPicPr>
-        <p:blipFill>
-          <a:blip r:embed="rId3"/>
-          <a:stretch>
-            <a:fillRect/>
-          </a:stretch>
-        </p:blipFill>
-        <p:spPr>
-          <a:xfrm>
-            <a:off x="3610159" y="4579304"/>
-            <a:ext cx="2353003" cy="933580"/>
-          </a:xfrm>
-          <a:prstGeom prst="rect">
-            <a:avLst/>
-          </a:prstGeom>
-        </p:spPr>
-      </p:pic>
-      <p:sp>
-        <p:nvSpPr>
-          <p:cNvPr id="14" name="Content Placeholder 2" descr="phi&#10;">
-            <a:extLst>
-              <a:ext uri="{FF2B5EF4-FFF2-40B4-BE49-F238E27FC236}">
-                <a16:creationId xmlns:a16="http://schemas.microsoft.com/office/drawing/2014/main" id="{7DAFC50C-9AE2-C9BA-488F-0BA4C7D047D7}"/>
-              </a:ext>
-            </a:extLst>
-          </p:cNvPr>
-          <p:cNvSpPr txBox="1">
-            <a:spLocks/>
-          </p:cNvSpPr>
-          <p:nvPr/>
-        </p:nvSpPr>
-        <p:spPr bwMode="auto">
-          <a:xfrm>
-            <a:off x="616077" y="4086290"/>
-            <a:ext cx="8667750" cy="1028700"/>
-          </a:xfrm>
-          <a:prstGeom prst="rect">
-            <a:avLst/>
-          </a:prstGeom>
-          <a:noFill/>
-          <a:ln>
-            <a:noFill/>
-          </a:ln>
-          <a:extLst>
-            <a:ext uri="{909E8E84-426E-40DD-AFC4-6F175D3DCCD1}">
-              <a14:hiddenFill xmlns:a14="http://schemas.microsoft.com/office/drawing/2010/main">
-                <a:solidFill>
-                  <a:srgbClr val="FFFFFF"/>
-                </a:solidFill>
-              </a14:hiddenFill>
-            </a:ext>
-            <a:ext uri="{91240B29-F687-4F45-9708-019B960494DF}">
-              <a14:hiddenLine xmlns:a14="http://schemas.microsoft.com/office/drawing/2010/main" w="9525">
-                <a:solidFill>
-                  <a:srgbClr val="000000"/>
-                </a:solidFill>
-                <a:miter lim="800000"/>
-                <a:headEnd/>
-                <a:tailEnd/>
-              </a14:hiddenLine>
-            </a:ext>
-          </a:extLst>
-        </p:spPr>
-        <p:txBody>
-          <a:bodyPr vert="horz" wrap="square" lIns="0" tIns="0" rIns="0" bIns="0" numCol="1" anchor="t" anchorCtr="0" compatLnSpc="1">
-            <a:prstTxWarp prst="textNoShape">
-              <a:avLst/>
-            </a:prstTxWarp>
-          </a:bodyPr>
-          <a:lstStyle>
-            <a:lvl1pPr marL="342900" indent="-342900" algn="l" defTabSz="741363" rtl="0" eaLnBrk="0" fontAlgn="base" hangingPunct="0">
-              <a:lnSpc>
-                <a:spcPct val="100000"/>
-              </a:lnSpc>
-              <a:spcBef>
-                <a:spcPts val="600"/>
-              </a:spcBef>
-              <a:spcAft>
-                <a:spcPct val="0"/>
-              </a:spcAft>
-              <a:buFont typeface="Arial" panose="020B0604020202020204" pitchFamily="34" charset="0"/>
-              <a:buChar char="•"/>
-              <a:defRPr sz="2400" kern="1200">
-                <a:solidFill>
-                  <a:srgbClr val="5A667F"/>
-                </a:solidFill>
-                <a:latin typeface="Lato" panose="020F0502020204030203" pitchFamily="34" charset="77"/>
-                <a:ea typeface="+mn-ea"/>
-                <a:cs typeface="Arial" panose="020B0604020202020204" pitchFamily="34" charset="0"/>
-              </a:defRPr>
-            </a:lvl1pPr>
-            <a:lvl2pPr marL="719138" indent="-363538" algn="l" defTabSz="741363" rtl="0" eaLnBrk="0" fontAlgn="base" hangingPunct="0">
-              <a:lnSpc>
-                <a:spcPct val="100000"/>
-              </a:lnSpc>
-              <a:spcBef>
-                <a:spcPts val="600"/>
-              </a:spcBef>
-              <a:spcAft>
-                <a:spcPct val="0"/>
-              </a:spcAft>
-              <a:buFont typeface="Arial" panose="020B0604020202020204" pitchFamily="34" charset="0"/>
-              <a:buChar char="•"/>
-              <a:defRPr sz="2000" kern="1200">
-                <a:solidFill>
-                  <a:srgbClr val="5A667F"/>
-                </a:solidFill>
-                <a:latin typeface="Lato" panose="020F0502020204030203" pitchFamily="34" charset="77"/>
-                <a:ea typeface="+mn-ea"/>
-                <a:cs typeface="Arial" panose="020B0604020202020204" pitchFamily="34" charset="0"/>
-              </a:defRPr>
-            </a:lvl2pPr>
-            <a:lvl3pPr marL="896938" indent="-177800" algn="l" defTabSz="741363" rtl="0" eaLnBrk="0" fontAlgn="base" hangingPunct="0">
-              <a:lnSpc>
-                <a:spcPct val="100000"/>
-              </a:lnSpc>
-              <a:spcBef>
-                <a:spcPts val="600"/>
-              </a:spcBef>
-              <a:spcAft>
-                <a:spcPct val="0"/>
-              </a:spcAft>
-              <a:buFont typeface="Arial" panose="020B0604020202020204" pitchFamily="34" charset="0"/>
-              <a:buChar char="•"/>
-              <a:defRPr sz="1600" kern="1200">
-                <a:solidFill>
-                  <a:srgbClr val="5A667F"/>
-                </a:solidFill>
-                <a:latin typeface="Lato" panose="020F0502020204030203" pitchFamily="34" charset="77"/>
-                <a:ea typeface="+mn-ea"/>
-                <a:cs typeface="Arial" panose="020B0604020202020204" pitchFamily="34" charset="0"/>
-              </a:defRPr>
-            </a:lvl3pPr>
-            <a:lvl4pPr marL="1074738" indent="-177800" algn="l" defTabSz="741363" rtl="0" eaLnBrk="0" fontAlgn="base" hangingPunct="0">
-              <a:lnSpc>
-                <a:spcPct val="100000"/>
-              </a:lnSpc>
-              <a:spcBef>
-                <a:spcPts val="600"/>
-              </a:spcBef>
-              <a:spcAft>
-                <a:spcPct val="0"/>
-              </a:spcAft>
-              <a:buFont typeface="Arial" panose="020B0604020202020204" pitchFamily="34" charset="0"/>
-              <a:buChar char="•"/>
-              <a:defRPr sz="1400" kern="1200">
-                <a:solidFill>
-                  <a:srgbClr val="5A667F"/>
-                </a:solidFill>
-                <a:latin typeface="Lato" panose="020F0502020204030203" pitchFamily="34" charset="77"/>
-                <a:ea typeface="+mn-ea"/>
-                <a:cs typeface="Arial" panose="020B0604020202020204" pitchFamily="34" charset="0"/>
-              </a:defRPr>
-            </a:lvl4pPr>
-            <a:lvl5pPr marL="1252538" indent="-177800" algn="l" defTabSz="741363" rtl="0" eaLnBrk="0" fontAlgn="base" hangingPunct="0">
-              <a:lnSpc>
-                <a:spcPct val="100000"/>
-              </a:lnSpc>
-              <a:spcBef>
-                <a:spcPts val="600"/>
-              </a:spcBef>
-              <a:spcAft>
-                <a:spcPct val="0"/>
-              </a:spcAft>
-              <a:buFont typeface="Arial" panose="020B0604020202020204" pitchFamily="34" charset="0"/>
-              <a:buChar char="•"/>
-              <a:tabLst/>
-              <a:defRPr sz="1200" kern="1200">
-                <a:solidFill>
-                  <a:srgbClr val="5A667F"/>
-                </a:solidFill>
-                <a:latin typeface="Lato" panose="020F0502020204030203" pitchFamily="34" charset="77"/>
-                <a:ea typeface="+mn-ea"/>
-                <a:cs typeface="Arial" panose="020B0604020202020204" pitchFamily="34" charset="0"/>
-              </a:defRPr>
-            </a:lvl5pPr>
-            <a:lvl6pPr marL="2042929" indent="-185721" algn="l" defTabSz="742883" rtl="0" eaLnBrk="1" latinLnBrk="0" hangingPunct="1">
-              <a:lnSpc>
-                <a:spcPct val="90000"/>
-              </a:lnSpc>
-              <a:spcBef>
-                <a:spcPts val="405"/>
-              </a:spcBef>
-              <a:buFont typeface="Arial" panose="020B0604020202020204" pitchFamily="34" charset="0"/>
-              <a:buChar char="•"/>
-              <a:defRPr sz="1463" kern="1200">
-                <a:solidFill>
-                  <a:schemeClr val="tx1"/>
-                </a:solidFill>
-                <a:latin typeface="+mn-lt"/>
-                <a:ea typeface="+mn-ea"/>
-                <a:cs typeface="+mn-cs"/>
-              </a:defRPr>
-            </a:lvl6pPr>
-            <a:lvl7pPr marL="2414371" indent="-185721" algn="l" defTabSz="742883" rtl="0" eaLnBrk="1" latinLnBrk="0" hangingPunct="1">
-              <a:lnSpc>
-                <a:spcPct val="90000"/>
-              </a:lnSpc>
-              <a:spcBef>
-                <a:spcPts val="405"/>
-              </a:spcBef>
-              <a:buFont typeface="Arial" panose="020B0604020202020204" pitchFamily="34" charset="0"/>
-              <a:buChar char="•"/>
-              <a:defRPr sz="1463" kern="1200">
-                <a:solidFill>
-                  <a:schemeClr val="tx1"/>
-                </a:solidFill>
-                <a:latin typeface="+mn-lt"/>
-                <a:ea typeface="+mn-ea"/>
-                <a:cs typeface="+mn-cs"/>
-              </a:defRPr>
-            </a:lvl7pPr>
-            <a:lvl8pPr marL="2785812" indent="-185721" algn="l" defTabSz="742883" rtl="0" eaLnBrk="1" latinLnBrk="0" hangingPunct="1">
-              <a:lnSpc>
-                <a:spcPct val="90000"/>
-              </a:lnSpc>
-              <a:spcBef>
-                <a:spcPts val="405"/>
-              </a:spcBef>
-              <a:buFont typeface="Arial" panose="020B0604020202020204" pitchFamily="34" charset="0"/>
-              <a:buChar char="•"/>
-              <a:defRPr sz="1463" kern="1200">
-                <a:solidFill>
-                  <a:schemeClr val="tx1"/>
-                </a:solidFill>
-                <a:latin typeface="+mn-lt"/>
-                <a:ea typeface="+mn-ea"/>
-                <a:cs typeface="+mn-cs"/>
-              </a:defRPr>
-            </a:lvl8pPr>
-            <a:lvl9pPr marL="3157253" indent="-185721" algn="l" defTabSz="742883" rtl="0" eaLnBrk="1" latinLnBrk="0" hangingPunct="1">
-              <a:lnSpc>
-                <a:spcPct val="90000"/>
-              </a:lnSpc>
-              <a:spcBef>
-                <a:spcPts val="405"/>
-              </a:spcBef>
-              <a:buFont typeface="Arial" panose="020B0604020202020204" pitchFamily="34" charset="0"/>
-              <a:buChar char="•"/>
-              <a:defRPr sz="1463" kern="1200">
-                <a:solidFill>
-                  <a:schemeClr val="tx1"/>
-                </a:solidFill>
-                <a:latin typeface="+mn-lt"/>
-                <a:ea typeface="+mn-ea"/>
-                <a:cs typeface="+mn-cs"/>
-              </a:defRPr>
-            </a:lvl9pPr>
-          </a:lstStyle>
-          <a:p>
-            <a:pPr marL="0" indent="0">
-              <a:buNone/>
-            </a:pPr>
-            <a:r>
-              <a:rPr lang="en-US" sz="1800" b="0" dirty="0"/>
-              <a:t>The L1 norm of a layer is the sum of all the activation functions norm :</a:t>
-            </a:r>
-          </a:p>
-        </p:txBody>
-      </p:sp>
-    </p:spTree>
-    <p:extLst>
-      <p:ext uri="{BB962C8B-B14F-4D97-AF65-F5344CB8AC3E}">
-        <p14:creationId xmlns:p14="http://schemas.microsoft.com/office/powerpoint/2010/main" val="1631125681"/>
-      </p:ext>
-    </p:extLst>
-  </p:cSld>
-  <p:clrMapOvr>
-    <a:masterClrMapping/>
-  </p:clrMapOvr>
-</p:sld>
-</file>
-
-<file path=ppt/slides/slide16.xml><?xml version="1.0" encoding="utf-8"?>
-<p:sld xmlns:a="http://schemas.openxmlformats.org/drawingml/2006/main" xmlns:r="http://schemas.openxmlformats.org/officeDocument/2006/relationships" xmlns:p="http://schemas.openxmlformats.org/presentationml/2006/main">
-  <p:cSld>
-    <p:spTree>
-      <p:nvGrpSpPr>
-        <p:cNvPr id="1" name="">
-          <a:extLst>
-            <a:ext uri="{FF2B5EF4-FFF2-40B4-BE49-F238E27FC236}">
-              <a16:creationId xmlns:a16="http://schemas.microsoft.com/office/drawing/2014/main" id="{351B67D2-B793-8717-77C1-4079676E4961}"/>
-            </a:ext>
-          </a:extLst>
-        </p:cNvPr>
-        <p:cNvGrpSpPr/>
-        <p:nvPr/>
-      </p:nvGrpSpPr>
-      <p:grpSpPr>
-        <a:xfrm>
-          <a:off x="0" y="0"/>
-          <a:ext cx="0" cy="0"/>
-          <a:chOff x="0" y="0"/>
-          <a:chExt cx="0" cy="0"/>
-        </a:xfrm>
-      </p:grpSpPr>
-      <p:sp>
-        <p:nvSpPr>
-          <p:cNvPr id="2" name="Title 1">
-            <a:extLst>
-              <a:ext uri="{FF2B5EF4-FFF2-40B4-BE49-F238E27FC236}">
-                <a16:creationId xmlns:a16="http://schemas.microsoft.com/office/drawing/2014/main" id="{5E5411D5-0340-8F6D-F2D9-DEEF49E9BFAC}"/>
-              </a:ext>
-            </a:extLst>
-          </p:cNvPr>
-          <p:cNvSpPr>
-            <a:spLocks noGrp="1"/>
-          </p:cNvSpPr>
-          <p:nvPr>
-            <p:ph type="title"/>
-          </p:nvPr>
-        </p:nvSpPr>
-        <p:spPr/>
-        <p:txBody>
-          <a:bodyPr/>
-          <a:lstStyle/>
-          <a:p>
-            <a:r>
-              <a:rPr lang="en-US" sz="2400" dirty="0"/>
-              <a:t>Advanced: </a:t>
-            </a:r>
-            <a:r>
-              <a:rPr lang="en-US" sz="2400" dirty="0" err="1"/>
-              <a:t>Sparsification</a:t>
-            </a:r>
-            <a:r>
-              <a:rPr lang="en-US" sz="2400" dirty="0"/>
-              <a:t> (2)</a:t>
-            </a:r>
-            <a:endParaRPr sz="2400" dirty="0"/>
-          </a:p>
-        </p:txBody>
-      </p:sp>
-      <p:pic>
-        <p:nvPicPr>
-          <p:cNvPr id="5" name="Picture 4">
-            <a:extLst>
-              <a:ext uri="{FF2B5EF4-FFF2-40B4-BE49-F238E27FC236}">
-                <a16:creationId xmlns:a16="http://schemas.microsoft.com/office/drawing/2014/main" id="{07F3E83C-F079-C56E-20C3-91CDBEE79838}"/>
-              </a:ext>
-            </a:extLst>
-          </p:cNvPr>
-          <p:cNvPicPr>
-            <a:picLocks noChangeAspect="1"/>
-          </p:cNvPicPr>
-          <p:nvPr/>
-        </p:nvPicPr>
-        <p:blipFill>
-          <a:blip r:embed="rId2"/>
-          <a:stretch>
-            <a:fillRect/>
-          </a:stretch>
-        </p:blipFill>
-        <p:spPr>
-          <a:xfrm>
-            <a:off x="2238294" y="4376835"/>
-            <a:ext cx="5039428" cy="838317"/>
-          </a:xfrm>
-          <a:prstGeom prst="rect">
-            <a:avLst/>
-          </a:prstGeom>
-        </p:spPr>
-      </p:pic>
-      <p:pic>
-        <p:nvPicPr>
-          <p:cNvPr id="8" name="Picture 7">
-            <a:extLst>
-              <a:ext uri="{FF2B5EF4-FFF2-40B4-BE49-F238E27FC236}">
-                <a16:creationId xmlns:a16="http://schemas.microsoft.com/office/drawing/2014/main" id="{D7D4DCDC-8A79-6A54-3B8D-F35B94A5E057}"/>
-              </a:ext>
-            </a:extLst>
-          </p:cNvPr>
-          <p:cNvPicPr>
-            <a:picLocks noChangeAspect="1"/>
-          </p:cNvPicPr>
-          <p:nvPr/>
-        </p:nvPicPr>
-        <p:blipFill>
-          <a:blip r:embed="rId3"/>
-          <a:stretch>
-            <a:fillRect/>
-          </a:stretch>
-        </p:blipFill>
-        <p:spPr>
-          <a:xfrm>
-            <a:off x="2819400" y="2809150"/>
-            <a:ext cx="3877216" cy="790685"/>
-          </a:xfrm>
-          <a:prstGeom prst="rect">
-            <a:avLst/>
-          </a:prstGeom>
-        </p:spPr>
-      </p:pic>
-      <p:sp>
-        <p:nvSpPr>
-          <p:cNvPr id="9" name="Content Placeholder 2" descr="phi&#10;">
-            <a:extLst>
-              <a:ext uri="{FF2B5EF4-FFF2-40B4-BE49-F238E27FC236}">
-                <a16:creationId xmlns:a16="http://schemas.microsoft.com/office/drawing/2014/main" id="{8A2183F9-243B-C447-6D52-04233634B162}"/>
-              </a:ext>
-            </a:extLst>
-          </p:cNvPr>
-          <p:cNvSpPr txBox="1">
-            <a:spLocks/>
-          </p:cNvSpPr>
-          <p:nvPr/>
-        </p:nvSpPr>
-        <p:spPr bwMode="auto">
-          <a:xfrm>
-            <a:off x="762000" y="1642848"/>
-            <a:ext cx="8667750" cy="1028700"/>
-          </a:xfrm>
-          <a:prstGeom prst="rect">
-            <a:avLst/>
-          </a:prstGeom>
-          <a:noFill/>
-          <a:ln>
-            <a:noFill/>
-          </a:ln>
-          <a:extLst>
-            <a:ext uri="{909E8E84-426E-40DD-AFC4-6F175D3DCCD1}">
-              <a14:hiddenFill xmlns:a14="http://schemas.microsoft.com/office/drawing/2010/main">
-                <a:solidFill>
-                  <a:srgbClr val="FFFFFF"/>
-                </a:solidFill>
-              </a14:hiddenFill>
-            </a:ext>
-            <a:ext uri="{91240B29-F687-4F45-9708-019B960494DF}">
-              <a14:hiddenLine xmlns:a14="http://schemas.microsoft.com/office/drawing/2010/main" w="9525">
-                <a:solidFill>
-                  <a:srgbClr val="000000"/>
-                </a:solidFill>
-                <a:miter lim="800000"/>
-                <a:headEnd/>
-                <a:tailEnd/>
-              </a14:hiddenLine>
-            </a:ext>
-          </a:extLst>
-        </p:spPr>
-        <p:txBody>
-          <a:bodyPr vert="horz" wrap="square" lIns="0" tIns="0" rIns="0" bIns="0" numCol="1" anchor="t" anchorCtr="0" compatLnSpc="1">
-            <a:prstTxWarp prst="textNoShape">
-              <a:avLst/>
-            </a:prstTxWarp>
-          </a:bodyPr>
-          <a:lstStyle>
-            <a:lvl1pPr marL="342900" indent="-342900" algn="l" defTabSz="741363" rtl="0" eaLnBrk="0" fontAlgn="base" hangingPunct="0">
-              <a:lnSpc>
-                <a:spcPct val="100000"/>
-              </a:lnSpc>
-              <a:spcBef>
-                <a:spcPts val="600"/>
-              </a:spcBef>
-              <a:spcAft>
-                <a:spcPct val="0"/>
-              </a:spcAft>
-              <a:buFont typeface="Arial" panose="020B0604020202020204" pitchFamily="34" charset="0"/>
-              <a:buChar char="•"/>
-              <a:defRPr sz="2400" kern="1200">
-                <a:solidFill>
-                  <a:srgbClr val="5A667F"/>
-                </a:solidFill>
-                <a:latin typeface="Lato" panose="020F0502020204030203" pitchFamily="34" charset="77"/>
-                <a:ea typeface="+mn-ea"/>
-                <a:cs typeface="Arial" panose="020B0604020202020204" pitchFamily="34" charset="0"/>
-              </a:defRPr>
-            </a:lvl1pPr>
-            <a:lvl2pPr marL="719138" indent="-363538" algn="l" defTabSz="741363" rtl="0" eaLnBrk="0" fontAlgn="base" hangingPunct="0">
-              <a:lnSpc>
-                <a:spcPct val="100000"/>
-              </a:lnSpc>
-              <a:spcBef>
-                <a:spcPts val="600"/>
-              </a:spcBef>
-              <a:spcAft>
-                <a:spcPct val="0"/>
-              </a:spcAft>
-              <a:buFont typeface="Arial" panose="020B0604020202020204" pitchFamily="34" charset="0"/>
-              <a:buChar char="•"/>
-              <a:defRPr sz="2000" kern="1200">
-                <a:solidFill>
-                  <a:srgbClr val="5A667F"/>
-                </a:solidFill>
-                <a:latin typeface="Lato" panose="020F0502020204030203" pitchFamily="34" charset="77"/>
-                <a:ea typeface="+mn-ea"/>
-                <a:cs typeface="Arial" panose="020B0604020202020204" pitchFamily="34" charset="0"/>
-              </a:defRPr>
-            </a:lvl2pPr>
-            <a:lvl3pPr marL="896938" indent="-177800" algn="l" defTabSz="741363" rtl="0" eaLnBrk="0" fontAlgn="base" hangingPunct="0">
-              <a:lnSpc>
-                <a:spcPct val="100000"/>
-              </a:lnSpc>
-              <a:spcBef>
-                <a:spcPts val="600"/>
-              </a:spcBef>
-              <a:spcAft>
-                <a:spcPct val="0"/>
-              </a:spcAft>
-              <a:buFont typeface="Arial" panose="020B0604020202020204" pitchFamily="34" charset="0"/>
-              <a:buChar char="•"/>
-              <a:defRPr sz="1600" kern="1200">
-                <a:solidFill>
-                  <a:srgbClr val="5A667F"/>
-                </a:solidFill>
-                <a:latin typeface="Lato" panose="020F0502020204030203" pitchFamily="34" charset="77"/>
-                <a:ea typeface="+mn-ea"/>
-                <a:cs typeface="Arial" panose="020B0604020202020204" pitchFamily="34" charset="0"/>
-              </a:defRPr>
-            </a:lvl3pPr>
-            <a:lvl4pPr marL="1074738" indent="-177800" algn="l" defTabSz="741363" rtl="0" eaLnBrk="0" fontAlgn="base" hangingPunct="0">
-              <a:lnSpc>
-                <a:spcPct val="100000"/>
-              </a:lnSpc>
-              <a:spcBef>
-                <a:spcPts val="600"/>
-              </a:spcBef>
-              <a:spcAft>
-                <a:spcPct val="0"/>
-              </a:spcAft>
-              <a:buFont typeface="Arial" panose="020B0604020202020204" pitchFamily="34" charset="0"/>
-              <a:buChar char="•"/>
-              <a:defRPr sz="1400" kern="1200">
-                <a:solidFill>
-                  <a:srgbClr val="5A667F"/>
-                </a:solidFill>
-                <a:latin typeface="Lato" panose="020F0502020204030203" pitchFamily="34" charset="77"/>
-                <a:ea typeface="+mn-ea"/>
-                <a:cs typeface="Arial" panose="020B0604020202020204" pitchFamily="34" charset="0"/>
-              </a:defRPr>
-            </a:lvl4pPr>
-            <a:lvl5pPr marL="1252538" indent="-177800" algn="l" defTabSz="741363" rtl="0" eaLnBrk="0" fontAlgn="base" hangingPunct="0">
-              <a:lnSpc>
-                <a:spcPct val="100000"/>
-              </a:lnSpc>
-              <a:spcBef>
-                <a:spcPts val="600"/>
-              </a:spcBef>
-              <a:spcAft>
-                <a:spcPct val="0"/>
-              </a:spcAft>
-              <a:buFont typeface="Arial" panose="020B0604020202020204" pitchFamily="34" charset="0"/>
-              <a:buChar char="•"/>
-              <a:tabLst/>
-              <a:defRPr sz="1200" kern="1200">
-                <a:solidFill>
-                  <a:srgbClr val="5A667F"/>
-                </a:solidFill>
-                <a:latin typeface="Lato" panose="020F0502020204030203" pitchFamily="34" charset="77"/>
-                <a:ea typeface="+mn-ea"/>
-                <a:cs typeface="Arial" panose="020B0604020202020204" pitchFamily="34" charset="0"/>
-              </a:defRPr>
-            </a:lvl5pPr>
-            <a:lvl6pPr marL="2042929" indent="-185721" algn="l" defTabSz="742883" rtl="0" eaLnBrk="1" latinLnBrk="0" hangingPunct="1">
-              <a:lnSpc>
-                <a:spcPct val="90000"/>
-              </a:lnSpc>
-              <a:spcBef>
-                <a:spcPts val="405"/>
-              </a:spcBef>
-              <a:buFont typeface="Arial" panose="020B0604020202020204" pitchFamily="34" charset="0"/>
-              <a:buChar char="•"/>
-              <a:defRPr sz="1463" kern="1200">
-                <a:solidFill>
-                  <a:schemeClr val="tx1"/>
-                </a:solidFill>
-                <a:latin typeface="+mn-lt"/>
-                <a:ea typeface="+mn-ea"/>
-                <a:cs typeface="+mn-cs"/>
-              </a:defRPr>
-            </a:lvl6pPr>
-            <a:lvl7pPr marL="2414371" indent="-185721" algn="l" defTabSz="742883" rtl="0" eaLnBrk="1" latinLnBrk="0" hangingPunct="1">
-              <a:lnSpc>
-                <a:spcPct val="90000"/>
-              </a:lnSpc>
-              <a:spcBef>
-                <a:spcPts val="405"/>
-              </a:spcBef>
-              <a:buFont typeface="Arial" panose="020B0604020202020204" pitchFamily="34" charset="0"/>
-              <a:buChar char="•"/>
-              <a:defRPr sz="1463" kern="1200">
-                <a:solidFill>
-                  <a:schemeClr val="tx1"/>
-                </a:solidFill>
-                <a:latin typeface="+mn-lt"/>
-                <a:ea typeface="+mn-ea"/>
-                <a:cs typeface="+mn-cs"/>
-              </a:defRPr>
-            </a:lvl7pPr>
-            <a:lvl8pPr marL="2785812" indent="-185721" algn="l" defTabSz="742883" rtl="0" eaLnBrk="1" latinLnBrk="0" hangingPunct="1">
-              <a:lnSpc>
-                <a:spcPct val="90000"/>
-              </a:lnSpc>
-              <a:spcBef>
-                <a:spcPts val="405"/>
-              </a:spcBef>
-              <a:buFont typeface="Arial" panose="020B0604020202020204" pitchFamily="34" charset="0"/>
-              <a:buChar char="•"/>
-              <a:defRPr sz="1463" kern="1200">
-                <a:solidFill>
-                  <a:schemeClr val="tx1"/>
-                </a:solidFill>
-                <a:latin typeface="+mn-lt"/>
-                <a:ea typeface="+mn-ea"/>
-                <a:cs typeface="+mn-cs"/>
-              </a:defRPr>
-            </a:lvl8pPr>
-            <a:lvl9pPr marL="3157253" indent="-185721" algn="l" defTabSz="742883" rtl="0" eaLnBrk="1" latinLnBrk="0" hangingPunct="1">
-              <a:lnSpc>
-                <a:spcPct val="90000"/>
-              </a:lnSpc>
-              <a:spcBef>
-                <a:spcPts val="405"/>
-              </a:spcBef>
-              <a:buFont typeface="Arial" panose="020B0604020202020204" pitchFamily="34" charset="0"/>
-              <a:buChar char="•"/>
-              <a:defRPr sz="1463" kern="1200">
-                <a:solidFill>
-                  <a:schemeClr val="tx1"/>
-                </a:solidFill>
-                <a:latin typeface="+mn-lt"/>
-                <a:ea typeface="+mn-ea"/>
-                <a:cs typeface="+mn-cs"/>
-              </a:defRPr>
-            </a:lvl9pPr>
-          </a:lstStyle>
-          <a:p>
-            <a:pPr marL="0" indent="0">
-              <a:buNone/>
-            </a:pPr>
-            <a:r>
-              <a:rPr lang="en-US" sz="1800" b="0" dirty="0"/>
-              <a:t>Experimentally, we find that L1 regularization alone is </a:t>
-            </a:r>
-            <a:r>
-              <a:rPr lang="en-US" sz="1800" b="0" dirty="0" err="1"/>
-              <a:t>insufficien</a:t>
-            </a:r>
-            <a:r>
-              <a:rPr lang="en-US" sz="1800" b="0" dirty="0"/>
-              <a:t> for </a:t>
-            </a:r>
-            <a:r>
-              <a:rPr lang="en-US" sz="1800" b="0" dirty="0" err="1"/>
-              <a:t>sparsification</a:t>
-            </a:r>
-            <a:r>
-              <a:rPr lang="en-US" sz="1800" b="0" dirty="0"/>
-              <a:t>.</a:t>
-            </a:r>
-          </a:p>
-          <a:p>
-            <a:pPr marL="0" indent="0">
-              <a:buNone/>
-            </a:pPr>
-            <a:r>
-              <a:rPr lang="en-US" sz="1800" b="0" dirty="0"/>
-              <a:t>Instead, additional entropy regularization encourages the model to use activation functions with lower complexity and fewer degrees of freedom</a:t>
-            </a:r>
-          </a:p>
-        </p:txBody>
-      </p:sp>
-      <p:sp>
-        <p:nvSpPr>
-          <p:cNvPr id="14" name="Content Placeholder 2" descr="phi&#10;">
-            <a:extLst>
-              <a:ext uri="{FF2B5EF4-FFF2-40B4-BE49-F238E27FC236}">
-                <a16:creationId xmlns:a16="http://schemas.microsoft.com/office/drawing/2014/main" id="{58F3A33B-CD50-B058-179F-AC2F1D9541D9}"/>
-              </a:ext>
-            </a:extLst>
-          </p:cNvPr>
-          <p:cNvSpPr txBox="1">
-            <a:spLocks/>
-          </p:cNvSpPr>
-          <p:nvPr/>
-        </p:nvSpPr>
-        <p:spPr bwMode="auto">
-          <a:xfrm>
-            <a:off x="762000" y="3962400"/>
-            <a:ext cx="8667750" cy="457200"/>
-          </a:xfrm>
-          <a:prstGeom prst="rect">
-            <a:avLst/>
-          </a:prstGeom>
-          <a:noFill/>
-          <a:ln>
-            <a:noFill/>
-          </a:ln>
-          <a:extLst>
-            <a:ext uri="{909E8E84-426E-40DD-AFC4-6F175D3DCCD1}">
-              <a14:hiddenFill xmlns:a14="http://schemas.microsoft.com/office/drawing/2010/main">
-                <a:solidFill>
-                  <a:srgbClr val="FFFFFF"/>
-                </a:solidFill>
-              </a14:hiddenFill>
-            </a:ext>
-            <a:ext uri="{91240B29-F687-4F45-9708-019B960494DF}">
-              <a14:hiddenLine xmlns:a14="http://schemas.microsoft.com/office/drawing/2010/main" w="9525">
-                <a:solidFill>
-                  <a:srgbClr val="000000"/>
-                </a:solidFill>
-                <a:miter lim="800000"/>
-                <a:headEnd/>
-                <a:tailEnd/>
-              </a14:hiddenLine>
-            </a:ext>
-          </a:extLst>
-        </p:spPr>
-        <p:txBody>
-          <a:bodyPr vert="horz" wrap="square" lIns="0" tIns="0" rIns="0" bIns="0" numCol="1" anchor="t" anchorCtr="0" compatLnSpc="1">
-            <a:prstTxWarp prst="textNoShape">
-              <a:avLst/>
-            </a:prstTxWarp>
-          </a:bodyPr>
-          <a:lstStyle>
-            <a:lvl1pPr marL="342900" indent="-342900" algn="l" defTabSz="741363" rtl="0" eaLnBrk="0" fontAlgn="base" hangingPunct="0">
-              <a:lnSpc>
-                <a:spcPct val="100000"/>
-              </a:lnSpc>
-              <a:spcBef>
-                <a:spcPts val="600"/>
-              </a:spcBef>
-              <a:spcAft>
-                <a:spcPct val="0"/>
-              </a:spcAft>
-              <a:buFont typeface="Arial" panose="020B0604020202020204" pitchFamily="34" charset="0"/>
-              <a:buChar char="•"/>
-              <a:defRPr sz="2400" kern="1200">
-                <a:solidFill>
-                  <a:srgbClr val="5A667F"/>
-                </a:solidFill>
-                <a:latin typeface="Lato" panose="020F0502020204030203" pitchFamily="34" charset="77"/>
-                <a:ea typeface="+mn-ea"/>
-                <a:cs typeface="Arial" panose="020B0604020202020204" pitchFamily="34" charset="0"/>
-              </a:defRPr>
-            </a:lvl1pPr>
-            <a:lvl2pPr marL="719138" indent="-363538" algn="l" defTabSz="741363" rtl="0" eaLnBrk="0" fontAlgn="base" hangingPunct="0">
-              <a:lnSpc>
-                <a:spcPct val="100000"/>
-              </a:lnSpc>
-              <a:spcBef>
-                <a:spcPts val="600"/>
-              </a:spcBef>
-              <a:spcAft>
-                <a:spcPct val="0"/>
-              </a:spcAft>
-              <a:buFont typeface="Arial" panose="020B0604020202020204" pitchFamily="34" charset="0"/>
-              <a:buChar char="•"/>
-              <a:defRPr sz="2000" kern="1200">
-                <a:solidFill>
-                  <a:srgbClr val="5A667F"/>
-                </a:solidFill>
-                <a:latin typeface="Lato" panose="020F0502020204030203" pitchFamily="34" charset="77"/>
-                <a:ea typeface="+mn-ea"/>
-                <a:cs typeface="Arial" panose="020B0604020202020204" pitchFamily="34" charset="0"/>
-              </a:defRPr>
-            </a:lvl2pPr>
-            <a:lvl3pPr marL="896938" indent="-177800" algn="l" defTabSz="741363" rtl="0" eaLnBrk="0" fontAlgn="base" hangingPunct="0">
-              <a:lnSpc>
-                <a:spcPct val="100000"/>
-              </a:lnSpc>
-              <a:spcBef>
-                <a:spcPts val="600"/>
-              </a:spcBef>
-              <a:spcAft>
-                <a:spcPct val="0"/>
-              </a:spcAft>
-              <a:buFont typeface="Arial" panose="020B0604020202020204" pitchFamily="34" charset="0"/>
-              <a:buChar char="•"/>
-              <a:defRPr sz="1600" kern="1200">
-                <a:solidFill>
-                  <a:srgbClr val="5A667F"/>
-                </a:solidFill>
-                <a:latin typeface="Lato" panose="020F0502020204030203" pitchFamily="34" charset="77"/>
-                <a:ea typeface="+mn-ea"/>
-                <a:cs typeface="Arial" panose="020B0604020202020204" pitchFamily="34" charset="0"/>
-              </a:defRPr>
-            </a:lvl3pPr>
-            <a:lvl4pPr marL="1074738" indent="-177800" algn="l" defTabSz="741363" rtl="0" eaLnBrk="0" fontAlgn="base" hangingPunct="0">
-              <a:lnSpc>
-                <a:spcPct val="100000"/>
-              </a:lnSpc>
-              <a:spcBef>
-                <a:spcPts val="600"/>
-              </a:spcBef>
-              <a:spcAft>
-                <a:spcPct val="0"/>
-              </a:spcAft>
-              <a:buFont typeface="Arial" panose="020B0604020202020204" pitchFamily="34" charset="0"/>
-              <a:buChar char="•"/>
-              <a:defRPr sz="1400" kern="1200">
-                <a:solidFill>
-                  <a:srgbClr val="5A667F"/>
-                </a:solidFill>
-                <a:latin typeface="Lato" panose="020F0502020204030203" pitchFamily="34" charset="77"/>
-                <a:ea typeface="+mn-ea"/>
-                <a:cs typeface="Arial" panose="020B0604020202020204" pitchFamily="34" charset="0"/>
-              </a:defRPr>
-            </a:lvl4pPr>
-            <a:lvl5pPr marL="1252538" indent="-177800" algn="l" defTabSz="741363" rtl="0" eaLnBrk="0" fontAlgn="base" hangingPunct="0">
-              <a:lnSpc>
-                <a:spcPct val="100000"/>
-              </a:lnSpc>
-              <a:spcBef>
-                <a:spcPts val="600"/>
-              </a:spcBef>
-              <a:spcAft>
-                <a:spcPct val="0"/>
-              </a:spcAft>
-              <a:buFont typeface="Arial" panose="020B0604020202020204" pitchFamily="34" charset="0"/>
-              <a:buChar char="•"/>
-              <a:tabLst/>
-              <a:defRPr sz="1200" kern="1200">
-                <a:solidFill>
-                  <a:srgbClr val="5A667F"/>
-                </a:solidFill>
-                <a:latin typeface="Lato" panose="020F0502020204030203" pitchFamily="34" charset="77"/>
-                <a:ea typeface="+mn-ea"/>
-                <a:cs typeface="Arial" panose="020B0604020202020204" pitchFamily="34" charset="0"/>
-              </a:defRPr>
-            </a:lvl5pPr>
-            <a:lvl6pPr marL="2042929" indent="-185721" algn="l" defTabSz="742883" rtl="0" eaLnBrk="1" latinLnBrk="0" hangingPunct="1">
-              <a:lnSpc>
-                <a:spcPct val="90000"/>
-              </a:lnSpc>
-              <a:spcBef>
-                <a:spcPts val="405"/>
-              </a:spcBef>
-              <a:buFont typeface="Arial" panose="020B0604020202020204" pitchFamily="34" charset="0"/>
-              <a:buChar char="•"/>
-              <a:defRPr sz="1463" kern="1200">
-                <a:solidFill>
-                  <a:schemeClr val="tx1"/>
-                </a:solidFill>
-                <a:latin typeface="+mn-lt"/>
-                <a:ea typeface="+mn-ea"/>
-                <a:cs typeface="+mn-cs"/>
-              </a:defRPr>
-            </a:lvl6pPr>
-            <a:lvl7pPr marL="2414371" indent="-185721" algn="l" defTabSz="742883" rtl="0" eaLnBrk="1" latinLnBrk="0" hangingPunct="1">
-              <a:lnSpc>
-                <a:spcPct val="90000"/>
-              </a:lnSpc>
-              <a:spcBef>
-                <a:spcPts val="405"/>
-              </a:spcBef>
-              <a:buFont typeface="Arial" panose="020B0604020202020204" pitchFamily="34" charset="0"/>
-              <a:buChar char="•"/>
-              <a:defRPr sz="1463" kern="1200">
-                <a:solidFill>
-                  <a:schemeClr val="tx1"/>
-                </a:solidFill>
-                <a:latin typeface="+mn-lt"/>
-                <a:ea typeface="+mn-ea"/>
-                <a:cs typeface="+mn-cs"/>
-              </a:defRPr>
-            </a:lvl7pPr>
-            <a:lvl8pPr marL="2785812" indent="-185721" algn="l" defTabSz="742883" rtl="0" eaLnBrk="1" latinLnBrk="0" hangingPunct="1">
-              <a:lnSpc>
-                <a:spcPct val="90000"/>
-              </a:lnSpc>
-              <a:spcBef>
-                <a:spcPts val="405"/>
-              </a:spcBef>
-              <a:buFont typeface="Arial" panose="020B0604020202020204" pitchFamily="34" charset="0"/>
-              <a:buChar char="•"/>
-              <a:defRPr sz="1463" kern="1200">
-                <a:solidFill>
-                  <a:schemeClr val="tx1"/>
-                </a:solidFill>
-                <a:latin typeface="+mn-lt"/>
-                <a:ea typeface="+mn-ea"/>
-                <a:cs typeface="+mn-cs"/>
-              </a:defRPr>
-            </a:lvl8pPr>
-            <a:lvl9pPr marL="3157253" indent="-185721" algn="l" defTabSz="742883" rtl="0" eaLnBrk="1" latinLnBrk="0" hangingPunct="1">
-              <a:lnSpc>
-                <a:spcPct val="90000"/>
-              </a:lnSpc>
-              <a:spcBef>
-                <a:spcPts val="405"/>
-              </a:spcBef>
-              <a:buFont typeface="Arial" panose="020B0604020202020204" pitchFamily="34" charset="0"/>
-              <a:buChar char="•"/>
-              <a:defRPr sz="1463" kern="1200">
-                <a:solidFill>
-                  <a:schemeClr val="tx1"/>
-                </a:solidFill>
-                <a:latin typeface="+mn-lt"/>
-                <a:ea typeface="+mn-ea"/>
-                <a:cs typeface="+mn-cs"/>
-              </a:defRPr>
-            </a:lvl9pPr>
-          </a:lstStyle>
-          <a:p>
-            <a:pPr marL="0" indent="0">
-              <a:buNone/>
-            </a:pPr>
-            <a:r>
-              <a:rPr lang="en-US" sz="1800" b="0" dirty="0"/>
-              <a:t>Then the final regularization will be:</a:t>
-            </a:r>
-          </a:p>
-        </p:txBody>
-      </p:sp>
-    </p:spTree>
-    <p:extLst>
-      <p:ext uri="{BB962C8B-B14F-4D97-AF65-F5344CB8AC3E}">
-        <p14:creationId xmlns:p14="http://schemas.microsoft.com/office/powerpoint/2010/main" val="2274629540"/>
-      </p:ext>
-    </p:extLst>
-  </p:cSld>
-  <p:clrMapOvr>
-    <a:masterClrMapping/>
-  </p:clrMapOvr>
-</p:sld>
-</file>
-
-<file path=ppt/slides/slide17.xml><?xml version="1.0" encoding="utf-8"?>
-<p:sld xmlns:a="http://schemas.openxmlformats.org/drawingml/2006/main" xmlns:r="http://schemas.openxmlformats.org/officeDocument/2006/relationships" xmlns:p="http://schemas.openxmlformats.org/presentationml/2006/main">
-  <p:cSld>
-    <p:spTree>
-      <p:nvGrpSpPr>
-        <p:cNvPr id="1" name="">
-          <a:extLst>
-            <a:ext uri="{FF2B5EF4-FFF2-40B4-BE49-F238E27FC236}">
-              <a16:creationId xmlns:a16="http://schemas.microsoft.com/office/drawing/2014/main" id="{8B4D265A-5F63-2F6C-A57F-98F88D582A33}"/>
-            </a:ext>
-          </a:extLst>
-        </p:cNvPr>
-        <p:cNvGrpSpPr/>
-        <p:nvPr/>
-      </p:nvGrpSpPr>
-      <p:grpSpPr>
-        <a:xfrm>
-          <a:off x="0" y="0"/>
-          <a:ext cx="0" cy="0"/>
-          <a:chOff x="0" y="0"/>
-          <a:chExt cx="0" cy="0"/>
-        </a:xfrm>
-      </p:grpSpPr>
-      <p:sp>
-        <p:nvSpPr>
-          <p:cNvPr id="2" name="Title 1">
-            <a:extLst>
-              <a:ext uri="{FF2B5EF4-FFF2-40B4-BE49-F238E27FC236}">
-                <a16:creationId xmlns:a16="http://schemas.microsoft.com/office/drawing/2014/main" id="{F4DD73E5-B094-9627-4586-ED4763D7E7A7}"/>
-              </a:ext>
-            </a:extLst>
-          </p:cNvPr>
-          <p:cNvSpPr>
-            <a:spLocks noGrp="1"/>
-          </p:cNvSpPr>
-          <p:nvPr>
-            <p:ph type="title"/>
-          </p:nvPr>
-        </p:nvSpPr>
-        <p:spPr>
-          <a:xfrm>
-            <a:off x="619125" y="419100"/>
-            <a:ext cx="8667750" cy="1028700"/>
-          </a:xfrm>
-        </p:spPr>
-        <p:txBody>
-          <a:bodyPr/>
-          <a:lstStyle/>
-          <a:p>
-            <a:r>
-              <a:rPr lang="en-US" sz="2400" dirty="0"/>
-              <a:t>Advanced: Pruning and </a:t>
-            </a:r>
-            <a:r>
-              <a:rPr lang="en-US" sz="2400" dirty="0" err="1"/>
-              <a:t>Symbolification</a:t>
-            </a:r>
-            <a:endParaRPr sz="2400" dirty="0"/>
-          </a:p>
-        </p:txBody>
-      </p:sp>
-      <p:sp>
-        <p:nvSpPr>
-          <p:cNvPr id="3" name="Content Placeholder 2" descr="phi&#10;">
-            <a:extLst>
-              <a:ext uri="{FF2B5EF4-FFF2-40B4-BE49-F238E27FC236}">
-                <a16:creationId xmlns:a16="http://schemas.microsoft.com/office/drawing/2014/main" id="{07075380-9030-DE92-3F25-E961F73BC7B0}"/>
-              </a:ext>
-            </a:extLst>
-          </p:cNvPr>
-          <p:cNvSpPr>
-            <a:spLocks noGrp="1"/>
-          </p:cNvSpPr>
-          <p:nvPr>
-            <p:ph idx="1"/>
-          </p:nvPr>
-        </p:nvSpPr>
-        <p:spPr>
-          <a:xfrm>
-            <a:off x="619125" y="1181100"/>
-            <a:ext cx="8667750" cy="2514600"/>
-          </a:xfrm>
-        </p:spPr>
-        <p:txBody>
-          <a:bodyPr/>
-          <a:lstStyle/>
-          <a:p>
-            <a:pPr marL="0" indent="0">
-              <a:buNone/>
-            </a:pPr>
-            <a:r>
-              <a:rPr lang="en-US" sz="1800" dirty="0"/>
-              <a:t>PRUNING: We may also want to prune the network to a smaller subnetwork by eliminating all the non-essential nodes. In matrix form, these nodes will be represented as 0.</a:t>
-            </a:r>
-          </a:p>
-          <a:p>
-            <a:pPr marL="0" indent="0">
-              <a:buNone/>
-            </a:pPr>
-            <a:br>
-              <a:rPr lang="en-US" sz="1800" dirty="0"/>
-            </a:br>
-            <a:r>
-              <a:rPr lang="en-US" sz="1800" dirty="0"/>
-              <a:t>SYMBOLIFICATION: In some cases, after pruning, we suspect that some activation functions are very similar to symbolic functions then </a:t>
-            </a:r>
-            <a:r>
-              <a:rPr lang="en-US" sz="1800" dirty="0" err="1"/>
-              <a:t>symbolification</a:t>
-            </a:r>
-            <a:r>
-              <a:rPr lang="en-US" sz="1800" dirty="0"/>
-              <a:t> provides an interface to set the symbolic ϕ to their specified symbolic form</a:t>
-            </a:r>
-          </a:p>
-        </p:txBody>
-      </p:sp>
-      <p:pic>
-        <p:nvPicPr>
-          <p:cNvPr id="5" name="Picture 4">
-            <a:extLst>
-              <a:ext uri="{FF2B5EF4-FFF2-40B4-BE49-F238E27FC236}">
-                <a16:creationId xmlns:a16="http://schemas.microsoft.com/office/drawing/2014/main" id="{B2C96A1F-A2D9-8828-F265-7E02A3370EE9}"/>
-              </a:ext>
-            </a:extLst>
-          </p:cNvPr>
-          <p:cNvPicPr>
-            <a:picLocks noChangeAspect="1"/>
-          </p:cNvPicPr>
-          <p:nvPr/>
-        </p:nvPicPr>
-        <p:blipFill>
-          <a:blip r:embed="rId2"/>
-          <a:stretch>
-            <a:fillRect/>
-          </a:stretch>
-        </p:blipFill>
-        <p:spPr>
-          <a:xfrm>
-            <a:off x="2457450" y="3505200"/>
-            <a:ext cx="4991100" cy="2685052"/>
-          </a:xfrm>
-          <a:prstGeom prst="rect">
-            <a:avLst/>
-          </a:prstGeom>
-        </p:spPr>
-      </p:pic>
-    </p:spTree>
-    <p:extLst>
-      <p:ext uri="{BB962C8B-B14F-4D97-AF65-F5344CB8AC3E}">
-        <p14:creationId xmlns:p14="http://schemas.microsoft.com/office/powerpoint/2010/main" val="2547318028"/>
-      </p:ext>
-    </p:extLst>
-  </p:cSld>
-  <p:clrMapOvr>
-    <a:masterClrMapping/>
-  </p:clrMapOvr>
-</p:sld>
-</file>
-
-<file path=ppt/slides/slide18.xml><?xml version="1.0" encoding="utf-8"?>
-<p:sld xmlns:a="http://schemas.openxmlformats.org/drawingml/2006/main" xmlns:r="http://schemas.openxmlformats.org/officeDocument/2006/relationships" xmlns:p="http://schemas.openxmlformats.org/presentationml/2006/main">
-  <p:cSld>
-    <p:spTree>
-      <p:nvGrpSpPr>
-        <p:cNvPr id="1" name="">
-          <a:extLst>
-            <a:ext uri="{FF2B5EF4-FFF2-40B4-BE49-F238E27FC236}">
               <a16:creationId xmlns:a16="http://schemas.microsoft.com/office/drawing/2014/main" id="{5EA4D638-51B1-AE6E-A6E4-D304CCC94984}"/>
             </a:ext>
           </a:extLst>
@@ -9961,7 +8325,7 @@
           <a:p>
             <a:r>
               <a:rPr lang="en-US" sz="2400" dirty="0"/>
-              <a:t>Interpretability</a:t>
+              <a:t>KANs Interpretability</a:t>
             </a:r>
             <a:endParaRPr sz="2400" dirty="0"/>
           </a:p>
@@ -10025,7 +8389,7 @@
         </p:blipFill>
         <p:spPr>
           <a:xfrm>
-            <a:off x="2895600" y="2628276"/>
+            <a:off x="3505200" y="2628276"/>
             <a:ext cx="3810000" cy="2813746"/>
           </a:xfrm>
           <a:prstGeom prst="rect">
@@ -10055,7 +8419,7 @@
         </p:blipFill>
         <p:spPr>
           <a:xfrm>
-            <a:off x="2971800" y="2218644"/>
+            <a:off x="3429000" y="2218644"/>
             <a:ext cx="3419952" cy="409632"/>
           </a:xfrm>
           <a:prstGeom prst="rect">
@@ -10350,7 +8714,7 @@
 </p:sld>
 </file>
 
-<file path=ppt/slides/slide19.xml><?xml version="1.0" encoding="utf-8"?>
+<file path=ppt/slides/slide15.xml><?xml version="1.0" encoding="utf-8"?>
 <p:sld xmlns:a="http://schemas.openxmlformats.org/drawingml/2006/main" xmlns:r="http://schemas.openxmlformats.org/officeDocument/2006/relationships" xmlns:p="http://schemas.openxmlformats.org/presentationml/2006/main">
   <p:cSld>
     <p:spTree>
@@ -10358,7 +8722,7 @@
         <p:cNvPr id="1" name="">
           <a:extLst>
             <a:ext uri="{FF2B5EF4-FFF2-40B4-BE49-F238E27FC236}">
-              <a16:creationId xmlns:a16="http://schemas.microsoft.com/office/drawing/2014/main" id="{DA9441B2-A173-6807-6663-E2D97ABB5E29}"/>
+              <a16:creationId xmlns:a16="http://schemas.microsoft.com/office/drawing/2014/main" id="{F06B7CAE-D4DF-871B-9170-83A86B029E72}"/>
             </a:ext>
           </a:extLst>
         </p:cNvPr>
@@ -10378,7 +8742,7 @@
           <p:cNvPr id="2" name="Title 1">
             <a:extLst>
               <a:ext uri="{FF2B5EF4-FFF2-40B4-BE49-F238E27FC236}">
-                <a16:creationId xmlns:a16="http://schemas.microsoft.com/office/drawing/2014/main" id="{9E10443B-398E-4059-D1E4-0F358528DF02}"/>
+                <a16:creationId xmlns:a16="http://schemas.microsoft.com/office/drawing/2014/main" id="{447CF861-054A-03F4-DDEB-85B711BF4F8C}"/>
               </a:ext>
             </a:extLst>
           </p:cNvPr>
@@ -10396,7 +8760,7 @@
           <a:p>
             <a:r>
               <a:rPr lang="en-US" sz="2400" dirty="0"/>
-              <a:t>Code: Symbolic Regression</a:t>
+              <a:t>KANs Drawbacks</a:t>
             </a:r>
             <a:endParaRPr sz="2400" dirty="0"/>
           </a:p>
@@ -10407,7 +8771,7 @@
           <p:cNvPr id="3" name="Content Placeholder 2" descr="phi&#10;">
             <a:extLst>
               <a:ext uri="{FF2B5EF4-FFF2-40B4-BE49-F238E27FC236}">
-                <a16:creationId xmlns:a16="http://schemas.microsoft.com/office/drawing/2014/main" id="{5F4EBD7D-0CC3-B858-E1F3-A11163312FDB}"/>
+                <a16:creationId xmlns:a16="http://schemas.microsoft.com/office/drawing/2014/main" id="{141EB122-48B8-8903-17D0-1A3449233BA1}"/>
               </a:ext>
             </a:extLst>
           </p:cNvPr>
@@ -10420,7 +8784,7 @@
         </p:nvSpPr>
         <p:spPr>
           <a:xfrm>
-            <a:off x="619125" y="1639800"/>
+            <a:off x="622173" y="1447800"/>
             <a:ext cx="8667750" cy="1600200"/>
           </a:xfrm>
         </p:spPr>
@@ -10433,7 +8797,25 @@
             </a:pPr>
             <a:r>
               <a:rPr lang="en-US" sz="1800" dirty="0"/>
-              <a:t>The regression task involves training a Kolmogorov Arnold Network (KAN) to learn a non-linear function using symbolic regression enhancing interpretability.</a:t>
+              <a:t>Currently, the biggest bottleneck of KANs lies in their slow training. </a:t>
+            </a:r>
+          </a:p>
+          <a:p>
+            <a:pPr marL="0" indent="0">
+              <a:buNone/>
+            </a:pPr>
+            <a:r>
+              <a:rPr lang="en-US" sz="1800" dirty="0"/>
+              <a:t>KANs are typically 10 times slower than MLPs, given the same number of parameters (though KANs require fewer parameters than MLPs to accomplish the same task). </a:t>
+            </a:r>
+          </a:p>
+          <a:p>
+            <a:pPr marL="0" indent="0">
+              <a:buNone/>
+            </a:pPr>
+            <a:r>
+              <a:rPr lang="en-US" sz="1800" dirty="0"/>
+              <a:t>This is primarily caused by the complex reshaping of spline(x), particularly on B-spline control points.</a:t>
             </a:r>
           </a:p>
           <a:p>
@@ -10446,10 +8828,7 @@
             <a:pPr marL="0" indent="0">
               <a:buNone/>
             </a:pPr>
-            <a:r>
-              <a:rPr lang="en-US" sz="1800" dirty="0"/>
-              <a:t>Accuracy:</a:t>
-            </a:r>
+            <a:endParaRPr lang="en-US" sz="1800" dirty="0"/>
           </a:p>
           <a:p>
             <a:pPr marL="0" indent="0">
@@ -10457,7 +8836,7 @@
             </a:pPr>
             <a:r>
               <a:rPr lang="en-US" sz="1800" dirty="0"/>
-              <a:t> • Training Accuracy: 1</a:t>
+              <a:t>When should </a:t>
             </a:r>
           </a:p>
           <a:p>
@@ -10466,23 +8845,17 @@
             </a:pPr>
             <a:r>
               <a:rPr lang="en-US" sz="1800" dirty="0"/>
-              <a:t> • Test Accuracy: 1</a:t>
-            </a:r>
-          </a:p>
-          <a:p>
-            <a:pPr marL="0" indent="0">
-              <a:buNone/>
-            </a:pPr>
-            <a:endParaRPr lang="en-US" sz="1800" dirty="0"/>
+              <a:t>we use KANs?</a:t>
+            </a:r>
           </a:p>
         </p:txBody>
       </p:sp>
       <p:pic>
         <p:nvPicPr>
-          <p:cNvPr id="5" name="Picture 4">
+          <p:cNvPr id="6" name="Picture 5">
             <a:extLst>
               <a:ext uri="{FF2B5EF4-FFF2-40B4-BE49-F238E27FC236}">
-                <a16:creationId xmlns:a16="http://schemas.microsoft.com/office/drawing/2014/main" id="{355E1CC8-F487-850E-9E38-C827E560A445}"/>
+                <a16:creationId xmlns:a16="http://schemas.microsoft.com/office/drawing/2014/main" id="{FB515664-D924-7D25-2BFA-0DD124DBF55C}"/>
               </a:ext>
             </a:extLst>
           </p:cNvPr>
@@ -10499,8 +8872,720 @@
         </p:blipFill>
         <p:spPr>
           <a:xfrm>
-            <a:off x="5410198" y="3429000"/>
-            <a:ext cx="2258957" cy="2391187"/>
+            <a:off x="2438400" y="2895600"/>
+            <a:ext cx="6744953" cy="2819400"/>
+          </a:xfrm>
+          <a:prstGeom prst="rect">
+            <a:avLst/>
+          </a:prstGeom>
+        </p:spPr>
+      </p:pic>
+      <p:sp>
+        <p:nvSpPr>
+          <p:cNvPr id="4" name="Rectangle 3">
+            <a:extLst>
+              <a:ext uri="{FF2B5EF4-FFF2-40B4-BE49-F238E27FC236}">
+                <a16:creationId xmlns:a16="http://schemas.microsoft.com/office/drawing/2014/main" id="{84ADAC4E-D03F-9B1A-3378-FCBFC5D4FCEB}"/>
+              </a:ext>
+            </a:extLst>
+          </p:cNvPr>
+          <p:cNvSpPr/>
+          <p:nvPr/>
+        </p:nvSpPr>
+        <p:spPr>
+          <a:xfrm>
+            <a:off x="2438400" y="3810000"/>
+            <a:ext cx="5715000" cy="1981200"/>
+          </a:xfrm>
+          <a:prstGeom prst="rect">
+            <a:avLst/>
+          </a:prstGeom>
+          <a:solidFill>
+            <a:srgbClr val="00B050">
+              <a:alpha val="30000"/>
+            </a:srgbClr>
+          </a:solidFill>
+          <a:ln>
+            <a:solidFill>
+              <a:srgbClr val="00B050"/>
+            </a:solidFill>
+          </a:ln>
+        </p:spPr>
+        <p:style>
+          <a:lnRef idx="2">
+            <a:schemeClr val="accent1">
+              <a:shade val="50000"/>
+            </a:schemeClr>
+          </a:lnRef>
+          <a:fillRef idx="1">
+            <a:schemeClr val="accent1"/>
+          </a:fillRef>
+          <a:effectRef idx="0">
+            <a:schemeClr val="accent1"/>
+          </a:effectRef>
+          <a:fontRef idx="minor">
+            <a:schemeClr val="lt1"/>
+          </a:fontRef>
+        </p:style>
+        <p:txBody>
+          <a:bodyPr rot="0" spcFirstLastPara="0" vertOverflow="overflow" horzOverflow="overflow" vert="horz" wrap="square" lIns="91440" tIns="45720" rIns="91440" bIns="45720" numCol="1" spcCol="0" rtlCol="0" fromWordArt="0" anchor="ctr" anchorCtr="0" forceAA="0" compatLnSpc="1">
+            <a:prstTxWarp prst="textNoShape">
+              <a:avLst/>
+            </a:prstTxWarp>
+            <a:noAutofit/>
+          </a:bodyPr>
+          <a:lstStyle/>
+          <a:p>
+            <a:pPr algn="ctr"/>
+            <a:endParaRPr lang="en-US" dirty="0">
+              <a:solidFill>
+                <a:srgbClr val="5A667F"/>
+              </a:solidFill>
+              <a:latin typeface="Courier" panose="02060409020205020404" pitchFamily="49" charset="0"/>
+            </a:endParaRPr>
+          </a:p>
+        </p:txBody>
+      </p:sp>
+      <p:sp>
+        <p:nvSpPr>
+          <p:cNvPr id="5" name="Rectangle 4">
+            <a:extLst>
+              <a:ext uri="{FF2B5EF4-FFF2-40B4-BE49-F238E27FC236}">
+                <a16:creationId xmlns:a16="http://schemas.microsoft.com/office/drawing/2014/main" id="{A783AF62-5C3F-0FAD-A118-61083EF5178F}"/>
+              </a:ext>
+            </a:extLst>
+          </p:cNvPr>
+          <p:cNvSpPr/>
+          <p:nvPr/>
+        </p:nvSpPr>
+        <p:spPr>
+          <a:xfrm>
+            <a:off x="8153400" y="3810000"/>
+            <a:ext cx="914400" cy="1981200"/>
+          </a:xfrm>
+          <a:prstGeom prst="rect">
+            <a:avLst/>
+          </a:prstGeom>
+          <a:solidFill>
+            <a:srgbClr val="FF0000">
+              <a:alpha val="30000"/>
+            </a:srgbClr>
+          </a:solidFill>
+          <a:ln>
+            <a:solidFill>
+              <a:srgbClr val="FF0000"/>
+            </a:solidFill>
+          </a:ln>
+        </p:spPr>
+        <p:style>
+          <a:lnRef idx="2">
+            <a:schemeClr val="accent1">
+              <a:shade val="50000"/>
+            </a:schemeClr>
+          </a:lnRef>
+          <a:fillRef idx="1">
+            <a:schemeClr val="accent1"/>
+          </a:fillRef>
+          <a:effectRef idx="0">
+            <a:schemeClr val="accent1"/>
+          </a:effectRef>
+          <a:fontRef idx="minor">
+            <a:schemeClr val="lt1"/>
+          </a:fontRef>
+        </p:style>
+        <p:txBody>
+          <a:bodyPr rot="0" spcFirstLastPara="0" vertOverflow="overflow" horzOverflow="overflow" vert="horz" wrap="square" lIns="91440" tIns="45720" rIns="91440" bIns="45720" numCol="1" spcCol="0" rtlCol="0" fromWordArt="0" anchor="ctr" anchorCtr="0" forceAA="0" compatLnSpc="1">
+            <a:prstTxWarp prst="textNoShape">
+              <a:avLst/>
+            </a:prstTxWarp>
+            <a:noAutofit/>
+          </a:bodyPr>
+          <a:lstStyle/>
+          <a:p>
+            <a:pPr algn="ctr"/>
+            <a:endParaRPr lang="en-US" dirty="0">
+              <a:solidFill>
+                <a:srgbClr val="5A667F"/>
+              </a:solidFill>
+              <a:latin typeface="Courier" panose="02060409020205020404" pitchFamily="49" charset="0"/>
+            </a:endParaRPr>
+          </a:p>
+        </p:txBody>
+      </p:sp>
+      <p:sp>
+        <p:nvSpPr>
+          <p:cNvPr id="7" name="TextBox 6">
+            <a:extLst>
+              <a:ext uri="{FF2B5EF4-FFF2-40B4-BE49-F238E27FC236}">
+                <a16:creationId xmlns:a16="http://schemas.microsoft.com/office/drawing/2014/main" id="{04D21237-FFAD-4865-A4BB-EEB2E68E07B8}"/>
+              </a:ext>
+            </a:extLst>
+          </p:cNvPr>
+          <p:cNvSpPr txBox="1"/>
+          <p:nvPr/>
+        </p:nvSpPr>
+        <p:spPr>
+          <a:xfrm>
+            <a:off x="4724400" y="5839996"/>
+            <a:ext cx="1441420" cy="338554"/>
+          </a:xfrm>
+          <a:prstGeom prst="rect">
+            <a:avLst/>
+          </a:prstGeom>
+          <a:noFill/>
+        </p:spPr>
+        <p:txBody>
+          <a:bodyPr wrap="none" rtlCol="0">
+            <a:spAutoFit/>
+          </a:bodyPr>
+          <a:lstStyle/>
+          <a:p>
+            <a:r>
+              <a:rPr lang="en-US" sz="1600" b="0" dirty="0">
+                <a:solidFill>
+                  <a:srgbClr val="5A667F"/>
+                </a:solidFill>
+                <a:latin typeface="Lato" panose="020F0502020204030203" pitchFamily="34" charset="0"/>
+              </a:rPr>
+              <a:t>KANs or Both</a:t>
+            </a:r>
+          </a:p>
+        </p:txBody>
+      </p:sp>
+      <p:sp>
+        <p:nvSpPr>
+          <p:cNvPr id="8" name="TextBox 7">
+            <a:extLst>
+              <a:ext uri="{FF2B5EF4-FFF2-40B4-BE49-F238E27FC236}">
+                <a16:creationId xmlns:a16="http://schemas.microsoft.com/office/drawing/2014/main" id="{64BC9ECA-EA90-38AB-6B9F-C179F85EA61D}"/>
+              </a:ext>
+            </a:extLst>
+          </p:cNvPr>
+          <p:cNvSpPr txBox="1"/>
+          <p:nvPr/>
+        </p:nvSpPr>
+        <p:spPr>
+          <a:xfrm>
+            <a:off x="8257779" y="5850523"/>
+            <a:ext cx="692818" cy="338554"/>
+          </a:xfrm>
+          <a:prstGeom prst="rect">
+            <a:avLst/>
+          </a:prstGeom>
+          <a:noFill/>
+        </p:spPr>
+        <p:txBody>
+          <a:bodyPr wrap="none" rtlCol="0">
+            <a:spAutoFit/>
+          </a:bodyPr>
+          <a:lstStyle/>
+          <a:p>
+            <a:r>
+              <a:rPr lang="en-US" sz="1600" b="0" dirty="0">
+                <a:solidFill>
+                  <a:srgbClr val="5A667F"/>
+                </a:solidFill>
+                <a:latin typeface="Lato" panose="020F0502020204030203" pitchFamily="34" charset="0"/>
+              </a:rPr>
+              <a:t>MLPs</a:t>
+            </a:r>
+          </a:p>
+        </p:txBody>
+      </p:sp>
+    </p:spTree>
+    <p:extLst>
+      <p:ext uri="{BB962C8B-B14F-4D97-AF65-F5344CB8AC3E}">
+        <p14:creationId xmlns:p14="http://schemas.microsoft.com/office/powerpoint/2010/main" val="2081926858"/>
+      </p:ext>
+    </p:extLst>
+  </p:cSld>
+  <p:clrMapOvr>
+    <a:masterClrMapping/>
+  </p:clrMapOvr>
+</p:sld>
+</file>
+
+<file path=ppt/slides/slide16.xml><?xml version="1.0" encoding="utf-8"?>
+<p:sld xmlns:a="http://schemas.openxmlformats.org/drawingml/2006/main" xmlns:r="http://schemas.openxmlformats.org/officeDocument/2006/relationships" xmlns:p="http://schemas.openxmlformats.org/presentationml/2006/main">
+  <p:cSld>
+    <p:spTree>
+      <p:nvGrpSpPr>
+        <p:cNvPr id="1" name="">
+          <a:extLst>
+            <a:ext uri="{FF2B5EF4-FFF2-40B4-BE49-F238E27FC236}">
+              <a16:creationId xmlns:a16="http://schemas.microsoft.com/office/drawing/2014/main" id="{913C63AB-8BB7-2E67-21C2-FAC1FBE709B3}"/>
+            </a:ext>
+          </a:extLst>
+        </p:cNvPr>
+        <p:cNvGrpSpPr/>
+        <p:nvPr/>
+      </p:nvGrpSpPr>
+      <p:grpSpPr>
+        <a:xfrm>
+          <a:off x="0" y="0"/>
+          <a:ext cx="0" cy="0"/>
+          <a:chOff x="0" y="0"/>
+          <a:chExt cx="0" cy="0"/>
+        </a:xfrm>
+      </p:grpSpPr>
+      <p:sp>
+        <p:nvSpPr>
+          <p:cNvPr id="2" name="Title 1">
+            <a:extLst>
+              <a:ext uri="{FF2B5EF4-FFF2-40B4-BE49-F238E27FC236}">
+                <a16:creationId xmlns:a16="http://schemas.microsoft.com/office/drawing/2014/main" id="{AAC90AC3-27D7-FF49-4D54-FFEA3B5A177B}"/>
+              </a:ext>
+            </a:extLst>
+          </p:cNvPr>
+          <p:cNvSpPr>
+            <a:spLocks noGrp="1"/>
+          </p:cNvSpPr>
+          <p:nvPr>
+            <p:ph type="title"/>
+          </p:nvPr>
+        </p:nvSpPr>
+        <p:spPr/>
+        <p:txBody>
+          <a:bodyPr/>
+          <a:lstStyle/>
+          <a:p>
+            <a:r>
+              <a:rPr lang="en-US" sz="2400" dirty="0"/>
+              <a:t>Advanced: </a:t>
+            </a:r>
+            <a:r>
+              <a:rPr lang="en-US" sz="2400" dirty="0" err="1"/>
+              <a:t>Sparsification</a:t>
+            </a:r>
+            <a:r>
+              <a:rPr lang="en-US" sz="2400" dirty="0"/>
+              <a:t> (1)</a:t>
+            </a:r>
+            <a:endParaRPr sz="2400" dirty="0"/>
+          </a:p>
+        </p:txBody>
+      </p:sp>
+      <p:sp>
+        <p:nvSpPr>
+          <p:cNvPr id="3" name="Content Placeholder 2" descr="phi&#10;">
+            <a:extLst>
+              <a:ext uri="{FF2B5EF4-FFF2-40B4-BE49-F238E27FC236}">
+                <a16:creationId xmlns:a16="http://schemas.microsoft.com/office/drawing/2014/main" id="{1CFB542A-3433-1F3C-E513-CBAEC40961D4}"/>
+              </a:ext>
+            </a:extLst>
+          </p:cNvPr>
+          <p:cNvSpPr>
+            <a:spLocks noGrp="1"/>
+          </p:cNvSpPr>
+          <p:nvPr>
+            <p:ph idx="1"/>
+          </p:nvPr>
+        </p:nvSpPr>
+        <p:spPr>
+          <a:xfrm>
+            <a:off x="637599" y="1395675"/>
+            <a:ext cx="8667750" cy="1814637"/>
+          </a:xfrm>
+        </p:spPr>
+        <p:txBody>
+          <a:bodyPr/>
+          <a:lstStyle/>
+          <a:p>
+            <a:pPr marL="0" indent="0">
+              <a:buNone/>
+            </a:pPr>
+            <a:r>
+              <a:rPr lang="en-US" sz="1800" dirty="0"/>
+              <a:t>For MLPs, regularization, particularly L1 or L2 regularization of linear weights, is used to</a:t>
+            </a:r>
+            <a:r>
+              <a:rPr lang="en-US" sz="1400" dirty="0"/>
+              <a:t> </a:t>
+            </a:r>
+            <a:r>
+              <a:rPr lang="en-US" sz="1800" dirty="0"/>
+              <a:t>improve generalization and prevent overfitting, thereby improving predictions. KANs can adopt this high-level concept, but two modifications are necessary:</a:t>
+            </a:r>
+          </a:p>
+          <a:p>
+            <a:pPr marL="0" indent="0">
+              <a:buNone/>
+            </a:pPr>
+            <a:endParaRPr lang="en-US" sz="1800" dirty="0"/>
+          </a:p>
+          <a:p>
+            <a:r>
+              <a:rPr lang="en-US" sz="1800" dirty="0"/>
+              <a:t>Since there are no linear weights in KANs, linear weights are replaced by learnable activation functions. Therefore, the L1 norm must be redefined for these activation functions.</a:t>
+            </a:r>
+          </a:p>
+          <a:p>
+            <a:endParaRPr lang="en-US" sz="1800" dirty="0"/>
+          </a:p>
+          <a:p>
+            <a:r>
+              <a:rPr lang="en-US" sz="1800" dirty="0"/>
+              <a:t>Experimentally, we find that L1 regularization alone is insufficient for </a:t>
+            </a:r>
+            <a:r>
+              <a:rPr lang="en-US" sz="1800" dirty="0" err="1"/>
+              <a:t>sparsifying</a:t>
+            </a:r>
+            <a:r>
+              <a:rPr lang="en-US" sz="1800" dirty="0"/>
+              <a:t> </a:t>
+            </a:r>
+            <a:r>
+              <a:rPr lang="en-US" sz="1800" dirty="0" err="1"/>
+              <a:t>KANs.</a:t>
+            </a:r>
+            <a:r>
+              <a:rPr lang="en-US" sz="1800" dirty="0"/>
+              <a:t> Instead, additional entropy regularization encourages the model to use activation functions with lower complexity and fewer degrees of freedom.</a:t>
+            </a:r>
+          </a:p>
+        </p:txBody>
+      </p:sp>
+    </p:spTree>
+    <p:extLst>
+      <p:ext uri="{BB962C8B-B14F-4D97-AF65-F5344CB8AC3E}">
+        <p14:creationId xmlns:p14="http://schemas.microsoft.com/office/powerpoint/2010/main" val="1631125681"/>
+      </p:ext>
+    </p:extLst>
+  </p:cSld>
+  <p:clrMapOvr>
+    <a:masterClrMapping/>
+  </p:clrMapOvr>
+</p:sld>
+</file>
+
+<file path=ppt/slides/slide17.xml><?xml version="1.0" encoding="utf-8"?>
+<p:sld xmlns:a="http://schemas.openxmlformats.org/drawingml/2006/main" xmlns:r="http://schemas.openxmlformats.org/officeDocument/2006/relationships" xmlns:p="http://schemas.openxmlformats.org/presentationml/2006/main">
+  <p:cSld>
+    <p:spTree>
+      <p:nvGrpSpPr>
+        <p:cNvPr id="1" name="">
+          <a:extLst>
+            <a:ext uri="{FF2B5EF4-FFF2-40B4-BE49-F238E27FC236}">
+              <a16:creationId xmlns:a16="http://schemas.microsoft.com/office/drawing/2014/main" id="{96BB2EB6-BDEC-D38E-DFEB-7831A6AFEAD8}"/>
+            </a:ext>
+          </a:extLst>
+        </p:cNvPr>
+        <p:cNvGrpSpPr/>
+        <p:nvPr/>
+      </p:nvGrpSpPr>
+      <p:grpSpPr>
+        <a:xfrm>
+          <a:off x="0" y="0"/>
+          <a:ext cx="0" cy="0"/>
+          <a:chOff x="0" y="0"/>
+          <a:chExt cx="0" cy="0"/>
+        </a:xfrm>
+      </p:grpSpPr>
+      <p:sp>
+        <p:nvSpPr>
+          <p:cNvPr id="2" name="Title 1">
+            <a:extLst>
+              <a:ext uri="{FF2B5EF4-FFF2-40B4-BE49-F238E27FC236}">
+                <a16:creationId xmlns:a16="http://schemas.microsoft.com/office/drawing/2014/main" id="{F8E11B52-A656-99D0-4A1C-CAE285B1BB99}"/>
+              </a:ext>
+            </a:extLst>
+          </p:cNvPr>
+          <p:cNvSpPr>
+            <a:spLocks noGrp="1"/>
+          </p:cNvSpPr>
+          <p:nvPr>
+            <p:ph type="title"/>
+          </p:nvPr>
+        </p:nvSpPr>
+        <p:spPr/>
+        <p:txBody>
+          <a:bodyPr/>
+          <a:lstStyle/>
+          <a:p>
+            <a:r>
+              <a:rPr lang="en-US" sz="2400" dirty="0"/>
+              <a:t>Advanced: </a:t>
+            </a:r>
+            <a:r>
+              <a:rPr lang="en-US" sz="2400" dirty="0" err="1"/>
+              <a:t>Sparsification</a:t>
+            </a:r>
+            <a:r>
+              <a:rPr lang="en-US" sz="2400" dirty="0"/>
+              <a:t> (2)</a:t>
+            </a:r>
+            <a:endParaRPr sz="2400" dirty="0"/>
+          </a:p>
+        </p:txBody>
+      </p:sp>
+      <p:sp>
+        <p:nvSpPr>
+          <p:cNvPr id="9" name="Content Placeholder 2" descr="phi&#10;">
+            <a:extLst>
+              <a:ext uri="{FF2B5EF4-FFF2-40B4-BE49-F238E27FC236}">
+                <a16:creationId xmlns:a16="http://schemas.microsoft.com/office/drawing/2014/main" id="{78452AF0-B7F4-120E-38EE-2A9CCFA25009}"/>
+              </a:ext>
+            </a:extLst>
+          </p:cNvPr>
+          <p:cNvSpPr txBox="1">
+            <a:spLocks/>
+          </p:cNvSpPr>
+          <p:nvPr/>
+        </p:nvSpPr>
+        <p:spPr bwMode="auto">
+          <a:xfrm>
+            <a:off x="627129" y="1930604"/>
+            <a:ext cx="8667750" cy="1028700"/>
+          </a:xfrm>
+          <a:prstGeom prst="rect">
+            <a:avLst/>
+          </a:prstGeom>
+          <a:noFill/>
+          <a:ln>
+            <a:noFill/>
+          </a:ln>
+          <a:extLst>
+            <a:ext uri="{909E8E84-426E-40DD-AFC4-6F175D3DCCD1}">
+              <a14:hiddenFill xmlns:a14="http://schemas.microsoft.com/office/drawing/2010/main">
+                <a:solidFill>
+                  <a:srgbClr val="FFFFFF"/>
+                </a:solidFill>
+              </a14:hiddenFill>
+            </a:ext>
+            <a:ext uri="{91240B29-F687-4F45-9708-019B960494DF}">
+              <a14:hiddenLine xmlns:a14="http://schemas.microsoft.com/office/drawing/2010/main" w="9525">
+                <a:solidFill>
+                  <a:srgbClr val="000000"/>
+                </a:solidFill>
+                <a:miter lim="800000"/>
+                <a:headEnd/>
+                <a:tailEnd/>
+              </a14:hiddenLine>
+            </a:ext>
+          </a:extLst>
+        </p:spPr>
+        <p:txBody>
+          <a:bodyPr vert="horz" wrap="square" lIns="0" tIns="0" rIns="0" bIns="0" numCol="1" anchor="t" anchorCtr="0" compatLnSpc="1">
+            <a:prstTxWarp prst="textNoShape">
+              <a:avLst/>
+            </a:prstTxWarp>
+          </a:bodyPr>
+          <a:lstStyle>
+            <a:lvl1pPr marL="342900" indent="-342900" algn="l" defTabSz="741363" rtl="0" eaLnBrk="0" fontAlgn="base" hangingPunct="0">
+              <a:lnSpc>
+                <a:spcPct val="100000"/>
+              </a:lnSpc>
+              <a:spcBef>
+                <a:spcPts val="600"/>
+              </a:spcBef>
+              <a:spcAft>
+                <a:spcPct val="0"/>
+              </a:spcAft>
+              <a:buFont typeface="Arial" panose="020B0604020202020204" pitchFamily="34" charset="0"/>
+              <a:buChar char="•"/>
+              <a:defRPr sz="2400" kern="1200">
+                <a:solidFill>
+                  <a:srgbClr val="5A667F"/>
+                </a:solidFill>
+                <a:latin typeface="Lato" panose="020F0502020204030203" pitchFamily="34" charset="77"/>
+                <a:ea typeface="+mn-ea"/>
+                <a:cs typeface="Arial" panose="020B0604020202020204" pitchFamily="34" charset="0"/>
+              </a:defRPr>
+            </a:lvl1pPr>
+            <a:lvl2pPr marL="719138" indent="-363538" algn="l" defTabSz="741363" rtl="0" eaLnBrk="0" fontAlgn="base" hangingPunct="0">
+              <a:lnSpc>
+                <a:spcPct val="100000"/>
+              </a:lnSpc>
+              <a:spcBef>
+                <a:spcPts val="600"/>
+              </a:spcBef>
+              <a:spcAft>
+                <a:spcPct val="0"/>
+              </a:spcAft>
+              <a:buFont typeface="Arial" panose="020B0604020202020204" pitchFamily="34" charset="0"/>
+              <a:buChar char="•"/>
+              <a:defRPr sz="2000" kern="1200">
+                <a:solidFill>
+                  <a:srgbClr val="5A667F"/>
+                </a:solidFill>
+                <a:latin typeface="Lato" panose="020F0502020204030203" pitchFamily="34" charset="77"/>
+                <a:ea typeface="+mn-ea"/>
+                <a:cs typeface="Arial" panose="020B0604020202020204" pitchFamily="34" charset="0"/>
+              </a:defRPr>
+            </a:lvl2pPr>
+            <a:lvl3pPr marL="896938" indent="-177800" algn="l" defTabSz="741363" rtl="0" eaLnBrk="0" fontAlgn="base" hangingPunct="0">
+              <a:lnSpc>
+                <a:spcPct val="100000"/>
+              </a:lnSpc>
+              <a:spcBef>
+                <a:spcPts val="600"/>
+              </a:spcBef>
+              <a:spcAft>
+                <a:spcPct val="0"/>
+              </a:spcAft>
+              <a:buFont typeface="Arial" panose="020B0604020202020204" pitchFamily="34" charset="0"/>
+              <a:buChar char="•"/>
+              <a:defRPr sz="1600" kern="1200">
+                <a:solidFill>
+                  <a:srgbClr val="5A667F"/>
+                </a:solidFill>
+                <a:latin typeface="Lato" panose="020F0502020204030203" pitchFamily="34" charset="77"/>
+                <a:ea typeface="+mn-ea"/>
+                <a:cs typeface="Arial" panose="020B0604020202020204" pitchFamily="34" charset="0"/>
+              </a:defRPr>
+            </a:lvl3pPr>
+            <a:lvl4pPr marL="1074738" indent="-177800" algn="l" defTabSz="741363" rtl="0" eaLnBrk="0" fontAlgn="base" hangingPunct="0">
+              <a:lnSpc>
+                <a:spcPct val="100000"/>
+              </a:lnSpc>
+              <a:spcBef>
+                <a:spcPts val="600"/>
+              </a:spcBef>
+              <a:spcAft>
+                <a:spcPct val="0"/>
+              </a:spcAft>
+              <a:buFont typeface="Arial" panose="020B0604020202020204" pitchFamily="34" charset="0"/>
+              <a:buChar char="•"/>
+              <a:defRPr sz="1400" kern="1200">
+                <a:solidFill>
+                  <a:srgbClr val="5A667F"/>
+                </a:solidFill>
+                <a:latin typeface="Lato" panose="020F0502020204030203" pitchFamily="34" charset="77"/>
+                <a:ea typeface="+mn-ea"/>
+                <a:cs typeface="Arial" panose="020B0604020202020204" pitchFamily="34" charset="0"/>
+              </a:defRPr>
+            </a:lvl4pPr>
+            <a:lvl5pPr marL="1252538" indent="-177800" algn="l" defTabSz="741363" rtl="0" eaLnBrk="0" fontAlgn="base" hangingPunct="0">
+              <a:lnSpc>
+                <a:spcPct val="100000"/>
+              </a:lnSpc>
+              <a:spcBef>
+                <a:spcPts val="600"/>
+              </a:spcBef>
+              <a:spcAft>
+                <a:spcPct val="0"/>
+              </a:spcAft>
+              <a:buFont typeface="Arial" panose="020B0604020202020204" pitchFamily="34" charset="0"/>
+              <a:buChar char="•"/>
+              <a:tabLst/>
+              <a:defRPr sz="1200" kern="1200">
+                <a:solidFill>
+                  <a:srgbClr val="5A667F"/>
+                </a:solidFill>
+                <a:latin typeface="Lato" panose="020F0502020204030203" pitchFamily="34" charset="77"/>
+                <a:ea typeface="+mn-ea"/>
+                <a:cs typeface="Arial" panose="020B0604020202020204" pitchFamily="34" charset="0"/>
+              </a:defRPr>
+            </a:lvl5pPr>
+            <a:lvl6pPr marL="2042929" indent="-185721" algn="l" defTabSz="742883" rtl="0" eaLnBrk="1" latinLnBrk="0" hangingPunct="1">
+              <a:lnSpc>
+                <a:spcPct val="90000"/>
+              </a:lnSpc>
+              <a:spcBef>
+                <a:spcPts val="405"/>
+              </a:spcBef>
+              <a:buFont typeface="Arial" panose="020B0604020202020204" pitchFamily="34" charset="0"/>
+              <a:buChar char="•"/>
+              <a:defRPr sz="1463" kern="1200">
+                <a:solidFill>
+                  <a:schemeClr val="tx1"/>
+                </a:solidFill>
+                <a:latin typeface="+mn-lt"/>
+                <a:ea typeface="+mn-ea"/>
+                <a:cs typeface="+mn-cs"/>
+              </a:defRPr>
+            </a:lvl6pPr>
+            <a:lvl7pPr marL="2414371" indent="-185721" algn="l" defTabSz="742883" rtl="0" eaLnBrk="1" latinLnBrk="0" hangingPunct="1">
+              <a:lnSpc>
+                <a:spcPct val="90000"/>
+              </a:lnSpc>
+              <a:spcBef>
+                <a:spcPts val="405"/>
+              </a:spcBef>
+              <a:buFont typeface="Arial" panose="020B0604020202020204" pitchFamily="34" charset="0"/>
+              <a:buChar char="•"/>
+              <a:defRPr sz="1463" kern="1200">
+                <a:solidFill>
+                  <a:schemeClr val="tx1"/>
+                </a:solidFill>
+                <a:latin typeface="+mn-lt"/>
+                <a:ea typeface="+mn-ea"/>
+                <a:cs typeface="+mn-cs"/>
+              </a:defRPr>
+            </a:lvl7pPr>
+            <a:lvl8pPr marL="2785812" indent="-185721" algn="l" defTabSz="742883" rtl="0" eaLnBrk="1" latinLnBrk="0" hangingPunct="1">
+              <a:lnSpc>
+                <a:spcPct val="90000"/>
+              </a:lnSpc>
+              <a:spcBef>
+                <a:spcPts val="405"/>
+              </a:spcBef>
+              <a:buFont typeface="Arial" panose="020B0604020202020204" pitchFamily="34" charset="0"/>
+              <a:buChar char="•"/>
+              <a:defRPr sz="1463" kern="1200">
+                <a:solidFill>
+                  <a:schemeClr val="tx1"/>
+                </a:solidFill>
+                <a:latin typeface="+mn-lt"/>
+                <a:ea typeface="+mn-ea"/>
+                <a:cs typeface="+mn-cs"/>
+              </a:defRPr>
+            </a:lvl8pPr>
+            <a:lvl9pPr marL="3157253" indent="-185721" algn="l" defTabSz="742883" rtl="0" eaLnBrk="1" latinLnBrk="0" hangingPunct="1">
+              <a:lnSpc>
+                <a:spcPct val="90000"/>
+              </a:lnSpc>
+              <a:spcBef>
+                <a:spcPts val="405"/>
+              </a:spcBef>
+              <a:buFont typeface="Arial" panose="020B0604020202020204" pitchFamily="34" charset="0"/>
+              <a:buChar char="•"/>
+              <a:defRPr sz="1463" kern="1200">
+                <a:solidFill>
+                  <a:schemeClr val="tx1"/>
+                </a:solidFill>
+                <a:latin typeface="+mn-lt"/>
+                <a:ea typeface="+mn-ea"/>
+                <a:cs typeface="+mn-cs"/>
+              </a:defRPr>
+            </a:lvl9pPr>
+          </a:lstStyle>
+          <a:p>
+            <a:pPr marL="0" indent="0">
+              <a:buNone/>
+            </a:pPr>
+            <a:r>
+              <a:rPr lang="en-US" sz="1800" b="0" dirty="0"/>
+              <a:t>We define the L1 norm of an activation function ϕ as its average magnitude over its Np inputs: </a:t>
+            </a:r>
+          </a:p>
+        </p:txBody>
+      </p:sp>
+      <p:pic>
+        <p:nvPicPr>
+          <p:cNvPr id="11" name="Picture 10">
+            <a:extLst>
+              <a:ext uri="{FF2B5EF4-FFF2-40B4-BE49-F238E27FC236}">
+                <a16:creationId xmlns:a16="http://schemas.microsoft.com/office/drawing/2014/main" id="{D9F2451F-4520-9BFC-7F84-80F8E51F875D}"/>
+              </a:ext>
+            </a:extLst>
+          </p:cNvPr>
+          <p:cNvPicPr>
+            <a:picLocks noChangeAspect="1"/>
+          </p:cNvPicPr>
+          <p:nvPr/>
+        </p:nvPicPr>
+        <p:blipFill>
+          <a:blip r:embed="rId2"/>
+          <a:stretch>
+            <a:fillRect/>
+          </a:stretch>
+        </p:blipFill>
+        <p:spPr>
+          <a:xfrm>
+            <a:off x="3429000" y="2422194"/>
+            <a:ext cx="2391109" cy="981212"/>
           </a:xfrm>
           <a:prstGeom prst="rect">
             <a:avLst/>
@@ -10509,10 +9594,10 @@
       </p:pic>
       <p:pic>
         <p:nvPicPr>
-          <p:cNvPr id="7" name="Picture 6">
+          <p:cNvPr id="13" name="Picture 12">
             <a:extLst>
               <a:ext uri="{FF2B5EF4-FFF2-40B4-BE49-F238E27FC236}">
-                <a16:creationId xmlns:a16="http://schemas.microsoft.com/office/drawing/2014/main" id="{24E6F343-983A-8A54-C518-7B0BF83CC88C}"/>
+                <a16:creationId xmlns:a16="http://schemas.microsoft.com/office/drawing/2014/main" id="{CD2C35CA-F8A0-F430-5A47-361191544553}"/>
               </a:ext>
             </a:extLst>
           </p:cNvPr>
@@ -10529,8 +9614,1095 @@
         </p:blipFill>
         <p:spPr>
           <a:xfrm>
-            <a:off x="5220281" y="2824131"/>
-            <a:ext cx="2638793" cy="447737"/>
+            <a:off x="3499098" y="4198054"/>
+            <a:ext cx="2353003" cy="933580"/>
+          </a:xfrm>
+          <a:prstGeom prst="rect">
+            <a:avLst/>
+          </a:prstGeom>
+        </p:spPr>
+      </p:pic>
+      <p:sp>
+        <p:nvSpPr>
+          <p:cNvPr id="14" name="Content Placeholder 2" descr="phi&#10;">
+            <a:extLst>
+              <a:ext uri="{FF2B5EF4-FFF2-40B4-BE49-F238E27FC236}">
+                <a16:creationId xmlns:a16="http://schemas.microsoft.com/office/drawing/2014/main" id="{0D40FFCE-3507-645E-ED2F-DCE1D7F1DF29}"/>
+              </a:ext>
+            </a:extLst>
+          </p:cNvPr>
+          <p:cNvSpPr txBox="1">
+            <a:spLocks/>
+          </p:cNvSpPr>
+          <p:nvPr/>
+        </p:nvSpPr>
+        <p:spPr bwMode="auto">
+          <a:xfrm>
+            <a:off x="619125" y="3519775"/>
+            <a:ext cx="8667750" cy="1028700"/>
+          </a:xfrm>
+          <a:prstGeom prst="rect">
+            <a:avLst/>
+          </a:prstGeom>
+          <a:noFill/>
+          <a:ln>
+            <a:noFill/>
+          </a:ln>
+          <a:extLst>
+            <a:ext uri="{909E8E84-426E-40DD-AFC4-6F175D3DCCD1}">
+              <a14:hiddenFill xmlns:a14="http://schemas.microsoft.com/office/drawing/2010/main">
+                <a:solidFill>
+                  <a:srgbClr val="FFFFFF"/>
+                </a:solidFill>
+              </a14:hiddenFill>
+            </a:ext>
+            <a:ext uri="{91240B29-F687-4F45-9708-019B960494DF}">
+              <a14:hiddenLine xmlns:a14="http://schemas.microsoft.com/office/drawing/2010/main" w="9525">
+                <a:solidFill>
+                  <a:srgbClr val="000000"/>
+                </a:solidFill>
+                <a:miter lim="800000"/>
+                <a:headEnd/>
+                <a:tailEnd/>
+              </a14:hiddenLine>
+            </a:ext>
+          </a:extLst>
+        </p:spPr>
+        <p:txBody>
+          <a:bodyPr vert="horz" wrap="square" lIns="0" tIns="0" rIns="0" bIns="0" numCol="1" anchor="t" anchorCtr="0" compatLnSpc="1">
+            <a:prstTxWarp prst="textNoShape">
+              <a:avLst/>
+            </a:prstTxWarp>
+          </a:bodyPr>
+          <a:lstStyle>
+            <a:lvl1pPr marL="342900" indent="-342900" algn="l" defTabSz="741363" rtl="0" eaLnBrk="0" fontAlgn="base" hangingPunct="0">
+              <a:lnSpc>
+                <a:spcPct val="100000"/>
+              </a:lnSpc>
+              <a:spcBef>
+                <a:spcPts val="600"/>
+              </a:spcBef>
+              <a:spcAft>
+                <a:spcPct val="0"/>
+              </a:spcAft>
+              <a:buFont typeface="Arial" panose="020B0604020202020204" pitchFamily="34" charset="0"/>
+              <a:buChar char="•"/>
+              <a:defRPr sz="2400" kern="1200">
+                <a:solidFill>
+                  <a:srgbClr val="5A667F"/>
+                </a:solidFill>
+                <a:latin typeface="Lato" panose="020F0502020204030203" pitchFamily="34" charset="77"/>
+                <a:ea typeface="+mn-ea"/>
+                <a:cs typeface="Arial" panose="020B0604020202020204" pitchFamily="34" charset="0"/>
+              </a:defRPr>
+            </a:lvl1pPr>
+            <a:lvl2pPr marL="719138" indent="-363538" algn="l" defTabSz="741363" rtl="0" eaLnBrk="0" fontAlgn="base" hangingPunct="0">
+              <a:lnSpc>
+                <a:spcPct val="100000"/>
+              </a:lnSpc>
+              <a:spcBef>
+                <a:spcPts val="600"/>
+              </a:spcBef>
+              <a:spcAft>
+                <a:spcPct val="0"/>
+              </a:spcAft>
+              <a:buFont typeface="Arial" panose="020B0604020202020204" pitchFamily="34" charset="0"/>
+              <a:buChar char="•"/>
+              <a:defRPr sz="2000" kern="1200">
+                <a:solidFill>
+                  <a:srgbClr val="5A667F"/>
+                </a:solidFill>
+                <a:latin typeface="Lato" panose="020F0502020204030203" pitchFamily="34" charset="77"/>
+                <a:ea typeface="+mn-ea"/>
+                <a:cs typeface="Arial" panose="020B0604020202020204" pitchFamily="34" charset="0"/>
+              </a:defRPr>
+            </a:lvl2pPr>
+            <a:lvl3pPr marL="896938" indent="-177800" algn="l" defTabSz="741363" rtl="0" eaLnBrk="0" fontAlgn="base" hangingPunct="0">
+              <a:lnSpc>
+                <a:spcPct val="100000"/>
+              </a:lnSpc>
+              <a:spcBef>
+                <a:spcPts val="600"/>
+              </a:spcBef>
+              <a:spcAft>
+                <a:spcPct val="0"/>
+              </a:spcAft>
+              <a:buFont typeface="Arial" panose="020B0604020202020204" pitchFamily="34" charset="0"/>
+              <a:buChar char="•"/>
+              <a:defRPr sz="1600" kern="1200">
+                <a:solidFill>
+                  <a:srgbClr val="5A667F"/>
+                </a:solidFill>
+                <a:latin typeface="Lato" panose="020F0502020204030203" pitchFamily="34" charset="77"/>
+                <a:ea typeface="+mn-ea"/>
+                <a:cs typeface="Arial" panose="020B0604020202020204" pitchFamily="34" charset="0"/>
+              </a:defRPr>
+            </a:lvl3pPr>
+            <a:lvl4pPr marL="1074738" indent="-177800" algn="l" defTabSz="741363" rtl="0" eaLnBrk="0" fontAlgn="base" hangingPunct="0">
+              <a:lnSpc>
+                <a:spcPct val="100000"/>
+              </a:lnSpc>
+              <a:spcBef>
+                <a:spcPts val="600"/>
+              </a:spcBef>
+              <a:spcAft>
+                <a:spcPct val="0"/>
+              </a:spcAft>
+              <a:buFont typeface="Arial" panose="020B0604020202020204" pitchFamily="34" charset="0"/>
+              <a:buChar char="•"/>
+              <a:defRPr sz="1400" kern="1200">
+                <a:solidFill>
+                  <a:srgbClr val="5A667F"/>
+                </a:solidFill>
+                <a:latin typeface="Lato" panose="020F0502020204030203" pitchFamily="34" charset="77"/>
+                <a:ea typeface="+mn-ea"/>
+                <a:cs typeface="Arial" panose="020B0604020202020204" pitchFamily="34" charset="0"/>
+              </a:defRPr>
+            </a:lvl4pPr>
+            <a:lvl5pPr marL="1252538" indent="-177800" algn="l" defTabSz="741363" rtl="0" eaLnBrk="0" fontAlgn="base" hangingPunct="0">
+              <a:lnSpc>
+                <a:spcPct val="100000"/>
+              </a:lnSpc>
+              <a:spcBef>
+                <a:spcPts val="600"/>
+              </a:spcBef>
+              <a:spcAft>
+                <a:spcPct val="0"/>
+              </a:spcAft>
+              <a:buFont typeface="Arial" panose="020B0604020202020204" pitchFamily="34" charset="0"/>
+              <a:buChar char="•"/>
+              <a:tabLst/>
+              <a:defRPr sz="1200" kern="1200">
+                <a:solidFill>
+                  <a:srgbClr val="5A667F"/>
+                </a:solidFill>
+                <a:latin typeface="Lato" panose="020F0502020204030203" pitchFamily="34" charset="77"/>
+                <a:ea typeface="+mn-ea"/>
+                <a:cs typeface="Arial" panose="020B0604020202020204" pitchFamily="34" charset="0"/>
+              </a:defRPr>
+            </a:lvl5pPr>
+            <a:lvl6pPr marL="2042929" indent="-185721" algn="l" defTabSz="742883" rtl="0" eaLnBrk="1" latinLnBrk="0" hangingPunct="1">
+              <a:lnSpc>
+                <a:spcPct val="90000"/>
+              </a:lnSpc>
+              <a:spcBef>
+                <a:spcPts val="405"/>
+              </a:spcBef>
+              <a:buFont typeface="Arial" panose="020B0604020202020204" pitchFamily="34" charset="0"/>
+              <a:buChar char="•"/>
+              <a:defRPr sz="1463" kern="1200">
+                <a:solidFill>
+                  <a:schemeClr val="tx1"/>
+                </a:solidFill>
+                <a:latin typeface="+mn-lt"/>
+                <a:ea typeface="+mn-ea"/>
+                <a:cs typeface="+mn-cs"/>
+              </a:defRPr>
+            </a:lvl6pPr>
+            <a:lvl7pPr marL="2414371" indent="-185721" algn="l" defTabSz="742883" rtl="0" eaLnBrk="1" latinLnBrk="0" hangingPunct="1">
+              <a:lnSpc>
+                <a:spcPct val="90000"/>
+              </a:lnSpc>
+              <a:spcBef>
+                <a:spcPts val="405"/>
+              </a:spcBef>
+              <a:buFont typeface="Arial" panose="020B0604020202020204" pitchFamily="34" charset="0"/>
+              <a:buChar char="•"/>
+              <a:defRPr sz="1463" kern="1200">
+                <a:solidFill>
+                  <a:schemeClr val="tx1"/>
+                </a:solidFill>
+                <a:latin typeface="+mn-lt"/>
+                <a:ea typeface="+mn-ea"/>
+                <a:cs typeface="+mn-cs"/>
+              </a:defRPr>
+            </a:lvl7pPr>
+            <a:lvl8pPr marL="2785812" indent="-185721" algn="l" defTabSz="742883" rtl="0" eaLnBrk="1" latinLnBrk="0" hangingPunct="1">
+              <a:lnSpc>
+                <a:spcPct val="90000"/>
+              </a:lnSpc>
+              <a:spcBef>
+                <a:spcPts val="405"/>
+              </a:spcBef>
+              <a:buFont typeface="Arial" panose="020B0604020202020204" pitchFamily="34" charset="0"/>
+              <a:buChar char="•"/>
+              <a:defRPr sz="1463" kern="1200">
+                <a:solidFill>
+                  <a:schemeClr val="tx1"/>
+                </a:solidFill>
+                <a:latin typeface="+mn-lt"/>
+                <a:ea typeface="+mn-ea"/>
+                <a:cs typeface="+mn-cs"/>
+              </a:defRPr>
+            </a:lvl8pPr>
+            <a:lvl9pPr marL="3157253" indent="-185721" algn="l" defTabSz="742883" rtl="0" eaLnBrk="1" latinLnBrk="0" hangingPunct="1">
+              <a:lnSpc>
+                <a:spcPct val="90000"/>
+              </a:lnSpc>
+              <a:spcBef>
+                <a:spcPts val="405"/>
+              </a:spcBef>
+              <a:buFont typeface="Arial" panose="020B0604020202020204" pitchFamily="34" charset="0"/>
+              <a:buChar char="•"/>
+              <a:defRPr sz="1463" kern="1200">
+                <a:solidFill>
+                  <a:schemeClr val="tx1"/>
+                </a:solidFill>
+                <a:latin typeface="+mn-lt"/>
+                <a:ea typeface="+mn-ea"/>
+                <a:cs typeface="+mn-cs"/>
+              </a:defRPr>
+            </a:lvl9pPr>
+          </a:lstStyle>
+          <a:p>
+            <a:pPr marL="0" indent="0">
+              <a:buNone/>
+            </a:pPr>
+            <a:r>
+              <a:rPr lang="en-US" sz="1800" b="0" dirty="0"/>
+              <a:t>Then for a KAN layer Φ we define the L1 norm of Φ to be the sum of L1 norms of all activation functions: |Φ|1.</a:t>
+            </a:r>
+          </a:p>
+        </p:txBody>
+      </p:sp>
+    </p:spTree>
+    <p:extLst>
+      <p:ext uri="{BB962C8B-B14F-4D97-AF65-F5344CB8AC3E}">
+        <p14:creationId xmlns:p14="http://schemas.microsoft.com/office/powerpoint/2010/main" val="3927887783"/>
+      </p:ext>
+    </p:extLst>
+  </p:cSld>
+  <p:clrMapOvr>
+    <a:masterClrMapping/>
+  </p:clrMapOvr>
+</p:sld>
+</file>
+
+<file path=ppt/slides/slide18.xml><?xml version="1.0" encoding="utf-8"?>
+<p:sld xmlns:a="http://schemas.openxmlformats.org/drawingml/2006/main" xmlns:r="http://schemas.openxmlformats.org/officeDocument/2006/relationships" xmlns:p="http://schemas.openxmlformats.org/presentationml/2006/main">
+  <p:cSld>
+    <p:spTree>
+      <p:nvGrpSpPr>
+        <p:cNvPr id="1" name="">
+          <a:extLst>
+            <a:ext uri="{FF2B5EF4-FFF2-40B4-BE49-F238E27FC236}">
+              <a16:creationId xmlns:a16="http://schemas.microsoft.com/office/drawing/2014/main" id="{351B67D2-B793-8717-77C1-4079676E4961}"/>
+            </a:ext>
+          </a:extLst>
+        </p:cNvPr>
+        <p:cNvGrpSpPr/>
+        <p:nvPr/>
+      </p:nvGrpSpPr>
+      <p:grpSpPr>
+        <a:xfrm>
+          <a:off x="0" y="0"/>
+          <a:ext cx="0" cy="0"/>
+          <a:chOff x="0" y="0"/>
+          <a:chExt cx="0" cy="0"/>
+        </a:xfrm>
+      </p:grpSpPr>
+      <p:sp>
+        <p:nvSpPr>
+          <p:cNvPr id="2" name="Title 1">
+            <a:extLst>
+              <a:ext uri="{FF2B5EF4-FFF2-40B4-BE49-F238E27FC236}">
+                <a16:creationId xmlns:a16="http://schemas.microsoft.com/office/drawing/2014/main" id="{5E5411D5-0340-8F6D-F2D9-DEEF49E9BFAC}"/>
+              </a:ext>
+            </a:extLst>
+          </p:cNvPr>
+          <p:cNvSpPr>
+            <a:spLocks noGrp="1"/>
+          </p:cNvSpPr>
+          <p:nvPr>
+            <p:ph type="title"/>
+          </p:nvPr>
+        </p:nvSpPr>
+        <p:spPr/>
+        <p:txBody>
+          <a:bodyPr/>
+          <a:lstStyle/>
+          <a:p>
+            <a:r>
+              <a:rPr lang="en-US" sz="2400" dirty="0"/>
+              <a:t>Advanced: </a:t>
+            </a:r>
+            <a:r>
+              <a:rPr lang="en-US" sz="2400" dirty="0" err="1"/>
+              <a:t>Sparsification</a:t>
+            </a:r>
+            <a:r>
+              <a:rPr lang="en-US" sz="2400" dirty="0"/>
+              <a:t> (3)</a:t>
+            </a:r>
+            <a:endParaRPr sz="2400" dirty="0"/>
+          </a:p>
+        </p:txBody>
+      </p:sp>
+      <p:pic>
+        <p:nvPicPr>
+          <p:cNvPr id="5" name="Picture 4">
+            <a:extLst>
+              <a:ext uri="{FF2B5EF4-FFF2-40B4-BE49-F238E27FC236}">
+                <a16:creationId xmlns:a16="http://schemas.microsoft.com/office/drawing/2014/main" id="{07F3E83C-F079-C56E-20C3-91CDBEE79838}"/>
+              </a:ext>
+            </a:extLst>
+          </p:cNvPr>
+          <p:cNvPicPr>
+            <a:picLocks noChangeAspect="1"/>
+          </p:cNvPicPr>
+          <p:nvPr/>
+        </p:nvPicPr>
+        <p:blipFill>
+          <a:blip r:embed="rId2"/>
+          <a:stretch>
+            <a:fillRect/>
+          </a:stretch>
+        </p:blipFill>
+        <p:spPr>
+          <a:xfrm>
+            <a:off x="2433286" y="4686417"/>
+            <a:ext cx="5039428" cy="838317"/>
+          </a:xfrm>
+          <a:prstGeom prst="rect">
+            <a:avLst/>
+          </a:prstGeom>
+        </p:spPr>
+      </p:pic>
+      <p:pic>
+        <p:nvPicPr>
+          <p:cNvPr id="8" name="Picture 7">
+            <a:extLst>
+              <a:ext uri="{FF2B5EF4-FFF2-40B4-BE49-F238E27FC236}">
+                <a16:creationId xmlns:a16="http://schemas.microsoft.com/office/drawing/2014/main" id="{D7D4DCDC-8A79-6A54-3B8D-F35B94A5E057}"/>
+              </a:ext>
+            </a:extLst>
+          </p:cNvPr>
+          <p:cNvPicPr>
+            <a:picLocks noChangeAspect="1"/>
+          </p:cNvPicPr>
+          <p:nvPr/>
+        </p:nvPicPr>
+        <p:blipFill>
+          <a:blip r:embed="rId3"/>
+          <a:stretch>
+            <a:fillRect/>
+          </a:stretch>
+        </p:blipFill>
+        <p:spPr>
+          <a:xfrm>
+            <a:off x="3157267" y="2158581"/>
+            <a:ext cx="3877216" cy="790685"/>
+          </a:xfrm>
+          <a:prstGeom prst="rect">
+            <a:avLst/>
+          </a:prstGeom>
+        </p:spPr>
+      </p:pic>
+      <p:sp>
+        <p:nvSpPr>
+          <p:cNvPr id="9" name="Content Placeholder 2" descr="phi&#10;">
+            <a:extLst>
+              <a:ext uri="{FF2B5EF4-FFF2-40B4-BE49-F238E27FC236}">
+                <a16:creationId xmlns:a16="http://schemas.microsoft.com/office/drawing/2014/main" id="{8A2183F9-243B-C447-6D52-04233634B162}"/>
+              </a:ext>
+            </a:extLst>
+          </p:cNvPr>
+          <p:cNvSpPr txBox="1">
+            <a:spLocks/>
+          </p:cNvSpPr>
+          <p:nvPr/>
+        </p:nvSpPr>
+        <p:spPr bwMode="auto">
+          <a:xfrm>
+            <a:off x="762000" y="1642848"/>
+            <a:ext cx="8667750" cy="1028700"/>
+          </a:xfrm>
+          <a:prstGeom prst="rect">
+            <a:avLst/>
+          </a:prstGeom>
+          <a:noFill/>
+          <a:ln>
+            <a:noFill/>
+          </a:ln>
+          <a:extLst>
+            <a:ext uri="{909E8E84-426E-40DD-AFC4-6F175D3DCCD1}">
+              <a14:hiddenFill xmlns:a14="http://schemas.microsoft.com/office/drawing/2010/main">
+                <a:solidFill>
+                  <a:srgbClr val="FFFFFF"/>
+                </a:solidFill>
+              </a14:hiddenFill>
+            </a:ext>
+            <a:ext uri="{91240B29-F687-4F45-9708-019B960494DF}">
+              <a14:hiddenLine xmlns:a14="http://schemas.microsoft.com/office/drawing/2010/main" w="9525">
+                <a:solidFill>
+                  <a:srgbClr val="000000"/>
+                </a:solidFill>
+                <a:miter lim="800000"/>
+                <a:headEnd/>
+                <a:tailEnd/>
+              </a14:hiddenLine>
+            </a:ext>
+          </a:extLst>
+        </p:spPr>
+        <p:txBody>
+          <a:bodyPr vert="horz" wrap="square" lIns="0" tIns="0" rIns="0" bIns="0" numCol="1" anchor="t" anchorCtr="0" compatLnSpc="1">
+            <a:prstTxWarp prst="textNoShape">
+              <a:avLst/>
+            </a:prstTxWarp>
+          </a:bodyPr>
+          <a:lstStyle>
+            <a:lvl1pPr marL="342900" indent="-342900" algn="l" defTabSz="741363" rtl="0" eaLnBrk="0" fontAlgn="base" hangingPunct="0">
+              <a:lnSpc>
+                <a:spcPct val="100000"/>
+              </a:lnSpc>
+              <a:spcBef>
+                <a:spcPts val="600"/>
+              </a:spcBef>
+              <a:spcAft>
+                <a:spcPct val="0"/>
+              </a:spcAft>
+              <a:buFont typeface="Arial" panose="020B0604020202020204" pitchFamily="34" charset="0"/>
+              <a:buChar char="•"/>
+              <a:defRPr sz="2400" kern="1200">
+                <a:solidFill>
+                  <a:srgbClr val="5A667F"/>
+                </a:solidFill>
+                <a:latin typeface="Lato" panose="020F0502020204030203" pitchFamily="34" charset="77"/>
+                <a:ea typeface="+mn-ea"/>
+                <a:cs typeface="Arial" panose="020B0604020202020204" pitchFamily="34" charset="0"/>
+              </a:defRPr>
+            </a:lvl1pPr>
+            <a:lvl2pPr marL="719138" indent="-363538" algn="l" defTabSz="741363" rtl="0" eaLnBrk="0" fontAlgn="base" hangingPunct="0">
+              <a:lnSpc>
+                <a:spcPct val="100000"/>
+              </a:lnSpc>
+              <a:spcBef>
+                <a:spcPts val="600"/>
+              </a:spcBef>
+              <a:spcAft>
+                <a:spcPct val="0"/>
+              </a:spcAft>
+              <a:buFont typeface="Arial" panose="020B0604020202020204" pitchFamily="34" charset="0"/>
+              <a:buChar char="•"/>
+              <a:defRPr sz="2000" kern="1200">
+                <a:solidFill>
+                  <a:srgbClr val="5A667F"/>
+                </a:solidFill>
+                <a:latin typeface="Lato" panose="020F0502020204030203" pitchFamily="34" charset="77"/>
+                <a:ea typeface="+mn-ea"/>
+                <a:cs typeface="Arial" panose="020B0604020202020204" pitchFamily="34" charset="0"/>
+              </a:defRPr>
+            </a:lvl2pPr>
+            <a:lvl3pPr marL="896938" indent="-177800" algn="l" defTabSz="741363" rtl="0" eaLnBrk="0" fontAlgn="base" hangingPunct="0">
+              <a:lnSpc>
+                <a:spcPct val="100000"/>
+              </a:lnSpc>
+              <a:spcBef>
+                <a:spcPts val="600"/>
+              </a:spcBef>
+              <a:spcAft>
+                <a:spcPct val="0"/>
+              </a:spcAft>
+              <a:buFont typeface="Arial" panose="020B0604020202020204" pitchFamily="34" charset="0"/>
+              <a:buChar char="•"/>
+              <a:defRPr sz="1600" kern="1200">
+                <a:solidFill>
+                  <a:srgbClr val="5A667F"/>
+                </a:solidFill>
+                <a:latin typeface="Lato" panose="020F0502020204030203" pitchFamily="34" charset="77"/>
+                <a:ea typeface="+mn-ea"/>
+                <a:cs typeface="Arial" panose="020B0604020202020204" pitchFamily="34" charset="0"/>
+              </a:defRPr>
+            </a:lvl3pPr>
+            <a:lvl4pPr marL="1074738" indent="-177800" algn="l" defTabSz="741363" rtl="0" eaLnBrk="0" fontAlgn="base" hangingPunct="0">
+              <a:lnSpc>
+                <a:spcPct val="100000"/>
+              </a:lnSpc>
+              <a:spcBef>
+                <a:spcPts val="600"/>
+              </a:spcBef>
+              <a:spcAft>
+                <a:spcPct val="0"/>
+              </a:spcAft>
+              <a:buFont typeface="Arial" panose="020B0604020202020204" pitchFamily="34" charset="0"/>
+              <a:buChar char="•"/>
+              <a:defRPr sz="1400" kern="1200">
+                <a:solidFill>
+                  <a:srgbClr val="5A667F"/>
+                </a:solidFill>
+                <a:latin typeface="Lato" panose="020F0502020204030203" pitchFamily="34" charset="77"/>
+                <a:ea typeface="+mn-ea"/>
+                <a:cs typeface="Arial" panose="020B0604020202020204" pitchFamily="34" charset="0"/>
+              </a:defRPr>
+            </a:lvl4pPr>
+            <a:lvl5pPr marL="1252538" indent="-177800" algn="l" defTabSz="741363" rtl="0" eaLnBrk="0" fontAlgn="base" hangingPunct="0">
+              <a:lnSpc>
+                <a:spcPct val="100000"/>
+              </a:lnSpc>
+              <a:spcBef>
+                <a:spcPts val="600"/>
+              </a:spcBef>
+              <a:spcAft>
+                <a:spcPct val="0"/>
+              </a:spcAft>
+              <a:buFont typeface="Arial" panose="020B0604020202020204" pitchFamily="34" charset="0"/>
+              <a:buChar char="•"/>
+              <a:tabLst/>
+              <a:defRPr sz="1200" kern="1200">
+                <a:solidFill>
+                  <a:srgbClr val="5A667F"/>
+                </a:solidFill>
+                <a:latin typeface="Lato" panose="020F0502020204030203" pitchFamily="34" charset="77"/>
+                <a:ea typeface="+mn-ea"/>
+                <a:cs typeface="Arial" panose="020B0604020202020204" pitchFamily="34" charset="0"/>
+              </a:defRPr>
+            </a:lvl5pPr>
+            <a:lvl6pPr marL="2042929" indent="-185721" algn="l" defTabSz="742883" rtl="0" eaLnBrk="1" latinLnBrk="0" hangingPunct="1">
+              <a:lnSpc>
+                <a:spcPct val="90000"/>
+              </a:lnSpc>
+              <a:spcBef>
+                <a:spcPts val="405"/>
+              </a:spcBef>
+              <a:buFont typeface="Arial" panose="020B0604020202020204" pitchFamily="34" charset="0"/>
+              <a:buChar char="•"/>
+              <a:defRPr sz="1463" kern="1200">
+                <a:solidFill>
+                  <a:schemeClr val="tx1"/>
+                </a:solidFill>
+                <a:latin typeface="+mn-lt"/>
+                <a:ea typeface="+mn-ea"/>
+                <a:cs typeface="+mn-cs"/>
+              </a:defRPr>
+            </a:lvl6pPr>
+            <a:lvl7pPr marL="2414371" indent="-185721" algn="l" defTabSz="742883" rtl="0" eaLnBrk="1" latinLnBrk="0" hangingPunct="1">
+              <a:lnSpc>
+                <a:spcPct val="90000"/>
+              </a:lnSpc>
+              <a:spcBef>
+                <a:spcPts val="405"/>
+              </a:spcBef>
+              <a:buFont typeface="Arial" panose="020B0604020202020204" pitchFamily="34" charset="0"/>
+              <a:buChar char="•"/>
+              <a:defRPr sz="1463" kern="1200">
+                <a:solidFill>
+                  <a:schemeClr val="tx1"/>
+                </a:solidFill>
+                <a:latin typeface="+mn-lt"/>
+                <a:ea typeface="+mn-ea"/>
+                <a:cs typeface="+mn-cs"/>
+              </a:defRPr>
+            </a:lvl7pPr>
+            <a:lvl8pPr marL="2785812" indent="-185721" algn="l" defTabSz="742883" rtl="0" eaLnBrk="1" latinLnBrk="0" hangingPunct="1">
+              <a:lnSpc>
+                <a:spcPct val="90000"/>
+              </a:lnSpc>
+              <a:spcBef>
+                <a:spcPts val="405"/>
+              </a:spcBef>
+              <a:buFont typeface="Arial" panose="020B0604020202020204" pitchFamily="34" charset="0"/>
+              <a:buChar char="•"/>
+              <a:defRPr sz="1463" kern="1200">
+                <a:solidFill>
+                  <a:schemeClr val="tx1"/>
+                </a:solidFill>
+                <a:latin typeface="+mn-lt"/>
+                <a:ea typeface="+mn-ea"/>
+                <a:cs typeface="+mn-cs"/>
+              </a:defRPr>
+            </a:lvl8pPr>
+            <a:lvl9pPr marL="3157253" indent="-185721" algn="l" defTabSz="742883" rtl="0" eaLnBrk="1" latinLnBrk="0" hangingPunct="1">
+              <a:lnSpc>
+                <a:spcPct val="90000"/>
+              </a:lnSpc>
+              <a:spcBef>
+                <a:spcPts val="405"/>
+              </a:spcBef>
+              <a:buFont typeface="Arial" panose="020B0604020202020204" pitchFamily="34" charset="0"/>
+              <a:buChar char="•"/>
+              <a:defRPr sz="1463" kern="1200">
+                <a:solidFill>
+                  <a:schemeClr val="tx1"/>
+                </a:solidFill>
+                <a:latin typeface="+mn-lt"/>
+                <a:ea typeface="+mn-ea"/>
+                <a:cs typeface="+mn-cs"/>
+              </a:defRPr>
+            </a:lvl9pPr>
+          </a:lstStyle>
+          <a:p>
+            <a:pPr marL="0" indent="0">
+              <a:buNone/>
+            </a:pPr>
+            <a:r>
+              <a:rPr lang="en-US" sz="1800" b="0" dirty="0"/>
+              <a:t>We define the regularization entropy of Φ to be S(Φ).</a:t>
+            </a:r>
+          </a:p>
+        </p:txBody>
+      </p:sp>
+      <p:sp>
+        <p:nvSpPr>
+          <p:cNvPr id="14" name="Content Placeholder 2" descr="phi&#10;">
+            <a:extLst>
+              <a:ext uri="{FF2B5EF4-FFF2-40B4-BE49-F238E27FC236}">
+                <a16:creationId xmlns:a16="http://schemas.microsoft.com/office/drawing/2014/main" id="{58F3A33B-CD50-B058-179F-AC2F1D9541D9}"/>
+              </a:ext>
+            </a:extLst>
+          </p:cNvPr>
+          <p:cNvSpPr txBox="1">
+            <a:spLocks/>
+          </p:cNvSpPr>
+          <p:nvPr/>
+        </p:nvSpPr>
+        <p:spPr bwMode="auto">
+          <a:xfrm>
+            <a:off x="762000" y="3338734"/>
+            <a:ext cx="8667750" cy="1028700"/>
+          </a:xfrm>
+          <a:prstGeom prst="rect">
+            <a:avLst/>
+          </a:prstGeom>
+          <a:noFill/>
+          <a:ln>
+            <a:noFill/>
+          </a:ln>
+          <a:extLst>
+            <a:ext uri="{909E8E84-426E-40DD-AFC4-6F175D3DCCD1}">
+              <a14:hiddenFill xmlns:a14="http://schemas.microsoft.com/office/drawing/2010/main">
+                <a:solidFill>
+                  <a:srgbClr val="FFFFFF"/>
+                </a:solidFill>
+              </a14:hiddenFill>
+            </a:ext>
+            <a:ext uri="{91240B29-F687-4F45-9708-019B960494DF}">
+              <a14:hiddenLine xmlns:a14="http://schemas.microsoft.com/office/drawing/2010/main" w="9525">
+                <a:solidFill>
+                  <a:srgbClr val="000000"/>
+                </a:solidFill>
+                <a:miter lim="800000"/>
+                <a:headEnd/>
+                <a:tailEnd/>
+              </a14:hiddenLine>
+            </a:ext>
+          </a:extLst>
+        </p:spPr>
+        <p:txBody>
+          <a:bodyPr vert="horz" wrap="square" lIns="0" tIns="0" rIns="0" bIns="0" numCol="1" anchor="t" anchorCtr="0" compatLnSpc="1">
+            <a:prstTxWarp prst="textNoShape">
+              <a:avLst/>
+            </a:prstTxWarp>
+          </a:bodyPr>
+          <a:lstStyle>
+            <a:lvl1pPr marL="342900" indent="-342900" algn="l" defTabSz="741363" rtl="0" eaLnBrk="0" fontAlgn="base" hangingPunct="0">
+              <a:lnSpc>
+                <a:spcPct val="100000"/>
+              </a:lnSpc>
+              <a:spcBef>
+                <a:spcPts val="600"/>
+              </a:spcBef>
+              <a:spcAft>
+                <a:spcPct val="0"/>
+              </a:spcAft>
+              <a:buFont typeface="Arial" panose="020B0604020202020204" pitchFamily="34" charset="0"/>
+              <a:buChar char="•"/>
+              <a:defRPr sz="2400" kern="1200">
+                <a:solidFill>
+                  <a:srgbClr val="5A667F"/>
+                </a:solidFill>
+                <a:latin typeface="Lato" panose="020F0502020204030203" pitchFamily="34" charset="77"/>
+                <a:ea typeface="+mn-ea"/>
+                <a:cs typeface="Arial" panose="020B0604020202020204" pitchFamily="34" charset="0"/>
+              </a:defRPr>
+            </a:lvl1pPr>
+            <a:lvl2pPr marL="719138" indent="-363538" algn="l" defTabSz="741363" rtl="0" eaLnBrk="0" fontAlgn="base" hangingPunct="0">
+              <a:lnSpc>
+                <a:spcPct val="100000"/>
+              </a:lnSpc>
+              <a:spcBef>
+                <a:spcPts val="600"/>
+              </a:spcBef>
+              <a:spcAft>
+                <a:spcPct val="0"/>
+              </a:spcAft>
+              <a:buFont typeface="Arial" panose="020B0604020202020204" pitchFamily="34" charset="0"/>
+              <a:buChar char="•"/>
+              <a:defRPr sz="2000" kern="1200">
+                <a:solidFill>
+                  <a:srgbClr val="5A667F"/>
+                </a:solidFill>
+                <a:latin typeface="Lato" panose="020F0502020204030203" pitchFamily="34" charset="77"/>
+                <a:ea typeface="+mn-ea"/>
+                <a:cs typeface="Arial" panose="020B0604020202020204" pitchFamily="34" charset="0"/>
+              </a:defRPr>
+            </a:lvl2pPr>
+            <a:lvl3pPr marL="896938" indent="-177800" algn="l" defTabSz="741363" rtl="0" eaLnBrk="0" fontAlgn="base" hangingPunct="0">
+              <a:lnSpc>
+                <a:spcPct val="100000"/>
+              </a:lnSpc>
+              <a:spcBef>
+                <a:spcPts val="600"/>
+              </a:spcBef>
+              <a:spcAft>
+                <a:spcPct val="0"/>
+              </a:spcAft>
+              <a:buFont typeface="Arial" panose="020B0604020202020204" pitchFamily="34" charset="0"/>
+              <a:buChar char="•"/>
+              <a:defRPr sz="1600" kern="1200">
+                <a:solidFill>
+                  <a:srgbClr val="5A667F"/>
+                </a:solidFill>
+                <a:latin typeface="Lato" panose="020F0502020204030203" pitchFamily="34" charset="77"/>
+                <a:ea typeface="+mn-ea"/>
+                <a:cs typeface="Arial" panose="020B0604020202020204" pitchFamily="34" charset="0"/>
+              </a:defRPr>
+            </a:lvl3pPr>
+            <a:lvl4pPr marL="1074738" indent="-177800" algn="l" defTabSz="741363" rtl="0" eaLnBrk="0" fontAlgn="base" hangingPunct="0">
+              <a:lnSpc>
+                <a:spcPct val="100000"/>
+              </a:lnSpc>
+              <a:spcBef>
+                <a:spcPts val="600"/>
+              </a:spcBef>
+              <a:spcAft>
+                <a:spcPct val="0"/>
+              </a:spcAft>
+              <a:buFont typeface="Arial" panose="020B0604020202020204" pitchFamily="34" charset="0"/>
+              <a:buChar char="•"/>
+              <a:defRPr sz="1400" kern="1200">
+                <a:solidFill>
+                  <a:srgbClr val="5A667F"/>
+                </a:solidFill>
+                <a:latin typeface="Lato" panose="020F0502020204030203" pitchFamily="34" charset="77"/>
+                <a:ea typeface="+mn-ea"/>
+                <a:cs typeface="Arial" panose="020B0604020202020204" pitchFamily="34" charset="0"/>
+              </a:defRPr>
+            </a:lvl4pPr>
+            <a:lvl5pPr marL="1252538" indent="-177800" algn="l" defTabSz="741363" rtl="0" eaLnBrk="0" fontAlgn="base" hangingPunct="0">
+              <a:lnSpc>
+                <a:spcPct val="100000"/>
+              </a:lnSpc>
+              <a:spcBef>
+                <a:spcPts val="600"/>
+              </a:spcBef>
+              <a:spcAft>
+                <a:spcPct val="0"/>
+              </a:spcAft>
+              <a:buFont typeface="Arial" panose="020B0604020202020204" pitchFamily="34" charset="0"/>
+              <a:buChar char="•"/>
+              <a:tabLst/>
+              <a:defRPr sz="1200" kern="1200">
+                <a:solidFill>
+                  <a:srgbClr val="5A667F"/>
+                </a:solidFill>
+                <a:latin typeface="Lato" panose="020F0502020204030203" pitchFamily="34" charset="77"/>
+                <a:ea typeface="+mn-ea"/>
+                <a:cs typeface="Arial" panose="020B0604020202020204" pitchFamily="34" charset="0"/>
+              </a:defRPr>
+            </a:lvl5pPr>
+            <a:lvl6pPr marL="2042929" indent="-185721" algn="l" defTabSz="742883" rtl="0" eaLnBrk="1" latinLnBrk="0" hangingPunct="1">
+              <a:lnSpc>
+                <a:spcPct val="90000"/>
+              </a:lnSpc>
+              <a:spcBef>
+                <a:spcPts val="405"/>
+              </a:spcBef>
+              <a:buFont typeface="Arial" panose="020B0604020202020204" pitchFamily="34" charset="0"/>
+              <a:buChar char="•"/>
+              <a:defRPr sz="1463" kern="1200">
+                <a:solidFill>
+                  <a:schemeClr val="tx1"/>
+                </a:solidFill>
+                <a:latin typeface="+mn-lt"/>
+                <a:ea typeface="+mn-ea"/>
+                <a:cs typeface="+mn-cs"/>
+              </a:defRPr>
+            </a:lvl6pPr>
+            <a:lvl7pPr marL="2414371" indent="-185721" algn="l" defTabSz="742883" rtl="0" eaLnBrk="1" latinLnBrk="0" hangingPunct="1">
+              <a:lnSpc>
+                <a:spcPct val="90000"/>
+              </a:lnSpc>
+              <a:spcBef>
+                <a:spcPts val="405"/>
+              </a:spcBef>
+              <a:buFont typeface="Arial" panose="020B0604020202020204" pitchFamily="34" charset="0"/>
+              <a:buChar char="•"/>
+              <a:defRPr sz="1463" kern="1200">
+                <a:solidFill>
+                  <a:schemeClr val="tx1"/>
+                </a:solidFill>
+                <a:latin typeface="+mn-lt"/>
+                <a:ea typeface="+mn-ea"/>
+                <a:cs typeface="+mn-cs"/>
+              </a:defRPr>
+            </a:lvl7pPr>
+            <a:lvl8pPr marL="2785812" indent="-185721" algn="l" defTabSz="742883" rtl="0" eaLnBrk="1" latinLnBrk="0" hangingPunct="1">
+              <a:lnSpc>
+                <a:spcPct val="90000"/>
+              </a:lnSpc>
+              <a:spcBef>
+                <a:spcPts val="405"/>
+              </a:spcBef>
+              <a:buFont typeface="Arial" panose="020B0604020202020204" pitchFamily="34" charset="0"/>
+              <a:buChar char="•"/>
+              <a:defRPr sz="1463" kern="1200">
+                <a:solidFill>
+                  <a:schemeClr val="tx1"/>
+                </a:solidFill>
+                <a:latin typeface="+mn-lt"/>
+                <a:ea typeface="+mn-ea"/>
+                <a:cs typeface="+mn-cs"/>
+              </a:defRPr>
+            </a:lvl8pPr>
+            <a:lvl9pPr marL="3157253" indent="-185721" algn="l" defTabSz="742883" rtl="0" eaLnBrk="1" latinLnBrk="0" hangingPunct="1">
+              <a:lnSpc>
+                <a:spcPct val="90000"/>
+              </a:lnSpc>
+              <a:spcBef>
+                <a:spcPts val="405"/>
+              </a:spcBef>
+              <a:buFont typeface="Arial" panose="020B0604020202020204" pitchFamily="34" charset="0"/>
+              <a:buChar char="•"/>
+              <a:defRPr sz="1463" kern="1200">
+                <a:solidFill>
+                  <a:schemeClr val="tx1"/>
+                </a:solidFill>
+                <a:latin typeface="+mn-lt"/>
+                <a:ea typeface="+mn-ea"/>
+                <a:cs typeface="+mn-cs"/>
+              </a:defRPr>
+            </a:lvl9pPr>
+          </a:lstStyle>
+          <a:p>
+            <a:pPr marL="0" indent="0">
+              <a:buNone/>
+            </a:pPr>
+            <a:r>
+              <a:rPr lang="en-US" sz="1800" b="0" dirty="0"/>
+              <a:t>The total training objective (</a:t>
+            </a:r>
+            <a:r>
+              <a:rPr lang="en-US" sz="1800" b="0" dirty="0" err="1"/>
+              <a:t>l_total</a:t>
+            </a:r>
+            <a:r>
+              <a:rPr lang="en-US" sz="1800" b="0" dirty="0"/>
+              <a:t>) is the prediction (</a:t>
+            </a:r>
+            <a:r>
+              <a:rPr lang="en-US" sz="1800" b="0" dirty="0" err="1"/>
+              <a:t>l_pred</a:t>
+            </a:r>
+            <a:r>
+              <a:rPr lang="en-US" sz="1800" b="0" dirty="0"/>
+              <a:t>) plus L1 and entropy regularization of all KAN layers where we define µ1, µ2 are relative magnitudes usually set to µ1 = µ2 = 1, and λ controls overall regularization magnitude</a:t>
+            </a:r>
+          </a:p>
+        </p:txBody>
+      </p:sp>
+    </p:spTree>
+    <p:extLst>
+      <p:ext uri="{BB962C8B-B14F-4D97-AF65-F5344CB8AC3E}">
+        <p14:creationId xmlns:p14="http://schemas.microsoft.com/office/powerpoint/2010/main" val="2274629540"/>
+      </p:ext>
+    </p:extLst>
+  </p:cSld>
+  <p:clrMapOvr>
+    <a:masterClrMapping/>
+  </p:clrMapOvr>
+</p:sld>
+</file>
+
+<file path=ppt/slides/slide19.xml><?xml version="1.0" encoding="utf-8"?>
+<p:sld xmlns:a="http://schemas.openxmlformats.org/drawingml/2006/main" xmlns:r="http://schemas.openxmlformats.org/officeDocument/2006/relationships" xmlns:p="http://schemas.openxmlformats.org/presentationml/2006/main">
+  <p:cSld>
+    <p:spTree>
+      <p:nvGrpSpPr>
+        <p:cNvPr id="1" name="">
+          <a:extLst>
+            <a:ext uri="{FF2B5EF4-FFF2-40B4-BE49-F238E27FC236}">
+              <a16:creationId xmlns:a16="http://schemas.microsoft.com/office/drawing/2014/main" id="{8B4D265A-5F63-2F6C-A57F-98F88D582A33}"/>
+            </a:ext>
+          </a:extLst>
+        </p:cNvPr>
+        <p:cNvGrpSpPr/>
+        <p:nvPr/>
+      </p:nvGrpSpPr>
+      <p:grpSpPr>
+        <a:xfrm>
+          <a:off x="0" y="0"/>
+          <a:ext cx="0" cy="0"/>
+          <a:chOff x="0" y="0"/>
+          <a:chExt cx="0" cy="0"/>
+        </a:xfrm>
+      </p:grpSpPr>
+      <p:sp>
+        <p:nvSpPr>
+          <p:cNvPr id="2" name="Title 1">
+            <a:extLst>
+              <a:ext uri="{FF2B5EF4-FFF2-40B4-BE49-F238E27FC236}">
+                <a16:creationId xmlns:a16="http://schemas.microsoft.com/office/drawing/2014/main" id="{F4DD73E5-B094-9627-4586-ED4763D7E7A7}"/>
+              </a:ext>
+            </a:extLst>
+          </p:cNvPr>
+          <p:cNvSpPr>
+            <a:spLocks noGrp="1"/>
+          </p:cNvSpPr>
+          <p:nvPr>
+            <p:ph type="title"/>
+          </p:nvPr>
+        </p:nvSpPr>
+        <p:spPr>
+          <a:xfrm>
+            <a:off x="619125" y="419100"/>
+            <a:ext cx="8667750" cy="1028700"/>
+          </a:xfrm>
+        </p:spPr>
+        <p:txBody>
+          <a:bodyPr/>
+          <a:lstStyle/>
+          <a:p>
+            <a:r>
+              <a:rPr lang="en-US" sz="2400" dirty="0"/>
+              <a:t>Advanced: Pruning</a:t>
+            </a:r>
+            <a:endParaRPr sz="2400" dirty="0"/>
+          </a:p>
+        </p:txBody>
+      </p:sp>
+      <p:sp>
+        <p:nvSpPr>
+          <p:cNvPr id="3" name="Content Placeholder 2" descr="phi&#10;">
+            <a:extLst>
+              <a:ext uri="{FF2B5EF4-FFF2-40B4-BE49-F238E27FC236}">
+                <a16:creationId xmlns:a16="http://schemas.microsoft.com/office/drawing/2014/main" id="{07075380-9030-DE92-3F25-E961F73BC7B0}"/>
+              </a:ext>
+            </a:extLst>
+          </p:cNvPr>
+          <p:cNvSpPr>
+            <a:spLocks noGrp="1"/>
+          </p:cNvSpPr>
+          <p:nvPr>
+            <p:ph idx="1"/>
+          </p:nvPr>
+        </p:nvSpPr>
+        <p:spPr>
+          <a:xfrm>
+            <a:off x="685800" y="1600200"/>
+            <a:ext cx="8667750" cy="3848100"/>
+          </a:xfrm>
+        </p:spPr>
+        <p:txBody>
+          <a:bodyPr/>
+          <a:lstStyle/>
+          <a:p>
+            <a:pPr marL="0" indent="0">
+              <a:buNone/>
+            </a:pPr>
+            <a:r>
+              <a:rPr lang="en-US" sz="1800" dirty="0"/>
+              <a:t>We may also want to prune the network to a smaller subnetwork by eliminating all the non-essential nodes. In matrix form, these nodes will be represented as 0.</a:t>
+            </a:r>
+          </a:p>
+          <a:p>
+            <a:pPr marL="0" indent="0">
+              <a:buNone/>
+            </a:pPr>
+            <a:endParaRPr lang="en-US" sz="1800" dirty="0"/>
+          </a:p>
+          <a:p>
+            <a:pPr marL="0" indent="0">
+              <a:buNone/>
+            </a:pPr>
+            <a:r>
+              <a:rPr lang="en-US" sz="1800" dirty="0"/>
+              <a:t>We define its incoming and outgoing scores as </a:t>
+            </a:r>
+            <a:r>
+              <a:rPr lang="en-US" sz="1800" dirty="0" err="1"/>
+              <a:t>I_l,i</a:t>
+            </a:r>
+            <a:r>
+              <a:rPr lang="en-US" sz="1800" dirty="0"/>
+              <a:t> and </a:t>
+            </a:r>
+            <a:r>
+              <a:rPr lang="en-US" sz="1800" dirty="0" err="1"/>
+              <a:t>O_l,i</a:t>
+            </a:r>
+            <a:r>
+              <a:rPr lang="en-US" sz="1800" dirty="0"/>
+              <a:t>.</a:t>
+            </a:r>
+          </a:p>
+          <a:p>
+            <a:pPr marL="0" indent="0">
+              <a:buNone/>
+            </a:pPr>
+            <a:endParaRPr lang="en-US" sz="1800" dirty="0"/>
+          </a:p>
+          <a:p>
+            <a:pPr marL="0" indent="0">
+              <a:buNone/>
+            </a:pPr>
+            <a:endParaRPr lang="en-US" sz="1800" dirty="0"/>
+          </a:p>
+          <a:p>
+            <a:pPr marL="0" indent="0">
+              <a:buNone/>
+            </a:pPr>
+            <a:endParaRPr lang="en-US" sz="1800" dirty="0"/>
+          </a:p>
+          <a:p>
+            <a:pPr marL="0" indent="0">
+              <a:buNone/>
+            </a:pPr>
+            <a:endParaRPr lang="en-US" sz="1800" dirty="0"/>
+          </a:p>
+          <a:p>
+            <a:pPr marL="0" indent="0">
+              <a:buNone/>
+            </a:pPr>
+            <a:r>
+              <a:rPr lang="en-US" sz="1800" dirty="0"/>
+              <a:t>and consider a node to be important if both incoming and outgoing scores are greater than a threshold hyperparameter θ = 10^−2 by default. </a:t>
+            </a:r>
+          </a:p>
+          <a:p>
+            <a:pPr marL="0" indent="0">
+              <a:buNone/>
+            </a:pPr>
+            <a:br>
+              <a:rPr lang="en-US" sz="1800" dirty="0"/>
+            </a:br>
+            <a:endParaRPr lang="en-US" sz="1800" dirty="0"/>
+          </a:p>
+        </p:txBody>
+      </p:sp>
+      <p:pic>
+        <p:nvPicPr>
+          <p:cNvPr id="8" name="Picture 7">
+            <a:extLst>
+              <a:ext uri="{FF2B5EF4-FFF2-40B4-BE49-F238E27FC236}">
+                <a16:creationId xmlns:a16="http://schemas.microsoft.com/office/drawing/2014/main" id="{6DC83959-2E88-02D2-2532-8C1085D45583}"/>
+              </a:ext>
+            </a:extLst>
+          </p:cNvPr>
+          <p:cNvPicPr>
+            <a:picLocks noChangeAspect="1"/>
+          </p:cNvPicPr>
+          <p:nvPr/>
+        </p:nvPicPr>
+        <p:blipFill>
+          <a:blip r:embed="rId2"/>
+          <a:stretch>
+            <a:fillRect/>
+          </a:stretch>
+        </p:blipFill>
+        <p:spPr>
+          <a:xfrm>
+            <a:off x="1866900" y="3124200"/>
+            <a:ext cx="6172200" cy="841663"/>
           </a:xfrm>
           <a:prstGeom prst="rect">
             <a:avLst/>
@@ -10540,7 +10712,7 @@
     </p:spTree>
     <p:extLst>
       <p:ext uri="{BB962C8B-B14F-4D97-AF65-F5344CB8AC3E}">
-        <p14:creationId xmlns:p14="http://schemas.microsoft.com/office/powerpoint/2010/main" val="3760028840"/>
+        <p14:creationId xmlns:p14="http://schemas.microsoft.com/office/powerpoint/2010/main" val="2547318028"/>
       </p:ext>
     </p:extLst>
   </p:cSld>
@@ -10700,6 +10872,339 @@
         <p:cNvPr id="1" name="">
           <a:extLst>
             <a:ext uri="{FF2B5EF4-FFF2-40B4-BE49-F238E27FC236}">
+              <a16:creationId xmlns:a16="http://schemas.microsoft.com/office/drawing/2014/main" id="{D010D97C-4FEC-D372-E84B-3D4E920C7146}"/>
+            </a:ext>
+          </a:extLst>
+        </p:cNvPr>
+        <p:cNvGrpSpPr/>
+        <p:nvPr/>
+      </p:nvGrpSpPr>
+      <p:grpSpPr>
+        <a:xfrm>
+          <a:off x="0" y="0"/>
+          <a:ext cx="0" cy="0"/>
+          <a:chOff x="0" y="0"/>
+          <a:chExt cx="0" cy="0"/>
+        </a:xfrm>
+      </p:grpSpPr>
+      <p:sp>
+        <p:nvSpPr>
+          <p:cNvPr id="2" name="Title 1">
+            <a:extLst>
+              <a:ext uri="{FF2B5EF4-FFF2-40B4-BE49-F238E27FC236}">
+                <a16:creationId xmlns:a16="http://schemas.microsoft.com/office/drawing/2014/main" id="{49FE868E-30B3-3D22-ED56-E9D1D86EA46C}"/>
+              </a:ext>
+            </a:extLst>
+          </p:cNvPr>
+          <p:cNvSpPr>
+            <a:spLocks noGrp="1"/>
+          </p:cNvSpPr>
+          <p:nvPr>
+            <p:ph type="title"/>
+          </p:nvPr>
+        </p:nvSpPr>
+        <p:spPr>
+          <a:xfrm>
+            <a:off x="619125" y="419100"/>
+            <a:ext cx="8667750" cy="1028700"/>
+          </a:xfrm>
+        </p:spPr>
+        <p:txBody>
+          <a:bodyPr/>
+          <a:lstStyle/>
+          <a:p>
+            <a:r>
+              <a:rPr lang="en-US" sz="2400" dirty="0"/>
+              <a:t>Advanced: </a:t>
+            </a:r>
+            <a:r>
+              <a:rPr lang="en-US" sz="2400" dirty="0" err="1"/>
+              <a:t>Symbolification</a:t>
+            </a:r>
+            <a:endParaRPr sz="2400" dirty="0"/>
+          </a:p>
+        </p:txBody>
+      </p:sp>
+      <p:sp>
+        <p:nvSpPr>
+          <p:cNvPr id="3" name="Content Placeholder 2" descr="phi&#10;">
+            <a:extLst>
+              <a:ext uri="{FF2B5EF4-FFF2-40B4-BE49-F238E27FC236}">
+                <a16:creationId xmlns:a16="http://schemas.microsoft.com/office/drawing/2014/main" id="{1377C238-ECC7-2E97-A744-9A4C7FF2B144}"/>
+              </a:ext>
+            </a:extLst>
+          </p:cNvPr>
+          <p:cNvSpPr>
+            <a:spLocks noGrp="1"/>
+          </p:cNvSpPr>
+          <p:nvPr>
+            <p:ph idx="1"/>
+          </p:nvPr>
+        </p:nvSpPr>
+        <p:spPr>
+          <a:xfrm>
+            <a:off x="619125" y="1143000"/>
+            <a:ext cx="8667750" cy="2514600"/>
+          </a:xfrm>
+        </p:spPr>
+        <p:txBody>
+          <a:bodyPr/>
+          <a:lstStyle/>
+          <a:p>
+            <a:pPr marL="0" indent="0">
+              <a:buNone/>
+            </a:pPr>
+            <a:br>
+              <a:rPr lang="en-US" sz="1800" dirty="0"/>
+            </a:br>
+            <a:r>
+              <a:rPr lang="en-US" sz="1800" dirty="0"/>
+              <a:t>In some cases, after pruning, we suspect that some activation functions are very similar to symbolic functions then </a:t>
+            </a:r>
+            <a:r>
+              <a:rPr lang="en-US" sz="1800" dirty="0" err="1"/>
+              <a:t>symbolification</a:t>
+            </a:r>
+            <a:r>
+              <a:rPr lang="en-US" sz="1800" dirty="0"/>
+              <a:t> provides an interface to set the symbolic ϕ to their specified symbolic form.</a:t>
+            </a:r>
+          </a:p>
+        </p:txBody>
+      </p:sp>
+      <p:pic>
+        <p:nvPicPr>
+          <p:cNvPr id="5" name="Picture 4">
+            <a:extLst>
+              <a:ext uri="{FF2B5EF4-FFF2-40B4-BE49-F238E27FC236}">
+                <a16:creationId xmlns:a16="http://schemas.microsoft.com/office/drawing/2014/main" id="{3573AC33-7B2A-094B-4817-30B702F93A49}"/>
+              </a:ext>
+            </a:extLst>
+          </p:cNvPr>
+          <p:cNvPicPr>
+            <a:picLocks noChangeAspect="1"/>
+          </p:cNvPicPr>
+          <p:nvPr/>
+        </p:nvPicPr>
+        <p:blipFill>
+          <a:blip r:embed="rId2"/>
+          <a:stretch>
+            <a:fillRect/>
+          </a:stretch>
+        </p:blipFill>
+        <p:spPr>
+          <a:xfrm>
+            <a:off x="1828800" y="2667000"/>
+            <a:ext cx="6324600" cy="3402432"/>
+          </a:xfrm>
+          <a:prstGeom prst="rect">
+            <a:avLst/>
+          </a:prstGeom>
+        </p:spPr>
+      </p:pic>
+    </p:spTree>
+    <p:extLst>
+      <p:ext uri="{BB962C8B-B14F-4D97-AF65-F5344CB8AC3E}">
+        <p14:creationId xmlns:p14="http://schemas.microsoft.com/office/powerpoint/2010/main" val="2953782726"/>
+      </p:ext>
+    </p:extLst>
+  </p:cSld>
+  <p:clrMapOvr>
+    <a:masterClrMapping/>
+  </p:clrMapOvr>
+</p:sld>
+</file>
+
+<file path=ppt/slides/slide21.xml><?xml version="1.0" encoding="utf-8"?>
+<p:sld xmlns:a="http://schemas.openxmlformats.org/drawingml/2006/main" xmlns:r="http://schemas.openxmlformats.org/officeDocument/2006/relationships" xmlns:p="http://schemas.openxmlformats.org/presentationml/2006/main">
+  <p:cSld>
+    <p:spTree>
+      <p:nvGrpSpPr>
+        <p:cNvPr id="1" name="">
+          <a:extLst>
+            <a:ext uri="{FF2B5EF4-FFF2-40B4-BE49-F238E27FC236}">
+              <a16:creationId xmlns:a16="http://schemas.microsoft.com/office/drawing/2014/main" id="{DA9441B2-A173-6807-6663-E2D97ABB5E29}"/>
+            </a:ext>
+          </a:extLst>
+        </p:cNvPr>
+        <p:cNvGrpSpPr/>
+        <p:nvPr/>
+      </p:nvGrpSpPr>
+      <p:grpSpPr>
+        <a:xfrm>
+          <a:off x="0" y="0"/>
+          <a:ext cx="0" cy="0"/>
+          <a:chOff x="0" y="0"/>
+          <a:chExt cx="0" cy="0"/>
+        </a:xfrm>
+      </p:grpSpPr>
+      <p:sp>
+        <p:nvSpPr>
+          <p:cNvPr id="2" name="Title 1">
+            <a:extLst>
+              <a:ext uri="{FF2B5EF4-FFF2-40B4-BE49-F238E27FC236}">
+                <a16:creationId xmlns:a16="http://schemas.microsoft.com/office/drawing/2014/main" id="{9E10443B-398E-4059-D1E4-0F358528DF02}"/>
+              </a:ext>
+            </a:extLst>
+          </p:cNvPr>
+          <p:cNvSpPr>
+            <a:spLocks noGrp="1"/>
+          </p:cNvSpPr>
+          <p:nvPr>
+            <p:ph type="title"/>
+          </p:nvPr>
+        </p:nvSpPr>
+        <p:spPr/>
+        <p:txBody>
+          <a:bodyPr/>
+          <a:lstStyle/>
+          <a:p>
+            <a:r>
+              <a:rPr lang="en-US" sz="2400" dirty="0"/>
+              <a:t>Code: Symbolic Regression</a:t>
+            </a:r>
+            <a:endParaRPr sz="2400" dirty="0"/>
+          </a:p>
+        </p:txBody>
+      </p:sp>
+      <p:sp>
+        <p:nvSpPr>
+          <p:cNvPr id="3" name="Content Placeholder 2" descr="phi&#10;">
+            <a:extLst>
+              <a:ext uri="{FF2B5EF4-FFF2-40B4-BE49-F238E27FC236}">
+                <a16:creationId xmlns:a16="http://schemas.microsoft.com/office/drawing/2014/main" id="{5F4EBD7D-0CC3-B858-E1F3-A11163312FDB}"/>
+              </a:ext>
+            </a:extLst>
+          </p:cNvPr>
+          <p:cNvSpPr>
+            <a:spLocks noGrp="1"/>
+          </p:cNvSpPr>
+          <p:nvPr>
+            <p:ph idx="1"/>
+          </p:nvPr>
+        </p:nvSpPr>
+        <p:spPr>
+          <a:xfrm>
+            <a:off x="619125" y="1461223"/>
+            <a:ext cx="8667750" cy="1600200"/>
+          </a:xfrm>
+        </p:spPr>
+        <p:txBody>
+          <a:bodyPr/>
+          <a:lstStyle/>
+          <a:p>
+            <a:pPr marL="0" indent="0" algn="ctr">
+              <a:buNone/>
+            </a:pPr>
+            <a:r>
+              <a:rPr lang="en-US" sz="1800" dirty="0"/>
+              <a:t>NOTEBOOK 1:</a:t>
+            </a:r>
+          </a:p>
+          <a:p>
+            <a:pPr marL="0" indent="0">
+              <a:buNone/>
+            </a:pPr>
+            <a:r>
+              <a:rPr lang="en-US" sz="1800" dirty="0"/>
+              <a:t>The regression task involves training a Kolmogorov Arnold Network (KAN) to learn a non-linear function using symbolic regression to enhance interpretability.</a:t>
+            </a:r>
+          </a:p>
+          <a:p>
+            <a:pPr marL="0" indent="0">
+              <a:buNone/>
+            </a:pPr>
+            <a:endParaRPr lang="en-US" sz="1800" dirty="0"/>
+          </a:p>
+          <a:p>
+            <a:pPr marL="0" indent="0">
+              <a:buNone/>
+            </a:pPr>
+            <a:endParaRPr lang="en-US" sz="1800" dirty="0"/>
+          </a:p>
+        </p:txBody>
+      </p:sp>
+      <p:pic>
+        <p:nvPicPr>
+          <p:cNvPr id="5" name="Picture 4">
+            <a:extLst>
+              <a:ext uri="{FF2B5EF4-FFF2-40B4-BE49-F238E27FC236}">
+                <a16:creationId xmlns:a16="http://schemas.microsoft.com/office/drawing/2014/main" id="{355E1CC8-F487-850E-9E38-C827E560A445}"/>
+              </a:ext>
+            </a:extLst>
+          </p:cNvPr>
+          <p:cNvPicPr>
+            <a:picLocks noChangeAspect="1"/>
+          </p:cNvPicPr>
+          <p:nvPr/>
+        </p:nvPicPr>
+        <p:blipFill>
+          <a:blip r:embed="rId2"/>
+          <a:stretch>
+            <a:fillRect/>
+          </a:stretch>
+        </p:blipFill>
+        <p:spPr>
+          <a:xfrm>
+            <a:off x="3733800" y="3429000"/>
+            <a:ext cx="2258957" cy="2391187"/>
+          </a:xfrm>
+          <a:prstGeom prst="rect">
+            <a:avLst/>
+          </a:prstGeom>
+        </p:spPr>
+      </p:pic>
+      <p:pic>
+        <p:nvPicPr>
+          <p:cNvPr id="7" name="Picture 6">
+            <a:extLst>
+              <a:ext uri="{FF2B5EF4-FFF2-40B4-BE49-F238E27FC236}">
+                <a16:creationId xmlns:a16="http://schemas.microsoft.com/office/drawing/2014/main" id="{24E6F343-983A-8A54-C518-7B0BF83CC88C}"/>
+              </a:ext>
+            </a:extLst>
+          </p:cNvPr>
+          <p:cNvPicPr>
+            <a:picLocks noChangeAspect="1"/>
+          </p:cNvPicPr>
+          <p:nvPr/>
+        </p:nvPicPr>
+        <p:blipFill>
+          <a:blip r:embed="rId3"/>
+          <a:stretch>
+            <a:fillRect/>
+          </a:stretch>
+        </p:blipFill>
+        <p:spPr>
+          <a:xfrm>
+            <a:off x="3543883" y="2824131"/>
+            <a:ext cx="2638793" cy="447737"/>
+          </a:xfrm>
+          <a:prstGeom prst="rect">
+            <a:avLst/>
+          </a:prstGeom>
+        </p:spPr>
+      </p:pic>
+    </p:spTree>
+    <p:extLst>
+      <p:ext uri="{BB962C8B-B14F-4D97-AF65-F5344CB8AC3E}">
+        <p14:creationId xmlns:p14="http://schemas.microsoft.com/office/powerpoint/2010/main" val="3760028840"/>
+      </p:ext>
+    </p:extLst>
+  </p:cSld>
+  <p:clrMapOvr>
+    <a:masterClrMapping/>
+  </p:clrMapOvr>
+</p:sld>
+</file>
+
+<file path=ppt/slides/slide22.xml><?xml version="1.0" encoding="utf-8"?>
+<p:sld xmlns:a="http://schemas.openxmlformats.org/drawingml/2006/main" xmlns:r="http://schemas.openxmlformats.org/officeDocument/2006/relationships" xmlns:p="http://schemas.openxmlformats.org/presentationml/2006/main">
+  <p:cSld>
+    <p:spTree>
+      <p:nvGrpSpPr>
+        <p:cNvPr id="1" name="">
+          <a:extLst>
+            <a:ext uri="{FF2B5EF4-FFF2-40B4-BE49-F238E27FC236}">
               <a16:creationId xmlns:a16="http://schemas.microsoft.com/office/drawing/2014/main" id="{406FFC3E-6B39-0E75-9339-22CF82DF4DD3}"/>
             </a:ext>
           </a:extLst>
@@ -10774,6 +11279,15 @@
           <a:bodyPr/>
           <a:lstStyle/>
           <a:p>
+            <a:pPr marL="0" indent="0" algn="ctr">
+              <a:buNone/>
+            </a:pPr>
+            <a:r>
+              <a:rPr lang="en-US" sz="1800" dirty="0"/>
+              <a:t>NOTEBOOK 2:</a:t>
+            </a:r>
+          </a:p>
+          <a:p>
             <a:pPr marL="0" indent="0">
               <a:buNone/>
             </a:pPr>
@@ -10800,19 +11314,13 @@
             <a:pPr marL="0" indent="0">
               <a:buNone/>
             </a:pPr>
-            <a:r>
-              <a:rPr lang="en-US" sz="1800" dirty="0"/>
-              <a:t>Accuracy:</a:t>
-            </a:r>
+            <a:endParaRPr lang="en-US" sz="1800" dirty="0"/>
           </a:p>
           <a:p>
             <a:pPr marL="0" indent="0">
               <a:buNone/>
             </a:pPr>
-            <a:r>
-              <a:rPr lang="en-US" sz="1800" dirty="0"/>
-              <a:t> • Training Accuracy: 0.978</a:t>
-            </a:r>
+            <a:endParaRPr lang="en-US" sz="1800" dirty="0"/>
           </a:p>
           <a:p>
             <a:pPr marL="0" indent="0">
@@ -10820,17 +11328,41 @@
             </a:pPr>
             <a:r>
               <a:rPr lang="en-US" sz="1800" dirty="0"/>
-              <a:t> • Test Accuracy: 0.974</a:t>
-            </a:r>
+              <a:t>Accuracy:</a:t>
+            </a:r>
+          </a:p>
+          <a:p>
+            <a:pPr marL="0" indent="0">
+              <a:buNone/>
+            </a:pPr>
+            <a:r>
+              <a:rPr lang="en-US" sz="1800" dirty="0"/>
+              <a:t> • Training Accuracy: 0.974</a:t>
+            </a:r>
+          </a:p>
+          <a:p>
+            <a:pPr marL="0" indent="0">
+              <a:buNone/>
+            </a:pPr>
+            <a:r>
+              <a:rPr lang="en-US" sz="1800" dirty="0"/>
+              <a:t> • Test Accuracy: 0.973</a:t>
+            </a:r>
+          </a:p>
+          <a:p>
+            <a:pPr marL="0" indent="0">
+              <a:buNone/>
+            </a:pPr>
+            <a:endParaRPr lang="en-US" sz="1800" dirty="0"/>
           </a:p>
         </p:txBody>
       </p:sp>
       <p:pic>
         <p:nvPicPr>
-          <p:cNvPr id="5" name="Picture 4">
+          <p:cNvPr id="6" name="Picture 5">
             <a:extLst>
               <a:ext uri="{FF2B5EF4-FFF2-40B4-BE49-F238E27FC236}">
-                <a16:creationId xmlns:a16="http://schemas.microsoft.com/office/drawing/2014/main" id="{58B26872-8E5E-7837-DB03-F91C0638DCA1}"/>
+                <a16:creationId xmlns:a16="http://schemas.microsoft.com/office/drawing/2014/main" id="{BD16932B-DF2E-1963-4A43-C98AE009C61C}"/>
               </a:ext>
             </a:extLst>
           </p:cNvPr>
@@ -10847,8 +11379,8 @@
         </p:blipFill>
         <p:spPr>
           <a:xfrm>
-            <a:off x="3971544" y="2667000"/>
-            <a:ext cx="5321427" cy="3208701"/>
+            <a:off x="3962400" y="2819400"/>
+            <a:ext cx="5429644" cy="3200400"/>
           </a:xfrm>
           <a:prstGeom prst="rect">
             <a:avLst/>
@@ -10868,7 +11400,7 @@
 </p:sld>
 </file>
 
-<file path=ppt/slides/slide21.xml><?xml version="1.0" encoding="utf-8"?>
+<file path=ppt/slides/slide23.xml><?xml version="1.0" encoding="utf-8"?>
 <p:sld xmlns:a="http://schemas.openxmlformats.org/drawingml/2006/main" xmlns:r="http://schemas.openxmlformats.org/officeDocument/2006/relationships" xmlns:p="http://schemas.openxmlformats.org/presentationml/2006/main">
   <p:cSld>
     <p:spTree>
